--- a/3a.1.PlasticsAndCompositesEngineering/5_ClassActivity/2_Class Activity_06.07.2020_team2.pptx
+++ b/3a.1.PlasticsAndCompositesEngineering/5_ClassActivity/2_Class Activity_06.07.2020_team2.pptx
@@ -5,20 +5,16 @@
     <p:sldMasterId id="2147483648" r:id="rId1"/>
   </p:sldMasterIdLst>
   <p:notesMasterIdLst>
-    <p:notesMasterId r:id="rId13"/>
+    <p:notesMasterId r:id="rId9"/>
   </p:notesMasterIdLst>
   <p:sldIdLst>
     <p:sldId id="256" r:id="rId2"/>
-    <p:sldId id="257" r:id="rId3"/>
-    <p:sldId id="260" r:id="rId4"/>
-    <p:sldId id="284" r:id="rId5"/>
-    <p:sldId id="285" r:id="rId6"/>
-    <p:sldId id="282" r:id="rId7"/>
-    <p:sldId id="276" r:id="rId8"/>
-    <p:sldId id="269" r:id="rId9"/>
-    <p:sldId id="263" r:id="rId10"/>
-    <p:sldId id="283" r:id="rId11"/>
-    <p:sldId id="281" r:id="rId12"/>
+    <p:sldId id="284" r:id="rId3"/>
+    <p:sldId id="285" r:id="rId4"/>
+    <p:sldId id="282" r:id="rId5"/>
+    <p:sldId id="276" r:id="rId6"/>
+    <p:sldId id="269" r:id="rId7"/>
+    <p:sldId id="263" r:id="rId8"/>
   </p:sldIdLst>
   <p:sldSz cx="12192000" cy="6858000"/>
   <p:notesSz cx="6858000" cy="9144000"/>
@@ -123,12 +119,6 @@
         <p14:section name="Opening Slides" id="{C3FB3F32-FB21-4AE8-89EF-70B7F2C28BB8}">
           <p14:sldIdLst>
             <p14:sldId id="256"/>
-            <p14:sldId id="257"/>
-          </p14:sldIdLst>
-        </p14:section>
-        <p14:section name="Opening Slides" id="{4602AA0E-63BE-41F3-8FC7-D6D9D743E6E4}">
-          <p14:sldIdLst>
-            <p14:sldId id="260"/>
           </p14:sldIdLst>
         </p14:section>
         <p14:section name="Presentation Body" id="{032748CF-34D4-4F00-AA86-51FC83977DA0}">
@@ -147,8 +137,6 @@
         <p14:section name="Side Slides" id="{1C99C5B6-3640-4323-B416-8D531FACFE49}">
           <p14:sldIdLst>
             <p14:sldId id="263"/>
-            <p14:sldId id="283"/>
-            <p14:sldId id="281"/>
           </p14:sldIdLst>
         </p14:section>
       </p14:sectionLst>
@@ -186,8 +174,12 @@
 <file path=ppt/revisionInfo.xml><?xml version="1.0" encoding="utf-8"?>
 <p1510:revInfo xmlns:a="http://schemas.openxmlformats.org/drawingml/2006/main" xmlns:r="http://schemas.openxmlformats.org/officeDocument/2006/relationships" xmlns:p1510="http://schemas.microsoft.com/office/powerpoint/2015/10/main">
   <p1510:revLst>
-    <p1510:client id="{1E83AF17-B86E-4C19-9585-AD3B0B02D326}" v="346" dt="2020-07-07T05:39:48.642"/>
+    <p1510:client id="{0C436939-5DEA-A61A-B6DA-B3EBA6433A08}" v="48" dt="2020-07-07T17:14:00.243"/>
+    <p1510:client id="{1E83AF17-B86E-4C19-9585-AD3B0B02D326}" v="369" dt="2020-07-07T15:42:30.818"/>
+    <p1510:client id="{537A1ECF-6847-CC0B-8CD1-6EAC8C52B1E1}" v="12" dt="2020-07-07T16:52:22.733"/>
+    <p1510:client id="{5628C7C1-F47A-2936-E531-8186F3A2B7F1}" v="10" dt="2020-07-07T16:15:36.059"/>
     <p1510:client id="{640C0C0F-CC60-43B7-9EA7-204785F2864C}" v="1226" dt="2020-07-07T04:55:23.666"/>
+    <p1510:client id="{C87E4ABE-1CA8-E0E9-2EE9-4D7FAE3D67D2}" v="4" dt="2020-07-07T19:23:37.348"/>
   </p1510:revLst>
 </p1510:revInfo>
 </file>
@@ -195,262 +187,95 @@
 <file path=ppt/changesInfos/changesInfo1.xml><?xml version="1.0" encoding="utf-8"?>
 <pc:chgInfo xmlns:a="http://schemas.openxmlformats.org/drawingml/2006/main" xmlns:r="http://schemas.openxmlformats.org/officeDocument/2006/relationships" xmlns:ac="http://schemas.microsoft.com/office/drawing/2013/main/command" xmlns:pc="http://schemas.microsoft.com/office/powerpoint/2013/main/command">
   <pc:docChgLst>
-    <pc:chgData name="Antonio Osamu Katagiri Tanaka" userId="2c28225e-d492-4964-8551-1b0a3c65dda0" providerId="ADAL" clId="{329B512D-3474-403B-B217-DE713D6D5C19}"/>
-    <pc:docChg chg="undo custSel addSld delSld modSld sldOrd modSection">
-      <pc:chgData name="Antonio Osamu Katagiri Tanaka" userId="2c28225e-d492-4964-8551-1b0a3c65dda0" providerId="ADAL" clId="{329B512D-3474-403B-B217-DE713D6D5C19}" dt="2019-04-04T15:50:31.505" v="1986" actId="20577"/>
+    <pc:chgData name="Guest User" userId="S::urn:spo:anon#47e46a85d04db472c28c4aeb3bb64066e5c98df06a20401cfe8bdeac802351a8::" providerId="AD" clId="Web-{640C0C0F-CC60-43B7-9EA7-204785F2864C}"/>
+    <pc:docChg chg="modSld">
+      <pc:chgData name="Guest User" userId="S::urn:spo:anon#47e46a85d04db472c28c4aeb3bb64066e5c98df06a20401cfe8bdeac802351a8::" providerId="AD" clId="Web-{640C0C0F-CC60-43B7-9EA7-204785F2864C}" dt="2020-07-07T04:55:23.666" v="1217" actId="20577"/>
       <pc:docMkLst>
         <pc:docMk/>
       </pc:docMkLst>
-      <pc:sldChg chg="addSp">
-        <pc:chgData name="Antonio Osamu Katagiri Tanaka" userId="2c28225e-d492-4964-8551-1b0a3c65dda0" providerId="ADAL" clId="{329B512D-3474-403B-B217-DE713D6D5C19}" dt="2019-03-31T15:07:38.520" v="0" actId="9405"/>
-        <pc:sldMkLst>
-          <pc:docMk/>
-          <pc:sldMk cId="3401248549" sldId="256"/>
-        </pc:sldMkLst>
-        <pc:inkChg chg="add">
-          <ac:chgData name="Antonio Osamu Katagiri Tanaka" userId="2c28225e-d492-4964-8551-1b0a3c65dda0" providerId="ADAL" clId="{329B512D-3474-403B-B217-DE713D6D5C19}" dt="2019-03-31T15:07:38.520" v="0" actId="9405"/>
-          <ac:inkMkLst>
-            <pc:docMk/>
-            <pc:sldMk cId="3401248549" sldId="256"/>
-            <ac:inkMk id="2" creationId="{E00210A8-2E97-46D2-AE68-867D9198F33C}"/>
-          </ac:inkMkLst>
-        </pc:inkChg>
-      </pc:sldChg>
       <pc:sldChg chg="modSp">
-        <pc:chgData name="Antonio Osamu Katagiri Tanaka" userId="2c28225e-d492-4964-8551-1b0a3c65dda0" providerId="ADAL" clId="{329B512D-3474-403B-B217-DE713D6D5C19}" dt="2019-04-04T15:50:31.505" v="1986" actId="20577"/>
-        <pc:sldMkLst>
-          <pc:docMk/>
-          <pc:sldMk cId="1105756717" sldId="257"/>
-        </pc:sldMkLst>
-        <pc:spChg chg="mod">
-          <ac:chgData name="Antonio Osamu Katagiri Tanaka" userId="2c28225e-d492-4964-8551-1b0a3c65dda0" providerId="ADAL" clId="{329B512D-3474-403B-B217-DE713D6D5C19}" dt="2019-04-04T15:50:31.505" v="1986" actId="20577"/>
-          <ac:spMkLst>
-            <pc:docMk/>
-            <pc:sldMk cId="1105756717" sldId="257"/>
-            <ac:spMk id="3" creationId="{6E971A9A-8031-4781-96A0-B9A5656935B5}"/>
-          </ac:spMkLst>
-        </pc:spChg>
-      </pc:sldChg>
-      <pc:sldChg chg="addSp delSp modSp">
-        <pc:chgData name="Antonio Osamu Katagiri Tanaka" userId="2c28225e-d492-4964-8551-1b0a3c65dda0" providerId="ADAL" clId="{329B512D-3474-403B-B217-DE713D6D5C19}" dt="2019-04-04T14:27:37.615" v="1984" actId="115"/>
-        <pc:sldMkLst>
-          <pc:docMk/>
-          <pc:sldMk cId="3604131991" sldId="263"/>
-        </pc:sldMkLst>
-        <pc:spChg chg="mod">
-          <ac:chgData name="Antonio Osamu Katagiri Tanaka" userId="2c28225e-d492-4964-8551-1b0a3c65dda0" providerId="ADAL" clId="{329B512D-3474-403B-B217-DE713D6D5C19}" dt="2019-04-04T14:27:37.615" v="1984" actId="115"/>
-          <ac:spMkLst>
-            <pc:docMk/>
-            <pc:sldMk cId="3604131991" sldId="263"/>
-            <ac:spMk id="6" creationId="{058630E6-31AF-4451-B084-C9809D0DA4E8}"/>
-          </ac:spMkLst>
-        </pc:spChg>
-        <pc:inkChg chg="add del">
-          <ac:chgData name="Antonio Osamu Katagiri Tanaka" userId="2c28225e-d492-4964-8551-1b0a3c65dda0" providerId="ADAL" clId="{329B512D-3474-403B-B217-DE713D6D5C19}" dt="2019-04-04T14:27:28.979" v="1982" actId="9405"/>
-          <ac:inkMkLst>
-            <pc:docMk/>
-            <pc:sldMk cId="3604131991" sldId="263"/>
-            <ac:inkMk id="2" creationId="{969D952D-714C-43B0-A513-C6B4AE47428D}"/>
-          </ac:inkMkLst>
-        </pc:inkChg>
-        <pc:inkChg chg="add del">
-          <ac:chgData name="Antonio Osamu Katagiri Tanaka" userId="2c28225e-d492-4964-8551-1b0a3c65dda0" providerId="ADAL" clId="{329B512D-3474-403B-B217-DE713D6D5C19}" dt="2019-04-04T14:27:28.045" v="1981" actId="9405"/>
-          <ac:inkMkLst>
-            <pc:docMk/>
-            <pc:sldMk cId="3604131991" sldId="263"/>
-            <ac:inkMk id="3" creationId="{FE05DE7C-4281-4120-83A0-C423CBD124A8}"/>
-          </ac:inkMkLst>
-        </pc:inkChg>
-        <pc:inkChg chg="add del">
-          <ac:chgData name="Antonio Osamu Katagiri Tanaka" userId="2c28225e-d492-4964-8551-1b0a3c65dda0" providerId="ADAL" clId="{329B512D-3474-403B-B217-DE713D6D5C19}" dt="2019-04-04T14:27:27.649" v="1980" actId="9405"/>
-          <ac:inkMkLst>
-            <pc:docMk/>
-            <pc:sldMk cId="3604131991" sldId="263"/>
-            <ac:inkMk id="5" creationId="{BB6A19F7-AA98-477A-A47F-B32552340760}"/>
-          </ac:inkMkLst>
-        </pc:inkChg>
-      </pc:sldChg>
-      <pc:sldChg chg="addSp delSp modSp add modNotesTx">
-        <pc:chgData name="Antonio Osamu Katagiri Tanaka" userId="2c28225e-d492-4964-8551-1b0a3c65dda0" providerId="ADAL" clId="{329B512D-3474-403B-B217-DE713D6D5C19}" dt="2019-04-04T13:21:57.223" v="1920" actId="20577"/>
+        <pc:chgData name="Guest User" userId="S::urn:spo:anon#47e46a85d04db472c28c4aeb3bb64066e5c98df06a20401cfe8bdeac802351a8::" providerId="AD" clId="Web-{640C0C0F-CC60-43B7-9EA7-204785F2864C}" dt="2020-07-07T04:23:42.997" v="756" actId="20577"/>
         <pc:sldMkLst>
           <pc:docMk/>
           <pc:sldMk cId="708711930" sldId="276"/>
         </pc:sldMkLst>
         <pc:spChg chg="mod">
-          <ac:chgData name="Antonio Osamu Katagiri Tanaka" userId="2c28225e-d492-4964-8551-1b0a3c65dda0" providerId="ADAL" clId="{329B512D-3474-403B-B217-DE713D6D5C19}" dt="2019-04-04T04:34:54.745" v="1145" actId="20577"/>
-          <ac:spMkLst>
-            <pc:docMk/>
-            <pc:sldMk cId="708711930" sldId="276"/>
-            <ac:spMk id="4" creationId="{F9ED8BE6-F7AC-4FD8-8FA8-8C683A7C2F62}"/>
-          </ac:spMkLst>
-        </pc:spChg>
-        <pc:spChg chg="add mod">
-          <ac:chgData name="Antonio Osamu Katagiri Tanaka" userId="2c28225e-d492-4964-8551-1b0a3c65dda0" providerId="ADAL" clId="{329B512D-3474-403B-B217-DE713D6D5C19}" dt="2019-04-04T13:21:57.223" v="1920" actId="20577"/>
+          <ac:chgData name="Guest User" userId="S::urn:spo:anon#47e46a85d04db472c28c4aeb3bb64066e5c98df06a20401cfe8bdeac802351a8::" providerId="AD" clId="Web-{640C0C0F-CC60-43B7-9EA7-204785F2864C}" dt="2020-07-07T04:23:42.997" v="756" actId="20577"/>
           <ac:spMkLst>
             <pc:docMk/>
             <pc:sldMk cId="708711930" sldId="276"/>
             <ac:spMk id="7" creationId="{43F915F1-9C90-4B6E-AA0B-C9F4FCF704FA}"/>
           </ac:spMkLst>
         </pc:spChg>
-        <pc:picChg chg="add del mod">
-          <ac:chgData name="Antonio Osamu Katagiri Tanaka" userId="2c28225e-d492-4964-8551-1b0a3c65dda0" providerId="ADAL" clId="{329B512D-3474-403B-B217-DE713D6D5C19}" dt="2019-04-04T05:13:15.197" v="1321" actId="478"/>
+      </pc:sldChg>
+      <pc:sldChg chg="addSp modSp">
+        <pc:chgData name="Guest User" userId="S::urn:spo:anon#47e46a85d04db472c28c4aeb3bb64066e5c98df06a20401cfe8bdeac802351a8::" providerId="AD" clId="Web-{640C0C0F-CC60-43B7-9EA7-204785F2864C}" dt="2020-07-07T04:42:32.109" v="1070" actId="20577"/>
+        <pc:sldMkLst>
+          <pc:docMk/>
+          <pc:sldMk cId="2400443886" sldId="282"/>
+        </pc:sldMkLst>
+        <pc:spChg chg="add mod">
+          <ac:chgData name="Guest User" userId="S::urn:spo:anon#47e46a85d04db472c28c4aeb3bb64066e5c98df06a20401cfe8bdeac802351a8::" providerId="AD" clId="Web-{640C0C0F-CC60-43B7-9EA7-204785F2864C}" dt="2020-07-07T04:38:55.909" v="991" actId="1076"/>
+          <ac:spMkLst>
+            <pc:docMk/>
+            <pc:sldMk cId="2400443886" sldId="282"/>
+            <ac:spMk id="7" creationId="{60E157AC-7BB5-4366-9262-E2638604C140}"/>
+          </ac:spMkLst>
+        </pc:spChg>
+        <pc:spChg chg="mod">
+          <ac:chgData name="Guest User" userId="S::urn:spo:anon#47e46a85d04db472c28c4aeb3bb64066e5c98df06a20401cfe8bdeac802351a8::" providerId="AD" clId="Web-{640C0C0F-CC60-43B7-9EA7-204785F2864C}" dt="2020-07-07T04:42:32.109" v="1070" actId="20577"/>
+          <ac:spMkLst>
+            <pc:docMk/>
+            <pc:sldMk cId="2400443886" sldId="282"/>
+            <ac:spMk id="8" creationId="{9B5CFC4D-3DDF-451F-A89A-41EAEE17AC8E}"/>
+          </ac:spMkLst>
+        </pc:spChg>
+        <pc:picChg chg="add mod">
+          <ac:chgData name="Guest User" userId="S::urn:spo:anon#47e46a85d04db472c28c4aeb3bb64066e5c98df06a20401cfe8bdeac802351a8::" providerId="AD" clId="Web-{640C0C0F-CC60-43B7-9EA7-204785F2864C}" dt="2020-07-07T04:37:54.984" v="873" actId="1076"/>
           <ac:picMkLst>
             <pc:docMk/>
-            <pc:sldMk cId="708711930" sldId="276"/>
-            <ac:picMk id="5" creationId="{A98AA8FA-E2A8-490A-BE93-C2DB37F95CB5}"/>
+            <pc:sldMk cId="2400443886" sldId="282"/>
+            <ac:picMk id="4" creationId="{66DB106F-FD6A-4232-A7C5-5F3ABDED31F0}"/>
           </ac:picMkLst>
         </pc:picChg>
       </pc:sldChg>
-      <pc:sldChg chg="addSp delSp add">
-        <pc:chgData name="Antonio Osamu Katagiri Tanaka" userId="2c28225e-d492-4964-8551-1b0a3c65dda0" providerId="ADAL" clId="{329B512D-3474-403B-B217-DE713D6D5C19}" dt="2019-04-04T14:17:54.544" v="1976" actId="9405"/>
+      <pc:sldChg chg="addSp modSp">
+        <pc:chgData name="Guest User" userId="S::urn:spo:anon#47e46a85d04db472c28c4aeb3bb64066e5c98df06a20401cfe8bdeac802351a8::" providerId="AD" clId="Web-{640C0C0F-CC60-43B7-9EA7-204785F2864C}" dt="2020-07-07T04:32:28.199" v="866" actId="20577"/>
         <pc:sldMkLst>
           <pc:docMk/>
-          <pc:sldMk cId="2232161063" sldId="281"/>
+          <pc:sldMk cId="3318103689" sldId="284"/>
         </pc:sldMkLst>
-        <pc:spChg chg="del">
-          <ac:chgData name="Antonio Osamu Katagiri Tanaka" userId="2c28225e-d492-4964-8551-1b0a3c65dda0" providerId="ADAL" clId="{329B512D-3474-403B-B217-DE713D6D5C19}" dt="2019-04-04T14:16:15.620" v="1950" actId="478"/>
+        <pc:spChg chg="add mod">
+          <ac:chgData name="Guest User" userId="S::urn:spo:anon#47e46a85d04db472c28c4aeb3bb64066e5c98df06a20401cfe8bdeac802351a8::" providerId="AD" clId="Web-{640C0C0F-CC60-43B7-9EA7-204785F2864C}" dt="2020-07-07T04:32:28.199" v="866" actId="20577"/>
           <ac:spMkLst>
             <pc:docMk/>
-            <pc:sldMk cId="2232161063" sldId="281"/>
-            <ac:spMk id="2" creationId="{4C4F355D-C485-4947-B93D-D35B7AA9E70B}"/>
+            <pc:sldMk cId="3318103689" sldId="284"/>
+            <ac:spMk id="4" creationId="{6AE71113-7603-4258-9A83-0BFAC09331E2}"/>
           </ac:spMkLst>
         </pc:spChg>
-        <pc:spChg chg="del">
-          <ac:chgData name="Antonio Osamu Katagiri Tanaka" userId="2c28225e-d492-4964-8551-1b0a3c65dda0" providerId="ADAL" clId="{329B512D-3474-403B-B217-DE713D6D5C19}" dt="2019-04-04T14:16:15.620" v="1950" actId="478"/>
+        <pc:spChg chg="mod">
+          <ac:chgData name="Guest User" userId="S::urn:spo:anon#47e46a85d04db472c28c4aeb3bb64066e5c98df06a20401cfe8bdeac802351a8::" providerId="AD" clId="Web-{640C0C0F-CC60-43B7-9EA7-204785F2864C}" dt="2020-07-07T04:10:01.530" v="0" actId="14100"/>
           <ac:spMkLst>
             <pc:docMk/>
-            <pc:sldMk cId="2232161063" sldId="281"/>
-            <ac:spMk id="3" creationId="{CEFF394F-286F-4E9E-91A4-CDDC3F9A8031}"/>
+            <pc:sldMk cId="3318103689" sldId="284"/>
+            <ac:spMk id="14" creationId="{B1FDEF3E-1872-41D3-A841-FBE14801F476}"/>
           </ac:spMkLst>
         </pc:spChg>
-        <pc:inkChg chg="add del">
-          <ac:chgData name="Antonio Osamu Katagiri Tanaka" userId="2c28225e-d492-4964-8551-1b0a3c65dda0" providerId="ADAL" clId="{329B512D-3474-403B-B217-DE713D6D5C19}" dt="2019-04-04T14:16:38.510" v="1954" actId="9405"/>
-          <ac:inkMkLst>
-            <pc:docMk/>
-            <pc:sldMk cId="2232161063" sldId="281"/>
-            <ac:inkMk id="4" creationId="{F48662FE-D5D2-4B7F-8DA7-0CF64BB16546}"/>
-          </ac:inkMkLst>
-        </pc:inkChg>
-        <pc:inkChg chg="add del">
-          <ac:chgData name="Antonio Osamu Katagiri Tanaka" userId="2c28225e-d492-4964-8551-1b0a3c65dda0" providerId="ADAL" clId="{329B512D-3474-403B-B217-DE713D6D5C19}" dt="2019-04-04T14:16:38.154" v="1953" actId="9405"/>
-          <ac:inkMkLst>
-            <pc:docMk/>
-            <pc:sldMk cId="2232161063" sldId="281"/>
-            <ac:inkMk id="5" creationId="{4ABF39D1-C7B9-4BA2-B542-4048A038320F}"/>
-          </ac:inkMkLst>
-        </pc:inkChg>
-        <pc:inkChg chg="add del">
-          <ac:chgData name="Antonio Osamu Katagiri Tanaka" userId="2c28225e-d492-4964-8551-1b0a3c65dda0" providerId="ADAL" clId="{329B512D-3474-403B-B217-DE713D6D5C19}" dt="2019-04-04T14:16:47.175" v="1958" actId="9405"/>
-          <ac:inkMkLst>
-            <pc:docMk/>
-            <pc:sldMk cId="2232161063" sldId="281"/>
-            <ac:inkMk id="6" creationId="{5B1B56C8-70C9-4730-8643-79E88310667C}"/>
-          </ac:inkMkLst>
-        </pc:inkChg>
-        <pc:inkChg chg="add del">
-          <ac:chgData name="Antonio Osamu Katagiri Tanaka" userId="2c28225e-d492-4964-8551-1b0a3c65dda0" providerId="ADAL" clId="{329B512D-3474-403B-B217-DE713D6D5C19}" dt="2019-04-04T14:16:46.724" v="1957" actId="9405"/>
-          <ac:inkMkLst>
-            <pc:docMk/>
-            <pc:sldMk cId="2232161063" sldId="281"/>
-            <ac:inkMk id="7" creationId="{24C5F770-68B4-4D42-B489-41A511F861BD}"/>
-          </ac:inkMkLst>
-        </pc:inkChg>
-        <pc:inkChg chg="add del">
-          <ac:chgData name="Antonio Osamu Katagiri Tanaka" userId="2c28225e-d492-4964-8551-1b0a3c65dda0" providerId="ADAL" clId="{329B512D-3474-403B-B217-DE713D6D5C19}" dt="2019-04-04T14:17:20.271" v="1975" actId="9405"/>
-          <ac:inkMkLst>
-            <pc:docMk/>
-            <pc:sldMk cId="2232161063" sldId="281"/>
-            <ac:inkMk id="8" creationId="{39B76950-E0E3-487C-9E7C-22E8EC186848}"/>
-          </ac:inkMkLst>
-        </pc:inkChg>
-        <pc:inkChg chg="add del">
-          <ac:chgData name="Antonio Osamu Katagiri Tanaka" userId="2c28225e-d492-4964-8551-1b0a3c65dda0" providerId="ADAL" clId="{329B512D-3474-403B-B217-DE713D6D5C19}" dt="2019-04-04T14:17:20.012" v="1974" actId="9405"/>
-          <ac:inkMkLst>
-            <pc:docMk/>
-            <pc:sldMk cId="2232161063" sldId="281"/>
-            <ac:inkMk id="9" creationId="{3CEC4F54-38E1-4934-8B8C-FFE12692C698}"/>
-          </ac:inkMkLst>
-        </pc:inkChg>
-        <pc:inkChg chg="add del">
-          <ac:chgData name="Antonio Osamu Katagiri Tanaka" userId="2c28225e-d492-4964-8551-1b0a3c65dda0" providerId="ADAL" clId="{329B512D-3474-403B-B217-DE713D6D5C19}" dt="2019-04-04T14:17:09.245" v="1963"/>
-          <ac:inkMkLst>
-            <pc:docMk/>
-            <pc:sldMk cId="2232161063" sldId="281"/>
-            <ac:inkMk id="10" creationId="{0DBEE789-6623-4AB2-ADC5-98E430E1CBAF}"/>
-          </ac:inkMkLst>
-        </pc:inkChg>
-        <pc:inkChg chg="add del">
-          <ac:chgData name="Antonio Osamu Katagiri Tanaka" userId="2c28225e-d492-4964-8551-1b0a3c65dda0" providerId="ADAL" clId="{329B512D-3474-403B-B217-DE713D6D5C19}" dt="2019-04-04T14:17:19.713" v="1973" actId="9405"/>
-          <ac:inkMkLst>
-            <pc:docMk/>
-            <pc:sldMk cId="2232161063" sldId="281"/>
-            <ac:inkMk id="11" creationId="{DFC9F2CA-5285-4A5C-9F5B-2525D84FA85B}"/>
-          </ac:inkMkLst>
-        </pc:inkChg>
-        <pc:inkChg chg="add del">
-          <ac:chgData name="Antonio Osamu Katagiri Tanaka" userId="2c28225e-d492-4964-8551-1b0a3c65dda0" providerId="ADAL" clId="{329B512D-3474-403B-B217-DE713D6D5C19}" dt="2019-04-04T14:17:11.940" v="1965"/>
-          <ac:inkMkLst>
-            <pc:docMk/>
-            <pc:sldMk cId="2232161063" sldId="281"/>
-            <ac:inkMk id="12" creationId="{70729EB8-D999-44DE-BD4B-AC2656488D0D}"/>
-          </ac:inkMkLst>
-        </pc:inkChg>
-        <pc:inkChg chg="add del">
-          <ac:chgData name="Antonio Osamu Katagiri Tanaka" userId="2c28225e-d492-4964-8551-1b0a3c65dda0" providerId="ADAL" clId="{329B512D-3474-403B-B217-DE713D6D5C19}" dt="2019-04-04T14:17:19.448" v="1972" actId="9405"/>
-          <ac:inkMkLst>
-            <pc:docMk/>
-            <pc:sldMk cId="2232161063" sldId="281"/>
-            <ac:inkMk id="13" creationId="{B5E4568C-A122-4752-BFD4-D01AB9477A90}"/>
-          </ac:inkMkLst>
-        </pc:inkChg>
-        <pc:inkChg chg="add del">
-          <ac:chgData name="Antonio Osamu Katagiri Tanaka" userId="2c28225e-d492-4964-8551-1b0a3c65dda0" providerId="ADAL" clId="{329B512D-3474-403B-B217-DE713D6D5C19}" dt="2019-04-04T14:17:14.340" v="1967"/>
-          <ac:inkMkLst>
-            <pc:docMk/>
-            <pc:sldMk cId="2232161063" sldId="281"/>
-            <ac:inkMk id="14" creationId="{B7C371AD-F542-4243-992B-83DE8682F6E8}"/>
-          </ac:inkMkLst>
-        </pc:inkChg>
-        <pc:inkChg chg="add del">
-          <ac:chgData name="Antonio Osamu Katagiri Tanaka" userId="2c28225e-d492-4964-8551-1b0a3c65dda0" providerId="ADAL" clId="{329B512D-3474-403B-B217-DE713D6D5C19}" dt="2019-04-04T14:17:19.102" v="1971" actId="9405"/>
-          <ac:inkMkLst>
-            <pc:docMk/>
-            <pc:sldMk cId="2232161063" sldId="281"/>
-            <ac:inkMk id="15" creationId="{CFB02AAB-6668-48F3-B426-4D9D0CC71014}"/>
-          </ac:inkMkLst>
-        </pc:inkChg>
-        <pc:inkChg chg="add del">
-          <ac:chgData name="Antonio Osamu Katagiri Tanaka" userId="2c28225e-d492-4964-8551-1b0a3c65dda0" providerId="ADAL" clId="{329B512D-3474-403B-B217-DE713D6D5C19}" dt="2019-04-04T14:17:17.351" v="1969"/>
-          <ac:inkMkLst>
-            <pc:docMk/>
-            <pc:sldMk cId="2232161063" sldId="281"/>
-            <ac:inkMk id="16" creationId="{F958836C-F4E8-4AF9-BD66-055A4B6A0328}"/>
-          </ac:inkMkLst>
-        </pc:inkChg>
-        <pc:inkChg chg="add del">
-          <ac:chgData name="Antonio Osamu Katagiri Tanaka" userId="2c28225e-d492-4964-8551-1b0a3c65dda0" providerId="ADAL" clId="{329B512D-3474-403B-B217-DE713D6D5C19}" dt="2019-04-04T14:17:18.869" v="1970" actId="9405"/>
-          <ac:inkMkLst>
-            <pc:docMk/>
-            <pc:sldMk cId="2232161063" sldId="281"/>
-            <ac:inkMk id="17" creationId="{381EC61D-F6A6-4D31-8DC8-0FDB22BF7969}"/>
-          </ac:inkMkLst>
-        </pc:inkChg>
-        <pc:inkChg chg="add">
-          <ac:chgData name="Antonio Osamu Katagiri Tanaka" userId="2c28225e-d492-4964-8551-1b0a3c65dda0" providerId="ADAL" clId="{329B512D-3474-403B-B217-DE713D6D5C19}" dt="2019-04-04T14:17:17.351" v="1969"/>
-          <ac:inkMkLst>
-            <pc:docMk/>
-            <pc:sldMk cId="2232161063" sldId="281"/>
-            <ac:inkMk id="18" creationId="{A82FD42E-7762-4781-B54C-6FC99285B972}"/>
-          </ac:inkMkLst>
-        </pc:inkChg>
-        <pc:inkChg chg="add">
-          <ac:chgData name="Antonio Osamu Katagiri Tanaka" userId="2c28225e-d492-4964-8551-1b0a3c65dda0" providerId="ADAL" clId="{329B512D-3474-403B-B217-DE713D6D5C19}" dt="2019-04-04T14:17:54.544" v="1976" actId="9405"/>
-          <ac:inkMkLst>
-            <pc:docMk/>
-            <pc:sldMk cId="2232161063" sldId="281"/>
-            <ac:inkMk id="19" creationId="{BAA549A7-2830-4ED6-A802-0791908B8068}"/>
-          </ac:inkMkLst>
-        </pc:inkChg>
+      </pc:sldChg>
+      <pc:sldChg chg="addSp modSp">
+        <pc:chgData name="Guest User" userId="S::urn:spo:anon#47e46a85d04db472c28c4aeb3bb64066e5c98df06a20401cfe8bdeac802351a8::" providerId="AD" clId="Web-{640C0C0F-CC60-43B7-9EA7-204785F2864C}" dt="2020-07-07T04:55:22.651" v="1215" actId="20577"/>
+        <pc:sldMkLst>
+          <pc:docMk/>
+          <pc:sldMk cId="1940175811" sldId="285"/>
+        </pc:sldMkLst>
+        <pc:spChg chg="add mod">
+          <ac:chgData name="Guest User" userId="S::urn:spo:anon#47e46a85d04db472c28c4aeb3bb64066e5c98df06a20401cfe8bdeac802351a8::" providerId="AD" clId="Web-{640C0C0F-CC60-43B7-9EA7-204785F2864C}" dt="2020-07-07T04:55:22.651" v="1215" actId="20577"/>
+          <ac:spMkLst>
+            <pc:docMk/>
+            <pc:sldMk cId="1940175811" sldId="285"/>
+            <ac:spMk id="4" creationId="{537BD168-0E46-4D2A-9C66-EFB42E41BB07}"/>
+          </ac:spMkLst>
+        </pc:spChg>
       </pc:sldChg>
     </pc:docChg>
   </pc:docChgLst>
@@ -589,20 +414,20 @@
     </pc:docChg>
   </pc:docChgLst>
   <pc:docChgLst>
-    <pc:chgData name="Guest User" userId="S::urn:spo:anon#47e46a85d04db472c28c4aeb3bb64066e5c98df06a20401cfe8bdeac802351a8::" providerId="AD" clId="Web-{640C0C0F-CC60-43B7-9EA7-204785F2864C}"/>
+    <pc:chgData name="Guest User" userId="S::urn:spo:anon#47e46a85d04db472c28c4aeb3bb64066e5c98df06a20401cfe8bdeac802351a8::" providerId="AD" clId="Web-{0C436939-5DEA-A61A-B6DA-B3EBA6433A08}"/>
     <pc:docChg chg="modSld">
-      <pc:chgData name="Guest User" userId="S::urn:spo:anon#47e46a85d04db472c28c4aeb3bb64066e5c98df06a20401cfe8bdeac802351a8::" providerId="AD" clId="Web-{640C0C0F-CC60-43B7-9EA7-204785F2864C}" dt="2020-07-07T04:55:23.666" v="1217" actId="20577"/>
+      <pc:chgData name="Guest User" userId="S::urn:spo:anon#47e46a85d04db472c28c4aeb3bb64066e5c98df06a20401cfe8bdeac802351a8::" providerId="AD" clId="Web-{0C436939-5DEA-A61A-B6DA-B3EBA6433A08}" dt="2020-07-07T17:13:58.618" v="45" actId="20577"/>
       <pc:docMkLst>
         <pc:docMk/>
       </pc:docMkLst>
       <pc:sldChg chg="modSp">
-        <pc:chgData name="Guest User" userId="S::urn:spo:anon#47e46a85d04db472c28c4aeb3bb64066e5c98df06a20401cfe8bdeac802351a8::" providerId="AD" clId="Web-{640C0C0F-CC60-43B7-9EA7-204785F2864C}" dt="2020-07-07T04:23:42.997" v="756" actId="20577"/>
+        <pc:chgData name="Guest User" userId="S::urn:spo:anon#47e46a85d04db472c28c4aeb3bb64066e5c98df06a20401cfe8bdeac802351a8::" providerId="AD" clId="Web-{0C436939-5DEA-A61A-B6DA-B3EBA6433A08}" dt="2020-07-07T17:13:58.618" v="44" actId="20577"/>
         <pc:sldMkLst>
           <pc:docMk/>
           <pc:sldMk cId="708711930" sldId="276"/>
         </pc:sldMkLst>
         <pc:spChg chg="mod">
-          <ac:chgData name="Guest User" userId="S::urn:spo:anon#47e46a85d04db472c28c4aeb3bb64066e5c98df06a20401cfe8bdeac802351a8::" providerId="AD" clId="Web-{640C0C0F-CC60-43B7-9EA7-204785F2864C}" dt="2020-07-07T04:23:42.997" v="756" actId="20577"/>
+          <ac:chgData name="Guest User" userId="S::urn:spo:anon#47e46a85d04db472c28c4aeb3bb64066e5c98df06a20401cfe8bdeac802351a8::" providerId="AD" clId="Web-{0C436939-5DEA-A61A-B6DA-B3EBA6433A08}" dt="2020-07-07T17:13:58.618" v="44" actId="20577"/>
           <ac:spMkLst>
             <pc:docMk/>
             <pc:sldMk cId="708711930" sldId="276"/>
@@ -610,45 +435,630 @@
           </ac:spMkLst>
         </pc:spChg>
       </pc:sldChg>
-      <pc:sldChg chg="addSp modSp">
-        <pc:chgData name="Guest User" userId="S::urn:spo:anon#47e46a85d04db472c28c4aeb3bb64066e5c98df06a20401cfe8bdeac802351a8::" providerId="AD" clId="Web-{640C0C0F-CC60-43B7-9EA7-204785F2864C}" dt="2020-07-07T04:42:32.109" v="1070" actId="20577"/>
+      <pc:sldChg chg="modSp">
+        <pc:chgData name="Guest User" userId="S::urn:spo:anon#47e46a85d04db472c28c4aeb3bb64066e5c98df06a20401cfe8bdeac802351a8::" providerId="AD" clId="Web-{0C436939-5DEA-A61A-B6DA-B3EBA6433A08}" dt="2020-07-07T17:02:58.810" v="20" actId="20577"/>
+        <pc:sldMkLst>
+          <pc:docMk/>
+          <pc:sldMk cId="3318103689" sldId="284"/>
+        </pc:sldMkLst>
+        <pc:spChg chg="mod">
+          <ac:chgData name="Guest User" userId="S::urn:spo:anon#47e46a85d04db472c28c4aeb3bb64066e5c98df06a20401cfe8bdeac802351a8::" providerId="AD" clId="Web-{0C436939-5DEA-A61A-B6DA-B3EBA6433A08}" dt="2020-07-07T17:02:58.810" v="20" actId="20577"/>
+          <ac:spMkLst>
+            <pc:docMk/>
+            <pc:sldMk cId="3318103689" sldId="284"/>
+            <ac:spMk id="4" creationId="{6AE71113-7603-4258-9A83-0BFAC09331E2}"/>
+          </ac:spMkLst>
+        </pc:spChg>
+      </pc:sldChg>
+    </pc:docChg>
+  </pc:docChgLst>
+  <pc:docChgLst>
+    <pc:chgData name="Antonio Osamu Katagiri Tanaka" userId="2c28225e-d492-4964-8551-1b0a3c65dda0" providerId="ADAL" clId="{C59DF1F7-432E-4893-B28C-5D3B004F8374}"/>
+    <pc:docChg chg="undo redo custSel addSld delSld modSld sldOrd delSection modSection">
+      <pc:chgData name="Antonio Osamu Katagiri Tanaka" userId="2c28225e-d492-4964-8551-1b0a3c65dda0" providerId="ADAL" clId="{C59DF1F7-432E-4893-B28C-5D3B004F8374}" dt="2019-03-31T14:59:20.878" v="389" actId="20577"/>
+      <pc:docMkLst>
+        <pc:docMk/>
+      </pc:docMkLst>
+      <pc:sldChg chg="modSp">
+        <pc:chgData name="Antonio Osamu Katagiri Tanaka" userId="2c28225e-d492-4964-8551-1b0a3c65dda0" providerId="ADAL" clId="{C59DF1F7-432E-4893-B28C-5D3B004F8374}" dt="2019-03-30T15:24:08.167" v="64" actId="1440"/>
+        <pc:sldMkLst>
+          <pc:docMk/>
+          <pc:sldMk cId="4056039362" sldId="260"/>
+        </pc:sldMkLst>
+        <pc:picChg chg="mod">
+          <ac:chgData name="Antonio Osamu Katagiri Tanaka" userId="2c28225e-d492-4964-8551-1b0a3c65dda0" providerId="ADAL" clId="{C59DF1F7-432E-4893-B28C-5D3B004F8374}" dt="2019-03-30T15:24:08.167" v="64" actId="1440"/>
+          <ac:picMkLst>
+            <pc:docMk/>
+            <pc:sldMk cId="4056039362" sldId="260"/>
+            <ac:picMk id="13" creationId="{8578D0BD-CD2C-44B1-976E-1029D186D2DF}"/>
+          </ac:picMkLst>
+        </pc:picChg>
+      </pc:sldChg>
+      <pc:sldChg chg="ord">
+        <pc:chgData name="Antonio Osamu Katagiri Tanaka" userId="2c28225e-d492-4964-8551-1b0a3c65dda0" providerId="ADAL" clId="{C59DF1F7-432E-4893-B28C-5D3B004F8374}" dt="2019-03-30T14:49:00.456" v="1"/>
+        <pc:sldMkLst>
+          <pc:docMk/>
+          <pc:sldMk cId="3604131991" sldId="263"/>
+        </pc:sldMkLst>
+      </pc:sldChg>
+      <pc:sldChg chg="addSp delSp modSp add">
+        <pc:chgData name="Antonio Osamu Katagiri Tanaka" userId="2c28225e-d492-4964-8551-1b0a3c65dda0" providerId="ADAL" clId="{C59DF1F7-432E-4893-B28C-5D3B004F8374}" dt="2019-03-30T15:01:17.755" v="32"/>
+        <pc:sldMkLst>
+          <pc:docMk/>
+          <pc:sldMk cId="4246728971" sldId="269"/>
+        </pc:sldMkLst>
+        <pc:spChg chg="add del mod">
+          <ac:chgData name="Antonio Osamu Katagiri Tanaka" userId="2c28225e-d492-4964-8551-1b0a3c65dda0" providerId="ADAL" clId="{C59DF1F7-432E-4893-B28C-5D3B004F8374}" dt="2019-03-30T14:52:53.260" v="6" actId="478"/>
+          <ac:spMkLst>
+            <pc:docMk/>
+            <pc:sldMk cId="4246728971" sldId="269"/>
+            <ac:spMk id="3" creationId="{BFCEFFC5-7335-4486-8818-2B397870E222}"/>
+          </ac:spMkLst>
+        </pc:spChg>
+        <pc:spChg chg="del">
+          <ac:chgData name="Antonio Osamu Katagiri Tanaka" userId="2c28225e-d492-4964-8551-1b0a3c65dda0" providerId="ADAL" clId="{C59DF1F7-432E-4893-B28C-5D3B004F8374}" dt="2019-03-30T14:52:51.721" v="5" actId="478"/>
+          <ac:spMkLst>
+            <pc:docMk/>
+            <pc:sldMk cId="4246728971" sldId="269"/>
+            <ac:spMk id="4" creationId="{F9ED8BE6-F7AC-4FD8-8FA8-8C683A7C2F62}"/>
+          </ac:spMkLst>
+        </pc:spChg>
+        <pc:spChg chg="del">
+          <ac:chgData name="Antonio Osamu Katagiri Tanaka" userId="2c28225e-d492-4964-8551-1b0a3c65dda0" providerId="ADAL" clId="{C59DF1F7-432E-4893-B28C-5D3B004F8374}" dt="2019-03-30T14:52:55.923" v="7" actId="478"/>
+          <ac:spMkLst>
+            <pc:docMk/>
+            <pc:sldMk cId="4246728971" sldId="269"/>
+            <ac:spMk id="6" creationId="{058630E6-31AF-4451-B084-C9809D0DA4E8}"/>
+          </ac:spMkLst>
+        </pc:spChg>
+        <pc:spChg chg="add del mod">
+          <ac:chgData name="Antonio Osamu Katagiri Tanaka" userId="2c28225e-d492-4964-8551-1b0a3c65dda0" providerId="ADAL" clId="{C59DF1F7-432E-4893-B28C-5D3B004F8374}" dt="2019-03-30T14:52:58.396" v="8" actId="478"/>
+          <ac:spMkLst>
+            <pc:docMk/>
+            <pc:sldMk cId="4246728971" sldId="269"/>
+            <ac:spMk id="7" creationId="{EFB1FD18-9FB8-4EC8-A186-B4E23A6745CA}"/>
+          </ac:spMkLst>
+        </pc:spChg>
+        <pc:spChg chg="add mod">
+          <ac:chgData name="Antonio Osamu Katagiri Tanaka" userId="2c28225e-d492-4964-8551-1b0a3c65dda0" providerId="ADAL" clId="{C59DF1F7-432E-4893-B28C-5D3B004F8374}" dt="2019-03-30T14:57:55.916" v="28" actId="403"/>
+          <ac:spMkLst>
+            <pc:docMk/>
+            <pc:sldMk cId="4246728971" sldId="269"/>
+            <ac:spMk id="9" creationId="{907DD878-B76C-4FC5-9BC3-86C7C3DB3BDA}"/>
+          </ac:spMkLst>
+        </pc:spChg>
+        <pc:picChg chg="add mod">
+          <ac:chgData name="Antonio Osamu Katagiri Tanaka" userId="2c28225e-d492-4964-8551-1b0a3c65dda0" providerId="ADAL" clId="{C59DF1F7-432E-4893-B28C-5D3B004F8374}" dt="2019-03-30T15:01:17.755" v="32"/>
+          <ac:picMkLst>
+            <pc:docMk/>
+            <pc:sldMk cId="4246728971" sldId="269"/>
+            <ac:picMk id="1026" creationId="{62C86081-2859-45C8-BAE6-D2CC488FFFF6}"/>
+          </ac:picMkLst>
+        </pc:picChg>
+      </pc:sldChg>
+    </pc:docChg>
+  </pc:docChgLst>
+  <pc:docChgLst>
+    <pc:chgData name="Guest User" userId="S::urn:spo:anon#47e46a85d04db472c28c4aeb3bb64066e5c98df06a20401cfe8bdeac802351a8::" providerId="AD" clId="Web-{5628C7C1-F47A-2936-E531-8186F3A2B7F1}"/>
+    <pc:docChg chg="modSld">
+      <pc:chgData name="Guest User" userId="S::urn:spo:anon#47e46a85d04db472c28c4aeb3bb64066e5c98df06a20401cfe8bdeac802351a8::" providerId="AD" clId="Web-{5628C7C1-F47A-2936-E531-8186F3A2B7F1}" dt="2020-07-07T16:15:36.059" v="9" actId="20577"/>
+      <pc:docMkLst>
+        <pc:docMk/>
+      </pc:docMkLst>
+      <pc:sldChg chg="modSp">
+        <pc:chgData name="Guest User" userId="S::urn:spo:anon#47e46a85d04db472c28c4aeb3bb64066e5c98df06a20401cfe8bdeac802351a8::" providerId="AD" clId="Web-{5628C7C1-F47A-2936-E531-8186F3A2B7F1}" dt="2020-07-07T16:15:36.059" v="8" actId="20577"/>
+        <pc:sldMkLst>
+          <pc:docMk/>
+          <pc:sldMk cId="3318103689" sldId="284"/>
+        </pc:sldMkLst>
+        <pc:spChg chg="mod">
+          <ac:chgData name="Guest User" userId="S::urn:spo:anon#47e46a85d04db472c28c4aeb3bb64066e5c98df06a20401cfe8bdeac802351a8::" providerId="AD" clId="Web-{5628C7C1-F47A-2936-E531-8186F3A2B7F1}" dt="2020-07-07T16:15:36.059" v="8" actId="20577"/>
+          <ac:spMkLst>
+            <pc:docMk/>
+            <pc:sldMk cId="3318103689" sldId="284"/>
+            <ac:spMk id="4" creationId="{6AE71113-7603-4258-9A83-0BFAC09331E2}"/>
+          </ac:spMkLst>
+        </pc:spChg>
+      </pc:sldChg>
+    </pc:docChg>
+  </pc:docChgLst>
+  <pc:docChgLst>
+    <pc:chgData name="Guest User" userId="S::urn:spo:anon#47e46a85d04db472c28c4aeb3bb64066e5c98df06a20401cfe8bdeac802351a8::" providerId="AD" clId="Web-{537A1ECF-6847-CC0B-8CD1-6EAC8C52B1E1}"/>
+    <pc:docChg chg="modSld">
+      <pc:chgData name="Guest User" userId="S::urn:spo:anon#47e46a85d04db472c28c4aeb3bb64066e5c98df06a20401cfe8bdeac802351a8::" providerId="AD" clId="Web-{537A1ECF-6847-CC0B-8CD1-6EAC8C52B1E1}" dt="2020-07-07T16:52:22.733" v="10" actId="20577"/>
+      <pc:docMkLst>
+        <pc:docMk/>
+      </pc:docMkLst>
+      <pc:sldChg chg="modSp mod modShow">
+        <pc:chgData name="Guest User" userId="S::urn:spo:anon#47e46a85d04db472c28c4aeb3bb64066e5c98df06a20401cfe8bdeac802351a8::" providerId="AD" clId="Web-{537A1ECF-6847-CC0B-8CD1-6EAC8C52B1E1}" dt="2020-07-07T16:52:22.717" v="9" actId="20577"/>
+        <pc:sldMkLst>
+          <pc:docMk/>
+          <pc:sldMk cId="708711930" sldId="276"/>
+        </pc:sldMkLst>
+        <pc:spChg chg="mod">
+          <ac:chgData name="Guest User" userId="S::urn:spo:anon#47e46a85d04db472c28c4aeb3bb64066e5c98df06a20401cfe8bdeac802351a8::" providerId="AD" clId="Web-{537A1ECF-6847-CC0B-8CD1-6EAC8C52B1E1}" dt="2020-07-07T16:52:22.717" v="9" actId="20577"/>
+          <ac:spMkLst>
+            <pc:docMk/>
+            <pc:sldMk cId="708711930" sldId="276"/>
+            <ac:spMk id="7" creationId="{43F915F1-9C90-4B6E-AA0B-C9F4FCF704FA}"/>
+          </ac:spMkLst>
+        </pc:spChg>
+      </pc:sldChg>
+    </pc:docChg>
+  </pc:docChgLst>
+  <pc:docChgLst>
+    <pc:chgData name="Antonio Osamu Katagiri Tanaka" userId="S::a01212611@itesm.mx::2c28225e-d492-4964-8551-1b0a3c65dda0" providerId="AD" clId="Web-{C87E4ABE-1CA8-E0E9-2EE9-4D7FAE3D67D2}"/>
+    <pc:docChg chg="delSld modSection">
+      <pc:chgData name="Antonio Osamu Katagiri Tanaka" userId="S::a01212611@itesm.mx::2c28225e-d492-4964-8551-1b0a3c65dda0" providerId="AD" clId="Web-{C87E4ABE-1CA8-E0E9-2EE9-4D7FAE3D67D2}" dt="2020-07-07T19:23:37.348" v="3"/>
+      <pc:docMkLst>
+        <pc:docMk/>
+      </pc:docMkLst>
+      <pc:sldChg chg="del">
+        <pc:chgData name="Antonio Osamu Katagiri Tanaka" userId="S::a01212611@itesm.mx::2c28225e-d492-4964-8551-1b0a3c65dda0" providerId="AD" clId="Web-{C87E4ABE-1CA8-E0E9-2EE9-4D7FAE3D67D2}" dt="2020-07-07T19:23:37.348" v="3"/>
+        <pc:sldMkLst>
+          <pc:docMk/>
+          <pc:sldMk cId="1105756717" sldId="257"/>
+        </pc:sldMkLst>
+      </pc:sldChg>
+      <pc:sldChg chg="del">
+        <pc:chgData name="Antonio Osamu Katagiri Tanaka" userId="S::a01212611@itesm.mx::2c28225e-d492-4964-8551-1b0a3c65dda0" providerId="AD" clId="Web-{C87E4ABE-1CA8-E0E9-2EE9-4D7FAE3D67D2}" dt="2020-07-07T19:23:32.458" v="0"/>
+        <pc:sldMkLst>
+          <pc:docMk/>
+          <pc:sldMk cId="2232161063" sldId="281"/>
+        </pc:sldMkLst>
+      </pc:sldChg>
+      <pc:sldChg chg="del">
+        <pc:chgData name="Antonio Osamu Katagiri Tanaka" userId="S::a01212611@itesm.mx::2c28225e-d492-4964-8551-1b0a3c65dda0" providerId="AD" clId="Web-{C87E4ABE-1CA8-E0E9-2EE9-4D7FAE3D67D2}" dt="2020-07-07T19:23:32.458" v="1"/>
+        <pc:sldMkLst>
+          <pc:docMk/>
+          <pc:sldMk cId="2428507866" sldId="283"/>
+        </pc:sldMkLst>
+      </pc:sldChg>
+      <pc:sldChg chg="del">
+        <pc:chgData name="Antonio Osamu Katagiri Tanaka" userId="S::a01212611@itesm.mx::2c28225e-d492-4964-8551-1b0a3c65dda0" providerId="AD" clId="Web-{C87E4ABE-1CA8-E0E9-2EE9-4D7FAE3D67D2}" dt="2020-07-07T19:23:32.458" v="2"/>
+        <pc:sldMkLst>
+          <pc:docMk/>
+          <pc:sldMk cId="3844643083" sldId="286"/>
+        </pc:sldMkLst>
+      </pc:sldChg>
+    </pc:docChg>
+  </pc:docChgLst>
+  <pc:docChgLst>
+    <pc:chgData name="Antonio Osamu Katagiri Tanaka" userId="2c28225e-d492-4964-8551-1b0a3c65dda0" providerId="ADAL" clId="{BA091A27-582A-4D6D-8346-D5CF8624059C}"/>
+    <pc:docChg chg="undo custSel addSld delSld modSld sldOrd">
+      <pc:chgData name="Antonio Osamu Katagiri Tanaka" userId="2c28225e-d492-4964-8551-1b0a3c65dda0" providerId="ADAL" clId="{BA091A27-582A-4D6D-8346-D5CF8624059C}" dt="2019-03-29T18:11:35.461" v="1535" actId="20577"/>
+      <pc:docMkLst>
+        <pc:docMk/>
+      </pc:docMkLst>
+      <pc:sldChg chg="modSp">
+        <pc:chgData name="Antonio Osamu Katagiri Tanaka" userId="2c28225e-d492-4964-8551-1b0a3c65dda0" providerId="ADAL" clId="{BA091A27-582A-4D6D-8346-D5CF8624059C}" dt="2019-03-29T17:31:38.150" v="1287" actId="20577"/>
+        <pc:sldMkLst>
+          <pc:docMk/>
+          <pc:sldMk cId="1105756717" sldId="257"/>
+        </pc:sldMkLst>
+        <pc:spChg chg="mod">
+          <ac:chgData name="Antonio Osamu Katagiri Tanaka" userId="2c28225e-d492-4964-8551-1b0a3c65dda0" providerId="ADAL" clId="{BA091A27-582A-4D6D-8346-D5CF8624059C}" dt="2019-03-29T17:31:38.150" v="1287" actId="20577"/>
+          <ac:spMkLst>
+            <pc:docMk/>
+            <pc:sldMk cId="1105756717" sldId="257"/>
+            <ac:spMk id="3" creationId="{6E971A9A-8031-4781-96A0-B9A5656935B5}"/>
+          </ac:spMkLst>
+        </pc:spChg>
+      </pc:sldChg>
+      <pc:sldChg chg="modSp add ord">
+        <pc:chgData name="Antonio Osamu Katagiri Tanaka" userId="2c28225e-d492-4964-8551-1b0a3c65dda0" providerId="ADAL" clId="{BA091A27-582A-4D6D-8346-D5CF8624059C}" dt="2019-03-29T17:30:36.770" v="1284"/>
+        <pc:sldMkLst>
+          <pc:docMk/>
+          <pc:sldMk cId="3604131991" sldId="263"/>
+        </pc:sldMkLst>
+        <pc:spChg chg="mod">
+          <ac:chgData name="Antonio Osamu Katagiri Tanaka" userId="2c28225e-d492-4964-8551-1b0a3c65dda0" providerId="ADAL" clId="{BA091A27-582A-4D6D-8346-D5CF8624059C}" dt="2019-03-29T15:52:32.017" v="518" actId="20577"/>
+          <ac:spMkLst>
+            <pc:docMk/>
+            <pc:sldMk cId="3604131991" sldId="263"/>
+            <ac:spMk id="4" creationId="{F9ED8BE6-F7AC-4FD8-8FA8-8C683A7C2F62}"/>
+          </ac:spMkLst>
+        </pc:spChg>
+        <pc:spChg chg="mod">
+          <ac:chgData name="Antonio Osamu Katagiri Tanaka" userId="2c28225e-d492-4964-8551-1b0a3c65dda0" providerId="ADAL" clId="{BA091A27-582A-4D6D-8346-D5CF8624059C}" dt="2019-03-29T15:53:27.381" v="528" actId="11"/>
+          <ac:spMkLst>
+            <pc:docMk/>
+            <pc:sldMk cId="3604131991" sldId="263"/>
+            <ac:spMk id="6" creationId="{058630E6-31AF-4451-B084-C9809D0DA4E8}"/>
+          </ac:spMkLst>
+        </pc:spChg>
+      </pc:sldChg>
+    </pc:docChg>
+  </pc:docChgLst>
+  <pc:docChgLst>
+    <pc:chgData name="Antonio Osamu Katagiri Tanaka" userId="2c28225e-d492-4964-8551-1b0a3c65dda0" providerId="ADAL" clId="{1E83AF17-B86E-4C19-9585-AD3B0B02D326}"/>
+    <pc:docChg chg="undo redo custSel addSld delSld modSld delSection modSection">
+      <pc:chgData name="Antonio Osamu Katagiri Tanaka" userId="2c28225e-d492-4964-8551-1b0a3c65dda0" providerId="ADAL" clId="{1E83AF17-B86E-4C19-9585-AD3B0B02D326}" dt="2020-07-07T15:59:50.875" v="891" actId="20577"/>
+      <pc:docMkLst>
+        <pc:docMk/>
+      </pc:docMkLst>
+      <pc:sldChg chg="modSp mod">
+        <pc:chgData name="Antonio Osamu Katagiri Tanaka" userId="2c28225e-d492-4964-8551-1b0a3c65dda0" providerId="ADAL" clId="{1E83AF17-B86E-4C19-9585-AD3B0B02D326}" dt="2020-07-07T04:14:24.790" v="356" actId="20577"/>
+        <pc:sldMkLst>
+          <pc:docMk/>
+          <pc:sldMk cId="3401248549" sldId="256"/>
+        </pc:sldMkLst>
+        <pc:spChg chg="mod">
+          <ac:chgData name="Antonio Osamu Katagiri Tanaka" userId="2c28225e-d492-4964-8551-1b0a3c65dda0" providerId="ADAL" clId="{1E83AF17-B86E-4C19-9585-AD3B0B02D326}" dt="2020-07-07T04:14:24.790" v="356" actId="20577"/>
+          <ac:spMkLst>
+            <pc:docMk/>
+            <pc:sldMk cId="3401248549" sldId="256"/>
+            <ac:spMk id="6" creationId="{3EB028BF-0783-48AF-AB96-57CC5B2CBEAF}"/>
+          </ac:spMkLst>
+        </pc:spChg>
+        <pc:spChg chg="mod">
+          <ac:chgData name="Antonio Osamu Katagiri Tanaka" userId="2c28225e-d492-4964-8551-1b0a3c65dda0" providerId="ADAL" clId="{1E83AF17-B86E-4C19-9585-AD3B0B02D326}" dt="2020-07-07T02:12:39.529" v="133" actId="27636"/>
+          <ac:spMkLst>
+            <pc:docMk/>
+            <pc:sldMk cId="3401248549" sldId="256"/>
+            <ac:spMk id="7" creationId="{8D0BEDFD-CE79-4A45-9ADE-72FBEA303FCC}"/>
+          </ac:spMkLst>
+        </pc:spChg>
+      </pc:sldChg>
+      <pc:sldChg chg="modTransition">
+        <pc:chgData name="Antonio Osamu Katagiri Tanaka" userId="2c28225e-d492-4964-8551-1b0a3c65dda0" providerId="ADAL" clId="{1E83AF17-B86E-4C19-9585-AD3B0B02D326}" dt="2020-07-07T02:05:54.457" v="0"/>
+        <pc:sldMkLst>
+          <pc:docMk/>
+          <pc:sldMk cId="1105756717" sldId="257"/>
+        </pc:sldMkLst>
+      </pc:sldChg>
+      <pc:sldChg chg="addSp delSp modSp del mod">
+        <pc:chgData name="Antonio Osamu Katagiri Tanaka" userId="2c28225e-d492-4964-8551-1b0a3c65dda0" providerId="ADAL" clId="{1E83AF17-B86E-4C19-9585-AD3B0B02D326}" dt="2020-07-07T15:43:22.883" v="806" actId="2696"/>
+        <pc:sldMkLst>
+          <pc:docMk/>
+          <pc:sldMk cId="4056039362" sldId="260"/>
+        </pc:sldMkLst>
+        <pc:spChg chg="add del mod">
+          <ac:chgData name="Antonio Osamu Katagiri Tanaka" userId="2c28225e-d492-4964-8551-1b0a3c65dda0" providerId="ADAL" clId="{1E83AF17-B86E-4C19-9585-AD3B0B02D326}" dt="2020-07-07T02:07:41.385" v="16" actId="478"/>
+          <ac:spMkLst>
+            <pc:docMk/>
+            <pc:sldMk cId="4056039362" sldId="260"/>
+            <ac:spMk id="5" creationId="{1E8A25B9-FF0A-4DAB-9332-167118CD1D85}"/>
+          </ac:spMkLst>
+        </pc:spChg>
+        <pc:spChg chg="del">
+          <ac:chgData name="Antonio Osamu Katagiri Tanaka" userId="2c28225e-d492-4964-8551-1b0a3c65dda0" providerId="ADAL" clId="{1E83AF17-B86E-4C19-9585-AD3B0B02D326}" dt="2020-07-07T02:07:38.087" v="15" actId="478"/>
+          <ac:spMkLst>
+            <pc:docMk/>
+            <pc:sldMk cId="4056039362" sldId="260"/>
+            <ac:spMk id="6" creationId="{438892A2-F58C-479B-93B3-BDD2A80D348B}"/>
+          </ac:spMkLst>
+        </pc:spChg>
+        <pc:spChg chg="del">
+          <ac:chgData name="Antonio Osamu Katagiri Tanaka" userId="2c28225e-d492-4964-8551-1b0a3c65dda0" providerId="ADAL" clId="{1E83AF17-B86E-4C19-9585-AD3B0B02D326}" dt="2020-07-07T02:07:45.322" v="17" actId="478"/>
+          <ac:spMkLst>
+            <pc:docMk/>
+            <pc:sldMk cId="4056039362" sldId="260"/>
+            <ac:spMk id="14" creationId="{B1FDEF3E-1872-41D3-A841-FBE14801F476}"/>
+          </ac:spMkLst>
+        </pc:spChg>
+        <pc:picChg chg="add del">
+          <ac:chgData name="Antonio Osamu Katagiri Tanaka" userId="2c28225e-d492-4964-8551-1b0a3c65dda0" providerId="ADAL" clId="{1E83AF17-B86E-4C19-9585-AD3B0B02D326}" dt="2020-07-07T02:07:19.278" v="11" actId="478"/>
+          <ac:picMkLst>
+            <pc:docMk/>
+            <pc:sldMk cId="4056039362" sldId="260"/>
+            <ac:picMk id="3" creationId="{46A42C4A-FE35-4032-8F0E-CA17A96C74A4}"/>
+          </ac:picMkLst>
+        </pc:picChg>
+        <pc:picChg chg="add del mod">
+          <ac:chgData name="Antonio Osamu Katagiri Tanaka" userId="2c28225e-d492-4964-8551-1b0a3c65dda0" providerId="ADAL" clId="{1E83AF17-B86E-4C19-9585-AD3B0B02D326}" dt="2020-07-07T04:08:26.832" v="333" actId="478"/>
+          <ac:picMkLst>
+            <pc:docMk/>
+            <pc:sldMk cId="4056039362" sldId="260"/>
+            <ac:picMk id="7" creationId="{AA3506BA-1F5D-4E41-BD57-F192AED14F01}"/>
+          </ac:picMkLst>
+        </pc:picChg>
+        <pc:picChg chg="add del mod">
+          <ac:chgData name="Antonio Osamu Katagiri Tanaka" userId="2c28225e-d492-4964-8551-1b0a3c65dda0" providerId="ADAL" clId="{1E83AF17-B86E-4C19-9585-AD3B0B02D326}" dt="2020-07-07T15:42:28.874" v="796" actId="21"/>
+          <ac:picMkLst>
+            <pc:docMk/>
+            <pc:sldMk cId="4056039362" sldId="260"/>
+            <ac:picMk id="8" creationId="{8BF7DE3A-48A8-41AA-B953-E3743C1289A6}"/>
+          </ac:picMkLst>
+        </pc:picChg>
+      </pc:sldChg>
+      <pc:sldChg chg="addSp delSp modSp mod modTransition">
+        <pc:chgData name="Antonio Osamu Katagiri Tanaka" userId="2c28225e-d492-4964-8551-1b0a3c65dda0" providerId="ADAL" clId="{1E83AF17-B86E-4C19-9585-AD3B0B02D326}" dt="2020-07-07T15:41:57.718" v="793"/>
+        <pc:sldMkLst>
+          <pc:docMk/>
+          <pc:sldMk cId="3604131991" sldId="263"/>
+        </pc:sldMkLst>
+        <pc:spChg chg="mod">
+          <ac:chgData name="Antonio Osamu Katagiri Tanaka" userId="2c28225e-d492-4964-8551-1b0a3c65dda0" providerId="ADAL" clId="{1E83AF17-B86E-4C19-9585-AD3B0B02D326}" dt="2020-07-07T15:39:31.274" v="776" actId="20577"/>
+          <ac:spMkLst>
+            <pc:docMk/>
+            <pc:sldMk cId="3604131991" sldId="263"/>
+            <ac:spMk id="4" creationId="{F9ED8BE6-F7AC-4FD8-8FA8-8C683A7C2F62}"/>
+          </ac:spMkLst>
+        </pc:spChg>
+        <pc:spChg chg="add del mod">
+          <ac:chgData name="Antonio Osamu Katagiri Tanaka" userId="2c28225e-d492-4964-8551-1b0a3c65dda0" providerId="ADAL" clId="{1E83AF17-B86E-4C19-9585-AD3B0B02D326}" dt="2020-07-07T15:39:50.804" v="780" actId="478"/>
+          <ac:spMkLst>
+            <pc:docMk/>
+            <pc:sldMk cId="3604131991" sldId="263"/>
+            <ac:spMk id="5" creationId="{620A8504-2AAE-455B-96C4-1DD983AAF26B}"/>
+          </ac:spMkLst>
+        </pc:spChg>
+        <pc:spChg chg="del mod">
+          <ac:chgData name="Antonio Osamu Katagiri Tanaka" userId="2c28225e-d492-4964-8551-1b0a3c65dda0" providerId="ADAL" clId="{1E83AF17-B86E-4C19-9585-AD3B0B02D326}" dt="2020-07-07T15:39:55.636" v="781" actId="478"/>
+          <ac:spMkLst>
+            <pc:docMk/>
+            <pc:sldMk cId="3604131991" sldId="263"/>
+            <ac:spMk id="6" creationId="{058630E6-31AF-4451-B084-C9809D0DA4E8}"/>
+          </ac:spMkLst>
+        </pc:spChg>
+        <pc:spChg chg="add mod">
+          <ac:chgData name="Antonio Osamu Katagiri Tanaka" userId="2c28225e-d492-4964-8551-1b0a3c65dda0" providerId="ADAL" clId="{1E83AF17-B86E-4C19-9585-AD3B0B02D326}" dt="2020-07-07T15:40:16.167" v="783" actId="1076"/>
+          <ac:spMkLst>
+            <pc:docMk/>
+            <pc:sldMk cId="3604131991" sldId="263"/>
+            <ac:spMk id="7" creationId="{DC16B005-1ADF-4E5C-8351-3B7EE2DC2CDF}"/>
+          </ac:spMkLst>
+        </pc:spChg>
+        <pc:spChg chg="add del mod">
+          <ac:chgData name="Antonio Osamu Katagiri Tanaka" userId="2c28225e-d492-4964-8551-1b0a3c65dda0" providerId="ADAL" clId="{1E83AF17-B86E-4C19-9585-AD3B0B02D326}" dt="2020-07-07T15:40:00.141" v="782" actId="478"/>
+          <ac:spMkLst>
+            <pc:docMk/>
+            <pc:sldMk cId="3604131991" sldId="263"/>
+            <ac:spMk id="10" creationId="{2BA90E01-9B9A-460E-8863-8D8DF79CE147}"/>
+          </ac:spMkLst>
+        </pc:spChg>
+        <pc:spChg chg="add mod">
+          <ac:chgData name="Antonio Osamu Katagiri Tanaka" userId="2c28225e-d492-4964-8551-1b0a3c65dda0" providerId="ADAL" clId="{1E83AF17-B86E-4C19-9585-AD3B0B02D326}" dt="2020-07-07T15:40:24.918" v="784"/>
+          <ac:spMkLst>
+            <pc:docMk/>
+            <pc:sldMk cId="3604131991" sldId="263"/>
+            <ac:spMk id="11" creationId="{6B52A53A-A0E7-4261-BB89-B91EF1D2795C}"/>
+          </ac:spMkLst>
+        </pc:spChg>
+        <pc:spChg chg="add mod">
+          <ac:chgData name="Antonio Osamu Katagiri Tanaka" userId="2c28225e-d492-4964-8551-1b0a3c65dda0" providerId="ADAL" clId="{1E83AF17-B86E-4C19-9585-AD3B0B02D326}" dt="2020-07-07T15:41:41.248" v="792"/>
+          <ac:spMkLst>
+            <pc:docMk/>
+            <pc:sldMk cId="3604131991" sldId="263"/>
+            <ac:spMk id="12" creationId="{F79CDD68-C513-49E6-9213-638F3FCF8BA3}"/>
+          </ac:spMkLst>
+        </pc:spChg>
+        <pc:picChg chg="add mod">
+          <ac:chgData name="Antonio Osamu Katagiri Tanaka" userId="2c28225e-d492-4964-8551-1b0a3c65dda0" providerId="ADAL" clId="{1E83AF17-B86E-4C19-9585-AD3B0B02D326}" dt="2020-07-07T15:40:45.237" v="788" actId="1076"/>
+          <ac:picMkLst>
+            <pc:docMk/>
+            <pc:sldMk cId="3604131991" sldId="263"/>
+            <ac:picMk id="8" creationId="{897E0D2F-37CF-46CC-A3C7-B6CBF966DCDD}"/>
+          </ac:picMkLst>
+        </pc:picChg>
+        <pc:picChg chg="add mod">
+          <ac:chgData name="Antonio Osamu Katagiri Tanaka" userId="2c28225e-d492-4964-8551-1b0a3c65dda0" providerId="ADAL" clId="{1E83AF17-B86E-4C19-9585-AD3B0B02D326}" dt="2020-07-07T15:40:39.959" v="786" actId="14100"/>
+          <ac:picMkLst>
+            <pc:docMk/>
+            <pc:sldMk cId="3604131991" sldId="263"/>
+            <ac:picMk id="9" creationId="{56C8B16B-D0BB-4084-AEEE-D8063A107B65}"/>
+          </ac:picMkLst>
+        </pc:picChg>
+      </pc:sldChg>
+      <pc:sldChg chg="modTransition">
+        <pc:chgData name="Antonio Osamu Katagiri Tanaka" userId="2c28225e-d492-4964-8551-1b0a3c65dda0" providerId="ADAL" clId="{1E83AF17-B86E-4C19-9585-AD3B0B02D326}" dt="2020-07-07T15:41:59.816" v="794"/>
+        <pc:sldMkLst>
+          <pc:docMk/>
+          <pc:sldMk cId="4246728971" sldId="269"/>
+        </pc:sldMkLst>
+      </pc:sldChg>
+      <pc:sldChg chg="modSp mod modTransition">
+        <pc:chgData name="Antonio Osamu Katagiri Tanaka" userId="2c28225e-d492-4964-8551-1b0a3c65dda0" providerId="ADAL" clId="{1E83AF17-B86E-4C19-9585-AD3B0B02D326}" dt="2020-07-07T15:38:55.540" v="773" actId="33524"/>
+        <pc:sldMkLst>
+          <pc:docMk/>
+          <pc:sldMk cId="708711930" sldId="276"/>
+        </pc:sldMkLst>
+        <pc:spChg chg="mod">
+          <ac:chgData name="Antonio Osamu Katagiri Tanaka" userId="2c28225e-d492-4964-8551-1b0a3c65dda0" providerId="ADAL" clId="{1E83AF17-B86E-4C19-9585-AD3B0B02D326}" dt="2020-07-07T15:38:55.540" v="773" actId="33524"/>
+          <ac:spMkLst>
+            <pc:docMk/>
+            <pc:sldMk cId="708711930" sldId="276"/>
+            <ac:spMk id="7" creationId="{43F915F1-9C90-4B6E-AA0B-C9F4FCF704FA}"/>
+          </ac:spMkLst>
+        </pc:spChg>
+      </pc:sldChg>
+      <pc:sldChg chg="modTransition">
+        <pc:chgData name="Antonio Osamu Katagiri Tanaka" userId="2c28225e-d492-4964-8551-1b0a3c65dda0" providerId="ADAL" clId="{1E83AF17-B86E-4C19-9585-AD3B0B02D326}" dt="2020-07-07T02:13:17.762" v="137"/>
+        <pc:sldMkLst>
+          <pc:docMk/>
+          <pc:sldMk cId="2232161063" sldId="281"/>
+        </pc:sldMkLst>
+      </pc:sldChg>
+      <pc:sldChg chg="addSp delSp modSp add mod">
+        <pc:chgData name="Antonio Osamu Katagiri Tanaka" userId="2c28225e-d492-4964-8551-1b0a3c65dda0" providerId="ADAL" clId="{1E83AF17-B86E-4C19-9585-AD3B0B02D326}" dt="2020-07-07T15:45:59.078" v="807" actId="1076"/>
         <pc:sldMkLst>
           <pc:docMk/>
           <pc:sldMk cId="2400443886" sldId="282"/>
         </pc:sldMkLst>
         <pc:spChg chg="add mod">
-          <ac:chgData name="Guest User" userId="S::urn:spo:anon#47e46a85d04db472c28c4aeb3bb64066e5c98df06a20401cfe8bdeac802351a8::" providerId="AD" clId="Web-{640C0C0F-CC60-43B7-9EA7-204785F2864C}" dt="2020-07-07T04:38:55.909" v="991" actId="1076"/>
+          <ac:chgData name="Antonio Osamu Katagiri Tanaka" userId="2c28225e-d492-4964-8551-1b0a3c65dda0" providerId="ADAL" clId="{1E83AF17-B86E-4C19-9585-AD3B0B02D326}" dt="2020-07-07T04:40:50.057" v="444" actId="1076"/>
+          <ac:spMkLst>
+            <pc:docMk/>
+            <pc:sldMk cId="2400443886" sldId="282"/>
+            <ac:spMk id="3" creationId="{55DCEE6A-554B-4669-B3C5-FCF378150DA8}"/>
+          </ac:spMkLst>
+        </pc:spChg>
+        <pc:spChg chg="mod">
+          <ac:chgData name="Antonio Osamu Katagiri Tanaka" userId="2c28225e-d492-4964-8551-1b0a3c65dda0" providerId="ADAL" clId="{1E83AF17-B86E-4C19-9585-AD3B0B02D326}" dt="2020-07-07T04:35:56.169" v="360" actId="6549"/>
+          <ac:spMkLst>
+            <pc:docMk/>
+            <pc:sldMk cId="2400443886" sldId="282"/>
+            <ac:spMk id="6" creationId="{438892A2-F58C-479B-93B3-BDD2A80D348B}"/>
+          </ac:spMkLst>
+        </pc:spChg>
+        <pc:spChg chg="mod">
+          <ac:chgData name="Antonio Osamu Katagiri Tanaka" userId="2c28225e-d492-4964-8551-1b0a3c65dda0" providerId="ADAL" clId="{1E83AF17-B86E-4C19-9585-AD3B0B02D326}" dt="2020-07-07T15:34:58.532" v="735" actId="1076"/>
           <ac:spMkLst>
             <pc:docMk/>
             <pc:sldMk cId="2400443886" sldId="282"/>
             <ac:spMk id="7" creationId="{60E157AC-7BB5-4366-9262-E2638604C140}"/>
           </ac:spMkLst>
         </pc:spChg>
-        <pc:spChg chg="mod">
-          <ac:chgData name="Guest User" userId="S::urn:spo:anon#47e46a85d04db472c28c4aeb3bb64066e5c98df06a20401cfe8bdeac802351a8::" providerId="AD" clId="Web-{640C0C0F-CC60-43B7-9EA7-204785F2864C}" dt="2020-07-07T04:42:32.109" v="1070" actId="20577"/>
+        <pc:spChg chg="add mod">
+          <ac:chgData name="Antonio Osamu Katagiri Tanaka" userId="2c28225e-d492-4964-8551-1b0a3c65dda0" providerId="ADAL" clId="{1E83AF17-B86E-4C19-9585-AD3B0B02D326}" dt="2020-07-07T15:45:59.078" v="807" actId="1076"/>
           <ac:spMkLst>
             <pc:docMk/>
             <pc:sldMk cId="2400443886" sldId="282"/>
             <ac:spMk id="8" creationId="{9B5CFC4D-3DDF-451F-A89A-41EAEE17AC8E}"/>
           </ac:spMkLst>
         </pc:spChg>
-        <pc:picChg chg="add mod">
-          <ac:chgData name="Guest User" userId="S::urn:spo:anon#47e46a85d04db472c28c4aeb3bb64066e5c98df06a20401cfe8bdeac802351a8::" providerId="AD" clId="Web-{640C0C0F-CC60-43B7-9EA7-204785F2864C}" dt="2020-07-07T04:37:54.984" v="873" actId="1076"/>
+        <pc:spChg chg="add mod">
+          <ac:chgData name="Antonio Osamu Katagiri Tanaka" userId="2c28225e-d492-4964-8551-1b0a3c65dda0" providerId="ADAL" clId="{1E83AF17-B86E-4C19-9585-AD3B0B02D326}" dt="2020-07-07T05:39:48.642" v="643" actId="14100"/>
+          <ac:spMkLst>
+            <pc:docMk/>
+            <pc:sldMk cId="2400443886" sldId="282"/>
+            <ac:spMk id="10" creationId="{25D08A44-BC2B-4725-BF0E-90D5A85596CE}"/>
+          </ac:spMkLst>
+        </pc:spChg>
+        <pc:spChg chg="add mod">
+          <ac:chgData name="Antonio Osamu Katagiri Tanaka" userId="2c28225e-d492-4964-8551-1b0a3c65dda0" providerId="ADAL" clId="{1E83AF17-B86E-4C19-9585-AD3B0B02D326}" dt="2020-07-07T04:45:58.589" v="474" actId="20577"/>
+          <ac:spMkLst>
+            <pc:docMk/>
+            <pc:sldMk cId="2400443886" sldId="282"/>
+            <ac:spMk id="11" creationId="{279EC777-F48A-4560-9C43-084ACC344457}"/>
+          </ac:spMkLst>
+        </pc:spChg>
+        <pc:spChg chg="add mod">
+          <ac:chgData name="Antonio Osamu Katagiri Tanaka" userId="2c28225e-d492-4964-8551-1b0a3c65dda0" providerId="ADAL" clId="{1E83AF17-B86E-4C19-9585-AD3B0B02D326}" dt="2020-07-07T04:46:43.612" v="478" actId="20577"/>
+          <ac:spMkLst>
+            <pc:docMk/>
+            <pc:sldMk cId="2400443886" sldId="282"/>
+            <ac:spMk id="12" creationId="{149A98A7-1DF0-46C5-9245-93FCDB191599}"/>
+          </ac:spMkLst>
+        </pc:spChg>
+        <pc:spChg chg="add mod">
+          <ac:chgData name="Antonio Osamu Katagiri Tanaka" userId="2c28225e-d492-4964-8551-1b0a3c65dda0" providerId="ADAL" clId="{1E83AF17-B86E-4C19-9585-AD3B0B02D326}" dt="2020-07-07T04:47:26.492" v="484" actId="20577"/>
+          <ac:spMkLst>
+            <pc:docMk/>
+            <pc:sldMk cId="2400443886" sldId="282"/>
+            <ac:spMk id="13" creationId="{F6C08AD8-8982-4743-9D00-28F7D846E9D8}"/>
+          </ac:spMkLst>
+        </pc:spChg>
+        <pc:spChg chg="del mod">
+          <ac:chgData name="Antonio Osamu Katagiri Tanaka" userId="2c28225e-d492-4964-8551-1b0a3c65dda0" providerId="ADAL" clId="{1E83AF17-B86E-4C19-9585-AD3B0B02D326}" dt="2020-07-07T04:09:39.271" v="353" actId="478"/>
+          <ac:spMkLst>
+            <pc:docMk/>
+            <pc:sldMk cId="2400443886" sldId="282"/>
+            <ac:spMk id="14" creationId="{B1FDEF3E-1872-41D3-A841-FBE14801F476}"/>
+          </ac:spMkLst>
+        </pc:spChg>
+        <pc:spChg chg="add mod">
+          <ac:chgData name="Antonio Osamu Katagiri Tanaka" userId="2c28225e-d492-4964-8551-1b0a3c65dda0" providerId="ADAL" clId="{1E83AF17-B86E-4C19-9585-AD3B0B02D326}" dt="2020-07-07T04:48:16.191" v="493" actId="20577"/>
+          <ac:spMkLst>
+            <pc:docMk/>
+            <pc:sldMk cId="2400443886" sldId="282"/>
+            <ac:spMk id="15" creationId="{C7B8277B-B298-4DF0-BF90-0B8DD13AAD82}"/>
+          </ac:spMkLst>
+        </pc:spChg>
+        <pc:spChg chg="add del mod">
+          <ac:chgData name="Antonio Osamu Katagiri Tanaka" userId="2c28225e-d492-4964-8551-1b0a3c65dda0" providerId="ADAL" clId="{1E83AF17-B86E-4C19-9585-AD3B0B02D326}" dt="2020-07-07T05:38:54.985" v="642" actId="478"/>
+          <ac:spMkLst>
+            <pc:docMk/>
+            <pc:sldMk cId="2400443886" sldId="282"/>
+            <ac:spMk id="16" creationId="{47578EC9-ECEB-4DF0-96E8-388F74EC0637}"/>
+          </ac:spMkLst>
+        </pc:spChg>
+        <pc:picChg chg="mod">
+          <ac:chgData name="Antonio Osamu Katagiri Tanaka" userId="2c28225e-d492-4964-8551-1b0a3c65dda0" providerId="ADAL" clId="{1E83AF17-B86E-4C19-9585-AD3B0B02D326}" dt="2020-07-07T15:34:58.532" v="735" actId="1076"/>
           <ac:picMkLst>
             <pc:docMk/>
             <pc:sldMk cId="2400443886" sldId="282"/>
             <ac:picMk id="4" creationId="{66DB106F-FD6A-4232-A7C5-5F3ABDED31F0}"/>
           </ac:picMkLst>
         </pc:picChg>
+        <pc:picChg chg="add mod">
+          <ac:chgData name="Antonio Osamu Katagiri Tanaka" userId="2c28225e-d492-4964-8551-1b0a3c65dda0" providerId="ADAL" clId="{1E83AF17-B86E-4C19-9585-AD3B0B02D326}" dt="2020-07-07T04:40:54.412" v="445" actId="1076"/>
+          <ac:picMkLst>
+            <pc:docMk/>
+            <pc:sldMk cId="2400443886" sldId="282"/>
+            <ac:picMk id="5" creationId="{D4225DBE-FAE4-486C-9C52-012B20AC80BA}"/>
+          </ac:picMkLst>
+        </pc:picChg>
+        <pc:picChg chg="del">
+          <ac:chgData name="Antonio Osamu Katagiri Tanaka" userId="2c28225e-d492-4964-8551-1b0a3c65dda0" providerId="ADAL" clId="{1E83AF17-B86E-4C19-9585-AD3B0B02D326}" dt="2020-07-07T02:07:50.290" v="18" actId="478"/>
+          <ac:picMkLst>
+            <pc:docMk/>
+            <pc:sldMk cId="2400443886" sldId="282"/>
+            <ac:picMk id="7" creationId="{AA3506BA-1F5D-4E41-BD57-F192AED14F01}"/>
+          </ac:picMkLst>
+        </pc:picChg>
+        <pc:picChg chg="add del mod">
+          <ac:chgData name="Antonio Osamu Katagiri Tanaka" userId="2c28225e-d492-4964-8551-1b0a3c65dda0" providerId="ADAL" clId="{1E83AF17-B86E-4C19-9585-AD3B0B02D326}" dt="2020-07-07T15:35:20.200" v="736" actId="21"/>
+          <ac:picMkLst>
+            <pc:docMk/>
+            <pc:sldMk cId="2400443886" sldId="282"/>
+            <ac:picMk id="9" creationId="{D04AC40E-013F-4E36-99D7-49687627795A}"/>
+          </ac:picMkLst>
+        </pc:picChg>
       </pc:sldChg>
-      <pc:sldChg chg="addSp modSp">
-        <pc:chgData name="Guest User" userId="S::urn:spo:anon#47e46a85d04db472c28c4aeb3bb64066e5c98df06a20401cfe8bdeac802351a8::" providerId="AD" clId="Web-{640C0C0F-CC60-43B7-9EA7-204785F2864C}" dt="2020-07-07T04:32:28.199" v="866" actId="20577"/>
+      <pc:sldChg chg="addSp delSp modSp add del mod">
+        <pc:chgData name="Antonio Osamu Katagiri Tanaka" userId="2c28225e-d492-4964-8551-1b0a3c65dda0" providerId="ADAL" clId="{1E83AF17-B86E-4C19-9585-AD3B0B02D326}" dt="2020-07-07T02:07:23.148" v="13" actId="47"/>
+        <pc:sldMkLst>
+          <pc:docMk/>
+          <pc:sldMk cId="3461466976" sldId="282"/>
+        </pc:sldMkLst>
+        <pc:spChg chg="add del mod">
+          <ac:chgData name="Antonio Osamu Katagiri Tanaka" userId="2c28225e-d492-4964-8551-1b0a3c65dda0" providerId="ADAL" clId="{1E83AF17-B86E-4C19-9585-AD3B0B02D326}" dt="2020-07-07T02:06:20.446" v="5" actId="478"/>
+          <ac:spMkLst>
+            <pc:docMk/>
+            <pc:sldMk cId="3461466976" sldId="282"/>
+            <ac:spMk id="5" creationId="{C455B01F-C054-484D-AFFB-D9DD8F4382DE}"/>
+          </ac:spMkLst>
+        </pc:spChg>
+        <pc:spChg chg="del">
+          <ac:chgData name="Antonio Osamu Katagiri Tanaka" userId="2c28225e-d492-4964-8551-1b0a3c65dda0" providerId="ADAL" clId="{1E83AF17-B86E-4C19-9585-AD3B0B02D326}" dt="2020-07-07T02:06:17.552" v="4" actId="478"/>
+          <ac:spMkLst>
+            <pc:docMk/>
+            <pc:sldMk cId="3461466976" sldId="282"/>
+            <ac:spMk id="6" creationId="{438892A2-F58C-479B-93B3-BDD2A80D348B}"/>
+          </ac:spMkLst>
+        </pc:spChg>
+        <pc:spChg chg="del">
+          <ac:chgData name="Antonio Osamu Katagiri Tanaka" userId="2c28225e-d492-4964-8551-1b0a3c65dda0" providerId="ADAL" clId="{1E83AF17-B86E-4C19-9585-AD3B0B02D326}" dt="2020-07-07T02:06:17.552" v="4" actId="478"/>
+          <ac:spMkLst>
+            <pc:docMk/>
+            <pc:sldMk cId="3461466976" sldId="282"/>
+            <ac:spMk id="14" creationId="{B1FDEF3E-1872-41D3-A841-FBE14801F476}"/>
+          </ac:spMkLst>
+        </pc:spChg>
+        <pc:picChg chg="del mod">
+          <ac:chgData name="Antonio Osamu Katagiri Tanaka" userId="2c28225e-d492-4964-8551-1b0a3c65dda0" providerId="ADAL" clId="{1E83AF17-B86E-4C19-9585-AD3B0B02D326}" dt="2020-07-07T02:07:15.958" v="10" actId="21"/>
+          <ac:picMkLst>
+            <pc:docMk/>
+            <pc:sldMk cId="3461466976" sldId="282"/>
+            <ac:picMk id="3" creationId="{46A42C4A-FE35-4032-8F0E-CA17A96C74A4}"/>
+          </ac:picMkLst>
+        </pc:picChg>
+      </pc:sldChg>
+      <pc:sldChg chg="add modTransition">
+        <pc:chgData name="Antonio Osamu Katagiri Tanaka" userId="2c28225e-d492-4964-8551-1b0a3c65dda0" providerId="ADAL" clId="{1E83AF17-B86E-4C19-9585-AD3B0B02D326}" dt="2020-07-07T02:13:36.118" v="139"/>
+        <pc:sldMkLst>
+          <pc:docMk/>
+          <pc:sldMk cId="2428507866" sldId="283"/>
+        </pc:sldMkLst>
+      </pc:sldChg>
+      <pc:sldChg chg="addSp delSp modSp add mod">
+        <pc:chgData name="Antonio Osamu Katagiri Tanaka" userId="2c28225e-d492-4964-8551-1b0a3c65dda0" providerId="ADAL" clId="{1E83AF17-B86E-4C19-9585-AD3B0B02D326}" dt="2020-07-07T15:59:50.875" v="891" actId="20577"/>
         <pc:sldMkLst>
           <pc:docMk/>
           <pc:sldMk cId="3318103689" sldId="284"/>
         </pc:sldMkLst>
-        <pc:spChg chg="add mod">
-          <ac:chgData name="Guest User" userId="S::urn:spo:anon#47e46a85d04db472c28c4aeb3bb64066e5c98df06a20401cfe8bdeac802351a8::" providerId="AD" clId="Web-{640C0C0F-CC60-43B7-9EA7-204785F2864C}" dt="2020-07-07T04:32:28.199" v="866" actId="20577"/>
+        <pc:spChg chg="mod">
+          <ac:chgData name="Antonio Osamu Katagiri Tanaka" userId="2c28225e-d492-4964-8551-1b0a3c65dda0" providerId="ADAL" clId="{1E83AF17-B86E-4C19-9585-AD3B0B02D326}" dt="2020-07-07T04:15:16.742" v="357"/>
+          <ac:spMkLst>
+            <pc:docMk/>
+            <pc:sldMk cId="3318103689" sldId="284"/>
+            <ac:spMk id="3" creationId="{55DCEE6A-554B-4669-B3C5-FCF378150DA8}"/>
+          </ac:spMkLst>
+        </pc:spChg>
+        <pc:spChg chg="mod">
+          <ac:chgData name="Antonio Osamu Katagiri Tanaka" userId="2c28225e-d492-4964-8551-1b0a3c65dda0" providerId="ADAL" clId="{1E83AF17-B86E-4C19-9585-AD3B0B02D326}" dt="2020-07-07T15:59:50.875" v="891" actId="20577"/>
           <ac:spMkLst>
             <pc:docMk/>
             <pc:sldMk cId="3318103689" sldId="284"/>
@@ -656,28 +1066,343 @@
           </ac:spMkLst>
         </pc:spChg>
         <pc:spChg chg="mod">
-          <ac:chgData name="Guest User" userId="S::urn:spo:anon#47e46a85d04db472c28c4aeb3bb64066e5c98df06a20401cfe8bdeac802351a8::" providerId="AD" clId="Web-{640C0C0F-CC60-43B7-9EA7-204785F2864C}" dt="2020-07-07T04:10:01.530" v="0" actId="14100"/>
+          <ac:chgData name="Antonio Osamu Katagiri Tanaka" userId="2c28225e-d492-4964-8551-1b0a3c65dda0" providerId="ADAL" clId="{1E83AF17-B86E-4C19-9585-AD3B0B02D326}" dt="2020-07-07T03:48:05.156" v="250" actId="20577"/>
+          <ac:spMkLst>
+            <pc:docMk/>
+            <pc:sldMk cId="3318103689" sldId="284"/>
+            <ac:spMk id="6" creationId="{438892A2-F58C-479B-93B3-BDD2A80D348B}"/>
+          </ac:spMkLst>
+        </pc:spChg>
+        <pc:spChg chg="del">
+          <ac:chgData name="Antonio Osamu Katagiri Tanaka" userId="2c28225e-d492-4964-8551-1b0a3c65dda0" providerId="ADAL" clId="{1E83AF17-B86E-4C19-9585-AD3B0B02D326}" dt="2020-07-07T05:32:36.611" v="511" actId="478"/>
           <ac:spMkLst>
             <pc:docMk/>
             <pc:sldMk cId="3318103689" sldId="284"/>
             <ac:spMk id="14" creationId="{B1FDEF3E-1872-41D3-A841-FBE14801F476}"/>
           </ac:spMkLst>
         </pc:spChg>
+        <pc:picChg chg="add mod">
+          <ac:chgData name="Antonio Osamu Katagiri Tanaka" userId="2c28225e-d492-4964-8551-1b0a3c65dda0" providerId="ADAL" clId="{1E83AF17-B86E-4C19-9585-AD3B0B02D326}" dt="2020-07-07T15:43:03.275" v="804" actId="1076"/>
+          <ac:picMkLst>
+            <pc:docMk/>
+            <pc:sldMk cId="3318103689" sldId="284"/>
+            <ac:picMk id="7" creationId="{FFB13116-AB1C-49B0-90D5-1E3B9B5296BA}"/>
+          </ac:picMkLst>
+        </pc:picChg>
       </pc:sldChg>
-      <pc:sldChg chg="addSp modSp">
-        <pc:chgData name="Guest User" userId="S::urn:spo:anon#47e46a85d04db472c28c4aeb3bb64066e5c98df06a20401cfe8bdeac802351a8::" providerId="AD" clId="Web-{640C0C0F-CC60-43B7-9EA7-204785F2864C}" dt="2020-07-07T04:55:22.651" v="1215" actId="20577"/>
+      <pc:sldChg chg="addSp delSp modSp add mod">
+        <pc:chgData name="Antonio Osamu Katagiri Tanaka" userId="2c28225e-d492-4964-8551-1b0a3c65dda0" providerId="ADAL" clId="{1E83AF17-B86E-4C19-9585-AD3B0B02D326}" dt="2020-07-07T15:42:16.232" v="795" actId="1076"/>
         <pc:sldMkLst>
           <pc:docMk/>
           <pc:sldMk cId="1940175811" sldId="285"/>
         </pc:sldMkLst>
-        <pc:spChg chg="add mod">
-          <ac:chgData name="Guest User" userId="S::urn:spo:anon#47e46a85d04db472c28c4aeb3bb64066e5c98df06a20401cfe8bdeac802351a8::" providerId="AD" clId="Web-{640C0C0F-CC60-43B7-9EA7-204785F2864C}" dt="2020-07-07T04:55:22.651" v="1215" actId="20577"/>
+        <pc:spChg chg="mod">
+          <ac:chgData name="Antonio Osamu Katagiri Tanaka" userId="2c28225e-d492-4964-8551-1b0a3c65dda0" providerId="ADAL" clId="{1E83AF17-B86E-4C19-9585-AD3B0B02D326}" dt="2020-07-07T04:15:24.781" v="358"/>
+          <ac:spMkLst>
+            <pc:docMk/>
+            <pc:sldMk cId="1940175811" sldId="285"/>
+            <ac:spMk id="3" creationId="{55DCEE6A-554B-4669-B3C5-FCF378150DA8}"/>
+          </ac:spMkLst>
+        </pc:spChg>
+        <pc:spChg chg="mod">
+          <ac:chgData name="Antonio Osamu Katagiri Tanaka" userId="2c28225e-d492-4964-8551-1b0a3c65dda0" providerId="ADAL" clId="{1E83AF17-B86E-4C19-9585-AD3B0B02D326}" dt="2020-07-07T15:37:09.775" v="761" actId="20577"/>
           <ac:spMkLst>
             <pc:docMk/>
             <pc:sldMk cId="1940175811" sldId="285"/>
             <ac:spMk id="4" creationId="{537BD168-0E46-4D2A-9C66-EFB42E41BB07}"/>
           </ac:spMkLst>
         </pc:spChg>
+        <pc:spChg chg="mod">
+          <ac:chgData name="Antonio Osamu Katagiri Tanaka" userId="2c28225e-d492-4964-8551-1b0a3c65dda0" providerId="ADAL" clId="{1E83AF17-B86E-4C19-9585-AD3B0B02D326}" dt="2020-07-07T03:48:38.586" v="290" actId="20577"/>
+          <ac:spMkLst>
+            <pc:docMk/>
+            <pc:sldMk cId="1940175811" sldId="285"/>
+            <ac:spMk id="6" creationId="{438892A2-F58C-479B-93B3-BDD2A80D348B}"/>
+          </ac:spMkLst>
+        </pc:spChg>
+        <pc:spChg chg="del">
+          <ac:chgData name="Antonio Osamu Katagiri Tanaka" userId="2c28225e-d492-4964-8551-1b0a3c65dda0" providerId="ADAL" clId="{1E83AF17-B86E-4C19-9585-AD3B0B02D326}" dt="2020-07-07T05:32:33.334" v="510" actId="478"/>
+          <ac:spMkLst>
+            <pc:docMk/>
+            <pc:sldMk cId="1940175811" sldId="285"/>
+            <ac:spMk id="14" creationId="{B1FDEF3E-1872-41D3-A841-FBE14801F476}"/>
+          </ac:spMkLst>
+        </pc:spChg>
+        <pc:picChg chg="add mod">
+          <ac:chgData name="Antonio Osamu Katagiri Tanaka" userId="2c28225e-d492-4964-8551-1b0a3c65dda0" providerId="ADAL" clId="{1E83AF17-B86E-4C19-9585-AD3B0B02D326}" dt="2020-07-07T15:42:16.232" v="795" actId="1076"/>
+          <ac:picMkLst>
+            <pc:docMk/>
+            <pc:sldMk cId="1940175811" sldId="285"/>
+            <ac:picMk id="7" creationId="{A8143575-7374-4A09-A08D-54305300D144}"/>
+          </ac:picMkLst>
+        </pc:picChg>
+      </pc:sldChg>
+      <pc:sldChg chg="add">
+        <pc:chgData name="Antonio Osamu Katagiri Tanaka" userId="2c28225e-d492-4964-8551-1b0a3c65dda0" providerId="ADAL" clId="{1E83AF17-B86E-4C19-9585-AD3B0B02D326}" dt="2020-07-07T15:39:15.958" v="774"/>
+        <pc:sldMkLst>
+          <pc:docMk/>
+          <pc:sldMk cId="3844643083" sldId="286"/>
+        </pc:sldMkLst>
+      </pc:sldChg>
+    </pc:docChg>
+  </pc:docChgLst>
+  <pc:docChgLst>
+    <pc:chgData name="Antonio Osamu Katagiri Tanaka" userId="2c28225e-d492-4964-8551-1b0a3c65dda0" providerId="ADAL" clId="{329B512D-3474-403B-B217-DE713D6D5C19}"/>
+    <pc:docChg chg="undo custSel addSld delSld modSld sldOrd modSection">
+      <pc:chgData name="Antonio Osamu Katagiri Tanaka" userId="2c28225e-d492-4964-8551-1b0a3c65dda0" providerId="ADAL" clId="{329B512D-3474-403B-B217-DE713D6D5C19}" dt="2019-04-04T15:50:31.505" v="1986" actId="20577"/>
+      <pc:docMkLst>
+        <pc:docMk/>
+      </pc:docMkLst>
+      <pc:sldChg chg="addSp">
+        <pc:chgData name="Antonio Osamu Katagiri Tanaka" userId="2c28225e-d492-4964-8551-1b0a3c65dda0" providerId="ADAL" clId="{329B512D-3474-403B-B217-DE713D6D5C19}" dt="2019-03-31T15:07:38.520" v="0" actId="9405"/>
+        <pc:sldMkLst>
+          <pc:docMk/>
+          <pc:sldMk cId="3401248549" sldId="256"/>
+        </pc:sldMkLst>
+        <pc:inkChg chg="add">
+          <ac:chgData name="Antonio Osamu Katagiri Tanaka" userId="2c28225e-d492-4964-8551-1b0a3c65dda0" providerId="ADAL" clId="{329B512D-3474-403B-B217-DE713D6D5C19}" dt="2019-03-31T15:07:38.520" v="0" actId="9405"/>
+          <ac:inkMkLst>
+            <pc:docMk/>
+            <pc:sldMk cId="3401248549" sldId="256"/>
+            <ac:inkMk id="2" creationId="{E00210A8-2E97-46D2-AE68-867D9198F33C}"/>
+          </ac:inkMkLst>
+        </pc:inkChg>
+      </pc:sldChg>
+      <pc:sldChg chg="modSp">
+        <pc:chgData name="Antonio Osamu Katagiri Tanaka" userId="2c28225e-d492-4964-8551-1b0a3c65dda0" providerId="ADAL" clId="{329B512D-3474-403B-B217-DE713D6D5C19}" dt="2019-04-04T15:50:31.505" v="1986" actId="20577"/>
+        <pc:sldMkLst>
+          <pc:docMk/>
+          <pc:sldMk cId="1105756717" sldId="257"/>
+        </pc:sldMkLst>
+        <pc:spChg chg="mod">
+          <ac:chgData name="Antonio Osamu Katagiri Tanaka" userId="2c28225e-d492-4964-8551-1b0a3c65dda0" providerId="ADAL" clId="{329B512D-3474-403B-B217-DE713D6D5C19}" dt="2019-04-04T15:50:31.505" v="1986" actId="20577"/>
+          <ac:spMkLst>
+            <pc:docMk/>
+            <pc:sldMk cId="1105756717" sldId="257"/>
+            <ac:spMk id="3" creationId="{6E971A9A-8031-4781-96A0-B9A5656935B5}"/>
+          </ac:spMkLst>
+        </pc:spChg>
+      </pc:sldChg>
+      <pc:sldChg chg="addSp delSp modSp">
+        <pc:chgData name="Antonio Osamu Katagiri Tanaka" userId="2c28225e-d492-4964-8551-1b0a3c65dda0" providerId="ADAL" clId="{329B512D-3474-403B-B217-DE713D6D5C19}" dt="2019-04-04T14:27:37.615" v="1984" actId="115"/>
+        <pc:sldMkLst>
+          <pc:docMk/>
+          <pc:sldMk cId="3604131991" sldId="263"/>
+        </pc:sldMkLst>
+        <pc:spChg chg="mod">
+          <ac:chgData name="Antonio Osamu Katagiri Tanaka" userId="2c28225e-d492-4964-8551-1b0a3c65dda0" providerId="ADAL" clId="{329B512D-3474-403B-B217-DE713D6D5C19}" dt="2019-04-04T14:27:37.615" v="1984" actId="115"/>
+          <ac:spMkLst>
+            <pc:docMk/>
+            <pc:sldMk cId="3604131991" sldId="263"/>
+            <ac:spMk id="6" creationId="{058630E6-31AF-4451-B084-C9809D0DA4E8}"/>
+          </ac:spMkLst>
+        </pc:spChg>
+        <pc:inkChg chg="add del">
+          <ac:chgData name="Antonio Osamu Katagiri Tanaka" userId="2c28225e-d492-4964-8551-1b0a3c65dda0" providerId="ADAL" clId="{329B512D-3474-403B-B217-DE713D6D5C19}" dt="2019-04-04T14:27:28.979" v="1982" actId="9405"/>
+          <ac:inkMkLst>
+            <pc:docMk/>
+            <pc:sldMk cId="3604131991" sldId="263"/>
+            <ac:inkMk id="2" creationId="{969D952D-714C-43B0-A513-C6B4AE47428D}"/>
+          </ac:inkMkLst>
+        </pc:inkChg>
+        <pc:inkChg chg="add del">
+          <ac:chgData name="Antonio Osamu Katagiri Tanaka" userId="2c28225e-d492-4964-8551-1b0a3c65dda0" providerId="ADAL" clId="{329B512D-3474-403B-B217-DE713D6D5C19}" dt="2019-04-04T14:27:28.045" v="1981" actId="9405"/>
+          <ac:inkMkLst>
+            <pc:docMk/>
+            <pc:sldMk cId="3604131991" sldId="263"/>
+            <ac:inkMk id="3" creationId="{FE05DE7C-4281-4120-83A0-C423CBD124A8}"/>
+          </ac:inkMkLst>
+        </pc:inkChg>
+        <pc:inkChg chg="add del">
+          <ac:chgData name="Antonio Osamu Katagiri Tanaka" userId="2c28225e-d492-4964-8551-1b0a3c65dda0" providerId="ADAL" clId="{329B512D-3474-403B-B217-DE713D6D5C19}" dt="2019-04-04T14:27:27.649" v="1980" actId="9405"/>
+          <ac:inkMkLst>
+            <pc:docMk/>
+            <pc:sldMk cId="3604131991" sldId="263"/>
+            <ac:inkMk id="5" creationId="{BB6A19F7-AA98-477A-A47F-B32552340760}"/>
+          </ac:inkMkLst>
+        </pc:inkChg>
+      </pc:sldChg>
+      <pc:sldChg chg="addSp delSp modSp add modNotesTx">
+        <pc:chgData name="Antonio Osamu Katagiri Tanaka" userId="2c28225e-d492-4964-8551-1b0a3c65dda0" providerId="ADAL" clId="{329B512D-3474-403B-B217-DE713D6D5C19}" dt="2019-04-04T13:21:57.223" v="1920" actId="20577"/>
+        <pc:sldMkLst>
+          <pc:docMk/>
+          <pc:sldMk cId="708711930" sldId="276"/>
+        </pc:sldMkLst>
+        <pc:spChg chg="mod">
+          <ac:chgData name="Antonio Osamu Katagiri Tanaka" userId="2c28225e-d492-4964-8551-1b0a3c65dda0" providerId="ADAL" clId="{329B512D-3474-403B-B217-DE713D6D5C19}" dt="2019-04-04T04:34:54.745" v="1145" actId="20577"/>
+          <ac:spMkLst>
+            <pc:docMk/>
+            <pc:sldMk cId="708711930" sldId="276"/>
+            <ac:spMk id="4" creationId="{F9ED8BE6-F7AC-4FD8-8FA8-8C683A7C2F62}"/>
+          </ac:spMkLst>
+        </pc:spChg>
+        <pc:spChg chg="add mod">
+          <ac:chgData name="Antonio Osamu Katagiri Tanaka" userId="2c28225e-d492-4964-8551-1b0a3c65dda0" providerId="ADAL" clId="{329B512D-3474-403B-B217-DE713D6D5C19}" dt="2019-04-04T13:21:57.223" v="1920" actId="20577"/>
+          <ac:spMkLst>
+            <pc:docMk/>
+            <pc:sldMk cId="708711930" sldId="276"/>
+            <ac:spMk id="7" creationId="{43F915F1-9C90-4B6E-AA0B-C9F4FCF704FA}"/>
+          </ac:spMkLst>
+        </pc:spChg>
+        <pc:picChg chg="add del mod">
+          <ac:chgData name="Antonio Osamu Katagiri Tanaka" userId="2c28225e-d492-4964-8551-1b0a3c65dda0" providerId="ADAL" clId="{329B512D-3474-403B-B217-DE713D6D5C19}" dt="2019-04-04T05:13:15.197" v="1321" actId="478"/>
+          <ac:picMkLst>
+            <pc:docMk/>
+            <pc:sldMk cId="708711930" sldId="276"/>
+            <ac:picMk id="5" creationId="{A98AA8FA-E2A8-490A-BE93-C2DB37F95CB5}"/>
+          </ac:picMkLst>
+        </pc:picChg>
+      </pc:sldChg>
+      <pc:sldChg chg="addSp delSp add">
+        <pc:chgData name="Antonio Osamu Katagiri Tanaka" userId="2c28225e-d492-4964-8551-1b0a3c65dda0" providerId="ADAL" clId="{329B512D-3474-403B-B217-DE713D6D5C19}" dt="2019-04-04T14:17:54.544" v="1976" actId="9405"/>
+        <pc:sldMkLst>
+          <pc:docMk/>
+          <pc:sldMk cId="2232161063" sldId="281"/>
+        </pc:sldMkLst>
+        <pc:spChg chg="del">
+          <ac:chgData name="Antonio Osamu Katagiri Tanaka" userId="2c28225e-d492-4964-8551-1b0a3c65dda0" providerId="ADAL" clId="{329B512D-3474-403B-B217-DE713D6D5C19}" dt="2019-04-04T14:16:15.620" v="1950" actId="478"/>
+          <ac:spMkLst>
+            <pc:docMk/>
+            <pc:sldMk cId="2232161063" sldId="281"/>
+            <ac:spMk id="2" creationId="{4C4F355D-C485-4947-B93D-D35B7AA9E70B}"/>
+          </ac:spMkLst>
+        </pc:spChg>
+        <pc:spChg chg="del">
+          <ac:chgData name="Antonio Osamu Katagiri Tanaka" userId="2c28225e-d492-4964-8551-1b0a3c65dda0" providerId="ADAL" clId="{329B512D-3474-403B-B217-DE713D6D5C19}" dt="2019-04-04T14:16:15.620" v="1950" actId="478"/>
+          <ac:spMkLst>
+            <pc:docMk/>
+            <pc:sldMk cId="2232161063" sldId="281"/>
+            <ac:spMk id="3" creationId="{CEFF394F-286F-4E9E-91A4-CDDC3F9A8031}"/>
+          </ac:spMkLst>
+        </pc:spChg>
+        <pc:inkChg chg="add del">
+          <ac:chgData name="Antonio Osamu Katagiri Tanaka" userId="2c28225e-d492-4964-8551-1b0a3c65dda0" providerId="ADAL" clId="{329B512D-3474-403B-B217-DE713D6D5C19}" dt="2019-04-04T14:16:38.510" v="1954" actId="9405"/>
+          <ac:inkMkLst>
+            <pc:docMk/>
+            <pc:sldMk cId="2232161063" sldId="281"/>
+            <ac:inkMk id="4" creationId="{F48662FE-D5D2-4B7F-8DA7-0CF64BB16546}"/>
+          </ac:inkMkLst>
+        </pc:inkChg>
+        <pc:inkChg chg="add del">
+          <ac:chgData name="Antonio Osamu Katagiri Tanaka" userId="2c28225e-d492-4964-8551-1b0a3c65dda0" providerId="ADAL" clId="{329B512D-3474-403B-B217-DE713D6D5C19}" dt="2019-04-04T14:16:38.154" v="1953" actId="9405"/>
+          <ac:inkMkLst>
+            <pc:docMk/>
+            <pc:sldMk cId="2232161063" sldId="281"/>
+            <ac:inkMk id="5" creationId="{4ABF39D1-C7B9-4BA2-B542-4048A038320F}"/>
+          </ac:inkMkLst>
+        </pc:inkChg>
+        <pc:inkChg chg="add del">
+          <ac:chgData name="Antonio Osamu Katagiri Tanaka" userId="2c28225e-d492-4964-8551-1b0a3c65dda0" providerId="ADAL" clId="{329B512D-3474-403B-B217-DE713D6D5C19}" dt="2019-04-04T14:16:47.175" v="1958" actId="9405"/>
+          <ac:inkMkLst>
+            <pc:docMk/>
+            <pc:sldMk cId="2232161063" sldId="281"/>
+            <ac:inkMk id="6" creationId="{5B1B56C8-70C9-4730-8643-79E88310667C}"/>
+          </ac:inkMkLst>
+        </pc:inkChg>
+        <pc:inkChg chg="add del">
+          <ac:chgData name="Antonio Osamu Katagiri Tanaka" userId="2c28225e-d492-4964-8551-1b0a3c65dda0" providerId="ADAL" clId="{329B512D-3474-403B-B217-DE713D6D5C19}" dt="2019-04-04T14:16:46.724" v="1957" actId="9405"/>
+          <ac:inkMkLst>
+            <pc:docMk/>
+            <pc:sldMk cId="2232161063" sldId="281"/>
+            <ac:inkMk id="7" creationId="{24C5F770-68B4-4D42-B489-41A511F861BD}"/>
+          </ac:inkMkLst>
+        </pc:inkChg>
+        <pc:inkChg chg="add del">
+          <ac:chgData name="Antonio Osamu Katagiri Tanaka" userId="2c28225e-d492-4964-8551-1b0a3c65dda0" providerId="ADAL" clId="{329B512D-3474-403B-B217-DE713D6D5C19}" dt="2019-04-04T14:17:20.271" v="1975" actId="9405"/>
+          <ac:inkMkLst>
+            <pc:docMk/>
+            <pc:sldMk cId="2232161063" sldId="281"/>
+            <ac:inkMk id="8" creationId="{39B76950-E0E3-487C-9E7C-22E8EC186848}"/>
+          </ac:inkMkLst>
+        </pc:inkChg>
+        <pc:inkChg chg="add del">
+          <ac:chgData name="Antonio Osamu Katagiri Tanaka" userId="2c28225e-d492-4964-8551-1b0a3c65dda0" providerId="ADAL" clId="{329B512D-3474-403B-B217-DE713D6D5C19}" dt="2019-04-04T14:17:20.012" v="1974" actId="9405"/>
+          <ac:inkMkLst>
+            <pc:docMk/>
+            <pc:sldMk cId="2232161063" sldId="281"/>
+            <ac:inkMk id="9" creationId="{3CEC4F54-38E1-4934-8B8C-FFE12692C698}"/>
+          </ac:inkMkLst>
+        </pc:inkChg>
+        <pc:inkChg chg="add del">
+          <ac:chgData name="Antonio Osamu Katagiri Tanaka" userId="2c28225e-d492-4964-8551-1b0a3c65dda0" providerId="ADAL" clId="{329B512D-3474-403B-B217-DE713D6D5C19}" dt="2019-04-04T14:17:09.245" v="1963"/>
+          <ac:inkMkLst>
+            <pc:docMk/>
+            <pc:sldMk cId="2232161063" sldId="281"/>
+            <ac:inkMk id="10" creationId="{0DBEE789-6623-4AB2-ADC5-98E430E1CBAF}"/>
+          </ac:inkMkLst>
+        </pc:inkChg>
+        <pc:inkChg chg="add del">
+          <ac:chgData name="Antonio Osamu Katagiri Tanaka" userId="2c28225e-d492-4964-8551-1b0a3c65dda0" providerId="ADAL" clId="{329B512D-3474-403B-B217-DE713D6D5C19}" dt="2019-04-04T14:17:19.713" v="1973" actId="9405"/>
+          <ac:inkMkLst>
+            <pc:docMk/>
+            <pc:sldMk cId="2232161063" sldId="281"/>
+            <ac:inkMk id="11" creationId="{DFC9F2CA-5285-4A5C-9F5B-2525D84FA85B}"/>
+          </ac:inkMkLst>
+        </pc:inkChg>
+        <pc:inkChg chg="add del">
+          <ac:chgData name="Antonio Osamu Katagiri Tanaka" userId="2c28225e-d492-4964-8551-1b0a3c65dda0" providerId="ADAL" clId="{329B512D-3474-403B-B217-DE713D6D5C19}" dt="2019-04-04T14:17:11.940" v="1965"/>
+          <ac:inkMkLst>
+            <pc:docMk/>
+            <pc:sldMk cId="2232161063" sldId="281"/>
+            <ac:inkMk id="12" creationId="{70729EB8-D999-44DE-BD4B-AC2656488D0D}"/>
+          </ac:inkMkLst>
+        </pc:inkChg>
+        <pc:inkChg chg="add del">
+          <ac:chgData name="Antonio Osamu Katagiri Tanaka" userId="2c28225e-d492-4964-8551-1b0a3c65dda0" providerId="ADAL" clId="{329B512D-3474-403B-B217-DE713D6D5C19}" dt="2019-04-04T14:17:19.448" v="1972" actId="9405"/>
+          <ac:inkMkLst>
+            <pc:docMk/>
+            <pc:sldMk cId="2232161063" sldId="281"/>
+            <ac:inkMk id="13" creationId="{B5E4568C-A122-4752-BFD4-D01AB9477A90}"/>
+          </ac:inkMkLst>
+        </pc:inkChg>
+        <pc:inkChg chg="add del">
+          <ac:chgData name="Antonio Osamu Katagiri Tanaka" userId="2c28225e-d492-4964-8551-1b0a3c65dda0" providerId="ADAL" clId="{329B512D-3474-403B-B217-DE713D6D5C19}" dt="2019-04-04T14:17:14.340" v="1967"/>
+          <ac:inkMkLst>
+            <pc:docMk/>
+            <pc:sldMk cId="2232161063" sldId="281"/>
+            <ac:inkMk id="14" creationId="{B7C371AD-F542-4243-992B-83DE8682F6E8}"/>
+          </ac:inkMkLst>
+        </pc:inkChg>
+        <pc:inkChg chg="add del">
+          <ac:chgData name="Antonio Osamu Katagiri Tanaka" userId="2c28225e-d492-4964-8551-1b0a3c65dda0" providerId="ADAL" clId="{329B512D-3474-403B-B217-DE713D6D5C19}" dt="2019-04-04T14:17:19.102" v="1971" actId="9405"/>
+          <ac:inkMkLst>
+            <pc:docMk/>
+            <pc:sldMk cId="2232161063" sldId="281"/>
+            <ac:inkMk id="15" creationId="{CFB02AAB-6668-48F3-B426-4D9D0CC71014}"/>
+          </ac:inkMkLst>
+        </pc:inkChg>
+        <pc:inkChg chg="add del">
+          <ac:chgData name="Antonio Osamu Katagiri Tanaka" userId="2c28225e-d492-4964-8551-1b0a3c65dda0" providerId="ADAL" clId="{329B512D-3474-403B-B217-DE713D6D5C19}" dt="2019-04-04T14:17:17.351" v="1969"/>
+          <ac:inkMkLst>
+            <pc:docMk/>
+            <pc:sldMk cId="2232161063" sldId="281"/>
+            <ac:inkMk id="16" creationId="{F958836C-F4E8-4AF9-BD66-055A4B6A0328}"/>
+          </ac:inkMkLst>
+        </pc:inkChg>
+        <pc:inkChg chg="add del">
+          <ac:chgData name="Antonio Osamu Katagiri Tanaka" userId="2c28225e-d492-4964-8551-1b0a3c65dda0" providerId="ADAL" clId="{329B512D-3474-403B-B217-DE713D6D5C19}" dt="2019-04-04T14:17:18.869" v="1970" actId="9405"/>
+          <ac:inkMkLst>
+            <pc:docMk/>
+            <pc:sldMk cId="2232161063" sldId="281"/>
+            <ac:inkMk id="17" creationId="{381EC61D-F6A6-4D31-8DC8-0FDB22BF7969}"/>
+          </ac:inkMkLst>
+        </pc:inkChg>
+        <pc:inkChg chg="add">
+          <ac:chgData name="Antonio Osamu Katagiri Tanaka" userId="2c28225e-d492-4964-8551-1b0a3c65dda0" providerId="ADAL" clId="{329B512D-3474-403B-B217-DE713D6D5C19}" dt="2019-04-04T14:17:17.351" v="1969"/>
+          <ac:inkMkLst>
+            <pc:docMk/>
+            <pc:sldMk cId="2232161063" sldId="281"/>
+            <ac:inkMk id="18" creationId="{A82FD42E-7762-4781-B54C-6FC99285B972}"/>
+          </ac:inkMkLst>
+        </pc:inkChg>
+        <pc:inkChg chg="add">
+          <ac:chgData name="Antonio Osamu Katagiri Tanaka" userId="2c28225e-d492-4964-8551-1b0a3c65dda0" providerId="ADAL" clId="{329B512D-3474-403B-B217-DE713D6D5C19}" dt="2019-04-04T14:17:54.544" v="1976" actId="9405"/>
+          <ac:inkMkLst>
+            <pc:docMk/>
+            <pc:sldMk cId="2232161063" sldId="281"/>
+            <ac:inkMk id="19" creationId="{BAA549A7-2830-4ED6-A802-0791908B8068}"/>
+          </ac:inkMkLst>
+        </pc:inkChg>
       </pc:sldChg>
     </pc:docChg>
   </pc:docChgLst>
@@ -935,488 +1660,6 @@
           <pc:docMk/>
           <pc:sldMk cId="3680588873" sldId="280"/>
         </pc:sldMkLst>
-      </pc:sldChg>
-    </pc:docChg>
-  </pc:docChgLst>
-  <pc:docChgLst>
-    <pc:chgData name="Antonio Osamu Katagiri Tanaka" userId="2c28225e-d492-4964-8551-1b0a3c65dda0" providerId="ADAL" clId="{C59DF1F7-432E-4893-B28C-5D3B004F8374}"/>
-    <pc:docChg chg="undo redo custSel addSld delSld modSld sldOrd delSection modSection">
-      <pc:chgData name="Antonio Osamu Katagiri Tanaka" userId="2c28225e-d492-4964-8551-1b0a3c65dda0" providerId="ADAL" clId="{C59DF1F7-432E-4893-B28C-5D3B004F8374}" dt="2019-03-31T14:59:20.878" v="389" actId="20577"/>
-      <pc:docMkLst>
-        <pc:docMk/>
-      </pc:docMkLst>
-      <pc:sldChg chg="modSp">
-        <pc:chgData name="Antonio Osamu Katagiri Tanaka" userId="2c28225e-d492-4964-8551-1b0a3c65dda0" providerId="ADAL" clId="{C59DF1F7-432E-4893-B28C-5D3B004F8374}" dt="2019-03-30T15:24:08.167" v="64" actId="1440"/>
-        <pc:sldMkLst>
-          <pc:docMk/>
-          <pc:sldMk cId="4056039362" sldId="260"/>
-        </pc:sldMkLst>
-        <pc:picChg chg="mod">
-          <ac:chgData name="Antonio Osamu Katagiri Tanaka" userId="2c28225e-d492-4964-8551-1b0a3c65dda0" providerId="ADAL" clId="{C59DF1F7-432E-4893-B28C-5D3B004F8374}" dt="2019-03-30T15:24:08.167" v="64" actId="1440"/>
-          <ac:picMkLst>
-            <pc:docMk/>
-            <pc:sldMk cId="4056039362" sldId="260"/>
-            <ac:picMk id="13" creationId="{8578D0BD-CD2C-44B1-976E-1029D186D2DF}"/>
-          </ac:picMkLst>
-        </pc:picChg>
-      </pc:sldChg>
-      <pc:sldChg chg="ord">
-        <pc:chgData name="Antonio Osamu Katagiri Tanaka" userId="2c28225e-d492-4964-8551-1b0a3c65dda0" providerId="ADAL" clId="{C59DF1F7-432E-4893-B28C-5D3B004F8374}" dt="2019-03-30T14:49:00.456" v="1"/>
-        <pc:sldMkLst>
-          <pc:docMk/>
-          <pc:sldMk cId="3604131991" sldId="263"/>
-        </pc:sldMkLst>
-      </pc:sldChg>
-      <pc:sldChg chg="addSp delSp modSp add">
-        <pc:chgData name="Antonio Osamu Katagiri Tanaka" userId="2c28225e-d492-4964-8551-1b0a3c65dda0" providerId="ADAL" clId="{C59DF1F7-432E-4893-B28C-5D3B004F8374}" dt="2019-03-30T15:01:17.755" v="32"/>
-        <pc:sldMkLst>
-          <pc:docMk/>
-          <pc:sldMk cId="4246728971" sldId="269"/>
-        </pc:sldMkLst>
-        <pc:spChg chg="add del mod">
-          <ac:chgData name="Antonio Osamu Katagiri Tanaka" userId="2c28225e-d492-4964-8551-1b0a3c65dda0" providerId="ADAL" clId="{C59DF1F7-432E-4893-B28C-5D3B004F8374}" dt="2019-03-30T14:52:53.260" v="6" actId="478"/>
-          <ac:spMkLst>
-            <pc:docMk/>
-            <pc:sldMk cId="4246728971" sldId="269"/>
-            <ac:spMk id="3" creationId="{BFCEFFC5-7335-4486-8818-2B397870E222}"/>
-          </ac:spMkLst>
-        </pc:spChg>
-        <pc:spChg chg="del">
-          <ac:chgData name="Antonio Osamu Katagiri Tanaka" userId="2c28225e-d492-4964-8551-1b0a3c65dda0" providerId="ADAL" clId="{C59DF1F7-432E-4893-B28C-5D3B004F8374}" dt="2019-03-30T14:52:51.721" v="5" actId="478"/>
-          <ac:spMkLst>
-            <pc:docMk/>
-            <pc:sldMk cId="4246728971" sldId="269"/>
-            <ac:spMk id="4" creationId="{F9ED8BE6-F7AC-4FD8-8FA8-8C683A7C2F62}"/>
-          </ac:spMkLst>
-        </pc:spChg>
-        <pc:spChg chg="del">
-          <ac:chgData name="Antonio Osamu Katagiri Tanaka" userId="2c28225e-d492-4964-8551-1b0a3c65dda0" providerId="ADAL" clId="{C59DF1F7-432E-4893-B28C-5D3B004F8374}" dt="2019-03-30T14:52:55.923" v="7" actId="478"/>
-          <ac:spMkLst>
-            <pc:docMk/>
-            <pc:sldMk cId="4246728971" sldId="269"/>
-            <ac:spMk id="6" creationId="{058630E6-31AF-4451-B084-C9809D0DA4E8}"/>
-          </ac:spMkLst>
-        </pc:spChg>
-        <pc:spChg chg="add del mod">
-          <ac:chgData name="Antonio Osamu Katagiri Tanaka" userId="2c28225e-d492-4964-8551-1b0a3c65dda0" providerId="ADAL" clId="{C59DF1F7-432E-4893-B28C-5D3B004F8374}" dt="2019-03-30T14:52:58.396" v="8" actId="478"/>
-          <ac:spMkLst>
-            <pc:docMk/>
-            <pc:sldMk cId="4246728971" sldId="269"/>
-            <ac:spMk id="7" creationId="{EFB1FD18-9FB8-4EC8-A186-B4E23A6745CA}"/>
-          </ac:spMkLst>
-        </pc:spChg>
-        <pc:spChg chg="add mod">
-          <ac:chgData name="Antonio Osamu Katagiri Tanaka" userId="2c28225e-d492-4964-8551-1b0a3c65dda0" providerId="ADAL" clId="{C59DF1F7-432E-4893-B28C-5D3B004F8374}" dt="2019-03-30T14:57:55.916" v="28" actId="403"/>
-          <ac:spMkLst>
-            <pc:docMk/>
-            <pc:sldMk cId="4246728971" sldId="269"/>
-            <ac:spMk id="9" creationId="{907DD878-B76C-4FC5-9BC3-86C7C3DB3BDA}"/>
-          </ac:spMkLst>
-        </pc:spChg>
-        <pc:picChg chg="add mod">
-          <ac:chgData name="Antonio Osamu Katagiri Tanaka" userId="2c28225e-d492-4964-8551-1b0a3c65dda0" providerId="ADAL" clId="{C59DF1F7-432E-4893-B28C-5D3B004F8374}" dt="2019-03-30T15:01:17.755" v="32"/>
-          <ac:picMkLst>
-            <pc:docMk/>
-            <pc:sldMk cId="4246728971" sldId="269"/>
-            <ac:picMk id="1026" creationId="{62C86081-2859-45C8-BAE6-D2CC488FFFF6}"/>
-          </ac:picMkLst>
-        </pc:picChg>
-      </pc:sldChg>
-    </pc:docChg>
-  </pc:docChgLst>
-  <pc:docChgLst>
-    <pc:chgData name="Antonio Osamu Katagiri Tanaka" userId="2c28225e-d492-4964-8551-1b0a3c65dda0" providerId="ADAL" clId="{1E83AF17-B86E-4C19-9585-AD3B0B02D326}"/>
-    <pc:docChg chg="undo redo custSel addSld delSld modSld modSection">
-      <pc:chgData name="Antonio Osamu Katagiri Tanaka" userId="2c28225e-d492-4964-8551-1b0a3c65dda0" providerId="ADAL" clId="{1E83AF17-B86E-4C19-9585-AD3B0B02D326}" dt="2020-07-07T05:39:48.642" v="643" actId="14100"/>
-      <pc:docMkLst>
-        <pc:docMk/>
-      </pc:docMkLst>
-      <pc:sldChg chg="modSp mod">
-        <pc:chgData name="Antonio Osamu Katagiri Tanaka" userId="2c28225e-d492-4964-8551-1b0a3c65dda0" providerId="ADAL" clId="{1E83AF17-B86E-4C19-9585-AD3B0B02D326}" dt="2020-07-07T04:14:24.790" v="356" actId="20577"/>
-        <pc:sldMkLst>
-          <pc:docMk/>
-          <pc:sldMk cId="3401248549" sldId="256"/>
-        </pc:sldMkLst>
-        <pc:spChg chg="mod">
-          <ac:chgData name="Antonio Osamu Katagiri Tanaka" userId="2c28225e-d492-4964-8551-1b0a3c65dda0" providerId="ADAL" clId="{1E83AF17-B86E-4C19-9585-AD3B0B02D326}" dt="2020-07-07T04:14:24.790" v="356" actId="20577"/>
-          <ac:spMkLst>
-            <pc:docMk/>
-            <pc:sldMk cId="3401248549" sldId="256"/>
-            <ac:spMk id="6" creationId="{3EB028BF-0783-48AF-AB96-57CC5B2CBEAF}"/>
-          </ac:spMkLst>
-        </pc:spChg>
-        <pc:spChg chg="mod">
-          <ac:chgData name="Antonio Osamu Katagiri Tanaka" userId="2c28225e-d492-4964-8551-1b0a3c65dda0" providerId="ADAL" clId="{1E83AF17-B86E-4C19-9585-AD3B0B02D326}" dt="2020-07-07T02:12:39.529" v="133" actId="27636"/>
-          <ac:spMkLst>
-            <pc:docMk/>
-            <pc:sldMk cId="3401248549" sldId="256"/>
-            <ac:spMk id="7" creationId="{8D0BEDFD-CE79-4A45-9ADE-72FBEA303FCC}"/>
-          </ac:spMkLst>
-        </pc:spChg>
-      </pc:sldChg>
-      <pc:sldChg chg="modTransition">
-        <pc:chgData name="Antonio Osamu Katagiri Tanaka" userId="2c28225e-d492-4964-8551-1b0a3c65dda0" providerId="ADAL" clId="{1E83AF17-B86E-4C19-9585-AD3B0B02D326}" dt="2020-07-07T02:05:54.457" v="0"/>
-        <pc:sldMkLst>
-          <pc:docMk/>
-          <pc:sldMk cId="1105756717" sldId="257"/>
-        </pc:sldMkLst>
-      </pc:sldChg>
-      <pc:sldChg chg="addSp delSp modSp mod">
-        <pc:chgData name="Antonio Osamu Katagiri Tanaka" userId="2c28225e-d492-4964-8551-1b0a3c65dda0" providerId="ADAL" clId="{1E83AF17-B86E-4C19-9585-AD3B0B02D326}" dt="2020-07-07T04:08:39.482" v="336" actId="14100"/>
-        <pc:sldMkLst>
-          <pc:docMk/>
-          <pc:sldMk cId="4056039362" sldId="260"/>
-        </pc:sldMkLst>
-        <pc:spChg chg="add del mod">
-          <ac:chgData name="Antonio Osamu Katagiri Tanaka" userId="2c28225e-d492-4964-8551-1b0a3c65dda0" providerId="ADAL" clId="{1E83AF17-B86E-4C19-9585-AD3B0B02D326}" dt="2020-07-07T02:07:41.385" v="16" actId="478"/>
-          <ac:spMkLst>
-            <pc:docMk/>
-            <pc:sldMk cId="4056039362" sldId="260"/>
-            <ac:spMk id="5" creationId="{1E8A25B9-FF0A-4DAB-9332-167118CD1D85}"/>
-          </ac:spMkLst>
-        </pc:spChg>
-        <pc:spChg chg="del">
-          <ac:chgData name="Antonio Osamu Katagiri Tanaka" userId="2c28225e-d492-4964-8551-1b0a3c65dda0" providerId="ADAL" clId="{1E83AF17-B86E-4C19-9585-AD3B0B02D326}" dt="2020-07-07T02:07:38.087" v="15" actId="478"/>
-          <ac:spMkLst>
-            <pc:docMk/>
-            <pc:sldMk cId="4056039362" sldId="260"/>
-            <ac:spMk id="6" creationId="{438892A2-F58C-479B-93B3-BDD2A80D348B}"/>
-          </ac:spMkLst>
-        </pc:spChg>
-        <pc:spChg chg="del">
-          <ac:chgData name="Antonio Osamu Katagiri Tanaka" userId="2c28225e-d492-4964-8551-1b0a3c65dda0" providerId="ADAL" clId="{1E83AF17-B86E-4C19-9585-AD3B0B02D326}" dt="2020-07-07T02:07:45.322" v="17" actId="478"/>
-          <ac:spMkLst>
-            <pc:docMk/>
-            <pc:sldMk cId="4056039362" sldId="260"/>
-            <ac:spMk id="14" creationId="{B1FDEF3E-1872-41D3-A841-FBE14801F476}"/>
-          </ac:spMkLst>
-        </pc:spChg>
-        <pc:picChg chg="add del">
-          <ac:chgData name="Antonio Osamu Katagiri Tanaka" userId="2c28225e-d492-4964-8551-1b0a3c65dda0" providerId="ADAL" clId="{1E83AF17-B86E-4C19-9585-AD3B0B02D326}" dt="2020-07-07T02:07:19.278" v="11" actId="478"/>
-          <ac:picMkLst>
-            <pc:docMk/>
-            <pc:sldMk cId="4056039362" sldId="260"/>
-            <ac:picMk id="3" creationId="{46A42C4A-FE35-4032-8F0E-CA17A96C74A4}"/>
-          </ac:picMkLst>
-        </pc:picChg>
-        <pc:picChg chg="add del mod">
-          <ac:chgData name="Antonio Osamu Katagiri Tanaka" userId="2c28225e-d492-4964-8551-1b0a3c65dda0" providerId="ADAL" clId="{1E83AF17-B86E-4C19-9585-AD3B0B02D326}" dt="2020-07-07T04:08:26.832" v="333" actId="478"/>
-          <ac:picMkLst>
-            <pc:docMk/>
-            <pc:sldMk cId="4056039362" sldId="260"/>
-            <ac:picMk id="7" creationId="{AA3506BA-1F5D-4E41-BD57-F192AED14F01}"/>
-          </ac:picMkLst>
-        </pc:picChg>
-        <pc:picChg chg="add mod">
-          <ac:chgData name="Antonio Osamu Katagiri Tanaka" userId="2c28225e-d492-4964-8551-1b0a3c65dda0" providerId="ADAL" clId="{1E83AF17-B86E-4C19-9585-AD3B0B02D326}" dt="2020-07-07T04:08:39.482" v="336" actId="14100"/>
-          <ac:picMkLst>
-            <pc:docMk/>
-            <pc:sldMk cId="4056039362" sldId="260"/>
-            <ac:picMk id="8" creationId="{8BF7DE3A-48A8-41AA-B953-E3743C1289A6}"/>
-          </ac:picMkLst>
-        </pc:picChg>
-      </pc:sldChg>
-      <pc:sldChg chg="modTransition">
-        <pc:chgData name="Antonio Osamu Katagiri Tanaka" userId="2c28225e-d492-4964-8551-1b0a3c65dda0" providerId="ADAL" clId="{1E83AF17-B86E-4C19-9585-AD3B0B02D326}" dt="2020-07-07T02:13:13.699" v="136"/>
-        <pc:sldMkLst>
-          <pc:docMk/>
-          <pc:sldMk cId="3604131991" sldId="263"/>
-        </pc:sldMkLst>
-      </pc:sldChg>
-      <pc:sldChg chg="modTransition">
-        <pc:chgData name="Antonio Osamu Katagiri Tanaka" userId="2c28225e-d492-4964-8551-1b0a3c65dda0" providerId="ADAL" clId="{1E83AF17-B86E-4C19-9585-AD3B0B02D326}" dt="2020-07-07T02:13:10.497" v="135"/>
-        <pc:sldMkLst>
-          <pc:docMk/>
-          <pc:sldMk cId="4246728971" sldId="269"/>
-        </pc:sldMkLst>
-      </pc:sldChg>
-      <pc:sldChg chg="modTransition">
-        <pc:chgData name="Antonio Osamu Katagiri Tanaka" userId="2c28225e-d492-4964-8551-1b0a3c65dda0" providerId="ADAL" clId="{1E83AF17-B86E-4C19-9585-AD3B0B02D326}" dt="2020-07-07T02:13:05.930" v="134"/>
-        <pc:sldMkLst>
-          <pc:docMk/>
-          <pc:sldMk cId="708711930" sldId="276"/>
-        </pc:sldMkLst>
-      </pc:sldChg>
-      <pc:sldChg chg="modTransition">
-        <pc:chgData name="Antonio Osamu Katagiri Tanaka" userId="2c28225e-d492-4964-8551-1b0a3c65dda0" providerId="ADAL" clId="{1E83AF17-B86E-4C19-9585-AD3B0B02D326}" dt="2020-07-07T02:13:17.762" v="137"/>
-        <pc:sldMkLst>
-          <pc:docMk/>
-          <pc:sldMk cId="2232161063" sldId="281"/>
-        </pc:sldMkLst>
-      </pc:sldChg>
-      <pc:sldChg chg="addSp delSp modSp add mod">
-        <pc:chgData name="Antonio Osamu Katagiri Tanaka" userId="2c28225e-d492-4964-8551-1b0a3c65dda0" providerId="ADAL" clId="{1E83AF17-B86E-4C19-9585-AD3B0B02D326}" dt="2020-07-07T05:39:48.642" v="643" actId="14100"/>
-        <pc:sldMkLst>
-          <pc:docMk/>
-          <pc:sldMk cId="2400443886" sldId="282"/>
-        </pc:sldMkLst>
-        <pc:spChg chg="add mod">
-          <ac:chgData name="Antonio Osamu Katagiri Tanaka" userId="2c28225e-d492-4964-8551-1b0a3c65dda0" providerId="ADAL" clId="{1E83AF17-B86E-4C19-9585-AD3B0B02D326}" dt="2020-07-07T04:40:50.057" v="444" actId="1076"/>
-          <ac:spMkLst>
-            <pc:docMk/>
-            <pc:sldMk cId="2400443886" sldId="282"/>
-            <ac:spMk id="3" creationId="{55DCEE6A-554B-4669-B3C5-FCF378150DA8}"/>
-          </ac:spMkLst>
-        </pc:spChg>
-        <pc:spChg chg="mod">
-          <ac:chgData name="Antonio Osamu Katagiri Tanaka" userId="2c28225e-d492-4964-8551-1b0a3c65dda0" providerId="ADAL" clId="{1E83AF17-B86E-4C19-9585-AD3B0B02D326}" dt="2020-07-07T04:35:56.169" v="360" actId="6549"/>
-          <ac:spMkLst>
-            <pc:docMk/>
-            <pc:sldMk cId="2400443886" sldId="282"/>
-            <ac:spMk id="6" creationId="{438892A2-F58C-479B-93B3-BDD2A80D348B}"/>
-          </ac:spMkLst>
-        </pc:spChg>
-        <pc:spChg chg="mod">
-          <ac:chgData name="Antonio Osamu Katagiri Tanaka" userId="2c28225e-d492-4964-8551-1b0a3c65dda0" providerId="ADAL" clId="{1E83AF17-B86E-4C19-9585-AD3B0B02D326}" dt="2020-07-07T04:48:26.577" v="494"/>
-          <ac:spMkLst>
-            <pc:docMk/>
-            <pc:sldMk cId="2400443886" sldId="282"/>
-            <ac:spMk id="7" creationId="{60E157AC-7BB5-4366-9262-E2638604C140}"/>
-          </ac:spMkLst>
-        </pc:spChg>
-        <pc:spChg chg="add mod">
-          <ac:chgData name="Antonio Osamu Katagiri Tanaka" userId="2c28225e-d492-4964-8551-1b0a3c65dda0" providerId="ADAL" clId="{1E83AF17-B86E-4C19-9585-AD3B0B02D326}" dt="2020-07-07T05:36:59.326" v="634" actId="20577"/>
-          <ac:spMkLst>
-            <pc:docMk/>
-            <pc:sldMk cId="2400443886" sldId="282"/>
-            <ac:spMk id="8" creationId="{9B5CFC4D-3DDF-451F-A89A-41EAEE17AC8E}"/>
-          </ac:spMkLst>
-        </pc:spChg>
-        <pc:spChg chg="add mod">
-          <ac:chgData name="Antonio Osamu Katagiri Tanaka" userId="2c28225e-d492-4964-8551-1b0a3c65dda0" providerId="ADAL" clId="{1E83AF17-B86E-4C19-9585-AD3B0B02D326}" dt="2020-07-07T05:39:48.642" v="643" actId="14100"/>
-          <ac:spMkLst>
-            <pc:docMk/>
-            <pc:sldMk cId="2400443886" sldId="282"/>
-            <ac:spMk id="10" creationId="{25D08A44-BC2B-4725-BF0E-90D5A85596CE}"/>
-          </ac:spMkLst>
-        </pc:spChg>
-        <pc:spChg chg="add mod">
-          <ac:chgData name="Antonio Osamu Katagiri Tanaka" userId="2c28225e-d492-4964-8551-1b0a3c65dda0" providerId="ADAL" clId="{1E83AF17-B86E-4C19-9585-AD3B0B02D326}" dt="2020-07-07T04:45:58.589" v="474" actId="20577"/>
-          <ac:spMkLst>
-            <pc:docMk/>
-            <pc:sldMk cId="2400443886" sldId="282"/>
-            <ac:spMk id="11" creationId="{279EC777-F48A-4560-9C43-084ACC344457}"/>
-          </ac:spMkLst>
-        </pc:spChg>
-        <pc:spChg chg="add mod">
-          <ac:chgData name="Antonio Osamu Katagiri Tanaka" userId="2c28225e-d492-4964-8551-1b0a3c65dda0" providerId="ADAL" clId="{1E83AF17-B86E-4C19-9585-AD3B0B02D326}" dt="2020-07-07T04:46:43.612" v="478" actId="20577"/>
-          <ac:spMkLst>
-            <pc:docMk/>
-            <pc:sldMk cId="2400443886" sldId="282"/>
-            <ac:spMk id="12" creationId="{149A98A7-1DF0-46C5-9245-93FCDB191599}"/>
-          </ac:spMkLst>
-        </pc:spChg>
-        <pc:spChg chg="add mod">
-          <ac:chgData name="Antonio Osamu Katagiri Tanaka" userId="2c28225e-d492-4964-8551-1b0a3c65dda0" providerId="ADAL" clId="{1E83AF17-B86E-4C19-9585-AD3B0B02D326}" dt="2020-07-07T04:47:26.492" v="484" actId="20577"/>
-          <ac:spMkLst>
-            <pc:docMk/>
-            <pc:sldMk cId="2400443886" sldId="282"/>
-            <ac:spMk id="13" creationId="{F6C08AD8-8982-4743-9D00-28F7D846E9D8}"/>
-          </ac:spMkLst>
-        </pc:spChg>
-        <pc:spChg chg="del mod">
-          <ac:chgData name="Antonio Osamu Katagiri Tanaka" userId="2c28225e-d492-4964-8551-1b0a3c65dda0" providerId="ADAL" clId="{1E83AF17-B86E-4C19-9585-AD3B0B02D326}" dt="2020-07-07T04:09:39.271" v="353" actId="478"/>
-          <ac:spMkLst>
-            <pc:docMk/>
-            <pc:sldMk cId="2400443886" sldId="282"/>
-            <ac:spMk id="14" creationId="{B1FDEF3E-1872-41D3-A841-FBE14801F476}"/>
-          </ac:spMkLst>
-        </pc:spChg>
-        <pc:spChg chg="add mod">
-          <ac:chgData name="Antonio Osamu Katagiri Tanaka" userId="2c28225e-d492-4964-8551-1b0a3c65dda0" providerId="ADAL" clId="{1E83AF17-B86E-4C19-9585-AD3B0B02D326}" dt="2020-07-07T04:48:16.191" v="493" actId="20577"/>
-          <ac:spMkLst>
-            <pc:docMk/>
-            <pc:sldMk cId="2400443886" sldId="282"/>
-            <ac:spMk id="15" creationId="{C7B8277B-B298-4DF0-BF90-0B8DD13AAD82}"/>
-          </ac:spMkLst>
-        </pc:spChg>
-        <pc:spChg chg="add del mod">
-          <ac:chgData name="Antonio Osamu Katagiri Tanaka" userId="2c28225e-d492-4964-8551-1b0a3c65dda0" providerId="ADAL" clId="{1E83AF17-B86E-4C19-9585-AD3B0B02D326}" dt="2020-07-07T05:38:54.985" v="642" actId="478"/>
-          <ac:spMkLst>
-            <pc:docMk/>
-            <pc:sldMk cId="2400443886" sldId="282"/>
-            <ac:spMk id="16" creationId="{47578EC9-ECEB-4DF0-96E8-388F74EC0637}"/>
-          </ac:spMkLst>
-        </pc:spChg>
-        <pc:picChg chg="add mod">
-          <ac:chgData name="Antonio Osamu Katagiri Tanaka" userId="2c28225e-d492-4964-8551-1b0a3c65dda0" providerId="ADAL" clId="{1E83AF17-B86E-4C19-9585-AD3B0B02D326}" dt="2020-07-07T04:40:54.412" v="445" actId="1076"/>
-          <ac:picMkLst>
-            <pc:docMk/>
-            <pc:sldMk cId="2400443886" sldId="282"/>
-            <ac:picMk id="5" creationId="{D4225DBE-FAE4-486C-9C52-012B20AC80BA}"/>
-          </ac:picMkLst>
-        </pc:picChg>
-        <pc:picChg chg="del">
-          <ac:chgData name="Antonio Osamu Katagiri Tanaka" userId="2c28225e-d492-4964-8551-1b0a3c65dda0" providerId="ADAL" clId="{1E83AF17-B86E-4C19-9585-AD3B0B02D326}" dt="2020-07-07T02:07:50.290" v="18" actId="478"/>
-          <ac:picMkLst>
-            <pc:docMk/>
-            <pc:sldMk cId="2400443886" sldId="282"/>
-            <ac:picMk id="7" creationId="{AA3506BA-1F5D-4E41-BD57-F192AED14F01}"/>
-          </ac:picMkLst>
-        </pc:picChg>
-        <pc:picChg chg="add mod">
-          <ac:chgData name="Antonio Osamu Katagiri Tanaka" userId="2c28225e-d492-4964-8551-1b0a3c65dda0" providerId="ADAL" clId="{1E83AF17-B86E-4C19-9585-AD3B0B02D326}" dt="2020-07-07T05:37:50.780" v="641" actId="1076"/>
-          <ac:picMkLst>
-            <pc:docMk/>
-            <pc:sldMk cId="2400443886" sldId="282"/>
-            <ac:picMk id="9" creationId="{D04AC40E-013F-4E36-99D7-49687627795A}"/>
-          </ac:picMkLst>
-        </pc:picChg>
-      </pc:sldChg>
-      <pc:sldChg chg="addSp delSp modSp add del mod">
-        <pc:chgData name="Antonio Osamu Katagiri Tanaka" userId="2c28225e-d492-4964-8551-1b0a3c65dda0" providerId="ADAL" clId="{1E83AF17-B86E-4C19-9585-AD3B0B02D326}" dt="2020-07-07T02:07:23.148" v="13" actId="47"/>
-        <pc:sldMkLst>
-          <pc:docMk/>
-          <pc:sldMk cId="3461466976" sldId="282"/>
-        </pc:sldMkLst>
-        <pc:spChg chg="add del mod">
-          <ac:chgData name="Antonio Osamu Katagiri Tanaka" userId="2c28225e-d492-4964-8551-1b0a3c65dda0" providerId="ADAL" clId="{1E83AF17-B86E-4C19-9585-AD3B0B02D326}" dt="2020-07-07T02:06:20.446" v="5" actId="478"/>
-          <ac:spMkLst>
-            <pc:docMk/>
-            <pc:sldMk cId="3461466976" sldId="282"/>
-            <ac:spMk id="5" creationId="{C455B01F-C054-484D-AFFB-D9DD8F4382DE}"/>
-          </ac:spMkLst>
-        </pc:spChg>
-        <pc:spChg chg="del">
-          <ac:chgData name="Antonio Osamu Katagiri Tanaka" userId="2c28225e-d492-4964-8551-1b0a3c65dda0" providerId="ADAL" clId="{1E83AF17-B86E-4C19-9585-AD3B0B02D326}" dt="2020-07-07T02:06:17.552" v="4" actId="478"/>
-          <ac:spMkLst>
-            <pc:docMk/>
-            <pc:sldMk cId="3461466976" sldId="282"/>
-            <ac:spMk id="6" creationId="{438892A2-F58C-479B-93B3-BDD2A80D348B}"/>
-          </ac:spMkLst>
-        </pc:spChg>
-        <pc:spChg chg="del">
-          <ac:chgData name="Antonio Osamu Katagiri Tanaka" userId="2c28225e-d492-4964-8551-1b0a3c65dda0" providerId="ADAL" clId="{1E83AF17-B86E-4C19-9585-AD3B0B02D326}" dt="2020-07-07T02:06:17.552" v="4" actId="478"/>
-          <ac:spMkLst>
-            <pc:docMk/>
-            <pc:sldMk cId="3461466976" sldId="282"/>
-            <ac:spMk id="14" creationId="{B1FDEF3E-1872-41D3-A841-FBE14801F476}"/>
-          </ac:spMkLst>
-        </pc:spChg>
-        <pc:picChg chg="del mod">
-          <ac:chgData name="Antonio Osamu Katagiri Tanaka" userId="2c28225e-d492-4964-8551-1b0a3c65dda0" providerId="ADAL" clId="{1E83AF17-B86E-4C19-9585-AD3B0B02D326}" dt="2020-07-07T02:07:15.958" v="10" actId="21"/>
-          <ac:picMkLst>
-            <pc:docMk/>
-            <pc:sldMk cId="3461466976" sldId="282"/>
-            <ac:picMk id="3" creationId="{46A42C4A-FE35-4032-8F0E-CA17A96C74A4}"/>
-          </ac:picMkLst>
-        </pc:picChg>
-      </pc:sldChg>
-      <pc:sldChg chg="add modTransition">
-        <pc:chgData name="Antonio Osamu Katagiri Tanaka" userId="2c28225e-d492-4964-8551-1b0a3c65dda0" providerId="ADAL" clId="{1E83AF17-B86E-4C19-9585-AD3B0B02D326}" dt="2020-07-07T02:13:36.118" v="139"/>
-        <pc:sldMkLst>
-          <pc:docMk/>
-          <pc:sldMk cId="2428507866" sldId="283"/>
-        </pc:sldMkLst>
-      </pc:sldChg>
-      <pc:sldChg chg="delSp modSp add mod">
-        <pc:chgData name="Antonio Osamu Katagiri Tanaka" userId="2c28225e-d492-4964-8551-1b0a3c65dda0" providerId="ADAL" clId="{1E83AF17-B86E-4C19-9585-AD3B0B02D326}" dt="2020-07-07T05:32:36.611" v="511" actId="478"/>
-        <pc:sldMkLst>
-          <pc:docMk/>
-          <pc:sldMk cId="3318103689" sldId="284"/>
-        </pc:sldMkLst>
-        <pc:spChg chg="mod">
-          <ac:chgData name="Antonio Osamu Katagiri Tanaka" userId="2c28225e-d492-4964-8551-1b0a3c65dda0" providerId="ADAL" clId="{1E83AF17-B86E-4C19-9585-AD3B0B02D326}" dt="2020-07-07T04:15:16.742" v="357"/>
-          <ac:spMkLst>
-            <pc:docMk/>
-            <pc:sldMk cId="3318103689" sldId="284"/>
-            <ac:spMk id="3" creationId="{55DCEE6A-554B-4669-B3C5-FCF378150DA8}"/>
-          </ac:spMkLst>
-        </pc:spChg>
-        <pc:spChg chg="mod">
-          <ac:chgData name="Antonio Osamu Katagiri Tanaka" userId="2c28225e-d492-4964-8551-1b0a3c65dda0" providerId="ADAL" clId="{1E83AF17-B86E-4C19-9585-AD3B0B02D326}" dt="2020-07-07T03:48:05.156" v="250" actId="20577"/>
-          <ac:spMkLst>
-            <pc:docMk/>
-            <pc:sldMk cId="3318103689" sldId="284"/>
-            <ac:spMk id="6" creationId="{438892A2-F58C-479B-93B3-BDD2A80D348B}"/>
-          </ac:spMkLst>
-        </pc:spChg>
-        <pc:spChg chg="del">
-          <ac:chgData name="Antonio Osamu Katagiri Tanaka" userId="2c28225e-d492-4964-8551-1b0a3c65dda0" providerId="ADAL" clId="{1E83AF17-B86E-4C19-9585-AD3B0B02D326}" dt="2020-07-07T05:32:36.611" v="511" actId="478"/>
-          <ac:spMkLst>
-            <pc:docMk/>
-            <pc:sldMk cId="3318103689" sldId="284"/>
-            <ac:spMk id="14" creationId="{B1FDEF3E-1872-41D3-A841-FBE14801F476}"/>
-          </ac:spMkLst>
-        </pc:spChg>
-      </pc:sldChg>
-      <pc:sldChg chg="delSp modSp add mod">
-        <pc:chgData name="Antonio Osamu Katagiri Tanaka" userId="2c28225e-d492-4964-8551-1b0a3c65dda0" providerId="ADAL" clId="{1E83AF17-B86E-4C19-9585-AD3B0B02D326}" dt="2020-07-07T05:32:33.334" v="510" actId="478"/>
-        <pc:sldMkLst>
-          <pc:docMk/>
-          <pc:sldMk cId="1940175811" sldId="285"/>
-        </pc:sldMkLst>
-        <pc:spChg chg="mod">
-          <ac:chgData name="Antonio Osamu Katagiri Tanaka" userId="2c28225e-d492-4964-8551-1b0a3c65dda0" providerId="ADAL" clId="{1E83AF17-B86E-4C19-9585-AD3B0B02D326}" dt="2020-07-07T04:15:24.781" v="358"/>
-          <ac:spMkLst>
-            <pc:docMk/>
-            <pc:sldMk cId="1940175811" sldId="285"/>
-            <ac:spMk id="3" creationId="{55DCEE6A-554B-4669-B3C5-FCF378150DA8}"/>
-          </ac:spMkLst>
-        </pc:spChg>
-        <pc:spChg chg="mod">
-          <ac:chgData name="Antonio Osamu Katagiri Tanaka" userId="2c28225e-d492-4964-8551-1b0a3c65dda0" providerId="ADAL" clId="{1E83AF17-B86E-4C19-9585-AD3B0B02D326}" dt="2020-07-07T03:48:38.586" v="290" actId="20577"/>
-          <ac:spMkLst>
-            <pc:docMk/>
-            <pc:sldMk cId="1940175811" sldId="285"/>
-            <ac:spMk id="6" creationId="{438892A2-F58C-479B-93B3-BDD2A80D348B}"/>
-          </ac:spMkLst>
-        </pc:spChg>
-        <pc:spChg chg="del">
-          <ac:chgData name="Antonio Osamu Katagiri Tanaka" userId="2c28225e-d492-4964-8551-1b0a3c65dda0" providerId="ADAL" clId="{1E83AF17-B86E-4C19-9585-AD3B0B02D326}" dt="2020-07-07T05:32:33.334" v="510" actId="478"/>
-          <ac:spMkLst>
-            <pc:docMk/>
-            <pc:sldMk cId="1940175811" sldId="285"/>
-            <ac:spMk id="14" creationId="{B1FDEF3E-1872-41D3-A841-FBE14801F476}"/>
-          </ac:spMkLst>
-        </pc:spChg>
-      </pc:sldChg>
-    </pc:docChg>
-  </pc:docChgLst>
-  <pc:docChgLst>
-    <pc:chgData name="Antonio Osamu Katagiri Tanaka" userId="2c28225e-d492-4964-8551-1b0a3c65dda0" providerId="ADAL" clId="{BA091A27-582A-4D6D-8346-D5CF8624059C}"/>
-    <pc:docChg chg="undo custSel addSld delSld modSld sldOrd">
-      <pc:chgData name="Antonio Osamu Katagiri Tanaka" userId="2c28225e-d492-4964-8551-1b0a3c65dda0" providerId="ADAL" clId="{BA091A27-582A-4D6D-8346-D5CF8624059C}" dt="2019-03-29T18:11:35.461" v="1535" actId="20577"/>
-      <pc:docMkLst>
-        <pc:docMk/>
-      </pc:docMkLst>
-      <pc:sldChg chg="modSp">
-        <pc:chgData name="Antonio Osamu Katagiri Tanaka" userId="2c28225e-d492-4964-8551-1b0a3c65dda0" providerId="ADAL" clId="{BA091A27-582A-4D6D-8346-D5CF8624059C}" dt="2019-03-29T17:31:38.150" v="1287" actId="20577"/>
-        <pc:sldMkLst>
-          <pc:docMk/>
-          <pc:sldMk cId="1105756717" sldId="257"/>
-        </pc:sldMkLst>
-        <pc:spChg chg="mod">
-          <ac:chgData name="Antonio Osamu Katagiri Tanaka" userId="2c28225e-d492-4964-8551-1b0a3c65dda0" providerId="ADAL" clId="{BA091A27-582A-4D6D-8346-D5CF8624059C}" dt="2019-03-29T17:31:38.150" v="1287" actId="20577"/>
-          <ac:spMkLst>
-            <pc:docMk/>
-            <pc:sldMk cId="1105756717" sldId="257"/>
-            <ac:spMk id="3" creationId="{6E971A9A-8031-4781-96A0-B9A5656935B5}"/>
-          </ac:spMkLst>
-        </pc:spChg>
-      </pc:sldChg>
-      <pc:sldChg chg="modSp add ord">
-        <pc:chgData name="Antonio Osamu Katagiri Tanaka" userId="2c28225e-d492-4964-8551-1b0a3c65dda0" providerId="ADAL" clId="{BA091A27-582A-4D6D-8346-D5CF8624059C}" dt="2019-03-29T17:30:36.770" v="1284"/>
-        <pc:sldMkLst>
-          <pc:docMk/>
-          <pc:sldMk cId="3604131991" sldId="263"/>
-        </pc:sldMkLst>
-        <pc:spChg chg="mod">
-          <ac:chgData name="Antonio Osamu Katagiri Tanaka" userId="2c28225e-d492-4964-8551-1b0a3c65dda0" providerId="ADAL" clId="{BA091A27-582A-4D6D-8346-D5CF8624059C}" dt="2019-03-29T15:52:32.017" v="518" actId="20577"/>
-          <ac:spMkLst>
-            <pc:docMk/>
-            <pc:sldMk cId="3604131991" sldId="263"/>
-            <ac:spMk id="4" creationId="{F9ED8BE6-F7AC-4FD8-8FA8-8C683A7C2F62}"/>
-          </ac:spMkLst>
-        </pc:spChg>
-        <pc:spChg chg="mod">
-          <ac:chgData name="Antonio Osamu Katagiri Tanaka" userId="2c28225e-d492-4964-8551-1b0a3c65dda0" providerId="ADAL" clId="{BA091A27-582A-4D6D-8346-D5CF8624059C}" dt="2019-03-29T15:53:27.381" v="528" actId="11"/>
-          <ac:spMkLst>
-            <pc:docMk/>
-            <pc:sldMk cId="3604131991" sldId="263"/>
-            <ac:spMk id="6" creationId="{058630E6-31AF-4451-B084-C9809D0DA4E8}"/>
-          </ac:spMkLst>
-        </pc:spChg>
       </pc:sldChg>
     </pc:docChg>
   </pc:docChgLst>
@@ -1916,37 +2159,6 @@
 </inkml:ink>
 </file>
 
-<file path=ppt/ink/ink2.xml><?xml version="1.0" encoding="utf-8"?>
-<inkml:ink xmlns:inkml="http://www.w3.org/2003/InkML">
-  <inkml:definitions>
-    <inkml:context xml:id="ctx0">
-      <inkml:inkSource xml:id="inkSrc0">
-        <inkml:traceFormat>
-          <inkml:channel name="X" type="integer" min="-2.14748E9" max="2.14748E9" units="cm"/>
-          <inkml:channel name="Y" type="integer" min="-2.14748E9" max="2.14748E9" units="cm"/>
-        </inkml:traceFormat>
-        <inkml:channelProperties>
-          <inkml:channelProperty channel="X" name="resolution" value="1000" units="1/cm"/>
-          <inkml:channelProperty channel="Y" name="resolution" value="1000" units="1/cm"/>
-        </inkml:channelProperties>
-      </inkml:inkSource>
-      <inkml:timestamp xml:id="ts0" timeString="2019-04-04T14:17:54.543"/>
-    </inkml:context>
-    <inkml:brush xml:id="br0">
-      <inkml:brushProperty name="width" value="0.1" units="cm"/>
-      <inkml:brushProperty name="height" value="0.1" units="cm"/>
-      <inkml:brushProperty name="color" value="#B4C3DA"/>
-      <inkml:brushProperty name="ignorePressure" value="1"/>
-      <inkml:brushProperty name="inkEffects" value="silver"/>
-      <inkml:brushProperty name="anchorX" value="-26568.26563"/>
-      <inkml:brushProperty name="anchorY" value="-13048.70605"/>
-      <inkml:brushProperty name="scaleFactor" value="0.5"/>
-    </inkml:brush>
-  </inkml:definitions>
-  <inkml:trace contextRef="#ctx0" brushRef="#br0">1 1,'0'0,"0"0</inkml:trace>
-</inkml:ink>
-</file>
-
 <file path=ppt/notesMasters/notesMaster1.xml><?xml version="1.0" encoding="utf-8"?>
 <p:notesMaster xmlns:a="http://schemas.openxmlformats.org/drawingml/2006/main" xmlns:r="http://schemas.openxmlformats.org/officeDocument/2006/relationships" xmlns:p="http://schemas.openxmlformats.org/presentationml/2006/main">
   <p:cSld>
@@ -2029,7 +2241,7 @@
           <a:p>
             <a:fld id="{1B402B64-CAC4-4D07-834F-F232921309C8}" type="datetimeFigureOut">
               <a:rPr lang="en-GB" smtClean="0"/>
-              <a:t>06/07/2020</a:t>
+              <a:t>07/07/2020</a:t>
             </a:fld>
             <a:endParaRPr lang="en-GB"/>
           </a:p>
@@ -2341,7 +2553,7 @@
           <a:bodyPr/>
           <a:lstStyle/>
           <a:p>
-            <a:endParaRPr lang="en-GB" dirty="0">
+            <a:endParaRPr lang="en-GB">
               <a:solidFill>
                 <a:schemeClr val="bg1">
                   <a:lumMod val="95000"/>
@@ -2369,7 +2581,7 @@
           <a:p>
             <a:fld id="{B3A8F86A-A3D1-4706-9131-90E1724D7948}" type="slidenum">
               <a:rPr lang="en-GB" smtClean="0"/>
-              <a:t>7</a:t>
+              <a:t>6</a:t>
             </a:fld>
             <a:endParaRPr lang="en-GB"/>
           </a:p>
@@ -2542,7 +2754,7 @@
           <a:p>
             <a:fld id="{90731ABD-EBC2-433F-B58F-CADA0E63E927}" type="datetime1">
               <a:rPr lang="en-GB" smtClean="0"/>
-              <a:t>06/07/2020</a:t>
+              <a:t>07/07/2020</a:t>
             </a:fld>
             <a:endParaRPr lang="en-GB"/>
           </a:p>
@@ -2752,7 +2964,7 @@
           <a:p>
             <a:fld id="{BB6521CB-2C73-41D6-A5E0-A3CBE094B6E1}" type="datetime1">
               <a:rPr lang="en-GB" smtClean="0"/>
-              <a:t>06/07/2020</a:t>
+              <a:t>07/07/2020</a:t>
             </a:fld>
             <a:endParaRPr lang="en-GB"/>
           </a:p>
@@ -2962,7 +3174,7 @@
           <a:p>
             <a:fld id="{319A7181-5B74-44BF-AD18-F5DE3421F803}" type="datetime1">
               <a:rPr lang="en-GB" smtClean="0"/>
-              <a:t>06/07/2020</a:t>
+              <a:t>07/07/2020</a:t>
             </a:fld>
             <a:endParaRPr lang="en-GB"/>
           </a:p>
@@ -3167,7 +3379,7 @@
           <a:p>
             <a:fld id="{D0C410B8-84C1-4E9C-B4AB-BBB25FED2D2D}" type="datetime1">
               <a:rPr lang="en-GB" smtClean="0"/>
-              <a:t>06/07/2020</a:t>
+              <a:t>07/07/2020</a:t>
             </a:fld>
             <a:endParaRPr lang="en-GB"/>
           </a:p>
@@ -3453,7 +3665,7 @@
           <a:p>
             <a:fld id="{296A06AC-1C6A-47B9-BCE2-5F048AA16EE3}" type="datetime1">
               <a:rPr lang="en-GB" smtClean="0"/>
-              <a:t>06/07/2020</a:t>
+              <a:t>07/07/2020</a:t>
             </a:fld>
             <a:endParaRPr lang="en-GB"/>
           </a:p>
@@ -3721,7 +3933,7 @@
           <a:p>
             <a:fld id="{D6753E84-0301-4FFC-872F-2643339CA3A4}" type="datetime1">
               <a:rPr lang="en-GB" smtClean="0"/>
-              <a:t>06/07/2020</a:t>
+              <a:t>07/07/2020</a:t>
             </a:fld>
             <a:endParaRPr lang="en-GB"/>
           </a:p>
@@ -4136,7 +4348,7 @@
           <a:p>
             <a:fld id="{937A7960-54CC-42D4-BCDB-E08C43EF06AF}" type="datetime1">
               <a:rPr lang="en-GB" smtClean="0"/>
-              <a:t>06/07/2020</a:t>
+              <a:t>07/07/2020</a:t>
             </a:fld>
             <a:endParaRPr lang="en-GB"/>
           </a:p>
@@ -4278,7 +4490,7 @@
           <a:p>
             <a:fld id="{DC4D10A3-8637-4790-B12B-8FD8E1420A99}" type="datetime1">
               <a:rPr lang="en-GB" smtClean="0"/>
-              <a:t>06/07/2020</a:t>
+              <a:t>07/07/2020</a:t>
             </a:fld>
             <a:endParaRPr lang="en-GB"/>
           </a:p>
@@ -4391,7 +4603,7 @@
           <a:p>
             <a:fld id="{F7CC06EA-8135-4DC5-BA0A-28CCC05DEFA0}" type="datetime1">
               <a:rPr lang="en-GB" smtClean="0"/>
-              <a:t>06/07/2020</a:t>
+              <a:t>07/07/2020</a:t>
             </a:fld>
             <a:endParaRPr lang="en-GB"/>
           </a:p>
@@ -4704,7 +4916,7 @@
           <a:p>
             <a:fld id="{BFB38DAA-A929-4F83-90EF-F41A94A7AEBF}" type="datetime1">
               <a:rPr lang="en-GB" smtClean="0"/>
-              <a:t>06/07/2020</a:t>
+              <a:t>07/07/2020</a:t>
             </a:fld>
             <a:endParaRPr lang="en-GB"/>
           </a:p>
@@ -4993,7 +5205,7 @@
           <a:p>
             <a:fld id="{A5C3BC09-303C-492E-88C1-49700F40A5AD}" type="datetime1">
               <a:rPr lang="en-GB" smtClean="0"/>
-              <a:t>06/07/2020</a:t>
+              <a:t>07/07/2020</a:t>
             </a:fld>
             <a:endParaRPr lang="en-GB"/>
           </a:p>
@@ -5246,7 +5458,7 @@
           <a:p>
             <a:fld id="{81F60144-7850-46D0-A9C3-9B5CC4C07D04}" type="datetime1">
               <a:rPr lang="en-GB" smtClean="0"/>
-              <a:t>06/07/2020</a:t>
+              <a:t>07/07/2020</a:t>
             </a:fld>
             <a:endParaRPr lang="en-GB"/>
           </a:p>
@@ -5708,7 +5920,7 @@
           <a:lstStyle/>
           <a:p>
             <a:r>
-              <a:rPr lang="en-GB" dirty="0">
+              <a:rPr lang="en-GB">
                 <a:solidFill>
                   <a:schemeClr val="bg1">
                     <a:lumMod val="95000"/>
@@ -5719,7 +5931,7 @@
               <a:t>2_Class Activity 06.07.2020</a:t>
             </a:r>
             <a:br>
-              <a:rPr lang="en-GB" dirty="0">
+              <a:rPr lang="en-GB">
                 <a:solidFill>
                   <a:schemeClr val="bg1">
                     <a:lumMod val="95000"/>
@@ -5729,7 +5941,7 @@
               </a:rPr>
             </a:br>
             <a:r>
-              <a:rPr lang="en-GB" dirty="0">
+              <a:rPr lang="en-GB">
                 <a:solidFill>
                   <a:schemeClr val="bg1">
                     <a:lumMod val="95000"/>
@@ -5740,7 +5952,7 @@
               <a:t>Case 2B-3 : </a:t>
             </a:r>
             <a:r>
-              <a:rPr lang="en-GB" dirty="0">
+              <a:rPr lang="en-GB">
                 <a:solidFill>
                   <a:schemeClr val="accent4"/>
                 </a:solidFill>
@@ -5782,7 +5994,7 @@
           <a:lstStyle/>
           <a:p>
             <a:r>
-              <a:rPr lang="en-GB" dirty="0">
+              <a:rPr lang="en-GB">
                 <a:solidFill>
                   <a:schemeClr val="bg1">
                     <a:lumMod val="95000"/>
@@ -5795,7 +6007,7 @@
           </a:p>
           <a:p>
             <a:r>
-              <a:rPr lang="en-GB" dirty="0">
+              <a:rPr lang="en-GB">
                 <a:solidFill>
                   <a:schemeClr val="bg1">
                     <a:lumMod val="95000"/>
@@ -5808,7 +6020,7 @@
           </a:p>
           <a:p>
             <a:r>
-              <a:rPr lang="en-GB" dirty="0">
+              <a:rPr lang="en-GB">
                 <a:solidFill>
                   <a:schemeClr val="bg1">
                     <a:lumMod val="95000"/>
@@ -5821,7 +6033,7 @@
           </a:p>
           <a:p>
             <a:r>
-              <a:rPr lang="en-GB" dirty="0">
+              <a:rPr lang="en-GB">
                 <a:solidFill>
                   <a:schemeClr val="bg1">
                     <a:lumMod val="95000"/>
@@ -5833,7 +6045,7 @@
             </a:r>
           </a:p>
           <a:p>
-            <a:endParaRPr lang="en-GB" dirty="0">
+            <a:endParaRPr lang="en-GB">
               <a:solidFill>
                 <a:schemeClr val="bg1">
                   <a:lumMod val="95000"/>
@@ -5844,7 +6056,7 @@
           </a:p>
           <a:p>
             <a:r>
-              <a:rPr lang="en-GB" dirty="0">
+              <a:rPr lang="en-GB">
                 <a:solidFill>
                   <a:schemeClr val="bg1">
                     <a:lumMod val="95000"/>
@@ -5898,8 +6110,8 @@
             </p:blipFill>
             <p:spPr>
               <a:xfrm>
-                <a:off x="2017920" y="-518093"/>
-                <a:ext cx="99360" cy="21600"/>
+                <a:off x="2017520" y="-518093"/>
+                <a:ext cx="99438" cy="21600"/>
               </a:xfrm>
               <a:prstGeom prst="rect">
                 <a:avLst/>
@@ -5921,8 +6133,8 @@
 </p:sld>
 </file>
 
-<file path=ppt/slides/slide10.xml><?xml version="1.0" encoding="utf-8"?>
-<p:sld xmlns:a="http://schemas.openxmlformats.org/drawingml/2006/main" xmlns:r="http://schemas.openxmlformats.org/officeDocument/2006/relationships" xmlns:p="http://schemas.openxmlformats.org/presentationml/2006/main" show="0">
+<file path=ppt/slides/slide2.xml><?xml version="1.0" encoding="utf-8"?>
+<p:sld xmlns:a="http://schemas.openxmlformats.org/drawingml/2006/main" xmlns:r="http://schemas.openxmlformats.org/officeDocument/2006/relationships" xmlns:p="http://schemas.openxmlformats.org/presentationml/2006/main">
   <p:cSld>
     <p:spTree>
       <p:nvGrpSpPr>
@@ -5965,7 +6177,7 @@
           <a:lstStyle/>
           <a:p>
             <a:r>
-              <a:rPr lang="en-GB" dirty="0">
+              <a:rPr lang="en-GB">
                 <a:solidFill>
                   <a:schemeClr val="bg1">
                     <a:lumMod val="95000"/>
@@ -5973,62 +6185,15 @@
                 </a:solidFill>
                 <a:latin typeface="Arial Nova Light" panose="020B0304020202020204" pitchFamily="34" charset="0"/>
               </a:rPr>
-              <a:t>&lt;Sub-title&gt;</a:t>
-            </a:r>
-          </a:p>
-        </p:txBody>
-      </p:sp>
-      <p:sp>
-        <p:nvSpPr>
-          <p:cNvPr id="14" name="Rectangle 13">
-            <a:extLst>
-              <a:ext uri="{FF2B5EF4-FFF2-40B4-BE49-F238E27FC236}">
-                <a16:creationId xmlns:a16="http://schemas.microsoft.com/office/drawing/2014/main" id="{B1FDEF3E-1872-41D3-A841-FBE14801F476}"/>
-              </a:ext>
-            </a:extLst>
-          </p:cNvPr>
-          <p:cNvSpPr/>
-          <p:nvPr/>
-        </p:nvSpPr>
-        <p:spPr>
-          <a:xfrm>
-            <a:off x="942833" y="4705003"/>
-            <a:ext cx="11242960" cy="523220"/>
-          </a:xfrm>
-          <a:prstGeom prst="rect">
-            <a:avLst/>
-          </a:prstGeom>
-        </p:spPr>
-        <p:txBody>
-          <a:bodyPr wrap="square">
-            <a:spAutoFit/>
-          </a:bodyPr>
-          <a:lstStyle/>
-          <a:p>
-            <a:r>
-              <a:rPr lang="en-GB" sz="2800" dirty="0">
-                <a:solidFill>
-                  <a:schemeClr val="bg1">
-                    <a:lumMod val="95000"/>
-                  </a:schemeClr>
-                </a:solidFill>
-                <a:latin typeface="Arial Nova Light" panose="020B0304020202020204" pitchFamily="34" charset="0"/>
-              </a:rPr>
-              <a:t>&lt;content&gt; </a:t>
-            </a:r>
-            <a:r>
-              <a:rPr lang="en-GB" sz="2800" b="1" dirty="0">
-                <a:solidFill>
-                  <a:schemeClr val="accent4"/>
-                </a:solidFill>
-                <a:latin typeface="Arial Nova Light" panose="020B0304020202020204" pitchFamily="34" charset="0"/>
-              </a:rPr>
-              <a:t>&lt;key concept&gt;</a:t>
-            </a:r>
-            <a:endParaRPr lang="en-GB" b="1" dirty="0">
+              <a:t>Phenomenon and Problem Explanation</a:t>
+            </a:r>
+            <a:endParaRPr lang="en-GB" b="1">
               <a:solidFill>
                 <a:schemeClr val="accent4"/>
               </a:solidFill>
+              <a:latin typeface="Arial Nova Light" panose="020B0304020202020204" pitchFamily="34" charset="0"/>
+              <a:ea typeface="+mn-ea"/>
+              <a:cs typeface="+mn-cs"/>
             </a:endParaRPr>
           </a:p>
         </p:txBody>
@@ -6056,288 +6221,306 @@
           <a:p>
             <a:fld id="{44F922D5-DBBB-4193-BE70-B740CC9842E5}" type="slidenum">
               <a:rPr lang="en-GB" smtClean="0"/>
-              <a:t>10</a:t>
+              <a:t>2</a:t>
             </a:fld>
             <a:endParaRPr lang="en-GB"/>
           </a:p>
         </p:txBody>
       </p:sp>
+      <p:sp>
+        <p:nvSpPr>
+          <p:cNvPr id="3" name="Rectangle 2">
+            <a:extLst>
+              <a:ext uri="{FF2B5EF4-FFF2-40B4-BE49-F238E27FC236}">
+                <a16:creationId xmlns:a16="http://schemas.microsoft.com/office/drawing/2014/main" id="{55DCEE6A-554B-4669-B3C5-FCF378150DA8}"/>
+              </a:ext>
+            </a:extLst>
+          </p:cNvPr>
+          <p:cNvSpPr/>
+          <p:nvPr/>
+        </p:nvSpPr>
+        <p:spPr>
+          <a:xfrm>
+            <a:off x="942833" y="6396334"/>
+            <a:ext cx="10730611" cy="461665"/>
+          </a:xfrm>
+          <a:prstGeom prst="rect">
+            <a:avLst/>
+          </a:prstGeom>
+        </p:spPr>
+        <p:txBody>
+          <a:bodyPr wrap="square">
+            <a:spAutoFit/>
+          </a:bodyPr>
+          <a:lstStyle/>
+          <a:p>
+            <a:r>
+              <a:rPr lang="en-GB" sz="1200">
+                <a:solidFill>
+                  <a:schemeClr val="bg1">
+                    <a:lumMod val="95000"/>
+                  </a:schemeClr>
+                </a:solidFill>
+                <a:latin typeface="Arial Nova Light" panose="020B0304020202020204" pitchFamily="34" charset="0"/>
+              </a:rPr>
+              <a:t>[1] Y. X. Chen, B. Cain, P. Soman, </a:t>
+            </a:r>
+            <a:r>
+              <a:rPr lang="en-GB" sz="1200" err="1">
+                <a:solidFill>
+                  <a:schemeClr val="bg1">
+                    <a:lumMod val="95000"/>
+                  </a:schemeClr>
+                </a:solidFill>
+                <a:latin typeface="Arial Nova Light" panose="020B0304020202020204" pitchFamily="34" charset="0"/>
+              </a:rPr>
+              <a:t>Gelatin</a:t>
+            </a:r>
+            <a:r>
+              <a:rPr lang="en-GB" sz="1200">
+                <a:solidFill>
+                  <a:schemeClr val="bg1">
+                    <a:lumMod val="95000"/>
+                  </a:schemeClr>
+                </a:solidFill>
+                <a:latin typeface="Arial Nova Light" panose="020B0304020202020204" pitchFamily="34" charset="0"/>
+              </a:rPr>
+              <a:t> methacrylate-alginate hydrogel with </a:t>
+            </a:r>
+            <a:r>
+              <a:rPr lang="en-GB" sz="1200" err="1">
+                <a:solidFill>
+                  <a:schemeClr val="bg1">
+                    <a:lumMod val="95000"/>
+                  </a:schemeClr>
+                </a:solidFill>
+                <a:latin typeface="Arial Nova Light" panose="020B0304020202020204" pitchFamily="34" charset="0"/>
+              </a:rPr>
+              <a:t>tunable</a:t>
+            </a:r>
+            <a:r>
+              <a:rPr lang="en-GB" sz="1200">
+                <a:solidFill>
+                  <a:schemeClr val="bg1">
+                    <a:lumMod val="95000"/>
+                  </a:schemeClr>
+                </a:solidFill>
+                <a:latin typeface="Arial Nova Light" panose="020B0304020202020204" pitchFamily="34" charset="0"/>
+              </a:rPr>
+              <a:t> viscoelastic properties, AIMS Mater. Sci. 4 (2017) 363–369. https://doi.org/10.3934/matersci.2017.2.363.</a:t>
+            </a:r>
+          </a:p>
+        </p:txBody>
+      </p:sp>
+      <p:sp>
+        <p:nvSpPr>
+          <p:cNvPr id="4" name="TextBox 3">
+            <a:extLst>
+              <a:ext uri="{FF2B5EF4-FFF2-40B4-BE49-F238E27FC236}">
+                <a16:creationId xmlns:a16="http://schemas.microsoft.com/office/drawing/2014/main" id="{6AE71113-7603-4258-9A83-0BFAC09331E2}"/>
+              </a:ext>
+            </a:extLst>
+          </p:cNvPr>
+          <p:cNvSpPr txBox="1"/>
+          <p:nvPr/>
+        </p:nvSpPr>
+        <p:spPr>
+          <a:xfrm>
+            <a:off x="7872208" y="1690688"/>
+            <a:ext cx="4316688" cy="4801314"/>
+          </a:xfrm>
+          <a:prstGeom prst="rect">
+            <a:avLst/>
+          </a:prstGeom>
+          <a:noFill/>
+        </p:spPr>
+        <p:txBody>
+          <a:bodyPr rot="0" spcFirstLastPara="0" vertOverflow="overflow" horzOverflow="overflow" vert="horz" wrap="square" lIns="91440" tIns="45720" rIns="91440" bIns="45720" numCol="1" spcCol="0" rtlCol="0" fromWordArt="0" anchor="t" anchorCtr="0" forceAA="0" compatLnSpc="1">
+            <a:prstTxWarp prst="textNoShape">
+              <a:avLst/>
+            </a:prstTxWarp>
+            <a:spAutoFit/>
+          </a:bodyPr>
+          <a:lstStyle/>
+          <a:p>
+            <a:r>
+              <a:rPr lang="en-US">
+                <a:solidFill>
+                  <a:schemeClr val="bg1"/>
+                </a:solidFill>
+                <a:cs typeface="Calibri" panose="020F0502020204030204"/>
+              </a:rPr>
+              <a:t>The objective of adding alginic acid to gelatin methacrylate (</a:t>
+            </a:r>
+            <a:r>
+              <a:rPr lang="en-US" err="1">
+                <a:solidFill>
+                  <a:schemeClr val="bg1"/>
+                </a:solidFill>
+                <a:cs typeface="Calibri" panose="020F0502020204030204"/>
+              </a:rPr>
+              <a:t>GelMA</a:t>
+            </a:r>
+            <a:r>
+              <a:rPr lang="en-US">
+                <a:solidFill>
+                  <a:schemeClr val="bg1"/>
+                </a:solidFill>
+                <a:cs typeface="Calibri" panose="020F0502020204030204"/>
+              </a:rPr>
+              <a:t>) is to modify its viscoelastic property to mimic an </a:t>
+            </a:r>
+            <a:r>
+              <a:rPr lang="en-US">
+                <a:solidFill>
+                  <a:schemeClr val="bg1"/>
+                </a:solidFill>
+                <a:ea typeface="+mn-lt"/>
+                <a:cs typeface="+mn-lt"/>
+              </a:rPr>
+              <a:t>extracellular matrix prone to the study of living cells interactions.</a:t>
+            </a:r>
+            <a:endParaRPr lang="en-US">
+              <a:solidFill>
+                <a:schemeClr val="bg1"/>
+              </a:solidFill>
+            </a:endParaRPr>
+          </a:p>
+          <a:p>
+            <a:endParaRPr lang="en-US">
+              <a:solidFill>
+                <a:schemeClr val="bg1"/>
+              </a:solidFill>
+              <a:cs typeface="Calibri" panose="020F0502020204030204"/>
+            </a:endParaRPr>
+          </a:p>
+          <a:p>
+            <a:r>
+              <a:rPr lang="en-US">
+                <a:solidFill>
+                  <a:schemeClr val="bg1"/>
+                </a:solidFill>
+                <a:cs typeface="Calibri" panose="020F0502020204030204"/>
+              </a:rPr>
+              <a:t>The researcher wants to use alginic acid as an additive to modify the elasticity of  </a:t>
+            </a:r>
+            <a:r>
+              <a:rPr lang="en-US" err="1">
+                <a:solidFill>
+                  <a:schemeClr val="bg1"/>
+                </a:solidFill>
+                <a:cs typeface="Calibri" panose="020F0502020204030204"/>
+              </a:rPr>
+              <a:t>GelMA</a:t>
+            </a:r>
+            <a:r>
+              <a:rPr lang="en-US">
+                <a:solidFill>
+                  <a:schemeClr val="bg1"/>
+                </a:solidFill>
+                <a:cs typeface="Calibri" panose="020F0502020204030204"/>
+              </a:rPr>
+              <a:t> and produce </a:t>
+            </a:r>
+            <a:r>
+              <a:rPr lang="en-US">
+                <a:solidFill>
+                  <a:schemeClr val="bg1"/>
+                </a:solidFill>
+                <a:ea typeface="+mn-lt"/>
+                <a:cs typeface="+mn-lt"/>
+              </a:rPr>
+              <a:t>methacrylate-alginate (Gel-</a:t>
+            </a:r>
+            <a:r>
+              <a:rPr lang="en-US" err="1">
+                <a:solidFill>
+                  <a:schemeClr val="bg1"/>
+                </a:solidFill>
+                <a:ea typeface="+mn-lt"/>
+                <a:cs typeface="+mn-lt"/>
+              </a:rPr>
+              <a:t>Alg</a:t>
+            </a:r>
+            <a:r>
+              <a:rPr lang="en-US">
+                <a:solidFill>
+                  <a:schemeClr val="bg1"/>
+                </a:solidFill>
+                <a:ea typeface="+mn-lt"/>
+                <a:cs typeface="+mn-lt"/>
+              </a:rPr>
+              <a:t>).</a:t>
+            </a:r>
+            <a:r>
+              <a:rPr lang="en-US">
+                <a:solidFill>
+                  <a:schemeClr val="bg1"/>
+                </a:solidFill>
+                <a:cs typeface="Calibri" panose="020F0502020204030204"/>
+              </a:rPr>
+              <a:t> A major problem would be the lack of compatibility of both materials, resulting in compromised properties such as: thermal stability or even chemical stability.</a:t>
+            </a:r>
+            <a:endParaRPr lang="en-US">
+              <a:solidFill>
+                <a:schemeClr val="bg1"/>
+              </a:solidFill>
+            </a:endParaRPr>
+          </a:p>
+          <a:p>
+            <a:endParaRPr lang="en-US">
+              <a:solidFill>
+                <a:srgbClr val="000000"/>
+              </a:solidFill>
+              <a:cs typeface="Calibri" panose="020F0502020204030204"/>
+            </a:endParaRPr>
+          </a:p>
+          <a:p>
+            <a:endParaRPr lang="en-US">
+              <a:cs typeface="Calibri" panose="020F0502020204030204"/>
+            </a:endParaRPr>
+          </a:p>
+          <a:p>
+            <a:endParaRPr lang="en-US">
+              <a:cs typeface="Calibri" panose="020F0502020204030204"/>
+            </a:endParaRPr>
+          </a:p>
+        </p:txBody>
+      </p:sp>
+      <p:pic>
+        <p:nvPicPr>
+          <p:cNvPr id="7" name="Picture 6">
+            <a:extLst>
+              <a:ext uri="{FF2B5EF4-FFF2-40B4-BE49-F238E27FC236}">
+                <a16:creationId xmlns:a16="http://schemas.microsoft.com/office/drawing/2014/main" id="{FFB13116-AB1C-49B0-90D5-1E3B9B5296BA}"/>
+              </a:ext>
+            </a:extLst>
+          </p:cNvPr>
+          <p:cNvPicPr>
+            <a:picLocks noChangeAspect="1"/>
+          </p:cNvPicPr>
+          <p:nvPr/>
+        </p:nvPicPr>
+        <p:blipFill>
+          <a:blip r:embed="rId2"/>
+          <a:stretch>
+            <a:fillRect/>
+          </a:stretch>
+        </p:blipFill>
+        <p:spPr>
+          <a:xfrm>
+            <a:off x="939729" y="1985017"/>
+            <a:ext cx="6929375" cy="3647431"/>
+          </a:xfrm>
+          <a:prstGeom prst="rect">
+            <a:avLst/>
+          </a:prstGeom>
+        </p:spPr>
+      </p:pic>
     </p:spTree>
     <p:extLst>
       <p:ext uri="{BB962C8B-B14F-4D97-AF65-F5344CB8AC3E}">
-        <p14:creationId xmlns:p14="http://schemas.microsoft.com/office/powerpoint/2010/main" val="2428507866"/>
-      </p:ext>
-    </p:extLst>
-  </p:cSld>
-  <p:clrMapOvr>
-    <a:masterClrMapping/>
-  </p:clrMapOvr>
-</p:sld>
-</file>
-
-<file path=ppt/slides/slide11.xml><?xml version="1.0" encoding="utf-8"?>
-<p:sld xmlns:a="http://schemas.openxmlformats.org/drawingml/2006/main" xmlns:r="http://schemas.openxmlformats.org/officeDocument/2006/relationships" xmlns:p="http://schemas.openxmlformats.org/presentationml/2006/main" show="0">
-  <p:cSld>
-    <p:spTree>
-      <p:nvGrpSpPr>
-        <p:cNvPr id="1" name=""/>
-        <p:cNvGrpSpPr/>
-        <p:nvPr/>
-      </p:nvGrpSpPr>
-      <p:grpSpPr>
-        <a:xfrm>
-          <a:off x="0" y="0"/>
-          <a:ext cx="0" cy="0"/>
-          <a:chOff x="0" y="0"/>
-          <a:chExt cx="0" cy="0"/>
-        </a:xfrm>
-      </p:grpSpPr>
-      <mc:AlternateContent xmlns:mc="http://schemas.openxmlformats.org/markup-compatibility/2006" xmlns:p14="http://schemas.microsoft.com/office/powerpoint/2010/main" xmlns:aink="http://schemas.microsoft.com/office/drawing/2016/ink">
-        <mc:Choice Requires="p14 aink">
-          <p:contentPart p14:bwMode="auto" r:id="rId2">
-            <p14:nvContentPartPr>
-              <p14:cNvPr id="19" name="Ink 18">
-                <a:extLst>
-                  <a:ext uri="{FF2B5EF4-FFF2-40B4-BE49-F238E27FC236}">
-                    <a16:creationId xmlns:a16="http://schemas.microsoft.com/office/drawing/2014/main" id="{BAA549A7-2830-4ED6-A802-0791908B8068}"/>
-                  </a:ext>
-                </a:extLst>
-              </p14:cNvPr>
-              <p14:cNvContentPartPr/>
-              <p14:nvPr/>
-            </p14:nvContentPartPr>
-            <p14:xfrm>
-              <a:off x="400573" y="7394564"/>
-              <a:ext cx="360" cy="360"/>
-            </p14:xfrm>
-          </p:contentPart>
-        </mc:Choice>
-        <mc:Fallback xmlns="">
-          <p:pic>
-            <p:nvPicPr>
-              <p:cNvPr id="19" name="Ink 18">
-                <a:extLst>
-                  <a:ext uri="{FF2B5EF4-FFF2-40B4-BE49-F238E27FC236}">
-                    <a16:creationId xmlns:a16="http://schemas.microsoft.com/office/drawing/2014/main" id="{BAA549A7-2830-4ED6-A802-0791908B8068}"/>
-                  </a:ext>
-                </a:extLst>
-              </p:cNvPr>
-              <p:cNvPicPr/>
-              <p:nvPr/>
-            </p:nvPicPr>
-            <p:blipFill>
-              <a:blip r:embed="rId3"/>
-              <a:stretch>
-                <a:fillRect/>
-              </a:stretch>
-            </p:blipFill>
-            <p:spPr>
-              <a:xfrm>
-                <a:off x="382933" y="7376924"/>
-                <a:ext cx="36000" cy="36000"/>
-              </a:xfrm>
-              <a:prstGeom prst="rect">
-                <a:avLst/>
-              </a:prstGeom>
-            </p:spPr>
-          </p:pic>
-        </mc:Fallback>
-      </mc:AlternateContent>
-      <p:sp>
-        <p:nvSpPr>
-          <p:cNvPr id="2" name="Slide Number Placeholder 1">
-            <a:extLst>
-              <a:ext uri="{FF2B5EF4-FFF2-40B4-BE49-F238E27FC236}">
-                <a16:creationId xmlns:a16="http://schemas.microsoft.com/office/drawing/2014/main" id="{DAC67B46-6493-4536-8742-98DBC603997F}"/>
-              </a:ext>
-            </a:extLst>
-          </p:cNvPr>
-          <p:cNvSpPr>
-            <a:spLocks noGrp="1"/>
-          </p:cNvSpPr>
-          <p:nvPr>
-            <p:ph type="sldNum" sz="quarter" idx="12"/>
-          </p:nvPr>
-        </p:nvSpPr>
-        <p:spPr/>
-        <p:txBody>
-          <a:bodyPr/>
-          <a:lstStyle/>
-          <a:p>
-            <a:fld id="{44F922D5-DBBB-4193-BE70-B740CC9842E5}" type="slidenum">
-              <a:rPr lang="en-GB" smtClean="0"/>
-              <a:t>11</a:t>
-            </a:fld>
-            <a:endParaRPr lang="en-GB"/>
-          </a:p>
-        </p:txBody>
-      </p:sp>
-    </p:spTree>
-    <p:extLst>
-      <p:ext uri="{BB962C8B-B14F-4D97-AF65-F5344CB8AC3E}">
-        <p14:creationId xmlns:p14="http://schemas.microsoft.com/office/powerpoint/2010/main" val="2232161063"/>
-      </p:ext>
-    </p:extLst>
-  </p:cSld>
-  <p:clrMapOvr>
-    <a:masterClrMapping/>
-  </p:clrMapOvr>
-</p:sld>
-</file>
-
-<file path=ppt/slides/slide2.xml><?xml version="1.0" encoding="utf-8"?>
-<p:sld xmlns:a="http://schemas.openxmlformats.org/drawingml/2006/main" xmlns:r="http://schemas.openxmlformats.org/officeDocument/2006/relationships" xmlns:p="http://schemas.openxmlformats.org/presentationml/2006/main" show="0">
-  <p:cSld>
-    <p:spTree>
-      <p:nvGrpSpPr>
-        <p:cNvPr id="1" name=""/>
-        <p:cNvGrpSpPr/>
-        <p:nvPr/>
-      </p:nvGrpSpPr>
-      <p:grpSpPr>
-        <a:xfrm>
-          <a:off x="0" y="0"/>
-          <a:ext cx="0" cy="0"/>
-          <a:chOff x="0" y="0"/>
-          <a:chExt cx="0" cy="0"/>
-        </a:xfrm>
-      </p:grpSpPr>
-      <p:sp>
-        <p:nvSpPr>
-          <p:cNvPr id="2" name="Title 1">
-            <a:extLst>
-              <a:ext uri="{FF2B5EF4-FFF2-40B4-BE49-F238E27FC236}">
-                <a16:creationId xmlns:a16="http://schemas.microsoft.com/office/drawing/2014/main" id="{6B4CD107-D7DB-4A9B-AA15-4038D49BB7C0}"/>
-              </a:ext>
-            </a:extLst>
-          </p:cNvPr>
-          <p:cNvSpPr>
-            <a:spLocks noGrp="1"/>
-          </p:cNvSpPr>
-          <p:nvPr>
-            <p:ph type="title"/>
-          </p:nvPr>
-        </p:nvSpPr>
-        <p:spPr>
-          <a:xfrm>
-            <a:off x="949040" y="365125"/>
-            <a:ext cx="11242960" cy="1325563"/>
-          </a:xfrm>
-        </p:spPr>
-        <p:txBody>
-          <a:bodyPr/>
-          <a:lstStyle/>
-          <a:p>
-            <a:r>
-              <a:rPr lang="en-GB" dirty="0">
-                <a:solidFill>
-                  <a:schemeClr val="bg1">
-                    <a:lumMod val="95000"/>
-                  </a:schemeClr>
-                </a:solidFill>
-                <a:latin typeface="Arial Nova Light" panose="020B0304020202020204" pitchFamily="34" charset="0"/>
-              </a:rPr>
-              <a:t>Agenda</a:t>
-            </a:r>
-          </a:p>
-        </p:txBody>
-      </p:sp>
-      <p:sp>
-        <p:nvSpPr>
-          <p:cNvPr id="3" name="Content Placeholder 2">
-            <a:extLst>
-              <a:ext uri="{FF2B5EF4-FFF2-40B4-BE49-F238E27FC236}">
-                <a16:creationId xmlns:a16="http://schemas.microsoft.com/office/drawing/2014/main" id="{6E971A9A-8031-4781-96A0-B9A5656935B5}"/>
-              </a:ext>
-            </a:extLst>
-          </p:cNvPr>
-          <p:cNvSpPr>
-            <a:spLocks noGrp="1"/>
-          </p:cNvSpPr>
-          <p:nvPr>
-            <p:ph idx="1"/>
-          </p:nvPr>
-        </p:nvSpPr>
-        <p:spPr>
-          <a:xfrm>
-            <a:off x="949040" y="1825625"/>
-            <a:ext cx="11242960" cy="4351338"/>
-          </a:xfrm>
-        </p:spPr>
-        <p:txBody>
-          <a:bodyPr/>
-          <a:lstStyle/>
-          <a:p>
-            <a:r>
-              <a:rPr lang="en-GB" dirty="0">
-                <a:solidFill>
-                  <a:schemeClr val="bg1">
-                    <a:lumMod val="95000"/>
-                  </a:schemeClr>
-                </a:solidFill>
-                <a:latin typeface="Arial Nova Light" panose="020B0304020202020204" pitchFamily="34" charset="0"/>
-              </a:rPr>
-              <a:t>&lt;a point for discussion&gt;		: &lt;5min</a:t>
-            </a:r>
-          </a:p>
-          <a:p>
-            <a:r>
-              <a:rPr lang="en-GB" dirty="0">
-                <a:solidFill>
-                  <a:schemeClr val="bg1">
-                    <a:lumMod val="95000"/>
-                  </a:schemeClr>
-                </a:solidFill>
-                <a:latin typeface="Arial Nova Light" panose="020B0304020202020204" pitchFamily="34" charset="0"/>
-              </a:rPr>
-              <a:t>&lt;another point for discussion&gt;	: ~20min</a:t>
-            </a:r>
-          </a:p>
-          <a:p>
-            <a:endParaRPr lang="en-GB" dirty="0">
-              <a:solidFill>
-                <a:schemeClr val="bg1">
-                  <a:lumMod val="95000"/>
-                </a:schemeClr>
-              </a:solidFill>
-              <a:latin typeface="Arial Nova Light" panose="020B0304020202020204" pitchFamily="34" charset="0"/>
-            </a:endParaRPr>
-          </a:p>
-        </p:txBody>
-      </p:sp>
-      <p:sp>
-        <p:nvSpPr>
-          <p:cNvPr id="4" name="Slide Number Placeholder 3">
-            <a:extLst>
-              <a:ext uri="{FF2B5EF4-FFF2-40B4-BE49-F238E27FC236}">
-                <a16:creationId xmlns:a16="http://schemas.microsoft.com/office/drawing/2014/main" id="{DF17BD6F-5EC3-42E2-B061-A46734EB9308}"/>
-              </a:ext>
-            </a:extLst>
-          </p:cNvPr>
-          <p:cNvSpPr>
-            <a:spLocks noGrp="1"/>
-          </p:cNvSpPr>
-          <p:nvPr>
-            <p:ph type="sldNum" sz="quarter" idx="12"/>
-          </p:nvPr>
-        </p:nvSpPr>
-        <p:spPr/>
-        <p:txBody>
-          <a:bodyPr/>
-          <a:lstStyle/>
-          <a:p>
-            <a:fld id="{44F922D5-DBBB-4193-BE70-B740CC9842E5}" type="slidenum">
-              <a:rPr lang="en-GB" smtClean="0"/>
-              <a:t>2</a:t>
-            </a:fld>
-            <a:endParaRPr lang="en-GB"/>
-          </a:p>
-        </p:txBody>
-      </p:sp>
-    </p:spTree>
-    <p:extLst>
-      <p:ext uri="{BB962C8B-B14F-4D97-AF65-F5344CB8AC3E}">
-        <p14:creationId xmlns:p14="http://schemas.microsoft.com/office/powerpoint/2010/main" val="1105756717"/>
+        <p14:creationId xmlns:p14="http://schemas.microsoft.com/office/powerpoint/2010/main" val="3318103689"/>
       </p:ext>
     </p:extLst>
   </p:cSld>
@@ -6366,6 +6549,54 @@
       </p:grpSpPr>
       <p:sp>
         <p:nvSpPr>
+          <p:cNvPr id="6" name="Title 1">
+            <a:extLst>
+              <a:ext uri="{FF2B5EF4-FFF2-40B4-BE49-F238E27FC236}">
+                <a16:creationId xmlns:a16="http://schemas.microsoft.com/office/drawing/2014/main" id="{438892A2-F58C-479B-93B3-BDD2A80D348B}"/>
+              </a:ext>
+            </a:extLst>
+          </p:cNvPr>
+          <p:cNvSpPr>
+            <a:spLocks noGrp="1"/>
+          </p:cNvSpPr>
+          <p:nvPr>
+            <p:ph type="title"/>
+          </p:nvPr>
+        </p:nvSpPr>
+        <p:spPr>
+          <a:xfrm>
+            <a:off x="949040" y="365125"/>
+            <a:ext cx="11242960" cy="1325563"/>
+          </a:xfrm>
+        </p:spPr>
+        <p:txBody>
+          <a:bodyPr/>
+          <a:lstStyle/>
+          <a:p>
+            <a:r>
+              <a:rPr lang="en-GB">
+                <a:solidFill>
+                  <a:schemeClr val="bg1">
+                    <a:lumMod val="95000"/>
+                  </a:schemeClr>
+                </a:solidFill>
+                <a:latin typeface="Arial Nova Light" panose="020B0304020202020204" pitchFamily="34" charset="0"/>
+              </a:rPr>
+              <a:t>Available Information &amp; Assumptions</a:t>
+            </a:r>
+            <a:endParaRPr lang="en-GB" b="1">
+              <a:solidFill>
+                <a:schemeClr val="accent4"/>
+              </a:solidFill>
+              <a:latin typeface="Arial Nova Light" panose="020B0304020202020204" pitchFamily="34" charset="0"/>
+              <a:ea typeface="+mn-ea"/>
+              <a:cs typeface="+mn-cs"/>
+            </a:endParaRPr>
+          </a:p>
+        </p:txBody>
+      </p:sp>
+      <p:sp>
+        <p:nvSpPr>
           <p:cNvPr id="2" name="Slide Number Placeholder 1">
             <a:extLst>
               <a:ext uri="{FF2B5EF4-FFF2-40B4-BE49-F238E27FC236}">
@@ -6393,12 +6624,295 @@
           </a:p>
         </p:txBody>
       </p:sp>
+      <p:sp>
+        <p:nvSpPr>
+          <p:cNvPr id="3" name="Rectangle 2">
+            <a:extLst>
+              <a:ext uri="{FF2B5EF4-FFF2-40B4-BE49-F238E27FC236}">
+                <a16:creationId xmlns:a16="http://schemas.microsoft.com/office/drawing/2014/main" id="{55DCEE6A-554B-4669-B3C5-FCF378150DA8}"/>
+              </a:ext>
+            </a:extLst>
+          </p:cNvPr>
+          <p:cNvSpPr/>
+          <p:nvPr/>
+        </p:nvSpPr>
+        <p:spPr>
+          <a:xfrm>
+            <a:off x="942833" y="6396334"/>
+            <a:ext cx="10730611" cy="461665"/>
+          </a:xfrm>
+          <a:prstGeom prst="rect">
+            <a:avLst/>
+          </a:prstGeom>
+        </p:spPr>
+        <p:txBody>
+          <a:bodyPr wrap="square">
+            <a:spAutoFit/>
+          </a:bodyPr>
+          <a:lstStyle/>
+          <a:p>
+            <a:r>
+              <a:rPr lang="en-GB" sz="1200">
+                <a:solidFill>
+                  <a:schemeClr val="bg1">
+                    <a:lumMod val="95000"/>
+                  </a:schemeClr>
+                </a:solidFill>
+                <a:latin typeface="Arial Nova Light" panose="020B0304020202020204" pitchFamily="34" charset="0"/>
+              </a:rPr>
+              <a:t>[1] Y. X. Chen, B. Cain, P. Soman, </a:t>
+            </a:r>
+            <a:r>
+              <a:rPr lang="en-GB" sz="1200" err="1">
+                <a:solidFill>
+                  <a:schemeClr val="bg1">
+                    <a:lumMod val="95000"/>
+                  </a:schemeClr>
+                </a:solidFill>
+                <a:latin typeface="Arial Nova Light" panose="020B0304020202020204" pitchFamily="34" charset="0"/>
+              </a:rPr>
+              <a:t>Gelatin</a:t>
+            </a:r>
+            <a:r>
+              <a:rPr lang="en-GB" sz="1200">
+                <a:solidFill>
+                  <a:schemeClr val="bg1">
+                    <a:lumMod val="95000"/>
+                  </a:schemeClr>
+                </a:solidFill>
+                <a:latin typeface="Arial Nova Light" panose="020B0304020202020204" pitchFamily="34" charset="0"/>
+              </a:rPr>
+              <a:t> methacrylate-alginate hydrogel with </a:t>
+            </a:r>
+            <a:r>
+              <a:rPr lang="en-GB" sz="1200" err="1">
+                <a:solidFill>
+                  <a:schemeClr val="bg1">
+                    <a:lumMod val="95000"/>
+                  </a:schemeClr>
+                </a:solidFill>
+                <a:latin typeface="Arial Nova Light" panose="020B0304020202020204" pitchFamily="34" charset="0"/>
+              </a:rPr>
+              <a:t>tunable</a:t>
+            </a:r>
+            <a:r>
+              <a:rPr lang="en-GB" sz="1200">
+                <a:solidFill>
+                  <a:schemeClr val="bg1">
+                    <a:lumMod val="95000"/>
+                  </a:schemeClr>
+                </a:solidFill>
+                <a:latin typeface="Arial Nova Light" panose="020B0304020202020204" pitchFamily="34" charset="0"/>
+              </a:rPr>
+              <a:t> viscoelastic properties, AIMS Mater. Sci. 4 (2017) 363–369. https://doi.org/10.3934/matersci.2017.2.363.</a:t>
+            </a:r>
+          </a:p>
+        </p:txBody>
+      </p:sp>
+      <p:sp>
+        <p:nvSpPr>
+          <p:cNvPr id="4" name="TextBox 3">
+            <a:extLst>
+              <a:ext uri="{FF2B5EF4-FFF2-40B4-BE49-F238E27FC236}">
+                <a16:creationId xmlns:a16="http://schemas.microsoft.com/office/drawing/2014/main" id="{537BD168-0E46-4D2A-9C66-EFB42E41BB07}"/>
+              </a:ext>
+            </a:extLst>
+          </p:cNvPr>
+          <p:cNvSpPr txBox="1"/>
+          <p:nvPr/>
+        </p:nvSpPr>
+        <p:spPr>
+          <a:xfrm>
+            <a:off x="942833" y="1690688"/>
+            <a:ext cx="11242960" cy="3416320"/>
+          </a:xfrm>
+          <a:prstGeom prst="rect">
+            <a:avLst/>
+          </a:prstGeom>
+          <a:noFill/>
+        </p:spPr>
+        <p:txBody>
+          <a:bodyPr rot="0" spcFirstLastPara="0" vertOverflow="overflow" horzOverflow="overflow" vert="horz" wrap="square" lIns="91440" tIns="45720" rIns="91440" bIns="45720" numCol="1" spcCol="0" rtlCol="0" fromWordArt="0" anchor="t" anchorCtr="0" forceAA="0" compatLnSpc="1">
+            <a:prstTxWarp prst="textNoShape">
+              <a:avLst/>
+            </a:prstTxWarp>
+            <a:spAutoFit/>
+          </a:bodyPr>
+          <a:lstStyle/>
+          <a:p>
+            <a:r>
+              <a:rPr lang="en-US">
+                <a:solidFill>
+                  <a:schemeClr val="bg1"/>
+                </a:solidFill>
+              </a:rPr>
+              <a:t>Results obtained from creep and compressive tests reveal that the alginate component of Gel-</a:t>
+            </a:r>
+            <a:r>
+              <a:rPr lang="en-US" err="1">
+                <a:solidFill>
+                  <a:schemeClr val="bg1"/>
+                </a:solidFill>
+              </a:rPr>
+              <a:t>Alg</a:t>
+            </a:r>
+            <a:r>
+              <a:rPr lang="en-US">
+                <a:solidFill>
+                  <a:schemeClr val="bg1"/>
+                </a:solidFill>
+              </a:rPr>
+              <a:t> composite, can be effectively crosslinked, un-crosslinked and re-crosslinked by adding or chelating calcium ions.</a:t>
+            </a:r>
+          </a:p>
+          <a:p>
+            <a:endParaRPr lang="en-US">
+              <a:solidFill>
+                <a:schemeClr val="bg1"/>
+              </a:solidFill>
+              <a:cs typeface="Calibri"/>
+            </a:endParaRPr>
+          </a:p>
+          <a:p>
+            <a:r>
+              <a:rPr lang="en-US">
+                <a:solidFill>
+                  <a:schemeClr val="bg1"/>
+                </a:solidFill>
+                <a:ea typeface="+mn-lt"/>
+                <a:cs typeface="+mn-lt"/>
+              </a:rPr>
+              <a:t>Polymers use a combination of strong permanent crosslinks and weak bonds that could reversibly break and re-form, to generate a viscoelastic response.</a:t>
+            </a:r>
+          </a:p>
+          <a:p>
+            <a:endParaRPr lang="en-US">
+              <a:solidFill>
+                <a:schemeClr val="bg1"/>
+              </a:solidFill>
+              <a:cs typeface="Calibri"/>
+            </a:endParaRPr>
+          </a:p>
+          <a:p>
+            <a:r>
+              <a:rPr lang="en-US">
+                <a:solidFill>
+                  <a:schemeClr val="bg1"/>
+                </a:solidFill>
+                <a:ea typeface="+mn-lt"/>
+                <a:cs typeface="+mn-lt"/>
+              </a:rPr>
+              <a:t>Ions (CaCl2) solution was used to ionically crosslink the alginate component of the UV-crosslinked composite affecting insignificantly its mechanical properties. </a:t>
+            </a:r>
+            <a:r>
+              <a:rPr lang="en-GB">
+                <a:solidFill>
+                  <a:schemeClr val="bg1"/>
+                </a:solidFill>
+                <a:ea typeface="+mn-lt"/>
+                <a:cs typeface="+mn-lt"/>
+              </a:rPr>
+              <a:t>Alginate acts as the dynamic modifiable element controlled by ionic non-covalent bonding in the presence of calcium divalent ions, while </a:t>
+            </a:r>
+            <a:r>
+              <a:rPr lang="en-GB" err="1">
+                <a:solidFill>
+                  <a:schemeClr val="bg1"/>
+                </a:solidFill>
+                <a:ea typeface="+mn-lt"/>
+                <a:cs typeface="+mn-lt"/>
+              </a:rPr>
+              <a:t>GelMA</a:t>
+            </a:r>
+            <a:r>
+              <a:rPr lang="en-GB">
+                <a:solidFill>
+                  <a:schemeClr val="bg1"/>
+                </a:solidFill>
+                <a:ea typeface="+mn-lt"/>
+                <a:cs typeface="+mn-lt"/>
+              </a:rPr>
+              <a:t> acts as a stable structural element.</a:t>
+            </a:r>
+            <a:endParaRPr lang="en-US">
+              <a:solidFill>
+                <a:schemeClr val="bg1"/>
+              </a:solidFill>
+              <a:ea typeface="+mn-lt"/>
+              <a:cs typeface="+mn-lt"/>
+            </a:endParaRPr>
+          </a:p>
+          <a:p>
+            <a:endParaRPr lang="en-US">
+              <a:solidFill>
+                <a:schemeClr val="bg1"/>
+              </a:solidFill>
+              <a:cs typeface="Calibri"/>
+            </a:endParaRPr>
+          </a:p>
+          <a:p>
+            <a:r>
+              <a:rPr lang="en-US">
+                <a:solidFill>
+                  <a:schemeClr val="bg1"/>
+                </a:solidFill>
+                <a:ea typeface="+mn-lt"/>
+                <a:cs typeface="+mn-lt"/>
+              </a:rPr>
+              <a:t>In Gel-</a:t>
+            </a:r>
+            <a:r>
+              <a:rPr lang="en-US" err="1">
+                <a:solidFill>
+                  <a:schemeClr val="bg1"/>
+                </a:solidFill>
+                <a:ea typeface="+mn-lt"/>
+                <a:cs typeface="+mn-lt"/>
+              </a:rPr>
+              <a:t>Alg</a:t>
+            </a:r>
+            <a:r>
+              <a:rPr lang="en-US">
+                <a:solidFill>
+                  <a:schemeClr val="bg1"/>
+                </a:solidFill>
+                <a:ea typeface="+mn-lt"/>
+                <a:cs typeface="+mn-lt"/>
+              </a:rPr>
+              <a:t>, the re-crosslinked states exhibit similar viscoelastic properties to the crosslinked state, confirming that</a:t>
+            </a:r>
+            <a:endParaRPr lang="en-US">
+              <a:solidFill>
+                <a:schemeClr val="bg1"/>
+              </a:solidFill>
+              <a:cs typeface="Calibri"/>
+            </a:endParaRPr>
+          </a:p>
+          <a:p>
+            <a:r>
+              <a:rPr lang="en-US">
+                <a:solidFill>
+                  <a:schemeClr val="bg1"/>
+                </a:solidFill>
+                <a:ea typeface="+mn-lt"/>
+                <a:cs typeface="+mn-lt"/>
+              </a:rPr>
+              <a:t>crosslinking is reversible and this process is capable of dynamically controlling the elastic recovery</a:t>
+            </a:r>
+            <a:endParaRPr lang="en-US">
+              <a:solidFill>
+                <a:schemeClr val="bg1"/>
+              </a:solidFill>
+            </a:endParaRPr>
+          </a:p>
+        </p:txBody>
+      </p:sp>
       <p:pic>
         <p:nvPicPr>
-          <p:cNvPr id="8" name="Picture 7">
-            <a:extLst>
-              <a:ext uri="{FF2B5EF4-FFF2-40B4-BE49-F238E27FC236}">
-                <a16:creationId xmlns:a16="http://schemas.microsoft.com/office/drawing/2014/main" id="{8BF7DE3A-48A8-41AA-B953-E3743C1289A6}"/>
+          <p:cNvPr id="7" name="Picture 6">
+            <a:extLst>
+              <a:ext uri="{FF2B5EF4-FFF2-40B4-BE49-F238E27FC236}">
+                <a16:creationId xmlns:a16="http://schemas.microsoft.com/office/drawing/2014/main" id="{A8143575-7374-4A09-A08D-54305300D144}"/>
               </a:ext>
             </a:extLst>
           </p:cNvPr>
@@ -6415,8 +6929,8 @@
         </p:blipFill>
         <p:spPr>
           <a:xfrm>
-            <a:off x="1321773" y="669472"/>
-            <a:ext cx="10485080" cy="5519056"/>
+            <a:off x="4720368" y="5070869"/>
+            <a:ext cx="3687890" cy="1325465"/>
           </a:xfrm>
           <a:prstGeom prst="rect">
             <a:avLst/>
@@ -6426,7 +6940,7 @@
     </p:spTree>
     <p:extLst>
       <p:ext uri="{BB962C8B-B14F-4D97-AF65-F5344CB8AC3E}">
-        <p14:creationId xmlns:p14="http://schemas.microsoft.com/office/powerpoint/2010/main" val="4056039362"/>
+        <p14:creationId xmlns:p14="http://schemas.microsoft.com/office/powerpoint/2010/main" val="1940175811"/>
       </p:ext>
     </p:extLst>
   </p:cSld>
@@ -6480,7 +6994,7 @@
           <a:lstStyle/>
           <a:p>
             <a:r>
-              <a:rPr lang="en-GB" dirty="0">
+              <a:rPr lang="en-GB">
                 <a:solidFill>
                   <a:schemeClr val="bg1">
                     <a:lumMod val="95000"/>
@@ -6488,9 +7002,9 @@
                 </a:solidFill>
                 <a:latin typeface="Arial Nova Light" panose="020B0304020202020204" pitchFamily="34" charset="0"/>
               </a:rPr>
-              <a:t>Phenomenon and Problem Explanation</a:t>
-            </a:r>
-            <a:endParaRPr lang="en-GB" b="1" dirty="0">
+              <a:t>Solution &amp; Justification</a:t>
+            </a:r>
+            <a:endParaRPr lang="en-GB" b="1">
               <a:solidFill>
                 <a:schemeClr val="accent4"/>
               </a:solidFill>
@@ -6544,8 +7058,8 @@
         </p:nvSpPr>
         <p:spPr>
           <a:xfrm>
-            <a:off x="942833" y="6396334"/>
-            <a:ext cx="10730611" cy="461665"/>
+            <a:off x="942833" y="6088558"/>
+            <a:ext cx="10730611" cy="769441"/>
           </a:xfrm>
           <a:prstGeom prst="rect">
             <a:avLst/>
@@ -6558,7 +7072,7 @@
           <a:lstStyle/>
           <a:p>
             <a:r>
-              <a:rPr lang="en-GB" sz="1200" dirty="0">
+              <a:rPr lang="en-GB" sz="1100">
                 <a:solidFill>
                   <a:schemeClr val="bg1">
                     <a:lumMod val="95000"/>
@@ -6569,7 +7083,7 @@
               <a:t>[1] Y. X. Chen, B. Cain, P. Soman, </a:t>
             </a:r>
             <a:r>
-              <a:rPr lang="en-GB" sz="1200" dirty="0" err="1">
+              <a:rPr lang="en-GB" sz="1100" err="1">
                 <a:solidFill>
                   <a:schemeClr val="bg1">
                     <a:lumMod val="95000"/>
@@ -6580,7 +7094,7 @@
               <a:t>Gelatin</a:t>
             </a:r>
             <a:r>
-              <a:rPr lang="en-GB" sz="1200" dirty="0">
+              <a:rPr lang="en-GB" sz="1100">
                 <a:solidFill>
                   <a:schemeClr val="bg1">
                     <a:lumMod val="95000"/>
@@ -6591,7 +7105,7 @@
               <a:t> methacrylate-alginate hydrogel with </a:t>
             </a:r>
             <a:r>
-              <a:rPr lang="en-GB" sz="1200" dirty="0" err="1">
+              <a:rPr lang="en-GB" sz="1100" err="1">
                 <a:solidFill>
                   <a:schemeClr val="bg1">
                     <a:lumMod val="95000"/>
@@ -6602,7 +7116,7 @@
               <a:t>tunable</a:t>
             </a:r>
             <a:r>
-              <a:rPr lang="en-GB" sz="1200" dirty="0">
+              <a:rPr lang="en-GB" sz="1100">
                 <a:solidFill>
                   <a:schemeClr val="bg1">
                     <a:lumMod val="95000"/>
@@ -6613,14 +7127,307 @@
               <a:t> viscoelastic properties, AIMS Mater. Sci. 4 (2017) 363–369. https://doi.org/10.3934/matersci.2017.2.363.</a:t>
             </a:r>
           </a:p>
-        </p:txBody>
-      </p:sp>
-      <p:sp>
-        <p:nvSpPr>
-          <p:cNvPr id="4" name="TextBox 3">
-            <a:extLst>
-              <a:ext uri="{FF2B5EF4-FFF2-40B4-BE49-F238E27FC236}">
-                <a16:creationId xmlns:a16="http://schemas.microsoft.com/office/drawing/2014/main" id="{6AE71113-7603-4258-9A83-0BFAC09331E2}"/>
+          <a:p>
+            <a:r>
+              <a:rPr lang="en-GB" sz="1100">
+                <a:solidFill>
+                  <a:schemeClr val="bg1">
+                    <a:lumMod val="95000"/>
+                  </a:schemeClr>
+                </a:solidFill>
+                <a:latin typeface="Arial Nova Light" panose="020B0304020202020204" pitchFamily="34" charset="0"/>
+              </a:rPr>
+              <a:t>[2] R. Kadri, J. </a:t>
+            </a:r>
+            <a:r>
+              <a:rPr lang="en-GB" sz="1100" err="1">
+                <a:solidFill>
+                  <a:schemeClr val="bg1">
+                    <a:lumMod val="95000"/>
+                  </a:schemeClr>
+                </a:solidFill>
+                <a:latin typeface="Arial Nova Light" panose="020B0304020202020204" pitchFamily="34" charset="0"/>
+              </a:rPr>
+              <a:t>Bacharouch</a:t>
+            </a:r>
+            <a:r>
+              <a:rPr lang="en-GB" sz="1100">
+                <a:solidFill>
+                  <a:schemeClr val="bg1">
+                    <a:lumMod val="95000"/>
+                  </a:schemeClr>
+                </a:solidFill>
+                <a:latin typeface="Arial Nova Light" panose="020B0304020202020204" pitchFamily="34" charset="0"/>
+              </a:rPr>
+              <a:t>, K. </a:t>
+            </a:r>
+            <a:r>
+              <a:rPr lang="en-GB" sz="1100" err="1">
+                <a:solidFill>
+                  <a:schemeClr val="bg1">
+                    <a:lumMod val="95000"/>
+                  </a:schemeClr>
+                </a:solidFill>
+                <a:latin typeface="Arial Nova Light" panose="020B0304020202020204" pitchFamily="34" charset="0"/>
+              </a:rPr>
+              <a:t>Elkhoury</a:t>
+            </a:r>
+            <a:r>
+              <a:rPr lang="en-GB" sz="1100">
+                <a:solidFill>
+                  <a:schemeClr val="bg1">
+                    <a:lumMod val="95000"/>
+                  </a:schemeClr>
+                </a:solidFill>
+                <a:latin typeface="Arial Nova Light" panose="020B0304020202020204" pitchFamily="34" charset="0"/>
+              </a:rPr>
+              <a:t>, G. Ben </a:t>
+            </a:r>
+            <a:r>
+              <a:rPr lang="en-GB" sz="1100" err="1">
+                <a:solidFill>
+                  <a:schemeClr val="bg1">
+                    <a:lumMod val="95000"/>
+                  </a:schemeClr>
+                </a:solidFill>
+                <a:latin typeface="Arial Nova Light" panose="020B0304020202020204" pitchFamily="34" charset="0"/>
+              </a:rPr>
+              <a:t>Messaoud</a:t>
+            </a:r>
+            <a:r>
+              <a:rPr lang="en-GB" sz="1100">
+                <a:solidFill>
+                  <a:schemeClr val="bg1">
+                    <a:lumMod val="95000"/>
+                  </a:schemeClr>
+                </a:solidFill>
+                <a:latin typeface="Arial Nova Light" panose="020B0304020202020204" pitchFamily="34" charset="0"/>
+              </a:rPr>
+              <a:t>, C. Kahn, S. </a:t>
+            </a:r>
+            <a:r>
+              <a:rPr lang="en-GB" sz="1100" err="1">
+                <a:solidFill>
+                  <a:schemeClr val="bg1">
+                    <a:lumMod val="95000"/>
+                  </a:schemeClr>
+                </a:solidFill>
+                <a:latin typeface="Arial Nova Light" panose="020B0304020202020204" pitchFamily="34" charset="0"/>
+              </a:rPr>
+              <a:t>Desobry</a:t>
+            </a:r>
+            <a:r>
+              <a:rPr lang="en-GB" sz="1100">
+                <a:solidFill>
+                  <a:schemeClr val="bg1">
+                    <a:lumMod val="95000"/>
+                  </a:schemeClr>
+                </a:solidFill>
+                <a:latin typeface="Arial Nova Light" panose="020B0304020202020204" pitchFamily="34" charset="0"/>
+              </a:rPr>
+              <a:t>, M. Linder, A. </a:t>
+            </a:r>
+            <a:r>
+              <a:rPr lang="en-GB" sz="1100" err="1">
+                <a:solidFill>
+                  <a:schemeClr val="bg1">
+                    <a:lumMod val="95000"/>
+                  </a:schemeClr>
+                </a:solidFill>
+                <a:latin typeface="Arial Nova Light" panose="020B0304020202020204" pitchFamily="34" charset="0"/>
+              </a:rPr>
+              <a:t>Tamayol</a:t>
+            </a:r>
+            <a:r>
+              <a:rPr lang="en-GB" sz="1100">
+                <a:solidFill>
+                  <a:schemeClr val="bg1">
+                    <a:lumMod val="95000"/>
+                  </a:schemeClr>
+                </a:solidFill>
+                <a:latin typeface="Arial Nova Light" panose="020B0304020202020204" pitchFamily="34" charset="0"/>
+              </a:rPr>
+              <a:t>, G. </a:t>
+            </a:r>
+            <a:r>
+              <a:rPr lang="en-GB" sz="1100" err="1">
+                <a:solidFill>
+                  <a:schemeClr val="bg1">
+                    <a:lumMod val="95000"/>
+                  </a:schemeClr>
+                </a:solidFill>
+                <a:latin typeface="Arial Nova Light" panose="020B0304020202020204" pitchFamily="34" charset="0"/>
+              </a:rPr>
+              <a:t>Francius</a:t>
+            </a:r>
+            <a:r>
+              <a:rPr lang="en-GB" sz="1100">
+                <a:solidFill>
+                  <a:schemeClr val="bg1">
+                    <a:lumMod val="95000"/>
+                  </a:schemeClr>
+                </a:solidFill>
+                <a:latin typeface="Arial Nova Light" panose="020B0304020202020204" pitchFamily="34" charset="0"/>
+              </a:rPr>
+              <a:t>, J.F. Mano, L. Sánchez-González, E. Arab-</a:t>
+            </a:r>
+            <a:r>
+              <a:rPr lang="en-GB" sz="1100" err="1">
+                <a:solidFill>
+                  <a:schemeClr val="bg1">
+                    <a:lumMod val="95000"/>
+                  </a:schemeClr>
+                </a:solidFill>
+                <a:latin typeface="Arial Nova Light" panose="020B0304020202020204" pitchFamily="34" charset="0"/>
+              </a:rPr>
+              <a:t>Tehrany</a:t>
+            </a:r>
+            <a:r>
+              <a:rPr lang="en-GB" sz="1100">
+                <a:solidFill>
+                  <a:schemeClr val="bg1">
+                    <a:lumMod val="95000"/>
+                  </a:schemeClr>
+                </a:solidFill>
+                <a:latin typeface="Arial Nova Light" panose="020B0304020202020204" pitchFamily="34" charset="0"/>
+              </a:rPr>
+              <a:t>, Role of active nanoliposomes in the surface and bulk mechanical properties of hybrid hydrogels, Mater. Today Bio. 6 (2020) 100046. https://doi.org/10.1016/j.mtbio.2020.100046.</a:t>
+            </a:r>
+          </a:p>
+        </p:txBody>
+      </p:sp>
+      <p:sp>
+        <p:nvSpPr>
+          <p:cNvPr id="8" name="Rectangle 7">
+            <a:extLst>
+              <a:ext uri="{FF2B5EF4-FFF2-40B4-BE49-F238E27FC236}">
+                <a16:creationId xmlns:a16="http://schemas.microsoft.com/office/drawing/2014/main" id="{9B5CFC4D-3DDF-451F-A89A-41EAEE17AC8E}"/>
+              </a:ext>
+            </a:extLst>
+          </p:cNvPr>
+          <p:cNvSpPr/>
+          <p:nvPr/>
+        </p:nvSpPr>
+        <p:spPr>
+          <a:xfrm>
+            <a:off x="965386" y="2015627"/>
+            <a:ext cx="7033270" cy="1200329"/>
+          </a:xfrm>
+          <a:prstGeom prst="rect">
+            <a:avLst/>
+          </a:prstGeom>
+        </p:spPr>
+        <p:txBody>
+          <a:bodyPr wrap="square" anchor="t">
+            <a:spAutoFit/>
+          </a:bodyPr>
+          <a:lstStyle/>
+          <a:p>
+            <a:r>
+              <a:rPr lang="en-GB">
+                <a:solidFill>
+                  <a:schemeClr val="bg1"/>
+                </a:solidFill>
+                <a:ea typeface="+mn-lt"/>
+                <a:cs typeface="+mn-lt"/>
+              </a:rPr>
+              <a:t>Addition of alginate within </a:t>
+            </a:r>
+            <a:r>
+              <a:rPr lang="en-GB" err="1">
+                <a:solidFill>
+                  <a:schemeClr val="bg1"/>
+                </a:solidFill>
+                <a:ea typeface="+mn-lt"/>
+                <a:cs typeface="+mn-lt"/>
+              </a:rPr>
+              <a:t>GelMA</a:t>
+            </a:r>
+            <a:r>
+              <a:rPr lang="en-GB">
+                <a:solidFill>
+                  <a:schemeClr val="bg1"/>
+                </a:solidFill>
+                <a:ea typeface="+mn-lt"/>
+                <a:cs typeface="+mn-lt"/>
+              </a:rPr>
+              <a:t> exhibits varying degrees of viscoelasticity depending upon the amount of alginate in the composite. The increases in elasticity of the solution is caused by the creation of calcium ions (as ionic crosslinking takes place).</a:t>
+            </a:r>
+          </a:p>
+        </p:txBody>
+      </p:sp>
+      <p:pic>
+        <p:nvPicPr>
+          <p:cNvPr id="5" name="Picture 4" descr="A picture containing sign, close, holding, large&#10;&#10;Description automatically generated">
+            <a:extLst>
+              <a:ext uri="{FF2B5EF4-FFF2-40B4-BE49-F238E27FC236}">
+                <a16:creationId xmlns:a16="http://schemas.microsoft.com/office/drawing/2014/main" id="{D4225DBE-FAE4-486C-9C52-012B20AC80BA}"/>
+              </a:ext>
+            </a:extLst>
+          </p:cNvPr>
+          <p:cNvPicPr>
+            <a:picLocks noChangeAspect="1"/>
+          </p:cNvPicPr>
+          <p:nvPr/>
+        </p:nvPicPr>
+        <p:blipFill>
+          <a:blip r:embed="rId2">
+            <a:extLst>
+              <a:ext uri="{28A0092B-C50C-407E-A947-70E740481C1C}">
+                <a14:useLocalDpi xmlns:a14="http://schemas.microsoft.com/office/drawing/2010/main" val="0"/>
+              </a:ext>
+            </a:extLst>
+          </a:blip>
+          <a:stretch>
+            <a:fillRect/>
+          </a:stretch>
+        </p:blipFill>
+        <p:spPr>
+          <a:xfrm>
+            <a:off x="942832" y="4119452"/>
+            <a:ext cx="11242961" cy="1969106"/>
+          </a:xfrm>
+          <a:prstGeom prst="rect">
+            <a:avLst/>
+          </a:prstGeom>
+        </p:spPr>
+      </p:pic>
+      <p:pic>
+        <p:nvPicPr>
+          <p:cNvPr id="4" name="Picture 6" descr="A close up of a map&#10;&#10;Description automatically generated">
+            <a:extLst>
+              <a:ext uri="{FF2B5EF4-FFF2-40B4-BE49-F238E27FC236}">
+                <a16:creationId xmlns:a16="http://schemas.microsoft.com/office/drawing/2014/main" id="{66DB106F-FD6A-4232-A7C5-5F3ABDED31F0}"/>
+              </a:ext>
+            </a:extLst>
+          </p:cNvPr>
+          <p:cNvPicPr>
+            <a:picLocks noChangeAspect="1"/>
+          </p:cNvPicPr>
+          <p:nvPr/>
+        </p:nvPicPr>
+        <p:blipFill>
+          <a:blip r:embed="rId3"/>
+          <a:stretch>
+            <a:fillRect/>
+          </a:stretch>
+        </p:blipFill>
+        <p:spPr>
+          <a:xfrm>
+            <a:off x="7930755" y="479790"/>
+            <a:ext cx="3957873" cy="2949210"/>
+          </a:xfrm>
+          <a:prstGeom prst="rect">
+            <a:avLst/>
+          </a:prstGeom>
+        </p:spPr>
+      </p:pic>
+      <p:sp>
+        <p:nvSpPr>
+          <p:cNvPr id="7" name="TextBox 6">
+            <a:extLst>
+              <a:ext uri="{FF2B5EF4-FFF2-40B4-BE49-F238E27FC236}">
+                <a16:creationId xmlns:a16="http://schemas.microsoft.com/office/drawing/2014/main" id="{60E157AC-7BB5-4366-9262-E2638604C140}"/>
               </a:ext>
             </a:extLst>
           </p:cNvPr>
@@ -6629,8 +7436,8 @@
         </p:nvSpPr>
         <p:spPr>
           <a:xfrm>
-            <a:off x="1148282" y="1517965"/>
-            <a:ext cx="11162921" cy="2585323"/>
+            <a:off x="7998656" y="3370508"/>
+            <a:ext cx="3376942" cy="646331"/>
           </a:xfrm>
           <a:prstGeom prst="rect">
             <a:avLst/>
@@ -6647,202 +7454,283 @@
           <a:lstStyle/>
           <a:p>
             <a:r>
-              <a:rPr lang="en-US" dirty="0">
+              <a:rPr lang="en-US">
                 <a:solidFill>
                   <a:schemeClr val="bg1"/>
                 </a:solidFill>
-                <a:cs typeface="Calibri" panose="020F0502020204030204"/>
+                <a:cs typeface="Calibri"/>
               </a:rPr>
-              <a:t>The purpose of using the additive (alginic acid) is to tune the composite (</a:t>
-            </a:r>
-            <a:r>
-              <a:rPr lang="en-US" dirty="0" err="1">
-                <a:solidFill>
-                  <a:schemeClr val="bg1"/>
-                </a:solidFill>
-                <a:ea typeface="+mn-lt"/>
-                <a:cs typeface="+mn-lt"/>
+              <a:t>Compressive creep strain plot. Taken from [1]</a:t>
+            </a:r>
+          </a:p>
+        </p:txBody>
+      </p:sp>
+      <p:sp>
+        <p:nvSpPr>
+          <p:cNvPr id="10" name="Rectangle 9">
+            <a:extLst>
+              <a:ext uri="{FF2B5EF4-FFF2-40B4-BE49-F238E27FC236}">
+                <a16:creationId xmlns:a16="http://schemas.microsoft.com/office/drawing/2014/main" id="{25D08A44-BC2B-4725-BF0E-90D5A85596CE}"/>
+              </a:ext>
+            </a:extLst>
+          </p:cNvPr>
+          <p:cNvSpPr/>
+          <p:nvPr/>
+        </p:nvSpPr>
+        <p:spPr>
+          <a:xfrm>
+            <a:off x="942831" y="5565338"/>
+            <a:ext cx="2251305" cy="523220"/>
+          </a:xfrm>
+          <a:prstGeom prst="rect">
+            <a:avLst/>
+          </a:prstGeom>
+          <a:solidFill>
+            <a:srgbClr val="000000">
+              <a:alpha val="50196"/>
+            </a:srgbClr>
+          </a:solidFill>
+        </p:spPr>
+        <p:txBody>
+          <a:bodyPr wrap="square" anchor="t">
+            <a:spAutoFit/>
+          </a:bodyPr>
+          <a:lstStyle/>
+          <a:p>
+            <a:pPr algn="ctr"/>
+            <a:r>
+              <a:rPr lang="en-GB" sz="2800">
+                <a:solidFill>
+                  <a:schemeClr val="bg1">
+                    <a:lumMod val="95000"/>
+                  </a:schemeClr>
+                </a:solidFill>
+                <a:latin typeface="Arial Nova Light"/>
               </a:rPr>
-              <a:t>gealtin</a:t>
-            </a:r>
-            <a:r>
-              <a:rPr lang="en-US" dirty="0">
-                <a:solidFill>
-                  <a:schemeClr val="bg1"/>
-                </a:solidFill>
-                <a:ea typeface="+mn-lt"/>
-                <a:cs typeface="+mn-lt"/>
-              </a:rPr>
-              <a:t> </a:t>
-            </a:r>
-            <a:r>
-              <a:rPr lang="en-US" dirty="0" err="1">
-                <a:solidFill>
-                  <a:schemeClr val="bg1"/>
-                </a:solidFill>
-                <a:ea typeface="+mn-lt"/>
-                <a:cs typeface="+mn-lt"/>
-              </a:rPr>
-              <a:t>methacryloyl</a:t>
-            </a:r>
-            <a:r>
-              <a:rPr lang="en-US" dirty="0">
-                <a:solidFill>
-                  <a:schemeClr val="bg1"/>
-                </a:solidFill>
-                <a:cs typeface="Calibri" panose="020F0502020204030204"/>
-              </a:rPr>
-              <a:t>) to provide a viscoelastic property to mimic </a:t>
-            </a:r>
-            <a:r>
-              <a:rPr lang="en-US" dirty="0">
-                <a:solidFill>
-                  <a:schemeClr val="bg1"/>
-                </a:solidFill>
-                <a:ea typeface="+mn-lt"/>
-                <a:cs typeface="+mn-lt"/>
-              </a:rPr>
-              <a:t>extracellular matrix which is used to study living cells interaction.</a:t>
-            </a:r>
-            <a:endParaRPr lang="en-US" dirty="0">
+              <a:t>0.09 kPa</a:t>
+            </a:r>
+            <a:endParaRPr lang="en-GB" b="1">
               <a:solidFill>
-                <a:schemeClr val="bg1"/>
+                <a:schemeClr val="bg1">
+                  <a:lumMod val="95000"/>
+                </a:schemeClr>
               </a:solidFill>
             </a:endParaRPr>
           </a:p>
-          <a:p>
-            <a:endParaRPr lang="en-US" dirty="0">
+        </p:txBody>
+      </p:sp>
+      <p:sp>
+        <p:nvSpPr>
+          <p:cNvPr id="11" name="Rectangle 10">
+            <a:extLst>
+              <a:ext uri="{FF2B5EF4-FFF2-40B4-BE49-F238E27FC236}">
+                <a16:creationId xmlns:a16="http://schemas.microsoft.com/office/drawing/2014/main" id="{279EC777-F48A-4560-9C43-084ACC344457}"/>
+              </a:ext>
+            </a:extLst>
+          </p:cNvPr>
+          <p:cNvSpPr/>
+          <p:nvPr/>
+        </p:nvSpPr>
+        <p:spPr>
+          <a:xfrm>
+            <a:off x="3194137" y="5565338"/>
+            <a:ext cx="2251306" cy="523220"/>
+          </a:xfrm>
+          <a:prstGeom prst="rect">
+            <a:avLst/>
+          </a:prstGeom>
+          <a:solidFill>
+            <a:srgbClr val="000000">
+              <a:alpha val="50196"/>
+            </a:srgbClr>
+          </a:solidFill>
+        </p:spPr>
+        <p:txBody>
+          <a:bodyPr wrap="square" anchor="t">
+            <a:spAutoFit/>
+          </a:bodyPr>
+          <a:lstStyle/>
+          <a:p>
+            <a:pPr algn="ctr"/>
+            <a:r>
+              <a:rPr lang="en-GB" sz="2800">
+                <a:solidFill>
+                  <a:schemeClr val="bg1">
+                    <a:lumMod val="95000"/>
+                  </a:schemeClr>
+                </a:solidFill>
+                <a:latin typeface="Arial Nova Light"/>
+              </a:rPr>
+              <a:t>0.77 kPa</a:t>
+            </a:r>
+            <a:endParaRPr lang="en-GB" b="1">
               <a:solidFill>
-                <a:schemeClr val="bg1"/>
-              </a:solidFill>
-              <a:cs typeface="Calibri" panose="020F0502020204030204"/>
-            </a:endParaRPr>
-          </a:p>
-          <a:p>
-            <a:r>
-              <a:rPr lang="en-US" dirty="0">
-                <a:solidFill>
-                  <a:schemeClr val="bg1"/>
-                </a:solidFill>
-                <a:cs typeface="Calibri" panose="020F0502020204030204"/>
-              </a:rPr>
-              <a:t>The researcher wants to use alginic acid as an additive to modify the elasticity of </a:t>
-            </a:r>
-            <a:r>
-              <a:rPr lang="en-US" dirty="0" err="1">
-                <a:solidFill>
-                  <a:schemeClr val="bg1"/>
-                </a:solidFill>
-                <a:cs typeface="Calibri" panose="020F0502020204030204"/>
-              </a:rPr>
-              <a:t>gealtin</a:t>
-            </a:r>
-            <a:r>
-              <a:rPr lang="en-US" dirty="0">
-                <a:solidFill>
-                  <a:schemeClr val="bg1"/>
-                </a:solidFill>
-                <a:cs typeface="Calibri" panose="020F0502020204030204"/>
-              </a:rPr>
-              <a:t> </a:t>
-            </a:r>
-            <a:r>
-              <a:rPr lang="en-US" dirty="0" err="1">
-                <a:solidFill>
-                  <a:schemeClr val="bg1"/>
-                </a:solidFill>
-                <a:cs typeface="Calibri" panose="020F0502020204030204"/>
-              </a:rPr>
-              <a:t>methacryloyl</a:t>
-            </a:r>
-            <a:r>
-              <a:rPr lang="en-US" dirty="0">
-                <a:solidFill>
-                  <a:schemeClr val="bg1"/>
-                </a:solidFill>
-                <a:cs typeface="Calibri" panose="020F0502020204030204"/>
-              </a:rPr>
-              <a:t> and produce </a:t>
-            </a:r>
-            <a:r>
-              <a:rPr lang="en-US" dirty="0">
-                <a:solidFill>
-                  <a:schemeClr val="bg1"/>
-                </a:solidFill>
-                <a:ea typeface="+mn-lt"/>
-                <a:cs typeface="+mn-lt"/>
-              </a:rPr>
-              <a:t>methacrylate-alginate (Gel-</a:t>
-            </a:r>
-            <a:r>
-              <a:rPr lang="en-US" dirty="0" err="1">
-                <a:solidFill>
-                  <a:schemeClr val="bg1"/>
-                </a:solidFill>
-                <a:ea typeface="+mn-lt"/>
-                <a:cs typeface="+mn-lt"/>
-              </a:rPr>
-              <a:t>Alg</a:t>
-            </a:r>
-            <a:r>
-              <a:rPr lang="en-US" dirty="0">
-                <a:solidFill>
-                  <a:schemeClr val="bg1"/>
-                </a:solidFill>
-                <a:ea typeface="+mn-lt"/>
-                <a:cs typeface="+mn-lt"/>
-              </a:rPr>
-              <a:t>).</a:t>
-            </a:r>
-            <a:r>
-              <a:rPr lang="en-US" dirty="0">
-                <a:solidFill>
-                  <a:schemeClr val="bg1"/>
-                </a:solidFill>
-                <a:cs typeface="Calibri" panose="020F0502020204030204"/>
-              </a:rPr>
-              <a:t> A major problem would be a lack of compatibility of both materials, resulting in compromised </a:t>
-            </a:r>
-            <a:r>
-              <a:rPr lang="en-US" dirty="0" err="1">
-                <a:solidFill>
-                  <a:schemeClr val="bg1"/>
-                </a:solidFill>
-                <a:cs typeface="Calibri" panose="020F0502020204030204"/>
-              </a:rPr>
-              <a:t>poperties</a:t>
-            </a:r>
-            <a:r>
-              <a:rPr lang="en-US" dirty="0">
-                <a:solidFill>
-                  <a:schemeClr val="bg1"/>
-                </a:solidFill>
-                <a:cs typeface="Calibri" panose="020F0502020204030204"/>
-              </a:rPr>
-              <a:t> such as: thermal stability or even chemical stability.</a:t>
-            </a:r>
-            <a:endParaRPr lang="en-US" dirty="0">
-              <a:solidFill>
-                <a:schemeClr val="bg1"/>
+                <a:schemeClr val="bg1">
+                  <a:lumMod val="95000"/>
+                </a:schemeClr>
               </a:solidFill>
             </a:endParaRPr>
           </a:p>
-          <a:p>
-            <a:endParaRPr lang="en-US" dirty="0">
+        </p:txBody>
+      </p:sp>
+      <p:sp>
+        <p:nvSpPr>
+          <p:cNvPr id="12" name="Rectangle 11">
+            <a:extLst>
+              <a:ext uri="{FF2B5EF4-FFF2-40B4-BE49-F238E27FC236}">
+                <a16:creationId xmlns:a16="http://schemas.microsoft.com/office/drawing/2014/main" id="{149A98A7-1DF0-46C5-9245-93FCDB191599}"/>
+              </a:ext>
+            </a:extLst>
+          </p:cNvPr>
+          <p:cNvSpPr/>
+          <p:nvPr/>
+        </p:nvSpPr>
+        <p:spPr>
+          <a:xfrm>
+            <a:off x="5438659" y="5561276"/>
+            <a:ext cx="2251306" cy="523220"/>
+          </a:xfrm>
+          <a:prstGeom prst="rect">
+            <a:avLst/>
+          </a:prstGeom>
+          <a:solidFill>
+            <a:srgbClr val="000000">
+              <a:alpha val="50196"/>
+            </a:srgbClr>
+          </a:solidFill>
+        </p:spPr>
+        <p:txBody>
+          <a:bodyPr wrap="square" anchor="t">
+            <a:spAutoFit/>
+          </a:bodyPr>
+          <a:lstStyle/>
+          <a:p>
+            <a:pPr algn="ctr"/>
+            <a:r>
+              <a:rPr lang="en-GB" sz="2800">
+                <a:solidFill>
+                  <a:schemeClr val="bg1">
+                    <a:lumMod val="95000"/>
+                  </a:schemeClr>
+                </a:solidFill>
+                <a:latin typeface="Arial Nova Light"/>
+              </a:rPr>
+              <a:t>0.41 kPa</a:t>
+            </a:r>
+            <a:endParaRPr lang="en-GB" b="1">
               <a:solidFill>
-                <a:srgbClr val="000000"/>
+                <a:schemeClr val="bg1">
+                  <a:lumMod val="95000"/>
+                </a:schemeClr>
               </a:solidFill>
-              <a:cs typeface="Calibri" panose="020F0502020204030204"/>
             </a:endParaRPr>
           </a:p>
-          <a:p>
-            <a:endParaRPr lang="en-US" dirty="0">
-              <a:cs typeface="Calibri" panose="020F0502020204030204"/>
+        </p:txBody>
+      </p:sp>
+      <p:sp>
+        <p:nvSpPr>
+          <p:cNvPr id="13" name="Rectangle 12">
+            <a:extLst>
+              <a:ext uri="{FF2B5EF4-FFF2-40B4-BE49-F238E27FC236}">
+                <a16:creationId xmlns:a16="http://schemas.microsoft.com/office/drawing/2014/main" id="{F6C08AD8-8982-4743-9D00-28F7D846E9D8}"/>
+              </a:ext>
+            </a:extLst>
+          </p:cNvPr>
+          <p:cNvSpPr/>
+          <p:nvPr/>
+        </p:nvSpPr>
+        <p:spPr>
+          <a:xfrm>
+            <a:off x="7703733" y="5569400"/>
+            <a:ext cx="2251306" cy="523220"/>
+          </a:xfrm>
+          <a:prstGeom prst="rect">
+            <a:avLst/>
+          </a:prstGeom>
+          <a:solidFill>
+            <a:srgbClr val="000000">
+              <a:alpha val="50196"/>
+            </a:srgbClr>
+          </a:solidFill>
+        </p:spPr>
+        <p:txBody>
+          <a:bodyPr wrap="square" anchor="t">
+            <a:spAutoFit/>
+          </a:bodyPr>
+          <a:lstStyle/>
+          <a:p>
+            <a:pPr algn="ctr"/>
+            <a:r>
+              <a:rPr lang="en-GB" sz="2800">
+                <a:solidFill>
+                  <a:schemeClr val="bg1">
+                    <a:lumMod val="95000"/>
+                  </a:schemeClr>
+                </a:solidFill>
+                <a:latin typeface="Arial Nova Light"/>
+              </a:rPr>
+              <a:t>4.61 kPa</a:t>
+            </a:r>
+            <a:endParaRPr lang="en-GB" b="1">
+              <a:solidFill>
+                <a:schemeClr val="bg1">
+                  <a:lumMod val="95000"/>
+                </a:schemeClr>
+              </a:solidFill>
             </a:endParaRPr>
           </a:p>
-          <a:p>
-            <a:endParaRPr lang="en-US" dirty="0">
-              <a:cs typeface="Calibri" panose="020F0502020204030204"/>
+        </p:txBody>
+      </p:sp>
+      <p:sp>
+        <p:nvSpPr>
+          <p:cNvPr id="15" name="Rectangle 14">
+            <a:extLst>
+              <a:ext uri="{FF2B5EF4-FFF2-40B4-BE49-F238E27FC236}">
+                <a16:creationId xmlns:a16="http://schemas.microsoft.com/office/drawing/2014/main" id="{C7B8277B-B298-4DF0-BF90-0B8DD13AAD82}"/>
+              </a:ext>
+            </a:extLst>
+          </p:cNvPr>
+          <p:cNvSpPr/>
+          <p:nvPr/>
+        </p:nvSpPr>
+        <p:spPr>
+          <a:xfrm>
+            <a:off x="9962023" y="5561777"/>
+            <a:ext cx="2251306" cy="523220"/>
+          </a:xfrm>
+          <a:prstGeom prst="rect">
+            <a:avLst/>
+          </a:prstGeom>
+          <a:solidFill>
+            <a:srgbClr val="000000">
+              <a:alpha val="50196"/>
+            </a:srgbClr>
+          </a:solidFill>
+        </p:spPr>
+        <p:txBody>
+          <a:bodyPr wrap="square" anchor="t">
+            <a:spAutoFit/>
+          </a:bodyPr>
+          <a:lstStyle/>
+          <a:p>
+            <a:pPr algn="ctr"/>
+            <a:r>
+              <a:rPr lang="en-GB" sz="2800">
+                <a:solidFill>
+                  <a:schemeClr val="bg1">
+                    <a:lumMod val="95000"/>
+                  </a:schemeClr>
+                </a:solidFill>
+                <a:latin typeface="Arial Nova Light"/>
+              </a:rPr>
+              <a:t>10.67 kPa</a:t>
+            </a:r>
+            <a:endParaRPr lang="en-GB" b="1">
+              <a:solidFill>
+                <a:schemeClr val="bg1">
+                  <a:lumMod val="95000"/>
+                </a:schemeClr>
+              </a:solidFill>
             </a:endParaRPr>
           </a:p>
         </p:txBody>
@@ -6850,7 +7738,7 @@
     </p:spTree>
     <p:extLst>
       <p:ext uri="{BB962C8B-B14F-4D97-AF65-F5344CB8AC3E}">
-        <p14:creationId xmlns:p14="http://schemas.microsoft.com/office/powerpoint/2010/main" val="3318103689"/>
+        <p14:creationId xmlns:p14="http://schemas.microsoft.com/office/powerpoint/2010/main" val="2400443886"/>
       </p:ext>
     </p:extLst>
   </p:cSld>
@@ -6879,10 +7767,85 @@
       </p:grpSpPr>
       <p:sp>
         <p:nvSpPr>
-          <p:cNvPr id="6" name="Title 1">
-            <a:extLst>
-              <a:ext uri="{FF2B5EF4-FFF2-40B4-BE49-F238E27FC236}">
-                <a16:creationId xmlns:a16="http://schemas.microsoft.com/office/drawing/2014/main" id="{438892A2-F58C-479B-93B3-BDD2A80D348B}"/>
+          <p:cNvPr id="6" name="Content Placeholder 2">
+            <a:extLst>
+              <a:ext uri="{FF2B5EF4-FFF2-40B4-BE49-F238E27FC236}">
+                <a16:creationId xmlns:a16="http://schemas.microsoft.com/office/drawing/2014/main" id="{058630E6-31AF-4451-B084-C9809D0DA4E8}"/>
+              </a:ext>
+            </a:extLst>
+          </p:cNvPr>
+          <p:cNvSpPr>
+            <a:spLocks noGrp="1"/>
+          </p:cNvSpPr>
+          <p:nvPr>
+            <p:ph idx="1"/>
+          </p:nvPr>
+        </p:nvSpPr>
+        <p:spPr>
+          <a:xfrm>
+            <a:off x="949040" y="1825623"/>
+            <a:ext cx="11242960" cy="5032377"/>
+          </a:xfrm>
+        </p:spPr>
+        <p:txBody>
+          <a:bodyPr>
+            <a:normAutofit/>
+          </a:bodyPr>
+          <a:lstStyle/>
+          <a:p>
+            <a:pPr marL="0" indent="0">
+              <a:buNone/>
+            </a:pPr>
+            <a:r>
+              <a:rPr lang="en-GB">
+                <a:solidFill>
+                  <a:schemeClr val="bg1">
+                    <a:lumMod val="95000"/>
+                  </a:schemeClr>
+                </a:solidFill>
+                <a:latin typeface="Arial Nova Light" panose="020B0304020202020204" pitchFamily="34" charset="0"/>
+              </a:rPr>
+              <a:t> </a:t>
+            </a:r>
+          </a:p>
+          <a:p>
+            <a:endParaRPr lang="en-GB">
+              <a:solidFill>
+                <a:schemeClr val="bg1">
+                  <a:lumMod val="95000"/>
+                </a:schemeClr>
+              </a:solidFill>
+              <a:latin typeface="Arial Nova Light" panose="020B0304020202020204" pitchFamily="34" charset="0"/>
+            </a:endParaRPr>
+          </a:p>
+          <a:p>
+            <a:endParaRPr lang="en-GB">
+              <a:solidFill>
+                <a:schemeClr val="bg1">
+                  <a:lumMod val="95000"/>
+                </a:schemeClr>
+              </a:solidFill>
+              <a:latin typeface="Arial Nova Light" panose="020B0304020202020204" pitchFamily="34" charset="0"/>
+            </a:endParaRPr>
+          </a:p>
+          <a:p>
+            <a:endParaRPr lang="en-GB">
+              <a:solidFill>
+                <a:schemeClr val="bg1">
+                  <a:lumMod val="95000"/>
+                </a:schemeClr>
+              </a:solidFill>
+              <a:latin typeface="Arial Nova Light" panose="020B0304020202020204" pitchFamily="34" charset="0"/>
+            </a:endParaRPr>
+          </a:p>
+        </p:txBody>
+      </p:sp>
+      <p:sp>
+        <p:nvSpPr>
+          <p:cNvPr id="4" name="Title 1">
+            <a:extLst>
+              <a:ext uri="{FF2B5EF4-FFF2-40B4-BE49-F238E27FC236}">
+                <a16:creationId xmlns:a16="http://schemas.microsoft.com/office/drawing/2014/main" id="{F9ED8BE6-F7AC-4FD8-8FA8-8C683A7C2F62}"/>
               </a:ext>
             </a:extLst>
           </p:cNvPr>
@@ -6904,7 +7867,7 @@
           <a:lstStyle/>
           <a:p>
             <a:r>
-              <a:rPr lang="en-GB" dirty="0">
+              <a:rPr lang="en-GB">
                 <a:solidFill>
                   <a:schemeClr val="bg1">
                     <a:lumMod val="95000"/>
@@ -6912,25 +7875,299 @@
                 </a:solidFill>
                 <a:latin typeface="Arial Nova Light" panose="020B0304020202020204" pitchFamily="34" charset="0"/>
               </a:rPr>
-              <a:t>Available Information &amp; Assumptions</a:t>
-            </a:r>
-            <a:endParaRPr lang="en-GB" b="1" dirty="0">
+              <a:t>Conclusions:</a:t>
+            </a:r>
+            <a:endParaRPr lang="en-GB" b="1">
               <a:solidFill>
-                <a:schemeClr val="accent4"/>
+                <a:schemeClr val="tx2">
+                  <a:lumMod val="75000"/>
+                </a:schemeClr>
               </a:solidFill>
               <a:latin typeface="Arial Nova Light" panose="020B0304020202020204" pitchFamily="34" charset="0"/>
-              <a:ea typeface="+mn-ea"/>
-              <a:cs typeface="+mn-cs"/>
             </a:endParaRPr>
           </a:p>
         </p:txBody>
       </p:sp>
       <p:sp>
         <p:nvSpPr>
+          <p:cNvPr id="7" name="Content Placeholder 2">
+            <a:extLst>
+              <a:ext uri="{FF2B5EF4-FFF2-40B4-BE49-F238E27FC236}">
+                <a16:creationId xmlns:a16="http://schemas.microsoft.com/office/drawing/2014/main" id="{43F915F1-9C90-4B6E-AA0B-C9F4FCF704FA}"/>
+              </a:ext>
+            </a:extLst>
+          </p:cNvPr>
+          <p:cNvSpPr txBox="1">
+            <a:spLocks/>
+          </p:cNvSpPr>
+          <p:nvPr/>
+        </p:nvSpPr>
+        <p:spPr>
+          <a:xfrm>
+            <a:off x="949040" y="1690688"/>
+            <a:ext cx="11242960" cy="5167312"/>
+          </a:xfrm>
+          <a:prstGeom prst="rect">
+            <a:avLst/>
+          </a:prstGeom>
+        </p:spPr>
+        <p:txBody>
+          <a:bodyPr vert="horz" lIns="91440" tIns="45720" rIns="91440" bIns="45720" rtlCol="0" anchor="t">
+            <a:normAutofit/>
+          </a:bodyPr>
+          <a:lstStyle>
+            <a:lvl1pPr marL="228600" indent="-228600" algn="l" defTabSz="914400" rtl="0" eaLnBrk="1" latinLnBrk="0" hangingPunct="1">
+              <a:lnSpc>
+                <a:spcPct val="90000"/>
+              </a:lnSpc>
+              <a:spcBef>
+                <a:spcPts val="1000"/>
+              </a:spcBef>
+              <a:buFont typeface="Arial" panose="020B0604020202020204" pitchFamily="34" charset="0"/>
+              <a:buChar char="•"/>
+              <a:defRPr sz="2800" kern="1200">
+                <a:solidFill>
+                  <a:schemeClr val="tx1"/>
+                </a:solidFill>
+                <a:latin typeface="+mn-lt"/>
+                <a:ea typeface="+mn-ea"/>
+                <a:cs typeface="+mn-cs"/>
+              </a:defRPr>
+            </a:lvl1pPr>
+            <a:lvl2pPr marL="685800" indent="-228600" algn="l" defTabSz="914400" rtl="0" eaLnBrk="1" latinLnBrk="0" hangingPunct="1">
+              <a:lnSpc>
+                <a:spcPct val="90000"/>
+              </a:lnSpc>
+              <a:spcBef>
+                <a:spcPts val="500"/>
+              </a:spcBef>
+              <a:buFont typeface="Arial" panose="020B0604020202020204" pitchFamily="34" charset="0"/>
+              <a:buChar char="•"/>
+              <a:defRPr sz="2400" kern="1200">
+                <a:solidFill>
+                  <a:schemeClr val="tx1"/>
+                </a:solidFill>
+                <a:latin typeface="+mn-lt"/>
+                <a:ea typeface="+mn-ea"/>
+                <a:cs typeface="+mn-cs"/>
+              </a:defRPr>
+            </a:lvl2pPr>
+            <a:lvl3pPr marL="1143000" indent="-228600" algn="l" defTabSz="914400" rtl="0" eaLnBrk="1" latinLnBrk="0" hangingPunct="1">
+              <a:lnSpc>
+                <a:spcPct val="90000"/>
+              </a:lnSpc>
+              <a:spcBef>
+                <a:spcPts val="500"/>
+              </a:spcBef>
+              <a:buFont typeface="Arial" panose="020B0604020202020204" pitchFamily="34" charset="0"/>
+              <a:buChar char="•"/>
+              <a:defRPr sz="2000" kern="1200">
+                <a:solidFill>
+                  <a:schemeClr val="tx1"/>
+                </a:solidFill>
+                <a:latin typeface="+mn-lt"/>
+                <a:ea typeface="+mn-ea"/>
+                <a:cs typeface="+mn-cs"/>
+              </a:defRPr>
+            </a:lvl3pPr>
+            <a:lvl4pPr marL="1600200" indent="-228600" algn="l" defTabSz="914400" rtl="0" eaLnBrk="1" latinLnBrk="0" hangingPunct="1">
+              <a:lnSpc>
+                <a:spcPct val="90000"/>
+              </a:lnSpc>
+              <a:spcBef>
+                <a:spcPts val="500"/>
+              </a:spcBef>
+              <a:buFont typeface="Arial" panose="020B0604020202020204" pitchFamily="34" charset="0"/>
+              <a:buChar char="•"/>
+              <a:defRPr sz="1800" kern="1200">
+                <a:solidFill>
+                  <a:schemeClr val="tx1"/>
+                </a:solidFill>
+                <a:latin typeface="+mn-lt"/>
+                <a:ea typeface="+mn-ea"/>
+                <a:cs typeface="+mn-cs"/>
+              </a:defRPr>
+            </a:lvl4pPr>
+            <a:lvl5pPr marL="2057400" indent="-228600" algn="l" defTabSz="914400" rtl="0" eaLnBrk="1" latinLnBrk="0" hangingPunct="1">
+              <a:lnSpc>
+                <a:spcPct val="90000"/>
+              </a:lnSpc>
+              <a:spcBef>
+                <a:spcPts val="500"/>
+              </a:spcBef>
+              <a:buFont typeface="Arial" panose="020B0604020202020204" pitchFamily="34" charset="0"/>
+              <a:buChar char="•"/>
+              <a:defRPr sz="1800" kern="1200">
+                <a:solidFill>
+                  <a:schemeClr val="tx1"/>
+                </a:solidFill>
+                <a:latin typeface="+mn-lt"/>
+                <a:ea typeface="+mn-ea"/>
+                <a:cs typeface="+mn-cs"/>
+              </a:defRPr>
+            </a:lvl5pPr>
+            <a:lvl6pPr marL="2514600" indent="-228600" algn="l" defTabSz="914400" rtl="0" eaLnBrk="1" latinLnBrk="0" hangingPunct="1">
+              <a:lnSpc>
+                <a:spcPct val="90000"/>
+              </a:lnSpc>
+              <a:spcBef>
+                <a:spcPts val="500"/>
+              </a:spcBef>
+              <a:buFont typeface="Arial" panose="020B0604020202020204" pitchFamily="34" charset="0"/>
+              <a:buChar char="•"/>
+              <a:defRPr sz="1800" kern="1200">
+                <a:solidFill>
+                  <a:schemeClr val="tx1"/>
+                </a:solidFill>
+                <a:latin typeface="+mn-lt"/>
+                <a:ea typeface="+mn-ea"/>
+                <a:cs typeface="+mn-cs"/>
+              </a:defRPr>
+            </a:lvl6pPr>
+            <a:lvl7pPr marL="2971800" indent="-228600" algn="l" defTabSz="914400" rtl="0" eaLnBrk="1" latinLnBrk="0" hangingPunct="1">
+              <a:lnSpc>
+                <a:spcPct val="90000"/>
+              </a:lnSpc>
+              <a:spcBef>
+                <a:spcPts val="500"/>
+              </a:spcBef>
+              <a:buFont typeface="Arial" panose="020B0604020202020204" pitchFamily="34" charset="0"/>
+              <a:buChar char="•"/>
+              <a:defRPr sz="1800" kern="1200">
+                <a:solidFill>
+                  <a:schemeClr val="tx1"/>
+                </a:solidFill>
+                <a:latin typeface="+mn-lt"/>
+                <a:ea typeface="+mn-ea"/>
+                <a:cs typeface="+mn-cs"/>
+              </a:defRPr>
+            </a:lvl7pPr>
+            <a:lvl8pPr marL="3429000" indent="-228600" algn="l" defTabSz="914400" rtl="0" eaLnBrk="1" latinLnBrk="0" hangingPunct="1">
+              <a:lnSpc>
+                <a:spcPct val="90000"/>
+              </a:lnSpc>
+              <a:spcBef>
+                <a:spcPts val="500"/>
+              </a:spcBef>
+              <a:buFont typeface="Arial" panose="020B0604020202020204" pitchFamily="34" charset="0"/>
+              <a:buChar char="•"/>
+              <a:defRPr sz="1800" kern="1200">
+                <a:solidFill>
+                  <a:schemeClr val="tx1"/>
+                </a:solidFill>
+                <a:latin typeface="+mn-lt"/>
+                <a:ea typeface="+mn-ea"/>
+                <a:cs typeface="+mn-cs"/>
+              </a:defRPr>
+            </a:lvl8pPr>
+            <a:lvl9pPr marL="3886200" indent="-228600" algn="l" defTabSz="914400" rtl="0" eaLnBrk="1" latinLnBrk="0" hangingPunct="1">
+              <a:lnSpc>
+                <a:spcPct val="90000"/>
+              </a:lnSpc>
+              <a:spcBef>
+                <a:spcPts val="500"/>
+              </a:spcBef>
+              <a:buFont typeface="Arial" panose="020B0604020202020204" pitchFamily="34" charset="0"/>
+              <a:buChar char="•"/>
+              <a:defRPr sz="1800" kern="1200">
+                <a:solidFill>
+                  <a:schemeClr val="tx1"/>
+                </a:solidFill>
+                <a:latin typeface="+mn-lt"/>
+                <a:ea typeface="+mn-ea"/>
+                <a:cs typeface="+mn-cs"/>
+              </a:defRPr>
+            </a:lvl9pPr>
+          </a:lstStyle>
+          <a:p>
+            <a:r>
+              <a:rPr lang="en-GB">
+                <a:solidFill>
+                  <a:schemeClr val="bg1"/>
+                </a:solidFill>
+                <a:ea typeface="+mn-lt"/>
+                <a:cs typeface="+mn-lt"/>
+              </a:rPr>
+              <a:t>Literature demonstrates that Gel-</a:t>
+            </a:r>
+            <a:r>
+              <a:rPr lang="en-GB" err="1">
+                <a:solidFill>
+                  <a:schemeClr val="bg1"/>
+                </a:solidFill>
+                <a:ea typeface="+mn-lt"/>
+                <a:cs typeface="+mn-lt"/>
+              </a:rPr>
+              <a:t>Alg</a:t>
+            </a:r>
+            <a:r>
+              <a:rPr lang="en-GB">
+                <a:solidFill>
+                  <a:schemeClr val="bg1"/>
+                </a:solidFill>
+                <a:ea typeface="+mn-lt"/>
+                <a:cs typeface="+mn-lt"/>
+              </a:rPr>
+              <a:t> obtained its viscoelastic strain and elastic recovery properties and can be potentially used to design </a:t>
+            </a:r>
+            <a:r>
+              <a:rPr lang="en-US">
+                <a:solidFill>
+                  <a:schemeClr val="bg1"/>
+                </a:solidFill>
+                <a:ea typeface="+mn-lt"/>
+                <a:cs typeface="+mn-lt"/>
+              </a:rPr>
+              <a:t>extracellular matrix </a:t>
+            </a:r>
+            <a:r>
+              <a:rPr lang="en-GB">
+                <a:solidFill>
+                  <a:schemeClr val="bg1"/>
+                </a:solidFill>
+                <a:ea typeface="+mn-lt"/>
+                <a:cs typeface="+mn-lt"/>
+              </a:rPr>
+              <a:t> mimicking hydrogels.</a:t>
+            </a:r>
+            <a:endParaRPr lang="en-GB">
+              <a:solidFill>
+                <a:schemeClr val="bg1"/>
+              </a:solidFill>
+              <a:cs typeface="Calibri"/>
+            </a:endParaRPr>
+          </a:p>
+          <a:p>
+            <a:pPr marL="0" indent="0">
+              <a:buNone/>
+            </a:pPr>
+            <a:endParaRPr lang="en-GB">
+              <a:solidFill>
+                <a:schemeClr val="bg1">
+                  <a:lumMod val="95000"/>
+                </a:schemeClr>
+              </a:solidFill>
+              <a:latin typeface="Arial Nova Light" panose="020B0304020202020204" pitchFamily="34" charset="0"/>
+            </a:endParaRPr>
+          </a:p>
+          <a:p>
+            <a:endParaRPr lang="en-GB">
+              <a:solidFill>
+                <a:schemeClr val="bg1">
+                  <a:lumMod val="95000"/>
+                </a:schemeClr>
+              </a:solidFill>
+              <a:latin typeface="Arial Nova Light"/>
+            </a:endParaRPr>
+          </a:p>
+        </p:txBody>
+      </p:sp>
+      <p:sp>
+        <p:nvSpPr>
           <p:cNvPr id="2" name="Slide Number Placeholder 1">
             <a:extLst>
               <a:ext uri="{FF2B5EF4-FFF2-40B4-BE49-F238E27FC236}">
-                <a16:creationId xmlns:a16="http://schemas.microsoft.com/office/drawing/2014/main" id="{FF8B1EDC-6C77-4197-B6C2-2D602679E956}"/>
+                <a16:creationId xmlns:a16="http://schemas.microsoft.com/office/drawing/2014/main" id="{4819A467-EB4B-46FB-BBC1-89E7ED6000E2}"/>
               </a:ext>
             </a:extLst>
           </p:cNvPr>
@@ -6954,263 +8191,10 @@
           </a:p>
         </p:txBody>
       </p:sp>
-      <p:sp>
-        <p:nvSpPr>
-          <p:cNvPr id="3" name="Rectangle 2">
-            <a:extLst>
-              <a:ext uri="{FF2B5EF4-FFF2-40B4-BE49-F238E27FC236}">
-                <a16:creationId xmlns:a16="http://schemas.microsoft.com/office/drawing/2014/main" id="{55DCEE6A-554B-4669-B3C5-FCF378150DA8}"/>
-              </a:ext>
-            </a:extLst>
-          </p:cNvPr>
-          <p:cNvSpPr/>
-          <p:nvPr/>
-        </p:nvSpPr>
-        <p:spPr>
-          <a:xfrm>
-            <a:off x="942833" y="6396334"/>
-            <a:ext cx="10730611" cy="461665"/>
-          </a:xfrm>
-          <a:prstGeom prst="rect">
-            <a:avLst/>
-          </a:prstGeom>
-        </p:spPr>
-        <p:txBody>
-          <a:bodyPr wrap="square">
-            <a:spAutoFit/>
-          </a:bodyPr>
-          <a:lstStyle/>
-          <a:p>
-            <a:r>
-              <a:rPr lang="en-GB" sz="1200" dirty="0">
-                <a:solidFill>
-                  <a:schemeClr val="bg1">
-                    <a:lumMod val="95000"/>
-                  </a:schemeClr>
-                </a:solidFill>
-                <a:latin typeface="Arial Nova Light" panose="020B0304020202020204" pitchFamily="34" charset="0"/>
-              </a:rPr>
-              <a:t>[1] Y. X. Chen, B. Cain, P. Soman, </a:t>
-            </a:r>
-            <a:r>
-              <a:rPr lang="en-GB" sz="1200" dirty="0" err="1">
-                <a:solidFill>
-                  <a:schemeClr val="bg1">
-                    <a:lumMod val="95000"/>
-                  </a:schemeClr>
-                </a:solidFill>
-                <a:latin typeface="Arial Nova Light" panose="020B0304020202020204" pitchFamily="34" charset="0"/>
-              </a:rPr>
-              <a:t>Gelatin</a:t>
-            </a:r>
-            <a:r>
-              <a:rPr lang="en-GB" sz="1200" dirty="0">
-                <a:solidFill>
-                  <a:schemeClr val="bg1">
-                    <a:lumMod val="95000"/>
-                  </a:schemeClr>
-                </a:solidFill>
-                <a:latin typeface="Arial Nova Light" panose="020B0304020202020204" pitchFamily="34" charset="0"/>
-              </a:rPr>
-              <a:t> methacrylate-alginate hydrogel with </a:t>
-            </a:r>
-            <a:r>
-              <a:rPr lang="en-GB" sz="1200" dirty="0" err="1">
-                <a:solidFill>
-                  <a:schemeClr val="bg1">
-                    <a:lumMod val="95000"/>
-                  </a:schemeClr>
-                </a:solidFill>
-                <a:latin typeface="Arial Nova Light" panose="020B0304020202020204" pitchFamily="34" charset="0"/>
-              </a:rPr>
-              <a:t>tunable</a:t>
-            </a:r>
-            <a:r>
-              <a:rPr lang="en-GB" sz="1200" dirty="0">
-                <a:solidFill>
-                  <a:schemeClr val="bg1">
-                    <a:lumMod val="95000"/>
-                  </a:schemeClr>
-                </a:solidFill>
-                <a:latin typeface="Arial Nova Light" panose="020B0304020202020204" pitchFamily="34" charset="0"/>
-              </a:rPr>
-              <a:t> viscoelastic properties, AIMS Mater. Sci. 4 (2017) 363–369. https://doi.org/10.3934/matersci.2017.2.363.</a:t>
-            </a:r>
-          </a:p>
-        </p:txBody>
-      </p:sp>
-      <p:sp>
-        <p:nvSpPr>
-          <p:cNvPr id="4" name="TextBox 3">
-            <a:extLst>
-              <a:ext uri="{FF2B5EF4-FFF2-40B4-BE49-F238E27FC236}">
-                <a16:creationId xmlns:a16="http://schemas.microsoft.com/office/drawing/2014/main" id="{537BD168-0E46-4D2A-9C66-EFB42E41BB07}"/>
-              </a:ext>
-            </a:extLst>
-          </p:cNvPr>
-          <p:cNvSpPr txBox="1"/>
-          <p:nvPr/>
-        </p:nvSpPr>
-        <p:spPr>
-          <a:xfrm>
-            <a:off x="1140737" y="1631133"/>
-            <a:ext cx="10793239" cy="3139321"/>
-          </a:xfrm>
-          <a:prstGeom prst="rect">
-            <a:avLst/>
-          </a:prstGeom>
-          <a:noFill/>
-        </p:spPr>
-        <p:txBody>
-          <a:bodyPr rot="0" spcFirstLastPara="0" vertOverflow="overflow" horzOverflow="overflow" vert="horz" wrap="square" lIns="91440" tIns="45720" rIns="91440" bIns="45720" numCol="1" spcCol="0" rtlCol="0" fromWordArt="0" anchor="t" anchorCtr="0" forceAA="0" compatLnSpc="1">
-            <a:prstTxWarp prst="textNoShape">
-              <a:avLst/>
-            </a:prstTxWarp>
-            <a:spAutoFit/>
-          </a:bodyPr>
-          <a:lstStyle/>
-          <a:p>
-            <a:r>
-              <a:rPr lang="en-US" dirty="0">
-                <a:solidFill>
-                  <a:schemeClr val="bg1"/>
-                </a:solidFill>
-              </a:rPr>
-              <a:t>Results obtained from creep and compressive tests reveal that the alginate component of Gel-</a:t>
-            </a:r>
-            <a:r>
-              <a:rPr lang="en-US" dirty="0" err="1">
-                <a:solidFill>
-                  <a:schemeClr val="bg1"/>
-                </a:solidFill>
-              </a:rPr>
-              <a:t>Alg</a:t>
-            </a:r>
-            <a:r>
-              <a:rPr lang="en-US" dirty="0">
-                <a:solidFill>
-                  <a:schemeClr val="bg1"/>
-                </a:solidFill>
-              </a:rPr>
-              <a:t> composite, can be effectively crosslinked, un-crosslinked and re-crosslinked by adding or chelating calcium ions.</a:t>
-            </a:r>
-          </a:p>
-          <a:p>
-            <a:endParaRPr lang="en-US" dirty="0">
-              <a:solidFill>
-                <a:schemeClr val="bg1"/>
-              </a:solidFill>
-              <a:cs typeface="Calibri"/>
-            </a:endParaRPr>
-          </a:p>
-          <a:p>
-            <a:r>
-              <a:rPr lang="en-US" dirty="0">
-                <a:solidFill>
-                  <a:schemeClr val="bg1"/>
-                </a:solidFill>
-                <a:ea typeface="+mn-lt"/>
-                <a:cs typeface="+mn-lt"/>
-              </a:rPr>
-              <a:t>Polymers use a combination of strong permanent crosslinks and weak bonds that could reversibly break and re-form, to generate a viscoelastic response.</a:t>
-            </a:r>
-          </a:p>
-          <a:p>
-            <a:endParaRPr lang="en-US" dirty="0">
-              <a:solidFill>
-                <a:schemeClr val="bg1"/>
-              </a:solidFill>
-              <a:cs typeface="Calibri"/>
-            </a:endParaRPr>
-          </a:p>
-          <a:p>
-            <a:r>
-              <a:rPr lang="en-US" dirty="0">
-                <a:solidFill>
-                  <a:schemeClr val="bg1"/>
-                </a:solidFill>
-                <a:ea typeface="+mn-lt"/>
-                <a:cs typeface="+mn-lt"/>
-              </a:rPr>
-              <a:t>Ions (CaCl2) solution was used to ionically crosslink the alginate component of the UV-crosslinked composite affecting insignificantly its mechanical properties.</a:t>
-            </a:r>
-            <a:endParaRPr lang="en-US">
-              <a:solidFill>
-                <a:schemeClr val="bg1"/>
-              </a:solidFill>
-              <a:ea typeface="+mn-lt"/>
-              <a:cs typeface="+mn-lt"/>
-            </a:endParaRPr>
-          </a:p>
-          <a:p>
-            <a:endParaRPr lang="en-US">
-              <a:solidFill>
-                <a:schemeClr val="bg1"/>
-              </a:solidFill>
-              <a:cs typeface="Calibri"/>
-            </a:endParaRPr>
-          </a:p>
-          <a:p>
-            <a:r>
-              <a:rPr lang="en-US">
-                <a:solidFill>
-                  <a:schemeClr val="bg1"/>
-                </a:solidFill>
-                <a:ea typeface="+mn-lt"/>
-                <a:cs typeface="+mn-lt"/>
-              </a:rPr>
-              <a:t>In Gel-</a:t>
-            </a:r>
-            <a:r>
-              <a:rPr lang="en-US" err="1">
-                <a:solidFill>
-                  <a:schemeClr val="bg1"/>
-                </a:solidFill>
-                <a:ea typeface="+mn-lt"/>
-                <a:cs typeface="+mn-lt"/>
-              </a:rPr>
-              <a:t>Alg</a:t>
-            </a:r>
-            <a:r>
-              <a:rPr lang="en-US">
-                <a:solidFill>
-                  <a:schemeClr val="bg1"/>
-                </a:solidFill>
-                <a:ea typeface="+mn-lt"/>
-                <a:cs typeface="+mn-lt"/>
-              </a:rPr>
-              <a:t>, the re-crosslinked states exhibit similar viscoelastic properties to the crosslinked state, confirming that</a:t>
-            </a:r>
-            <a:endParaRPr lang="en-US">
-              <a:solidFill>
-                <a:schemeClr val="bg1"/>
-              </a:solidFill>
-              <a:cs typeface="Calibri"/>
-            </a:endParaRPr>
-          </a:p>
-          <a:p>
-            <a:r>
-              <a:rPr lang="en-US">
-                <a:solidFill>
-                  <a:schemeClr val="bg1"/>
-                </a:solidFill>
-                <a:ea typeface="+mn-lt"/>
-                <a:cs typeface="+mn-lt"/>
-              </a:rPr>
-              <a:t>crosslinking is reversible and this process is capable of dynamically controlling the elastic recovery</a:t>
-            </a:r>
-            <a:endParaRPr lang="en-US">
-              <a:solidFill>
-                <a:schemeClr val="bg1"/>
-              </a:solidFill>
-            </a:endParaRPr>
-          </a:p>
-        </p:txBody>
-      </p:sp>
     </p:spTree>
     <p:extLst>
       <p:ext uri="{BB962C8B-B14F-4D97-AF65-F5344CB8AC3E}">
-        <p14:creationId xmlns:p14="http://schemas.microsoft.com/office/powerpoint/2010/main" val="1940175811"/>
+        <p14:creationId xmlns:p14="http://schemas.microsoft.com/office/powerpoint/2010/main" val="708711930"/>
       </p:ext>
     </p:extLst>
   </p:cSld>
@@ -7239,1273 +8223,6 @@
       </p:grpSpPr>
       <p:sp>
         <p:nvSpPr>
-          <p:cNvPr id="6" name="Title 1">
-            <a:extLst>
-              <a:ext uri="{FF2B5EF4-FFF2-40B4-BE49-F238E27FC236}">
-                <a16:creationId xmlns:a16="http://schemas.microsoft.com/office/drawing/2014/main" id="{438892A2-F58C-479B-93B3-BDD2A80D348B}"/>
-              </a:ext>
-            </a:extLst>
-          </p:cNvPr>
-          <p:cNvSpPr>
-            <a:spLocks noGrp="1"/>
-          </p:cNvSpPr>
-          <p:nvPr>
-            <p:ph type="title"/>
-          </p:nvPr>
-        </p:nvSpPr>
-        <p:spPr>
-          <a:xfrm>
-            <a:off x="949040" y="365125"/>
-            <a:ext cx="11242960" cy="1325563"/>
-          </a:xfrm>
-        </p:spPr>
-        <p:txBody>
-          <a:bodyPr/>
-          <a:lstStyle/>
-          <a:p>
-            <a:r>
-              <a:rPr lang="en-GB" dirty="0">
-                <a:solidFill>
-                  <a:schemeClr val="bg1">
-                    <a:lumMod val="95000"/>
-                  </a:schemeClr>
-                </a:solidFill>
-                <a:latin typeface="Arial Nova Light" panose="020B0304020202020204" pitchFamily="34" charset="0"/>
-              </a:rPr>
-              <a:t>Solution &amp; Justification</a:t>
-            </a:r>
-            <a:endParaRPr lang="en-GB" b="1" dirty="0">
-              <a:solidFill>
-                <a:schemeClr val="accent4"/>
-              </a:solidFill>
-              <a:latin typeface="Arial Nova Light" panose="020B0304020202020204" pitchFamily="34" charset="0"/>
-              <a:ea typeface="+mn-ea"/>
-              <a:cs typeface="+mn-cs"/>
-            </a:endParaRPr>
-          </a:p>
-        </p:txBody>
-      </p:sp>
-      <p:sp>
-        <p:nvSpPr>
-          <p:cNvPr id="2" name="Slide Number Placeholder 1">
-            <a:extLst>
-              <a:ext uri="{FF2B5EF4-FFF2-40B4-BE49-F238E27FC236}">
-                <a16:creationId xmlns:a16="http://schemas.microsoft.com/office/drawing/2014/main" id="{FF8B1EDC-6C77-4197-B6C2-2D602679E956}"/>
-              </a:ext>
-            </a:extLst>
-          </p:cNvPr>
-          <p:cNvSpPr>
-            <a:spLocks noGrp="1"/>
-          </p:cNvSpPr>
-          <p:nvPr>
-            <p:ph type="sldNum" sz="quarter" idx="12"/>
-          </p:nvPr>
-        </p:nvSpPr>
-        <p:spPr/>
-        <p:txBody>
-          <a:bodyPr/>
-          <a:lstStyle/>
-          <a:p>
-            <a:fld id="{44F922D5-DBBB-4193-BE70-B740CC9842E5}" type="slidenum">
-              <a:rPr lang="en-GB" smtClean="0"/>
-              <a:t>6</a:t>
-            </a:fld>
-            <a:endParaRPr lang="en-GB"/>
-          </a:p>
-        </p:txBody>
-      </p:sp>
-      <p:sp>
-        <p:nvSpPr>
-          <p:cNvPr id="3" name="Rectangle 2">
-            <a:extLst>
-              <a:ext uri="{FF2B5EF4-FFF2-40B4-BE49-F238E27FC236}">
-                <a16:creationId xmlns:a16="http://schemas.microsoft.com/office/drawing/2014/main" id="{55DCEE6A-554B-4669-B3C5-FCF378150DA8}"/>
-              </a:ext>
-            </a:extLst>
-          </p:cNvPr>
-          <p:cNvSpPr/>
-          <p:nvPr/>
-        </p:nvSpPr>
-        <p:spPr>
-          <a:xfrm>
-            <a:off x="942833" y="6088558"/>
-            <a:ext cx="10730611" cy="769441"/>
-          </a:xfrm>
-          <a:prstGeom prst="rect">
-            <a:avLst/>
-          </a:prstGeom>
-        </p:spPr>
-        <p:txBody>
-          <a:bodyPr wrap="square">
-            <a:spAutoFit/>
-          </a:bodyPr>
-          <a:lstStyle/>
-          <a:p>
-            <a:r>
-              <a:rPr lang="en-GB" sz="1100" dirty="0">
-                <a:solidFill>
-                  <a:schemeClr val="bg1">
-                    <a:lumMod val="95000"/>
-                  </a:schemeClr>
-                </a:solidFill>
-                <a:latin typeface="Arial Nova Light" panose="020B0304020202020204" pitchFamily="34" charset="0"/>
-              </a:rPr>
-              <a:t>[1] Y. X. Chen, B. Cain, P. Soman, </a:t>
-            </a:r>
-            <a:r>
-              <a:rPr lang="en-GB" sz="1100" dirty="0" err="1">
-                <a:solidFill>
-                  <a:schemeClr val="bg1">
-                    <a:lumMod val="95000"/>
-                  </a:schemeClr>
-                </a:solidFill>
-                <a:latin typeface="Arial Nova Light" panose="020B0304020202020204" pitchFamily="34" charset="0"/>
-              </a:rPr>
-              <a:t>Gelatin</a:t>
-            </a:r>
-            <a:r>
-              <a:rPr lang="en-GB" sz="1100" dirty="0">
-                <a:solidFill>
-                  <a:schemeClr val="bg1">
-                    <a:lumMod val="95000"/>
-                  </a:schemeClr>
-                </a:solidFill>
-                <a:latin typeface="Arial Nova Light" panose="020B0304020202020204" pitchFamily="34" charset="0"/>
-              </a:rPr>
-              <a:t> methacrylate-alginate hydrogel with </a:t>
-            </a:r>
-            <a:r>
-              <a:rPr lang="en-GB" sz="1100" dirty="0" err="1">
-                <a:solidFill>
-                  <a:schemeClr val="bg1">
-                    <a:lumMod val="95000"/>
-                  </a:schemeClr>
-                </a:solidFill>
-                <a:latin typeface="Arial Nova Light" panose="020B0304020202020204" pitchFamily="34" charset="0"/>
-              </a:rPr>
-              <a:t>tunable</a:t>
-            </a:r>
-            <a:r>
-              <a:rPr lang="en-GB" sz="1100" dirty="0">
-                <a:solidFill>
-                  <a:schemeClr val="bg1">
-                    <a:lumMod val="95000"/>
-                  </a:schemeClr>
-                </a:solidFill>
-                <a:latin typeface="Arial Nova Light" panose="020B0304020202020204" pitchFamily="34" charset="0"/>
-              </a:rPr>
-              <a:t> viscoelastic properties, AIMS Mater. Sci. 4 (2017) 363–369. https://doi.org/10.3934/matersci.2017.2.363.</a:t>
-            </a:r>
-          </a:p>
-          <a:p>
-            <a:r>
-              <a:rPr lang="en-GB" sz="1100" dirty="0">
-                <a:solidFill>
-                  <a:schemeClr val="bg1">
-                    <a:lumMod val="95000"/>
-                  </a:schemeClr>
-                </a:solidFill>
-                <a:latin typeface="Arial Nova Light" panose="020B0304020202020204" pitchFamily="34" charset="0"/>
-              </a:rPr>
-              <a:t>[2] R. Kadri, J. </a:t>
-            </a:r>
-            <a:r>
-              <a:rPr lang="en-GB" sz="1100" dirty="0" err="1">
-                <a:solidFill>
-                  <a:schemeClr val="bg1">
-                    <a:lumMod val="95000"/>
-                  </a:schemeClr>
-                </a:solidFill>
-                <a:latin typeface="Arial Nova Light" panose="020B0304020202020204" pitchFamily="34" charset="0"/>
-              </a:rPr>
-              <a:t>Bacharouch</a:t>
-            </a:r>
-            <a:r>
-              <a:rPr lang="en-GB" sz="1100" dirty="0">
-                <a:solidFill>
-                  <a:schemeClr val="bg1">
-                    <a:lumMod val="95000"/>
-                  </a:schemeClr>
-                </a:solidFill>
-                <a:latin typeface="Arial Nova Light" panose="020B0304020202020204" pitchFamily="34" charset="0"/>
-              </a:rPr>
-              <a:t>, K. </a:t>
-            </a:r>
-            <a:r>
-              <a:rPr lang="en-GB" sz="1100" dirty="0" err="1">
-                <a:solidFill>
-                  <a:schemeClr val="bg1">
-                    <a:lumMod val="95000"/>
-                  </a:schemeClr>
-                </a:solidFill>
-                <a:latin typeface="Arial Nova Light" panose="020B0304020202020204" pitchFamily="34" charset="0"/>
-              </a:rPr>
-              <a:t>Elkhoury</a:t>
-            </a:r>
-            <a:r>
-              <a:rPr lang="en-GB" sz="1100" dirty="0">
-                <a:solidFill>
-                  <a:schemeClr val="bg1">
-                    <a:lumMod val="95000"/>
-                  </a:schemeClr>
-                </a:solidFill>
-                <a:latin typeface="Arial Nova Light" panose="020B0304020202020204" pitchFamily="34" charset="0"/>
-              </a:rPr>
-              <a:t>, G. Ben </a:t>
-            </a:r>
-            <a:r>
-              <a:rPr lang="en-GB" sz="1100" dirty="0" err="1">
-                <a:solidFill>
-                  <a:schemeClr val="bg1">
-                    <a:lumMod val="95000"/>
-                  </a:schemeClr>
-                </a:solidFill>
-                <a:latin typeface="Arial Nova Light" panose="020B0304020202020204" pitchFamily="34" charset="0"/>
-              </a:rPr>
-              <a:t>Messaoud</a:t>
-            </a:r>
-            <a:r>
-              <a:rPr lang="en-GB" sz="1100" dirty="0">
-                <a:solidFill>
-                  <a:schemeClr val="bg1">
-                    <a:lumMod val="95000"/>
-                  </a:schemeClr>
-                </a:solidFill>
-                <a:latin typeface="Arial Nova Light" panose="020B0304020202020204" pitchFamily="34" charset="0"/>
-              </a:rPr>
-              <a:t>, C. Kahn, S. </a:t>
-            </a:r>
-            <a:r>
-              <a:rPr lang="en-GB" sz="1100" dirty="0" err="1">
-                <a:solidFill>
-                  <a:schemeClr val="bg1">
-                    <a:lumMod val="95000"/>
-                  </a:schemeClr>
-                </a:solidFill>
-                <a:latin typeface="Arial Nova Light" panose="020B0304020202020204" pitchFamily="34" charset="0"/>
-              </a:rPr>
-              <a:t>Desobry</a:t>
-            </a:r>
-            <a:r>
-              <a:rPr lang="en-GB" sz="1100" dirty="0">
-                <a:solidFill>
-                  <a:schemeClr val="bg1">
-                    <a:lumMod val="95000"/>
-                  </a:schemeClr>
-                </a:solidFill>
-                <a:latin typeface="Arial Nova Light" panose="020B0304020202020204" pitchFamily="34" charset="0"/>
-              </a:rPr>
-              <a:t>, M. Linder, A. </a:t>
-            </a:r>
-            <a:r>
-              <a:rPr lang="en-GB" sz="1100" dirty="0" err="1">
-                <a:solidFill>
-                  <a:schemeClr val="bg1">
-                    <a:lumMod val="95000"/>
-                  </a:schemeClr>
-                </a:solidFill>
-                <a:latin typeface="Arial Nova Light" panose="020B0304020202020204" pitchFamily="34" charset="0"/>
-              </a:rPr>
-              <a:t>Tamayol</a:t>
-            </a:r>
-            <a:r>
-              <a:rPr lang="en-GB" sz="1100" dirty="0">
-                <a:solidFill>
-                  <a:schemeClr val="bg1">
-                    <a:lumMod val="95000"/>
-                  </a:schemeClr>
-                </a:solidFill>
-                <a:latin typeface="Arial Nova Light" panose="020B0304020202020204" pitchFamily="34" charset="0"/>
-              </a:rPr>
-              <a:t>, G. </a:t>
-            </a:r>
-            <a:r>
-              <a:rPr lang="en-GB" sz="1100" dirty="0" err="1">
-                <a:solidFill>
-                  <a:schemeClr val="bg1">
-                    <a:lumMod val="95000"/>
-                  </a:schemeClr>
-                </a:solidFill>
-                <a:latin typeface="Arial Nova Light" panose="020B0304020202020204" pitchFamily="34" charset="0"/>
-              </a:rPr>
-              <a:t>Francius</a:t>
-            </a:r>
-            <a:r>
-              <a:rPr lang="en-GB" sz="1100" dirty="0">
-                <a:solidFill>
-                  <a:schemeClr val="bg1">
-                    <a:lumMod val="95000"/>
-                  </a:schemeClr>
-                </a:solidFill>
-                <a:latin typeface="Arial Nova Light" panose="020B0304020202020204" pitchFamily="34" charset="0"/>
-              </a:rPr>
-              <a:t>, J.F. Mano, L. Sánchez-González, E. Arab-</a:t>
-            </a:r>
-            <a:r>
-              <a:rPr lang="en-GB" sz="1100" dirty="0" err="1">
-                <a:solidFill>
-                  <a:schemeClr val="bg1">
-                    <a:lumMod val="95000"/>
-                  </a:schemeClr>
-                </a:solidFill>
-                <a:latin typeface="Arial Nova Light" panose="020B0304020202020204" pitchFamily="34" charset="0"/>
-              </a:rPr>
-              <a:t>Tehrany</a:t>
-            </a:r>
-            <a:r>
-              <a:rPr lang="en-GB" sz="1100" dirty="0">
-                <a:solidFill>
-                  <a:schemeClr val="bg1">
-                    <a:lumMod val="95000"/>
-                  </a:schemeClr>
-                </a:solidFill>
-                <a:latin typeface="Arial Nova Light" panose="020B0304020202020204" pitchFamily="34" charset="0"/>
-              </a:rPr>
-              <a:t>, Role of active nanoliposomes in the surface and bulk mechanical properties of hybrid hydrogels, Mater. Today Bio. 6 (2020) 100046. https://doi.org/10.1016/j.mtbio.2020.100046.</a:t>
-            </a:r>
-          </a:p>
-        </p:txBody>
-      </p:sp>
-      <p:sp>
-        <p:nvSpPr>
-          <p:cNvPr id="8" name="Rectangle 7">
-            <a:extLst>
-              <a:ext uri="{FF2B5EF4-FFF2-40B4-BE49-F238E27FC236}">
-                <a16:creationId xmlns:a16="http://schemas.microsoft.com/office/drawing/2014/main" id="{9B5CFC4D-3DDF-451F-A89A-41EAEE17AC8E}"/>
-              </a:ext>
-            </a:extLst>
-          </p:cNvPr>
-          <p:cNvSpPr/>
-          <p:nvPr/>
-        </p:nvSpPr>
-        <p:spPr>
-          <a:xfrm>
-            <a:off x="942833" y="1618307"/>
-            <a:ext cx="7033270" cy="923330"/>
-          </a:xfrm>
-          <a:prstGeom prst="rect">
-            <a:avLst/>
-          </a:prstGeom>
-        </p:spPr>
-        <p:txBody>
-          <a:bodyPr wrap="square" anchor="t">
-            <a:spAutoFit/>
-          </a:bodyPr>
-          <a:lstStyle/>
-          <a:p>
-            <a:r>
-              <a:rPr lang="en-GB" dirty="0">
-                <a:solidFill>
-                  <a:schemeClr val="bg1"/>
-                </a:solidFill>
-                <a:ea typeface="+mn-lt"/>
-                <a:cs typeface="+mn-lt"/>
-              </a:rPr>
-              <a:t>The addition of alginate increases the elasticity of the solution, caused by the creation of calcium ions. Hence the ionic crosslinking being responsible for the increase in elasticity.</a:t>
-            </a:r>
-          </a:p>
-        </p:txBody>
-      </p:sp>
-      <p:pic>
-        <p:nvPicPr>
-          <p:cNvPr id="5" name="Picture 4" descr="A picture containing sign, close, holding, large&#10;&#10;Description automatically generated">
-            <a:extLst>
-              <a:ext uri="{FF2B5EF4-FFF2-40B4-BE49-F238E27FC236}">
-                <a16:creationId xmlns:a16="http://schemas.microsoft.com/office/drawing/2014/main" id="{D4225DBE-FAE4-486C-9C52-012B20AC80BA}"/>
-              </a:ext>
-            </a:extLst>
-          </p:cNvPr>
-          <p:cNvPicPr>
-            <a:picLocks noChangeAspect="1"/>
-          </p:cNvPicPr>
-          <p:nvPr/>
-        </p:nvPicPr>
-        <p:blipFill>
-          <a:blip r:embed="rId2">
-            <a:extLst>
-              <a:ext uri="{28A0092B-C50C-407E-A947-70E740481C1C}">
-                <a14:useLocalDpi xmlns:a14="http://schemas.microsoft.com/office/drawing/2010/main" val="0"/>
-              </a:ext>
-            </a:extLst>
-          </a:blip>
-          <a:stretch>
-            <a:fillRect/>
-          </a:stretch>
-        </p:blipFill>
-        <p:spPr>
-          <a:xfrm>
-            <a:off x="942832" y="4119452"/>
-            <a:ext cx="11242961" cy="1969106"/>
-          </a:xfrm>
-          <a:prstGeom prst="rect">
-            <a:avLst/>
-          </a:prstGeom>
-        </p:spPr>
-      </p:pic>
-      <p:pic>
-        <p:nvPicPr>
-          <p:cNvPr id="4" name="Picture 6" descr="A close up of a map&#10;&#10;Description automatically generated">
-            <a:extLst>
-              <a:ext uri="{FF2B5EF4-FFF2-40B4-BE49-F238E27FC236}">
-                <a16:creationId xmlns:a16="http://schemas.microsoft.com/office/drawing/2014/main" id="{66DB106F-FD6A-4232-A7C5-5F3ABDED31F0}"/>
-              </a:ext>
-            </a:extLst>
-          </p:cNvPr>
-          <p:cNvPicPr>
-            <a:picLocks noChangeAspect="1"/>
-          </p:cNvPicPr>
-          <p:nvPr/>
-        </p:nvPicPr>
-        <p:blipFill>
-          <a:blip r:embed="rId3"/>
-          <a:stretch>
-            <a:fillRect/>
-          </a:stretch>
-        </p:blipFill>
-        <p:spPr>
-          <a:xfrm>
-            <a:off x="7976103" y="143702"/>
-            <a:ext cx="3957873" cy="2949210"/>
-          </a:xfrm>
-          <a:prstGeom prst="rect">
-            <a:avLst/>
-          </a:prstGeom>
-        </p:spPr>
-      </p:pic>
-      <p:sp>
-        <p:nvSpPr>
-          <p:cNvPr id="7" name="TextBox 6">
-            <a:extLst>
-              <a:ext uri="{FF2B5EF4-FFF2-40B4-BE49-F238E27FC236}">
-                <a16:creationId xmlns:a16="http://schemas.microsoft.com/office/drawing/2014/main" id="{60E157AC-7BB5-4366-9262-E2638604C140}"/>
-              </a:ext>
-            </a:extLst>
-          </p:cNvPr>
-          <p:cNvSpPr txBox="1"/>
-          <p:nvPr/>
-        </p:nvSpPr>
-        <p:spPr>
-          <a:xfrm>
-            <a:off x="8044004" y="3034420"/>
-            <a:ext cx="3376942" cy="646331"/>
-          </a:xfrm>
-          <a:prstGeom prst="rect">
-            <a:avLst/>
-          </a:prstGeom>
-          <a:noFill/>
-        </p:spPr>
-        <p:txBody>
-          <a:bodyPr rot="0" spcFirstLastPara="0" vertOverflow="overflow" horzOverflow="overflow" vert="horz" wrap="square" lIns="91440" tIns="45720" rIns="91440" bIns="45720" numCol="1" spcCol="0" rtlCol="0" fromWordArt="0" anchor="t" anchorCtr="0" forceAA="0" compatLnSpc="1">
-            <a:prstTxWarp prst="textNoShape">
-              <a:avLst/>
-            </a:prstTxWarp>
-            <a:spAutoFit/>
-          </a:bodyPr>
-          <a:lstStyle/>
-          <a:p>
-            <a:r>
-              <a:rPr lang="en-US" dirty="0">
-                <a:solidFill>
-                  <a:schemeClr val="bg1"/>
-                </a:solidFill>
-                <a:cs typeface="Calibri"/>
-              </a:rPr>
-              <a:t>Compressive creep strain plot. Taken from [1]</a:t>
-            </a:r>
-          </a:p>
-        </p:txBody>
-      </p:sp>
-      <p:sp>
-        <p:nvSpPr>
-          <p:cNvPr id="10" name="Rectangle 9">
-            <a:extLst>
-              <a:ext uri="{FF2B5EF4-FFF2-40B4-BE49-F238E27FC236}">
-                <a16:creationId xmlns:a16="http://schemas.microsoft.com/office/drawing/2014/main" id="{25D08A44-BC2B-4725-BF0E-90D5A85596CE}"/>
-              </a:ext>
-            </a:extLst>
-          </p:cNvPr>
-          <p:cNvSpPr/>
-          <p:nvPr/>
-        </p:nvSpPr>
-        <p:spPr>
-          <a:xfrm>
-            <a:off x="942831" y="5565338"/>
-            <a:ext cx="2251305" cy="523220"/>
-          </a:xfrm>
-          <a:prstGeom prst="rect">
-            <a:avLst/>
-          </a:prstGeom>
-          <a:solidFill>
-            <a:srgbClr val="000000">
-              <a:alpha val="50196"/>
-            </a:srgbClr>
-          </a:solidFill>
-        </p:spPr>
-        <p:txBody>
-          <a:bodyPr wrap="square" anchor="t">
-            <a:spAutoFit/>
-          </a:bodyPr>
-          <a:lstStyle/>
-          <a:p>
-            <a:pPr algn="ctr"/>
-            <a:r>
-              <a:rPr lang="en-GB" sz="2800" dirty="0">
-                <a:solidFill>
-                  <a:schemeClr val="bg1">
-                    <a:lumMod val="95000"/>
-                  </a:schemeClr>
-                </a:solidFill>
-                <a:latin typeface="Arial Nova Light"/>
-              </a:rPr>
-              <a:t>0.09 kPa</a:t>
-            </a:r>
-            <a:endParaRPr lang="en-GB" b="1" dirty="0">
-              <a:solidFill>
-                <a:schemeClr val="bg1">
-                  <a:lumMod val="95000"/>
-                </a:schemeClr>
-              </a:solidFill>
-            </a:endParaRPr>
-          </a:p>
-        </p:txBody>
-      </p:sp>
-      <p:sp>
-        <p:nvSpPr>
-          <p:cNvPr id="11" name="Rectangle 10">
-            <a:extLst>
-              <a:ext uri="{FF2B5EF4-FFF2-40B4-BE49-F238E27FC236}">
-                <a16:creationId xmlns:a16="http://schemas.microsoft.com/office/drawing/2014/main" id="{279EC777-F48A-4560-9C43-084ACC344457}"/>
-              </a:ext>
-            </a:extLst>
-          </p:cNvPr>
-          <p:cNvSpPr/>
-          <p:nvPr/>
-        </p:nvSpPr>
-        <p:spPr>
-          <a:xfrm>
-            <a:off x="3194137" y="5565338"/>
-            <a:ext cx="2251306" cy="523220"/>
-          </a:xfrm>
-          <a:prstGeom prst="rect">
-            <a:avLst/>
-          </a:prstGeom>
-          <a:solidFill>
-            <a:srgbClr val="000000">
-              <a:alpha val="50196"/>
-            </a:srgbClr>
-          </a:solidFill>
-        </p:spPr>
-        <p:txBody>
-          <a:bodyPr wrap="square" anchor="t">
-            <a:spAutoFit/>
-          </a:bodyPr>
-          <a:lstStyle/>
-          <a:p>
-            <a:pPr algn="ctr"/>
-            <a:r>
-              <a:rPr lang="en-GB" sz="2800" dirty="0">
-                <a:solidFill>
-                  <a:schemeClr val="bg1">
-                    <a:lumMod val="95000"/>
-                  </a:schemeClr>
-                </a:solidFill>
-                <a:latin typeface="Arial Nova Light"/>
-              </a:rPr>
-              <a:t>0.77 kPa</a:t>
-            </a:r>
-            <a:endParaRPr lang="en-GB" b="1" dirty="0">
-              <a:solidFill>
-                <a:schemeClr val="bg1">
-                  <a:lumMod val="95000"/>
-                </a:schemeClr>
-              </a:solidFill>
-            </a:endParaRPr>
-          </a:p>
-        </p:txBody>
-      </p:sp>
-      <p:sp>
-        <p:nvSpPr>
-          <p:cNvPr id="12" name="Rectangle 11">
-            <a:extLst>
-              <a:ext uri="{FF2B5EF4-FFF2-40B4-BE49-F238E27FC236}">
-                <a16:creationId xmlns:a16="http://schemas.microsoft.com/office/drawing/2014/main" id="{149A98A7-1DF0-46C5-9245-93FCDB191599}"/>
-              </a:ext>
-            </a:extLst>
-          </p:cNvPr>
-          <p:cNvSpPr/>
-          <p:nvPr/>
-        </p:nvSpPr>
-        <p:spPr>
-          <a:xfrm>
-            <a:off x="5438659" y="5561276"/>
-            <a:ext cx="2251306" cy="523220"/>
-          </a:xfrm>
-          <a:prstGeom prst="rect">
-            <a:avLst/>
-          </a:prstGeom>
-          <a:solidFill>
-            <a:srgbClr val="000000">
-              <a:alpha val="50196"/>
-            </a:srgbClr>
-          </a:solidFill>
-        </p:spPr>
-        <p:txBody>
-          <a:bodyPr wrap="square" anchor="t">
-            <a:spAutoFit/>
-          </a:bodyPr>
-          <a:lstStyle/>
-          <a:p>
-            <a:pPr algn="ctr"/>
-            <a:r>
-              <a:rPr lang="en-GB" sz="2800" dirty="0">
-                <a:solidFill>
-                  <a:schemeClr val="bg1">
-                    <a:lumMod val="95000"/>
-                  </a:schemeClr>
-                </a:solidFill>
-                <a:latin typeface="Arial Nova Light"/>
-              </a:rPr>
-              <a:t>0.41 kPa</a:t>
-            </a:r>
-            <a:endParaRPr lang="en-GB" b="1" dirty="0">
-              <a:solidFill>
-                <a:schemeClr val="bg1">
-                  <a:lumMod val="95000"/>
-                </a:schemeClr>
-              </a:solidFill>
-            </a:endParaRPr>
-          </a:p>
-        </p:txBody>
-      </p:sp>
-      <p:sp>
-        <p:nvSpPr>
-          <p:cNvPr id="13" name="Rectangle 12">
-            <a:extLst>
-              <a:ext uri="{FF2B5EF4-FFF2-40B4-BE49-F238E27FC236}">
-                <a16:creationId xmlns:a16="http://schemas.microsoft.com/office/drawing/2014/main" id="{F6C08AD8-8982-4743-9D00-28F7D846E9D8}"/>
-              </a:ext>
-            </a:extLst>
-          </p:cNvPr>
-          <p:cNvSpPr/>
-          <p:nvPr/>
-        </p:nvSpPr>
-        <p:spPr>
-          <a:xfrm>
-            <a:off x="7703733" y="5569400"/>
-            <a:ext cx="2251306" cy="523220"/>
-          </a:xfrm>
-          <a:prstGeom prst="rect">
-            <a:avLst/>
-          </a:prstGeom>
-          <a:solidFill>
-            <a:srgbClr val="000000">
-              <a:alpha val="50196"/>
-            </a:srgbClr>
-          </a:solidFill>
-        </p:spPr>
-        <p:txBody>
-          <a:bodyPr wrap="square" anchor="t">
-            <a:spAutoFit/>
-          </a:bodyPr>
-          <a:lstStyle/>
-          <a:p>
-            <a:pPr algn="ctr"/>
-            <a:r>
-              <a:rPr lang="en-GB" sz="2800" dirty="0">
-                <a:solidFill>
-                  <a:schemeClr val="bg1">
-                    <a:lumMod val="95000"/>
-                  </a:schemeClr>
-                </a:solidFill>
-                <a:latin typeface="Arial Nova Light"/>
-              </a:rPr>
-              <a:t>4.61 kPa</a:t>
-            </a:r>
-            <a:endParaRPr lang="en-GB" b="1" dirty="0">
-              <a:solidFill>
-                <a:schemeClr val="bg1">
-                  <a:lumMod val="95000"/>
-                </a:schemeClr>
-              </a:solidFill>
-            </a:endParaRPr>
-          </a:p>
-        </p:txBody>
-      </p:sp>
-      <p:sp>
-        <p:nvSpPr>
-          <p:cNvPr id="15" name="Rectangle 14">
-            <a:extLst>
-              <a:ext uri="{FF2B5EF4-FFF2-40B4-BE49-F238E27FC236}">
-                <a16:creationId xmlns:a16="http://schemas.microsoft.com/office/drawing/2014/main" id="{C7B8277B-B298-4DF0-BF90-0B8DD13AAD82}"/>
-              </a:ext>
-            </a:extLst>
-          </p:cNvPr>
-          <p:cNvSpPr/>
-          <p:nvPr/>
-        </p:nvSpPr>
-        <p:spPr>
-          <a:xfrm>
-            <a:off x="9962023" y="5561777"/>
-            <a:ext cx="2251306" cy="523220"/>
-          </a:xfrm>
-          <a:prstGeom prst="rect">
-            <a:avLst/>
-          </a:prstGeom>
-          <a:solidFill>
-            <a:srgbClr val="000000">
-              <a:alpha val="50196"/>
-            </a:srgbClr>
-          </a:solidFill>
-        </p:spPr>
-        <p:txBody>
-          <a:bodyPr wrap="square" anchor="t">
-            <a:spAutoFit/>
-          </a:bodyPr>
-          <a:lstStyle/>
-          <a:p>
-            <a:pPr algn="ctr"/>
-            <a:r>
-              <a:rPr lang="en-GB" sz="2800" dirty="0">
-                <a:solidFill>
-                  <a:schemeClr val="bg1">
-                    <a:lumMod val="95000"/>
-                  </a:schemeClr>
-                </a:solidFill>
-                <a:latin typeface="Arial Nova Light"/>
-              </a:rPr>
-              <a:t>10.67 kPa</a:t>
-            </a:r>
-            <a:endParaRPr lang="en-GB" b="1" dirty="0">
-              <a:solidFill>
-                <a:schemeClr val="bg1">
-                  <a:lumMod val="95000"/>
-                </a:schemeClr>
-              </a:solidFill>
-            </a:endParaRPr>
-          </a:p>
-        </p:txBody>
-      </p:sp>
-      <p:pic>
-        <p:nvPicPr>
-          <p:cNvPr id="9" name="Picture 8">
-            <a:extLst>
-              <a:ext uri="{FF2B5EF4-FFF2-40B4-BE49-F238E27FC236}">
-                <a16:creationId xmlns:a16="http://schemas.microsoft.com/office/drawing/2014/main" id="{D04AC40E-013F-4E36-99D7-49687627795A}"/>
-              </a:ext>
-            </a:extLst>
-          </p:cNvPr>
-          <p:cNvPicPr>
-            <a:picLocks noChangeAspect="1"/>
-          </p:cNvPicPr>
-          <p:nvPr/>
-        </p:nvPicPr>
-        <p:blipFill>
-          <a:blip r:embed="rId4"/>
-          <a:stretch>
-            <a:fillRect/>
-          </a:stretch>
-        </p:blipFill>
-        <p:spPr>
-          <a:xfrm>
-            <a:off x="2502845" y="2527790"/>
-            <a:ext cx="4061468" cy="1459733"/>
-          </a:xfrm>
-          <a:prstGeom prst="rect">
-            <a:avLst/>
-          </a:prstGeom>
-        </p:spPr>
-      </p:pic>
-    </p:spTree>
-    <p:extLst>
-      <p:ext uri="{BB962C8B-B14F-4D97-AF65-F5344CB8AC3E}">
-        <p14:creationId xmlns:p14="http://schemas.microsoft.com/office/powerpoint/2010/main" val="2400443886"/>
-      </p:ext>
-    </p:extLst>
-  </p:cSld>
-  <p:clrMapOvr>
-    <a:masterClrMapping/>
-  </p:clrMapOvr>
-</p:sld>
-</file>
-
-<file path=ppt/slides/slide7.xml><?xml version="1.0" encoding="utf-8"?>
-<p:sld xmlns:a="http://schemas.openxmlformats.org/drawingml/2006/main" xmlns:r="http://schemas.openxmlformats.org/officeDocument/2006/relationships" xmlns:p="http://schemas.openxmlformats.org/presentationml/2006/main" show="0">
-  <p:cSld>
-    <p:spTree>
-      <p:nvGrpSpPr>
-        <p:cNvPr id="1" name=""/>
-        <p:cNvGrpSpPr/>
-        <p:nvPr/>
-      </p:nvGrpSpPr>
-      <p:grpSpPr>
-        <a:xfrm>
-          <a:off x="0" y="0"/>
-          <a:ext cx="0" cy="0"/>
-          <a:chOff x="0" y="0"/>
-          <a:chExt cx="0" cy="0"/>
-        </a:xfrm>
-      </p:grpSpPr>
-      <p:sp>
-        <p:nvSpPr>
-          <p:cNvPr id="6" name="Content Placeholder 2">
-            <a:extLst>
-              <a:ext uri="{FF2B5EF4-FFF2-40B4-BE49-F238E27FC236}">
-                <a16:creationId xmlns:a16="http://schemas.microsoft.com/office/drawing/2014/main" id="{058630E6-31AF-4451-B084-C9809D0DA4E8}"/>
-              </a:ext>
-            </a:extLst>
-          </p:cNvPr>
-          <p:cNvSpPr>
-            <a:spLocks noGrp="1"/>
-          </p:cNvSpPr>
-          <p:nvPr>
-            <p:ph idx="1"/>
-          </p:nvPr>
-        </p:nvSpPr>
-        <p:spPr>
-          <a:xfrm>
-            <a:off x="949040" y="1825623"/>
-            <a:ext cx="11242960" cy="5032377"/>
-          </a:xfrm>
-        </p:spPr>
-        <p:txBody>
-          <a:bodyPr>
-            <a:normAutofit/>
-          </a:bodyPr>
-          <a:lstStyle/>
-          <a:p>
-            <a:pPr marL="0" indent="0">
-              <a:buNone/>
-            </a:pPr>
-            <a:r>
-              <a:rPr lang="en-GB" dirty="0">
-                <a:solidFill>
-                  <a:schemeClr val="bg1">
-                    <a:lumMod val="95000"/>
-                  </a:schemeClr>
-                </a:solidFill>
-                <a:latin typeface="Arial Nova Light" panose="020B0304020202020204" pitchFamily="34" charset="0"/>
-              </a:rPr>
-              <a:t> </a:t>
-            </a:r>
-          </a:p>
-          <a:p>
-            <a:endParaRPr lang="en-GB" dirty="0">
-              <a:solidFill>
-                <a:schemeClr val="bg1">
-                  <a:lumMod val="95000"/>
-                </a:schemeClr>
-              </a:solidFill>
-              <a:latin typeface="Arial Nova Light" panose="020B0304020202020204" pitchFamily="34" charset="0"/>
-            </a:endParaRPr>
-          </a:p>
-          <a:p>
-            <a:endParaRPr lang="en-GB" dirty="0">
-              <a:solidFill>
-                <a:schemeClr val="bg1">
-                  <a:lumMod val="95000"/>
-                </a:schemeClr>
-              </a:solidFill>
-              <a:latin typeface="Arial Nova Light" panose="020B0304020202020204" pitchFamily="34" charset="0"/>
-            </a:endParaRPr>
-          </a:p>
-          <a:p>
-            <a:endParaRPr lang="en-GB" dirty="0">
-              <a:solidFill>
-                <a:schemeClr val="bg1">
-                  <a:lumMod val="95000"/>
-                </a:schemeClr>
-              </a:solidFill>
-              <a:latin typeface="Arial Nova Light" panose="020B0304020202020204" pitchFamily="34" charset="0"/>
-            </a:endParaRPr>
-          </a:p>
-        </p:txBody>
-      </p:sp>
-      <p:sp>
-        <p:nvSpPr>
-          <p:cNvPr id="4" name="Title 1">
-            <a:extLst>
-              <a:ext uri="{FF2B5EF4-FFF2-40B4-BE49-F238E27FC236}">
-                <a16:creationId xmlns:a16="http://schemas.microsoft.com/office/drawing/2014/main" id="{F9ED8BE6-F7AC-4FD8-8FA8-8C683A7C2F62}"/>
-              </a:ext>
-            </a:extLst>
-          </p:cNvPr>
-          <p:cNvSpPr>
-            <a:spLocks noGrp="1"/>
-          </p:cNvSpPr>
-          <p:nvPr>
-            <p:ph type="title"/>
-          </p:nvPr>
-        </p:nvSpPr>
-        <p:spPr>
-          <a:xfrm>
-            <a:off x="949040" y="365125"/>
-            <a:ext cx="11242960" cy="1325563"/>
-          </a:xfrm>
-        </p:spPr>
-        <p:txBody>
-          <a:bodyPr/>
-          <a:lstStyle/>
-          <a:p>
-            <a:r>
-              <a:rPr lang="en-GB" dirty="0">
-                <a:solidFill>
-                  <a:schemeClr val="bg1">
-                    <a:lumMod val="95000"/>
-                  </a:schemeClr>
-                </a:solidFill>
-                <a:latin typeface="Arial Nova Light" panose="020B0304020202020204" pitchFamily="34" charset="0"/>
-              </a:rPr>
-              <a:t>Conclusions:</a:t>
-            </a:r>
-            <a:endParaRPr lang="en-GB" b="1" dirty="0">
-              <a:solidFill>
-                <a:schemeClr val="tx2">
-                  <a:lumMod val="75000"/>
-                </a:schemeClr>
-              </a:solidFill>
-              <a:latin typeface="Arial Nova Light" panose="020B0304020202020204" pitchFamily="34" charset="0"/>
-            </a:endParaRPr>
-          </a:p>
-        </p:txBody>
-      </p:sp>
-      <p:sp>
-        <p:nvSpPr>
-          <p:cNvPr id="7" name="Content Placeholder 2">
-            <a:extLst>
-              <a:ext uri="{FF2B5EF4-FFF2-40B4-BE49-F238E27FC236}">
-                <a16:creationId xmlns:a16="http://schemas.microsoft.com/office/drawing/2014/main" id="{43F915F1-9C90-4B6E-AA0B-C9F4FCF704FA}"/>
-              </a:ext>
-            </a:extLst>
-          </p:cNvPr>
-          <p:cNvSpPr txBox="1">
-            <a:spLocks/>
-          </p:cNvSpPr>
-          <p:nvPr/>
-        </p:nvSpPr>
-        <p:spPr>
-          <a:xfrm>
-            <a:off x="949040" y="1690688"/>
-            <a:ext cx="11242960" cy="5167312"/>
-          </a:xfrm>
-          <a:prstGeom prst="rect">
-            <a:avLst/>
-          </a:prstGeom>
-        </p:spPr>
-        <p:txBody>
-          <a:bodyPr vert="horz" lIns="91440" tIns="45720" rIns="91440" bIns="45720" rtlCol="0" anchor="t">
-            <a:normAutofit/>
-          </a:bodyPr>
-          <a:lstStyle>
-            <a:lvl1pPr marL="228600" indent="-228600" algn="l" defTabSz="914400" rtl="0" eaLnBrk="1" latinLnBrk="0" hangingPunct="1">
-              <a:lnSpc>
-                <a:spcPct val="90000"/>
-              </a:lnSpc>
-              <a:spcBef>
-                <a:spcPts val="1000"/>
-              </a:spcBef>
-              <a:buFont typeface="Arial" panose="020B0604020202020204" pitchFamily="34" charset="0"/>
-              <a:buChar char="•"/>
-              <a:defRPr sz="2800" kern="1200">
-                <a:solidFill>
-                  <a:schemeClr val="tx1"/>
-                </a:solidFill>
-                <a:latin typeface="+mn-lt"/>
-                <a:ea typeface="+mn-ea"/>
-                <a:cs typeface="+mn-cs"/>
-              </a:defRPr>
-            </a:lvl1pPr>
-            <a:lvl2pPr marL="685800" indent="-228600" algn="l" defTabSz="914400" rtl="0" eaLnBrk="1" latinLnBrk="0" hangingPunct="1">
-              <a:lnSpc>
-                <a:spcPct val="90000"/>
-              </a:lnSpc>
-              <a:spcBef>
-                <a:spcPts val="500"/>
-              </a:spcBef>
-              <a:buFont typeface="Arial" panose="020B0604020202020204" pitchFamily="34" charset="0"/>
-              <a:buChar char="•"/>
-              <a:defRPr sz="2400" kern="1200">
-                <a:solidFill>
-                  <a:schemeClr val="tx1"/>
-                </a:solidFill>
-                <a:latin typeface="+mn-lt"/>
-                <a:ea typeface="+mn-ea"/>
-                <a:cs typeface="+mn-cs"/>
-              </a:defRPr>
-            </a:lvl2pPr>
-            <a:lvl3pPr marL="1143000" indent="-228600" algn="l" defTabSz="914400" rtl="0" eaLnBrk="1" latinLnBrk="0" hangingPunct="1">
-              <a:lnSpc>
-                <a:spcPct val="90000"/>
-              </a:lnSpc>
-              <a:spcBef>
-                <a:spcPts val="500"/>
-              </a:spcBef>
-              <a:buFont typeface="Arial" panose="020B0604020202020204" pitchFamily="34" charset="0"/>
-              <a:buChar char="•"/>
-              <a:defRPr sz="2000" kern="1200">
-                <a:solidFill>
-                  <a:schemeClr val="tx1"/>
-                </a:solidFill>
-                <a:latin typeface="+mn-lt"/>
-                <a:ea typeface="+mn-ea"/>
-                <a:cs typeface="+mn-cs"/>
-              </a:defRPr>
-            </a:lvl3pPr>
-            <a:lvl4pPr marL="1600200" indent="-228600" algn="l" defTabSz="914400" rtl="0" eaLnBrk="1" latinLnBrk="0" hangingPunct="1">
-              <a:lnSpc>
-                <a:spcPct val="90000"/>
-              </a:lnSpc>
-              <a:spcBef>
-                <a:spcPts val="500"/>
-              </a:spcBef>
-              <a:buFont typeface="Arial" panose="020B0604020202020204" pitchFamily="34" charset="0"/>
-              <a:buChar char="•"/>
-              <a:defRPr sz="1800" kern="1200">
-                <a:solidFill>
-                  <a:schemeClr val="tx1"/>
-                </a:solidFill>
-                <a:latin typeface="+mn-lt"/>
-                <a:ea typeface="+mn-ea"/>
-                <a:cs typeface="+mn-cs"/>
-              </a:defRPr>
-            </a:lvl4pPr>
-            <a:lvl5pPr marL="2057400" indent="-228600" algn="l" defTabSz="914400" rtl="0" eaLnBrk="1" latinLnBrk="0" hangingPunct="1">
-              <a:lnSpc>
-                <a:spcPct val="90000"/>
-              </a:lnSpc>
-              <a:spcBef>
-                <a:spcPts val="500"/>
-              </a:spcBef>
-              <a:buFont typeface="Arial" panose="020B0604020202020204" pitchFamily="34" charset="0"/>
-              <a:buChar char="•"/>
-              <a:defRPr sz="1800" kern="1200">
-                <a:solidFill>
-                  <a:schemeClr val="tx1"/>
-                </a:solidFill>
-                <a:latin typeface="+mn-lt"/>
-                <a:ea typeface="+mn-ea"/>
-                <a:cs typeface="+mn-cs"/>
-              </a:defRPr>
-            </a:lvl5pPr>
-            <a:lvl6pPr marL="2514600" indent="-228600" algn="l" defTabSz="914400" rtl="0" eaLnBrk="1" latinLnBrk="0" hangingPunct="1">
-              <a:lnSpc>
-                <a:spcPct val="90000"/>
-              </a:lnSpc>
-              <a:spcBef>
-                <a:spcPts val="500"/>
-              </a:spcBef>
-              <a:buFont typeface="Arial" panose="020B0604020202020204" pitchFamily="34" charset="0"/>
-              <a:buChar char="•"/>
-              <a:defRPr sz="1800" kern="1200">
-                <a:solidFill>
-                  <a:schemeClr val="tx1"/>
-                </a:solidFill>
-                <a:latin typeface="+mn-lt"/>
-                <a:ea typeface="+mn-ea"/>
-                <a:cs typeface="+mn-cs"/>
-              </a:defRPr>
-            </a:lvl6pPr>
-            <a:lvl7pPr marL="2971800" indent="-228600" algn="l" defTabSz="914400" rtl="0" eaLnBrk="1" latinLnBrk="0" hangingPunct="1">
-              <a:lnSpc>
-                <a:spcPct val="90000"/>
-              </a:lnSpc>
-              <a:spcBef>
-                <a:spcPts val="500"/>
-              </a:spcBef>
-              <a:buFont typeface="Arial" panose="020B0604020202020204" pitchFamily="34" charset="0"/>
-              <a:buChar char="•"/>
-              <a:defRPr sz="1800" kern="1200">
-                <a:solidFill>
-                  <a:schemeClr val="tx1"/>
-                </a:solidFill>
-                <a:latin typeface="+mn-lt"/>
-                <a:ea typeface="+mn-ea"/>
-                <a:cs typeface="+mn-cs"/>
-              </a:defRPr>
-            </a:lvl7pPr>
-            <a:lvl8pPr marL="3429000" indent="-228600" algn="l" defTabSz="914400" rtl="0" eaLnBrk="1" latinLnBrk="0" hangingPunct="1">
-              <a:lnSpc>
-                <a:spcPct val="90000"/>
-              </a:lnSpc>
-              <a:spcBef>
-                <a:spcPts val="500"/>
-              </a:spcBef>
-              <a:buFont typeface="Arial" panose="020B0604020202020204" pitchFamily="34" charset="0"/>
-              <a:buChar char="•"/>
-              <a:defRPr sz="1800" kern="1200">
-                <a:solidFill>
-                  <a:schemeClr val="tx1"/>
-                </a:solidFill>
-                <a:latin typeface="+mn-lt"/>
-                <a:ea typeface="+mn-ea"/>
-                <a:cs typeface="+mn-cs"/>
-              </a:defRPr>
-            </a:lvl8pPr>
-            <a:lvl9pPr marL="3886200" indent="-228600" algn="l" defTabSz="914400" rtl="0" eaLnBrk="1" latinLnBrk="0" hangingPunct="1">
-              <a:lnSpc>
-                <a:spcPct val="90000"/>
-              </a:lnSpc>
-              <a:spcBef>
-                <a:spcPts val="500"/>
-              </a:spcBef>
-              <a:buFont typeface="Arial" panose="020B0604020202020204" pitchFamily="34" charset="0"/>
-              <a:buChar char="•"/>
-              <a:defRPr sz="1800" kern="1200">
-                <a:solidFill>
-                  <a:schemeClr val="tx1"/>
-                </a:solidFill>
-                <a:latin typeface="+mn-lt"/>
-                <a:ea typeface="+mn-ea"/>
-                <a:cs typeface="+mn-cs"/>
-              </a:defRPr>
-            </a:lvl9pPr>
-          </a:lstStyle>
-          <a:p>
-            <a:r>
-              <a:rPr lang="en-GB">
-                <a:solidFill>
-                  <a:schemeClr val="bg1"/>
-                </a:solidFill>
-                <a:ea typeface="+mn-lt"/>
-                <a:cs typeface="+mn-lt"/>
-              </a:rPr>
-              <a:t>This work demonstrates that Gel-</a:t>
-            </a:r>
-            <a:r>
-              <a:rPr lang="en-GB" err="1">
-                <a:solidFill>
-                  <a:schemeClr val="bg1"/>
-                </a:solidFill>
-                <a:ea typeface="+mn-lt"/>
-                <a:cs typeface="+mn-lt"/>
-              </a:rPr>
-              <a:t>Alg</a:t>
-            </a:r>
-            <a:r>
-              <a:rPr lang="en-GB">
-                <a:solidFill>
-                  <a:schemeClr val="bg1"/>
-                </a:solidFill>
-                <a:ea typeface="+mn-lt"/>
-                <a:cs typeface="+mn-lt"/>
-              </a:rPr>
-              <a:t> is capable of tuning its viscoelastic strain and elastic recovery properties, and can be potentially used to design </a:t>
-            </a:r>
-            <a:r>
-              <a:rPr lang="en-US">
-                <a:solidFill>
-                  <a:schemeClr val="bg1"/>
-                </a:solidFill>
-                <a:ea typeface="+mn-lt"/>
-                <a:cs typeface="+mn-lt"/>
-              </a:rPr>
-              <a:t>extracellular matrix </a:t>
-            </a:r>
-            <a:r>
-              <a:rPr lang="en-GB">
-                <a:solidFill>
-                  <a:schemeClr val="bg1"/>
-                </a:solidFill>
-                <a:ea typeface="+mn-lt"/>
-                <a:cs typeface="+mn-lt"/>
-              </a:rPr>
-              <a:t> mimicking hydrogels.</a:t>
-            </a:r>
-            <a:endParaRPr lang="en-GB">
-              <a:solidFill>
-                <a:schemeClr val="bg1"/>
-              </a:solidFill>
-              <a:cs typeface="Calibri"/>
-            </a:endParaRPr>
-          </a:p>
-          <a:p>
-            <a:pPr marL="0" indent="0">
-              <a:buNone/>
-            </a:pPr>
-            <a:endParaRPr lang="en-GB" dirty="0">
-              <a:solidFill>
-                <a:schemeClr val="bg1">
-                  <a:lumMod val="95000"/>
-                </a:schemeClr>
-              </a:solidFill>
-              <a:latin typeface="Arial Nova Light" panose="020B0304020202020204" pitchFamily="34" charset="0"/>
-            </a:endParaRPr>
-          </a:p>
-          <a:p>
-            <a:r>
-              <a:rPr lang="en-GB">
-                <a:solidFill>
-                  <a:schemeClr val="bg1">
-                    <a:lumMod val="95000"/>
-                  </a:schemeClr>
-                </a:solidFill>
-                <a:latin typeface="Arial Nova Light"/>
-              </a:rPr>
-              <a:t>&lt;Conclusion B&gt;</a:t>
-            </a:r>
-          </a:p>
-        </p:txBody>
-      </p:sp>
-      <p:sp>
-        <p:nvSpPr>
-          <p:cNvPr id="2" name="Slide Number Placeholder 1">
-            <a:extLst>
-              <a:ext uri="{FF2B5EF4-FFF2-40B4-BE49-F238E27FC236}">
-                <a16:creationId xmlns:a16="http://schemas.microsoft.com/office/drawing/2014/main" id="{4819A467-EB4B-46FB-BBC1-89E7ED6000E2}"/>
-              </a:ext>
-            </a:extLst>
-          </p:cNvPr>
-          <p:cNvSpPr>
-            <a:spLocks noGrp="1"/>
-          </p:cNvSpPr>
-          <p:nvPr>
-            <p:ph type="sldNum" sz="quarter" idx="12"/>
-          </p:nvPr>
-        </p:nvSpPr>
-        <p:spPr/>
-        <p:txBody>
-          <a:bodyPr/>
-          <a:lstStyle/>
-          <a:p>
-            <a:fld id="{44F922D5-DBBB-4193-BE70-B740CC9842E5}" type="slidenum">
-              <a:rPr lang="en-GB" smtClean="0"/>
-              <a:t>7</a:t>
-            </a:fld>
-            <a:endParaRPr lang="en-GB"/>
-          </a:p>
-        </p:txBody>
-      </p:sp>
-    </p:spTree>
-    <p:extLst>
-      <p:ext uri="{BB962C8B-B14F-4D97-AF65-F5344CB8AC3E}">
-        <p14:creationId xmlns:p14="http://schemas.microsoft.com/office/powerpoint/2010/main" val="708711930"/>
-      </p:ext>
-    </p:extLst>
-  </p:cSld>
-  <p:clrMapOvr>
-    <a:masterClrMapping/>
-  </p:clrMapOvr>
-</p:sld>
-</file>
-
-<file path=ppt/slides/slide8.xml><?xml version="1.0" encoding="utf-8"?>
-<p:sld xmlns:a="http://schemas.openxmlformats.org/drawingml/2006/main" xmlns:r="http://schemas.openxmlformats.org/officeDocument/2006/relationships" xmlns:p="http://schemas.openxmlformats.org/presentationml/2006/main" show="0">
-  <p:cSld>
-    <p:spTree>
-      <p:nvGrpSpPr>
-        <p:cNvPr id="1" name=""/>
-        <p:cNvGrpSpPr/>
-        <p:nvPr/>
-      </p:nvGrpSpPr>
-      <p:grpSpPr>
-        <a:xfrm>
-          <a:off x="0" y="0"/>
-          <a:ext cx="0" cy="0"/>
-          <a:chOff x="0" y="0"/>
-          <a:chExt cx="0" cy="0"/>
-        </a:xfrm>
-      </p:grpSpPr>
-      <p:sp>
-        <p:nvSpPr>
           <p:cNvPr id="3" name="AutoShape 2" descr="Q &amp; A">
             <a:extLst>
               <a:ext uri="{FF2B5EF4-FFF2-40B4-BE49-F238E27FC236}">
@@ -8617,7 +8334,7 @@
           <a:p>
             <a:fld id="{44F922D5-DBBB-4193-BE70-B740CC9842E5}" type="slidenum">
               <a:rPr lang="en-GB" smtClean="0"/>
-              <a:t>8</a:t>
+              <a:t>6</a:t>
             </a:fld>
             <a:endParaRPr lang="en-GB"/>
           </a:p>
@@ -8636,8 +8353,8 @@
 </p:sld>
 </file>
 
-<file path=ppt/slides/slide9.xml><?xml version="1.0" encoding="utf-8"?>
-<p:sld xmlns:a="http://schemas.openxmlformats.org/drawingml/2006/main" xmlns:r="http://schemas.openxmlformats.org/officeDocument/2006/relationships" xmlns:p="http://schemas.openxmlformats.org/presentationml/2006/main" show="0">
+<file path=ppt/slides/slide7.xml><?xml version="1.0" encoding="utf-8"?>
+<p:sld xmlns:a="http://schemas.openxmlformats.org/drawingml/2006/main" xmlns:r="http://schemas.openxmlformats.org/officeDocument/2006/relationships" xmlns:p="http://schemas.openxmlformats.org/presentationml/2006/main">
   <p:cSld>
     <p:spTree>
       <p:nvGrpSpPr>
@@ -8680,7 +8397,7 @@
           <a:lstStyle/>
           <a:p>
             <a:r>
-              <a:rPr lang="en-GB" dirty="0">
+              <a:rPr lang="en-GB">
                 <a:solidFill>
                   <a:schemeClr val="bg1">
                     <a:lumMod val="95000"/>
@@ -8688,81 +8405,8 @@
                 </a:solidFill>
                 <a:latin typeface="Arial Nova Light" panose="020B0304020202020204" pitchFamily="34" charset="0"/>
               </a:rPr>
-              <a:t>References</a:t>
-            </a:r>
-          </a:p>
-        </p:txBody>
-      </p:sp>
-      <p:sp>
-        <p:nvSpPr>
-          <p:cNvPr id="6" name="Content Placeholder 2">
-            <a:extLst>
-              <a:ext uri="{FF2B5EF4-FFF2-40B4-BE49-F238E27FC236}">
-                <a16:creationId xmlns:a16="http://schemas.microsoft.com/office/drawing/2014/main" id="{058630E6-31AF-4451-B084-C9809D0DA4E8}"/>
-              </a:ext>
-            </a:extLst>
-          </p:cNvPr>
-          <p:cNvSpPr>
-            <a:spLocks noGrp="1"/>
-          </p:cNvSpPr>
-          <p:nvPr>
-            <p:ph idx="1"/>
-          </p:nvPr>
-        </p:nvSpPr>
-        <p:spPr>
-          <a:xfrm>
-            <a:off x="949040" y="1825624"/>
-            <a:ext cx="11242960" cy="5032375"/>
-          </a:xfrm>
-        </p:spPr>
-        <p:txBody>
-          <a:bodyPr>
-            <a:normAutofit/>
-          </a:bodyPr>
-          <a:lstStyle/>
-          <a:p>
-            <a:pPr marL="514350" indent="-514350">
-              <a:buFont typeface="+mj-lt"/>
-              <a:buAutoNum type="arabicPeriod"/>
-            </a:pPr>
-            <a:r>
-              <a:rPr lang="en-GB" dirty="0">
-                <a:solidFill>
-                  <a:schemeClr val="bg1">
-                    <a:lumMod val="95000"/>
-                  </a:schemeClr>
-                </a:solidFill>
-                <a:latin typeface="Arial Nova Light" panose="020B0304020202020204" pitchFamily="34" charset="0"/>
-              </a:rPr>
-              <a:t>&lt;reference A&gt;</a:t>
-            </a:r>
-          </a:p>
-          <a:p>
-            <a:pPr marL="514350" indent="-514350">
-              <a:buFont typeface="+mj-lt"/>
-              <a:buAutoNum type="arabicPeriod"/>
-            </a:pPr>
-            <a:r>
-              <a:rPr lang="en-GB" dirty="0">
-                <a:solidFill>
-                  <a:schemeClr val="bg1">
-                    <a:lumMod val="95000"/>
-                  </a:schemeClr>
-                </a:solidFill>
-                <a:latin typeface="Arial Nova Light" panose="020B0304020202020204" pitchFamily="34" charset="0"/>
-              </a:rPr>
-              <a:t>&lt;reference B&gt;</a:t>
-            </a:r>
-          </a:p>
-          <a:p>
-            <a:endParaRPr lang="en-GB" dirty="0">
-              <a:solidFill>
-                <a:schemeClr val="bg1">
-                  <a:lumMod val="95000"/>
-                </a:schemeClr>
-              </a:solidFill>
-              <a:latin typeface="Arial Nova Light" panose="020B0304020202020204" pitchFamily="34" charset="0"/>
-            </a:endParaRPr>
+              <a:t>Creep test</a:t>
+            </a:r>
           </a:p>
         </p:txBody>
       </p:sp>
@@ -8789,9 +8433,496 @@
           <a:p>
             <a:fld id="{44F922D5-DBBB-4193-BE70-B740CC9842E5}" type="slidenum">
               <a:rPr lang="en-GB" smtClean="0"/>
-              <a:t>9</a:t>
+              <a:t>7</a:t>
             </a:fld>
             <a:endParaRPr lang="en-GB"/>
+          </a:p>
+        </p:txBody>
+      </p:sp>
+      <p:sp>
+        <p:nvSpPr>
+          <p:cNvPr id="7" name="Content Placeholder 2">
+            <a:extLst>
+              <a:ext uri="{FF2B5EF4-FFF2-40B4-BE49-F238E27FC236}">
+                <a16:creationId xmlns:a16="http://schemas.microsoft.com/office/drawing/2014/main" id="{DC16B005-1ADF-4E5C-8351-3B7EE2DC2CDF}"/>
+              </a:ext>
+            </a:extLst>
+          </p:cNvPr>
+          <p:cNvSpPr txBox="1">
+            <a:spLocks/>
+          </p:cNvSpPr>
+          <p:nvPr/>
+        </p:nvSpPr>
+        <p:spPr>
+          <a:xfrm>
+            <a:off x="1157844" y="1629422"/>
+            <a:ext cx="10515600" cy="4351338"/>
+          </a:xfrm>
+          <a:prstGeom prst="rect">
+            <a:avLst/>
+          </a:prstGeom>
+        </p:spPr>
+        <p:txBody>
+          <a:bodyPr vert="horz" lIns="91440" tIns="45720" rIns="91440" bIns="45720" rtlCol="0">
+            <a:normAutofit/>
+          </a:bodyPr>
+          <a:lstStyle>
+            <a:lvl1pPr marL="228600" indent="-228600" algn="l" defTabSz="914400" rtl="0" eaLnBrk="1" latinLnBrk="0" hangingPunct="1">
+              <a:lnSpc>
+                <a:spcPct val="90000"/>
+              </a:lnSpc>
+              <a:spcBef>
+                <a:spcPts val="1000"/>
+              </a:spcBef>
+              <a:buFont typeface="Arial" panose="020B0604020202020204" pitchFamily="34" charset="0"/>
+              <a:buChar char="•"/>
+              <a:defRPr sz="2800" kern="1200">
+                <a:solidFill>
+                  <a:schemeClr val="bg2"/>
+                </a:solidFill>
+                <a:latin typeface="Arial Nova" panose="020B0504020202020204" pitchFamily="34" charset="0"/>
+                <a:ea typeface="+mn-ea"/>
+                <a:cs typeface="+mn-cs"/>
+              </a:defRPr>
+            </a:lvl1pPr>
+            <a:lvl2pPr marL="685800" indent="-228600" algn="l" defTabSz="914400" rtl="0" eaLnBrk="1" latinLnBrk="0" hangingPunct="1">
+              <a:lnSpc>
+                <a:spcPct val="90000"/>
+              </a:lnSpc>
+              <a:spcBef>
+                <a:spcPts val="500"/>
+              </a:spcBef>
+              <a:buFont typeface="Arial" panose="020B0604020202020204" pitchFamily="34" charset="0"/>
+              <a:buChar char="•"/>
+              <a:defRPr sz="2400" kern="1200">
+                <a:solidFill>
+                  <a:schemeClr val="bg2"/>
+                </a:solidFill>
+                <a:latin typeface="Arial Nova" panose="020B0504020202020204" pitchFamily="34" charset="0"/>
+                <a:ea typeface="+mn-ea"/>
+                <a:cs typeface="+mn-cs"/>
+              </a:defRPr>
+            </a:lvl2pPr>
+            <a:lvl3pPr marL="1143000" indent="-228600" algn="l" defTabSz="914400" rtl="0" eaLnBrk="1" latinLnBrk="0" hangingPunct="1">
+              <a:lnSpc>
+                <a:spcPct val="90000"/>
+              </a:lnSpc>
+              <a:spcBef>
+                <a:spcPts val="500"/>
+              </a:spcBef>
+              <a:buFont typeface="Arial" panose="020B0604020202020204" pitchFamily="34" charset="0"/>
+              <a:buChar char="•"/>
+              <a:defRPr sz="2000" kern="1200">
+                <a:solidFill>
+                  <a:schemeClr val="bg2"/>
+                </a:solidFill>
+                <a:latin typeface="Arial Nova" panose="020B0504020202020204" pitchFamily="34" charset="0"/>
+                <a:ea typeface="+mn-ea"/>
+                <a:cs typeface="+mn-cs"/>
+              </a:defRPr>
+            </a:lvl3pPr>
+            <a:lvl4pPr marL="1600200" indent="-228600" algn="l" defTabSz="914400" rtl="0" eaLnBrk="1" latinLnBrk="0" hangingPunct="1">
+              <a:lnSpc>
+                <a:spcPct val="90000"/>
+              </a:lnSpc>
+              <a:spcBef>
+                <a:spcPts val="500"/>
+              </a:spcBef>
+              <a:buFont typeface="Arial" panose="020B0604020202020204" pitchFamily="34" charset="0"/>
+              <a:buChar char="•"/>
+              <a:defRPr sz="1800" kern="1200">
+                <a:solidFill>
+                  <a:schemeClr val="bg2"/>
+                </a:solidFill>
+                <a:latin typeface="Arial Nova" panose="020B0504020202020204" pitchFamily="34" charset="0"/>
+                <a:ea typeface="+mn-ea"/>
+                <a:cs typeface="+mn-cs"/>
+              </a:defRPr>
+            </a:lvl4pPr>
+            <a:lvl5pPr marL="2057400" indent="-228600" algn="l" defTabSz="914400" rtl="0" eaLnBrk="1" latinLnBrk="0" hangingPunct="1">
+              <a:lnSpc>
+                <a:spcPct val="90000"/>
+              </a:lnSpc>
+              <a:spcBef>
+                <a:spcPts val="500"/>
+              </a:spcBef>
+              <a:buFont typeface="Arial" panose="020B0604020202020204" pitchFamily="34" charset="0"/>
+              <a:buChar char="•"/>
+              <a:defRPr sz="1800" kern="1200">
+                <a:solidFill>
+                  <a:schemeClr val="bg2"/>
+                </a:solidFill>
+                <a:latin typeface="Arial Nova" panose="020B0504020202020204" pitchFamily="34" charset="0"/>
+                <a:ea typeface="+mn-ea"/>
+                <a:cs typeface="+mn-cs"/>
+              </a:defRPr>
+            </a:lvl5pPr>
+            <a:lvl6pPr marL="2514600" indent="-228600" algn="l" defTabSz="914400" rtl="0" eaLnBrk="1" latinLnBrk="0" hangingPunct="1">
+              <a:lnSpc>
+                <a:spcPct val="90000"/>
+              </a:lnSpc>
+              <a:spcBef>
+                <a:spcPts val="500"/>
+              </a:spcBef>
+              <a:buFont typeface="Arial" panose="020B0604020202020204" pitchFamily="34" charset="0"/>
+              <a:buChar char="•"/>
+              <a:defRPr sz="1800" kern="1200">
+                <a:solidFill>
+                  <a:schemeClr val="tx1"/>
+                </a:solidFill>
+                <a:latin typeface="+mn-lt"/>
+                <a:ea typeface="+mn-ea"/>
+                <a:cs typeface="+mn-cs"/>
+              </a:defRPr>
+            </a:lvl6pPr>
+            <a:lvl7pPr marL="2971800" indent="-228600" algn="l" defTabSz="914400" rtl="0" eaLnBrk="1" latinLnBrk="0" hangingPunct="1">
+              <a:lnSpc>
+                <a:spcPct val="90000"/>
+              </a:lnSpc>
+              <a:spcBef>
+                <a:spcPts val="500"/>
+              </a:spcBef>
+              <a:buFont typeface="Arial" panose="020B0604020202020204" pitchFamily="34" charset="0"/>
+              <a:buChar char="•"/>
+              <a:defRPr sz="1800" kern="1200">
+                <a:solidFill>
+                  <a:schemeClr val="tx1"/>
+                </a:solidFill>
+                <a:latin typeface="+mn-lt"/>
+                <a:ea typeface="+mn-ea"/>
+                <a:cs typeface="+mn-cs"/>
+              </a:defRPr>
+            </a:lvl7pPr>
+            <a:lvl8pPr marL="3429000" indent="-228600" algn="l" defTabSz="914400" rtl="0" eaLnBrk="1" latinLnBrk="0" hangingPunct="1">
+              <a:lnSpc>
+                <a:spcPct val="90000"/>
+              </a:lnSpc>
+              <a:spcBef>
+                <a:spcPts val="500"/>
+              </a:spcBef>
+              <a:buFont typeface="Arial" panose="020B0604020202020204" pitchFamily="34" charset="0"/>
+              <a:buChar char="•"/>
+              <a:defRPr sz="1800" kern="1200">
+                <a:solidFill>
+                  <a:schemeClr val="tx1"/>
+                </a:solidFill>
+                <a:latin typeface="+mn-lt"/>
+                <a:ea typeface="+mn-ea"/>
+                <a:cs typeface="+mn-cs"/>
+              </a:defRPr>
+            </a:lvl8pPr>
+            <a:lvl9pPr marL="3886200" indent="-228600" algn="l" defTabSz="914400" rtl="0" eaLnBrk="1" latinLnBrk="0" hangingPunct="1">
+              <a:lnSpc>
+                <a:spcPct val="90000"/>
+              </a:lnSpc>
+              <a:spcBef>
+                <a:spcPts val="500"/>
+              </a:spcBef>
+              <a:buFont typeface="Arial" panose="020B0604020202020204" pitchFamily="34" charset="0"/>
+              <a:buChar char="•"/>
+              <a:defRPr sz="1800" kern="1200">
+                <a:solidFill>
+                  <a:schemeClr val="tx1"/>
+                </a:solidFill>
+                <a:latin typeface="+mn-lt"/>
+                <a:ea typeface="+mn-ea"/>
+                <a:cs typeface="+mn-cs"/>
+              </a:defRPr>
+            </a:lvl9pPr>
+          </a:lstStyle>
+          <a:p>
+            <a:pPr lvl="1"/>
+            <a:r>
+              <a:rPr lang="en-US" sz="1800"/>
+              <a:t>Pure GelMA </a:t>
+            </a:r>
+          </a:p>
+          <a:p>
+            <a:pPr lvl="2"/>
+            <a:r>
+              <a:rPr lang="en-US" sz="1600"/>
+              <a:t>0.49% viscoelastic strain (5 min)</a:t>
+            </a:r>
+          </a:p>
+          <a:p>
+            <a:pPr lvl="1"/>
+            <a:r>
+              <a:rPr lang="en-US" sz="1800"/>
+              <a:t>GelMA-Alginate composite (50/50 Gel-Alg) </a:t>
+            </a:r>
+          </a:p>
+          <a:p>
+            <a:pPr lvl="2"/>
+            <a:r>
+              <a:rPr lang="en-US" sz="1600"/>
+              <a:t>viscoelastic stain: 6.9% (2% alginate)</a:t>
+            </a:r>
+          </a:p>
+          <a:p>
+            <a:pPr lvl="2"/>
+            <a:r>
+              <a:rPr lang="en-US" sz="1600"/>
+              <a:t>viscoelastic stain: 10% (5% alginate)</a:t>
+            </a:r>
+          </a:p>
+          <a:p>
+            <a:pPr lvl="2"/>
+            <a:endParaRPr lang="en-US" sz="1600"/>
+          </a:p>
+          <a:p>
+            <a:pPr lvl="1"/>
+            <a:r>
+              <a:rPr lang="en-US" sz="1800"/>
+              <a:t>The viscoelastic strain of Gel-Alg composite decreases with decreasing amounts of alginate</a:t>
+            </a:r>
+          </a:p>
+          <a:p>
+            <a:pPr lvl="2"/>
+            <a:r>
+              <a:rPr lang="en-US" sz="1600"/>
+              <a:t>viscoelastic stain: 7.33% (50:50 GelMA: Alginate)</a:t>
+            </a:r>
+          </a:p>
+          <a:p>
+            <a:pPr lvl="2"/>
+            <a:r>
+              <a:rPr lang="en-US" sz="1600"/>
+              <a:t>viscoelastic stain: 3.73% (65:35 GelMA: Alginate)</a:t>
+            </a:r>
+          </a:p>
+          <a:p>
+            <a:pPr lvl="2"/>
+            <a:r>
+              <a:rPr lang="en-US" sz="1600"/>
+              <a:t>viscoelastic stain: 3.46% (80:20 GelMA: Alginate)</a:t>
+            </a:r>
+          </a:p>
+          <a:p>
+            <a:pPr lvl="2"/>
+            <a:r>
+              <a:rPr lang="en-US" sz="1600"/>
+              <a:t>viscoelastic stain: 2.85% (100:0 GelMA: Alginate)</a:t>
+            </a:r>
+          </a:p>
+          <a:p>
+            <a:pPr lvl="2"/>
+            <a:endParaRPr lang="en-US" sz="1200"/>
+          </a:p>
+          <a:p>
+            <a:pPr lvl="1"/>
+            <a:endParaRPr lang="en-US" sz="2000"/>
+          </a:p>
+        </p:txBody>
+      </p:sp>
+      <p:pic>
+        <p:nvPicPr>
+          <p:cNvPr id="8" name="Picture 7">
+            <a:extLst>
+              <a:ext uri="{FF2B5EF4-FFF2-40B4-BE49-F238E27FC236}">
+                <a16:creationId xmlns:a16="http://schemas.microsoft.com/office/drawing/2014/main" id="{897E0D2F-37CF-46CC-A3C7-B6CBF966DCDD}"/>
+              </a:ext>
+            </a:extLst>
+          </p:cNvPr>
+          <p:cNvPicPr>
+            <a:picLocks noChangeAspect="1"/>
+          </p:cNvPicPr>
+          <p:nvPr/>
+        </p:nvPicPr>
+        <p:blipFill>
+          <a:blip r:embed="rId2"/>
+          <a:stretch>
+            <a:fillRect/>
+          </a:stretch>
+        </p:blipFill>
+        <p:spPr>
+          <a:xfrm>
+            <a:off x="7792498" y="665476"/>
+            <a:ext cx="3511338" cy="2663774"/>
+          </a:xfrm>
+          <a:prstGeom prst="rect">
+            <a:avLst/>
+          </a:prstGeom>
+        </p:spPr>
+      </p:pic>
+      <p:pic>
+        <p:nvPicPr>
+          <p:cNvPr id="9" name="Picture 8">
+            <a:extLst>
+              <a:ext uri="{FF2B5EF4-FFF2-40B4-BE49-F238E27FC236}">
+                <a16:creationId xmlns:a16="http://schemas.microsoft.com/office/drawing/2014/main" id="{56C8B16B-D0BB-4084-AEEE-D8063A107B65}"/>
+              </a:ext>
+            </a:extLst>
+          </p:cNvPr>
+          <p:cNvPicPr>
+            <a:picLocks noChangeAspect="1"/>
+          </p:cNvPicPr>
+          <p:nvPr/>
+        </p:nvPicPr>
+        <p:blipFill>
+          <a:blip r:embed="rId3"/>
+          <a:stretch>
+            <a:fillRect/>
+          </a:stretch>
+        </p:blipFill>
+        <p:spPr>
+          <a:xfrm>
+            <a:off x="7792498" y="3744824"/>
+            <a:ext cx="3511338" cy="2651510"/>
+          </a:xfrm>
+          <a:prstGeom prst="rect">
+            <a:avLst/>
+          </a:prstGeom>
+        </p:spPr>
+      </p:pic>
+      <p:sp>
+        <p:nvSpPr>
+          <p:cNvPr id="11" name="Rectangle 10">
+            <a:extLst>
+              <a:ext uri="{FF2B5EF4-FFF2-40B4-BE49-F238E27FC236}">
+                <a16:creationId xmlns:a16="http://schemas.microsoft.com/office/drawing/2014/main" id="{6B52A53A-A0E7-4261-BB89-B91EF1D2795C}"/>
+              </a:ext>
+            </a:extLst>
+          </p:cNvPr>
+          <p:cNvSpPr/>
+          <p:nvPr/>
+        </p:nvSpPr>
+        <p:spPr>
+          <a:xfrm>
+            <a:off x="942833" y="6396334"/>
+            <a:ext cx="10730611" cy="461665"/>
+          </a:xfrm>
+          <a:prstGeom prst="rect">
+            <a:avLst/>
+          </a:prstGeom>
+        </p:spPr>
+        <p:txBody>
+          <a:bodyPr wrap="square">
+            <a:spAutoFit/>
+          </a:bodyPr>
+          <a:lstStyle/>
+          <a:p>
+            <a:r>
+              <a:rPr lang="en-GB" sz="1200">
+                <a:solidFill>
+                  <a:schemeClr val="bg1">
+                    <a:lumMod val="95000"/>
+                  </a:schemeClr>
+                </a:solidFill>
+                <a:latin typeface="Arial Nova Light" panose="020B0304020202020204" pitchFamily="34" charset="0"/>
+              </a:rPr>
+              <a:t>[1] Y. X. Chen, B. Cain, P. Soman, </a:t>
+            </a:r>
+            <a:r>
+              <a:rPr lang="en-GB" sz="1200" err="1">
+                <a:solidFill>
+                  <a:schemeClr val="bg1">
+                    <a:lumMod val="95000"/>
+                  </a:schemeClr>
+                </a:solidFill>
+                <a:latin typeface="Arial Nova Light" panose="020B0304020202020204" pitchFamily="34" charset="0"/>
+              </a:rPr>
+              <a:t>Gelatin</a:t>
+            </a:r>
+            <a:r>
+              <a:rPr lang="en-GB" sz="1200">
+                <a:solidFill>
+                  <a:schemeClr val="bg1">
+                    <a:lumMod val="95000"/>
+                  </a:schemeClr>
+                </a:solidFill>
+                <a:latin typeface="Arial Nova Light" panose="020B0304020202020204" pitchFamily="34" charset="0"/>
+              </a:rPr>
+              <a:t> methacrylate-alginate hydrogel with </a:t>
+            </a:r>
+            <a:r>
+              <a:rPr lang="en-GB" sz="1200" err="1">
+                <a:solidFill>
+                  <a:schemeClr val="bg1">
+                    <a:lumMod val="95000"/>
+                  </a:schemeClr>
+                </a:solidFill>
+                <a:latin typeface="Arial Nova Light" panose="020B0304020202020204" pitchFamily="34" charset="0"/>
+              </a:rPr>
+              <a:t>tunable</a:t>
+            </a:r>
+            <a:r>
+              <a:rPr lang="en-GB" sz="1200">
+                <a:solidFill>
+                  <a:schemeClr val="bg1">
+                    <a:lumMod val="95000"/>
+                  </a:schemeClr>
+                </a:solidFill>
+                <a:latin typeface="Arial Nova Light" panose="020B0304020202020204" pitchFamily="34" charset="0"/>
+              </a:rPr>
+              <a:t> viscoelastic properties, AIMS Mater. Sci. 4 (2017) 363–369. https://doi.org/10.3934/matersci.2017.2.363.</a:t>
+            </a:r>
+          </a:p>
+        </p:txBody>
+      </p:sp>
+      <p:sp>
+        <p:nvSpPr>
+          <p:cNvPr id="12" name="Rectangle 11">
+            <a:extLst>
+              <a:ext uri="{FF2B5EF4-FFF2-40B4-BE49-F238E27FC236}">
+                <a16:creationId xmlns:a16="http://schemas.microsoft.com/office/drawing/2014/main" id="{F79CDD68-C513-49E6-9213-638F3FCF8BA3}"/>
+              </a:ext>
+            </a:extLst>
+          </p:cNvPr>
+          <p:cNvSpPr/>
+          <p:nvPr/>
+        </p:nvSpPr>
+        <p:spPr>
+          <a:xfrm>
+            <a:off x="1696498" y="5334429"/>
+            <a:ext cx="6096000" cy="646331"/>
+          </a:xfrm>
+          <a:prstGeom prst="rect">
+            <a:avLst/>
+          </a:prstGeom>
+        </p:spPr>
+        <p:txBody>
+          <a:bodyPr>
+            <a:spAutoFit/>
+          </a:bodyPr>
+          <a:lstStyle/>
+          <a:p>
+            <a:r>
+              <a:rPr lang="en-US">
+                <a:solidFill>
+                  <a:schemeClr val="bg1"/>
+                </a:solidFill>
+                <a:ea typeface="+mn-lt"/>
+                <a:cs typeface="+mn-lt"/>
+              </a:rPr>
+              <a:t>Purely covalently UV-crosslinked </a:t>
+            </a:r>
+            <a:r>
+              <a:rPr lang="en-US" err="1">
+                <a:solidFill>
+                  <a:schemeClr val="bg1"/>
+                </a:solidFill>
+                <a:ea typeface="+mn-lt"/>
+                <a:cs typeface="+mn-lt"/>
+              </a:rPr>
+              <a:t>GelMA</a:t>
+            </a:r>
+            <a:r>
+              <a:rPr lang="en-US">
+                <a:solidFill>
+                  <a:schemeClr val="bg1"/>
+                </a:solidFill>
+                <a:ea typeface="+mn-lt"/>
+                <a:cs typeface="+mn-lt"/>
+              </a:rPr>
+              <a:t> results in a predominantly elastic material </a:t>
+            </a:r>
+            <a:endParaRPr lang="en-GB">
+              <a:solidFill>
+                <a:schemeClr val="bg1"/>
+              </a:solidFill>
+              <a:ea typeface="+mn-lt"/>
+              <a:cs typeface="+mn-lt"/>
+            </a:endParaRPr>
           </a:p>
         </p:txBody>
       </p:sp>

--- a/3a.1.PlasticsAndCompositesEngineering/5_ClassActivity/2_Class Activity_06.07.2020_team2.pptx
+++ b/3a.1.PlasticsAndCompositesEngineering/5_ClassActivity/2_Class Activity_06.07.2020_team2.pptx
@@ -174,6 +174,7 @@
 <file path=ppt/revisionInfo.xml><?xml version="1.0" encoding="utf-8"?>
 <p1510:revInfo xmlns:a="http://schemas.openxmlformats.org/drawingml/2006/main" xmlns:r="http://schemas.openxmlformats.org/officeDocument/2006/relationships" xmlns:p1510="http://schemas.microsoft.com/office/powerpoint/2015/10/main">
   <p1510:revLst>
+    <p1510:client id="{01F8087D-ABBD-2F19-C88E-4C4403FB6658}" v="13" dt="2020-07-07T22:02:32.717"/>
     <p1510:client id="{0C436939-5DEA-A61A-B6DA-B3EBA6433A08}" v="48" dt="2020-07-07T17:14:00.243"/>
     <p1510:client id="{1E83AF17-B86E-4C19-9585-AD3B0B02D326}" v="369" dt="2020-07-07T15:42:30.818"/>
     <p1510:client id="{537A1ECF-6847-CC0B-8CD1-6EAC8C52B1E1}" v="12" dt="2020-07-07T16:52:22.733"/>
@@ -410,6 +411,30 @@
             <ac:picMk id="13" creationId="{8578D0BD-CD2C-44B1-976E-1029D186D2DF}"/>
           </ac:picMkLst>
         </pc:picChg>
+      </pc:sldChg>
+    </pc:docChg>
+  </pc:docChgLst>
+  <pc:docChgLst>
+    <pc:chgData name="Guest User" userId="S::urn:spo:anon#47e46a85d04db472c28c4aeb3bb64066e5c98df06a20401cfe8bdeac802351a8::" providerId="AD" clId="Web-{01F8087D-ABBD-2F19-C88E-4C4403FB6658}"/>
+    <pc:docChg chg="modSld">
+      <pc:chgData name="Guest User" userId="S::urn:spo:anon#47e46a85d04db472c28c4aeb3bb64066e5c98df06a20401cfe8bdeac802351a8::" providerId="AD" clId="Web-{01F8087D-ABBD-2F19-C88E-4C4403FB6658}" dt="2020-07-07T22:02:32.717" v="12" actId="14100"/>
+      <pc:docMkLst>
+        <pc:docMk/>
+      </pc:docMkLst>
+      <pc:sldChg chg="modSp">
+        <pc:chgData name="Guest User" userId="S::urn:spo:anon#47e46a85d04db472c28c4aeb3bb64066e5c98df06a20401cfe8bdeac802351a8::" providerId="AD" clId="Web-{01F8087D-ABBD-2F19-C88E-4C4403FB6658}" dt="2020-07-07T22:02:32.717" v="12" actId="14100"/>
+        <pc:sldMkLst>
+          <pc:docMk/>
+          <pc:sldMk cId="708711930" sldId="276"/>
+        </pc:sldMkLst>
+        <pc:spChg chg="mod">
+          <ac:chgData name="Guest User" userId="S::urn:spo:anon#47e46a85d04db472c28c4aeb3bb64066e5c98df06a20401cfe8bdeac802351a8::" providerId="AD" clId="Web-{01F8087D-ABBD-2F19-C88E-4C4403FB6658}" dt="2020-07-07T22:02:32.717" v="12" actId="14100"/>
+          <ac:spMkLst>
+            <pc:docMk/>
+            <pc:sldMk cId="708711930" sldId="276"/>
+            <ac:spMk id="7" creationId="{43F915F1-9C90-4B6E-AA0B-C9F4FCF704FA}"/>
+          </ac:spMkLst>
+        </pc:spChg>
       </pc:sldChg>
     </pc:docChg>
   </pc:docChgLst>
@@ -2581,7 +2606,7 @@
           <a:p>
             <a:fld id="{B3A8F86A-A3D1-4706-9131-90E1724D7948}" type="slidenum">
               <a:rPr lang="en-GB" smtClean="0"/>
-              <a:t>6</a:t>
+              <a:t>5</a:t>
             </a:fld>
             <a:endParaRPr lang="en-GB"/>
           </a:p>
@@ -8081,7 +8106,7 @@
           </a:lstStyle>
           <a:p>
             <a:r>
-              <a:rPr lang="en-GB">
+              <a:rPr lang="en-GB" dirty="0">
                 <a:solidFill>
                   <a:schemeClr val="bg1"/>
                 </a:solidFill>
@@ -8091,7 +8116,7 @@
               <a:t>Literature demonstrates that Gel-</a:t>
             </a:r>
             <a:r>
-              <a:rPr lang="en-GB" err="1">
+              <a:rPr lang="en-GB" dirty="0" err="1">
                 <a:solidFill>
                   <a:schemeClr val="bg1"/>
                 </a:solidFill>
@@ -8101,17 +8126,17 @@
               <a:t>Alg</a:t>
             </a:r>
             <a:r>
-              <a:rPr lang="en-GB">
+              <a:rPr lang="en-GB" dirty="0">
                 <a:solidFill>
                   <a:schemeClr val="bg1"/>
                 </a:solidFill>
                 <a:ea typeface="+mn-lt"/>
                 <a:cs typeface="+mn-lt"/>
               </a:rPr>
-              <a:t> obtained its viscoelastic strain and elastic recovery properties and can be potentially used to design </a:t>
-            </a:r>
-            <a:r>
-              <a:rPr lang="en-US">
+              <a:t> obtained its viscoelastic strain and elastic recovery properties and can be potentially used to design </a:t>
+            </a:r>
+            <a:r>
+              <a:rPr lang="en-US" dirty="0">
                 <a:solidFill>
                   <a:schemeClr val="bg1"/>
                 </a:solidFill>
@@ -8121,7 +8146,7 @@
               <a:t>extracellular matrix </a:t>
             </a:r>
             <a:r>
-              <a:rPr lang="en-GB">
+              <a:rPr lang="en-GB" dirty="0">
                 <a:solidFill>
                   <a:schemeClr val="bg1"/>
                 </a:solidFill>
@@ -8130,7 +8155,7 @@
               </a:rPr>
               <a:t> mimicking hydrogels.</a:t>
             </a:r>
-            <a:endParaRPr lang="en-GB">
+            <a:endParaRPr lang="en-GB" dirty="0">
               <a:solidFill>
                 <a:schemeClr val="bg1"/>
               </a:solidFill>

--- a/3a.1.PlasticsAndCompositesEngineering/5_ClassActivity/2_Class Activity_06.07.2020_team2.pptx
+++ b/3a.1.PlasticsAndCompositesEngineering/5_ClassActivity/2_Class Activity_06.07.2020_team2.pptx
@@ -5,7 +5,7 @@
     <p:sldMasterId id="2147483648" r:id="rId1"/>
   </p:sldMasterIdLst>
   <p:notesMasterIdLst>
-    <p:notesMasterId r:id="rId9"/>
+    <p:notesMasterId r:id="rId10"/>
   </p:notesMasterIdLst>
   <p:sldIdLst>
     <p:sldId id="256" r:id="rId2"/>
@@ -13,8 +13,9 @@
     <p:sldId id="285" r:id="rId4"/>
     <p:sldId id="282" r:id="rId5"/>
     <p:sldId id="276" r:id="rId6"/>
-    <p:sldId id="269" r:id="rId7"/>
-    <p:sldId id="263" r:id="rId8"/>
+    <p:sldId id="286" r:id="rId7"/>
+    <p:sldId id="269" r:id="rId8"/>
+    <p:sldId id="263" r:id="rId9"/>
   </p:sldIdLst>
   <p:sldSz cx="12192000" cy="6858000"/>
   <p:notesSz cx="6858000" cy="9144000"/>
@@ -131,6 +132,7 @@
         </p14:section>
         <p14:section name="Closing Slides" id="{E80DB28E-CAD9-4B95-9FE2-9292BCFE48B7}">
           <p14:sldIdLst>
+            <p14:sldId id="286"/>
             <p14:sldId id="269"/>
           </p14:sldIdLst>
         </p14:section>
@@ -175,418 +177,13 @@
 <p1510:revInfo xmlns:a="http://schemas.openxmlformats.org/drawingml/2006/main" xmlns:r="http://schemas.openxmlformats.org/officeDocument/2006/relationships" xmlns:p1510="http://schemas.microsoft.com/office/powerpoint/2015/10/main">
   <p1510:revLst>
     <p1510:client id="{01F8087D-ABBD-2F19-C88E-4C4403FB6658}" v="13" dt="2020-07-07T22:02:32.717"/>
-    <p1510:client id="{0C436939-5DEA-A61A-B6DA-B3EBA6433A08}" v="48" dt="2020-07-07T17:14:00.243"/>
-    <p1510:client id="{1E83AF17-B86E-4C19-9585-AD3B0B02D326}" v="369" dt="2020-07-07T15:42:30.818"/>
-    <p1510:client id="{537A1ECF-6847-CC0B-8CD1-6EAC8C52B1E1}" v="12" dt="2020-07-07T16:52:22.733"/>
-    <p1510:client id="{5628C7C1-F47A-2936-E531-8186F3A2B7F1}" v="10" dt="2020-07-07T16:15:36.059"/>
-    <p1510:client id="{640C0C0F-CC60-43B7-9EA7-204785F2864C}" v="1226" dt="2020-07-07T04:55:23.666"/>
-    <p1510:client id="{C87E4ABE-1CA8-E0E9-2EE9-4D7FAE3D67D2}" v="4" dt="2020-07-07T19:23:37.348"/>
+    <p1510:client id="{1E83AF17-B86E-4C19-9585-AD3B0B02D326}" v="372" dt="2020-07-08T20:09:18.352"/>
   </p1510:revLst>
 </p1510:revInfo>
 </file>
 
 <file path=ppt/changesInfos/changesInfo1.xml><?xml version="1.0" encoding="utf-8"?>
 <pc:chgInfo xmlns:a="http://schemas.openxmlformats.org/drawingml/2006/main" xmlns:r="http://schemas.openxmlformats.org/officeDocument/2006/relationships" xmlns:ac="http://schemas.microsoft.com/office/drawing/2013/main/command" xmlns:pc="http://schemas.microsoft.com/office/powerpoint/2013/main/command">
-  <pc:docChgLst>
-    <pc:chgData name="Guest User" userId="S::urn:spo:anon#47e46a85d04db472c28c4aeb3bb64066e5c98df06a20401cfe8bdeac802351a8::" providerId="AD" clId="Web-{640C0C0F-CC60-43B7-9EA7-204785F2864C}"/>
-    <pc:docChg chg="modSld">
-      <pc:chgData name="Guest User" userId="S::urn:spo:anon#47e46a85d04db472c28c4aeb3bb64066e5c98df06a20401cfe8bdeac802351a8::" providerId="AD" clId="Web-{640C0C0F-CC60-43B7-9EA7-204785F2864C}" dt="2020-07-07T04:55:23.666" v="1217" actId="20577"/>
-      <pc:docMkLst>
-        <pc:docMk/>
-      </pc:docMkLst>
-      <pc:sldChg chg="modSp">
-        <pc:chgData name="Guest User" userId="S::urn:spo:anon#47e46a85d04db472c28c4aeb3bb64066e5c98df06a20401cfe8bdeac802351a8::" providerId="AD" clId="Web-{640C0C0F-CC60-43B7-9EA7-204785F2864C}" dt="2020-07-07T04:23:42.997" v="756" actId="20577"/>
-        <pc:sldMkLst>
-          <pc:docMk/>
-          <pc:sldMk cId="708711930" sldId="276"/>
-        </pc:sldMkLst>
-        <pc:spChg chg="mod">
-          <ac:chgData name="Guest User" userId="S::urn:spo:anon#47e46a85d04db472c28c4aeb3bb64066e5c98df06a20401cfe8bdeac802351a8::" providerId="AD" clId="Web-{640C0C0F-CC60-43B7-9EA7-204785F2864C}" dt="2020-07-07T04:23:42.997" v="756" actId="20577"/>
-          <ac:spMkLst>
-            <pc:docMk/>
-            <pc:sldMk cId="708711930" sldId="276"/>
-            <ac:spMk id="7" creationId="{43F915F1-9C90-4B6E-AA0B-C9F4FCF704FA}"/>
-          </ac:spMkLst>
-        </pc:spChg>
-      </pc:sldChg>
-      <pc:sldChg chg="addSp modSp">
-        <pc:chgData name="Guest User" userId="S::urn:spo:anon#47e46a85d04db472c28c4aeb3bb64066e5c98df06a20401cfe8bdeac802351a8::" providerId="AD" clId="Web-{640C0C0F-CC60-43B7-9EA7-204785F2864C}" dt="2020-07-07T04:42:32.109" v="1070" actId="20577"/>
-        <pc:sldMkLst>
-          <pc:docMk/>
-          <pc:sldMk cId="2400443886" sldId="282"/>
-        </pc:sldMkLst>
-        <pc:spChg chg="add mod">
-          <ac:chgData name="Guest User" userId="S::urn:spo:anon#47e46a85d04db472c28c4aeb3bb64066e5c98df06a20401cfe8bdeac802351a8::" providerId="AD" clId="Web-{640C0C0F-CC60-43B7-9EA7-204785F2864C}" dt="2020-07-07T04:38:55.909" v="991" actId="1076"/>
-          <ac:spMkLst>
-            <pc:docMk/>
-            <pc:sldMk cId="2400443886" sldId="282"/>
-            <ac:spMk id="7" creationId="{60E157AC-7BB5-4366-9262-E2638604C140}"/>
-          </ac:spMkLst>
-        </pc:spChg>
-        <pc:spChg chg="mod">
-          <ac:chgData name="Guest User" userId="S::urn:spo:anon#47e46a85d04db472c28c4aeb3bb64066e5c98df06a20401cfe8bdeac802351a8::" providerId="AD" clId="Web-{640C0C0F-CC60-43B7-9EA7-204785F2864C}" dt="2020-07-07T04:42:32.109" v="1070" actId="20577"/>
-          <ac:spMkLst>
-            <pc:docMk/>
-            <pc:sldMk cId="2400443886" sldId="282"/>
-            <ac:spMk id="8" creationId="{9B5CFC4D-3DDF-451F-A89A-41EAEE17AC8E}"/>
-          </ac:spMkLst>
-        </pc:spChg>
-        <pc:picChg chg="add mod">
-          <ac:chgData name="Guest User" userId="S::urn:spo:anon#47e46a85d04db472c28c4aeb3bb64066e5c98df06a20401cfe8bdeac802351a8::" providerId="AD" clId="Web-{640C0C0F-CC60-43B7-9EA7-204785F2864C}" dt="2020-07-07T04:37:54.984" v="873" actId="1076"/>
-          <ac:picMkLst>
-            <pc:docMk/>
-            <pc:sldMk cId="2400443886" sldId="282"/>
-            <ac:picMk id="4" creationId="{66DB106F-FD6A-4232-A7C5-5F3ABDED31F0}"/>
-          </ac:picMkLst>
-        </pc:picChg>
-      </pc:sldChg>
-      <pc:sldChg chg="addSp modSp">
-        <pc:chgData name="Guest User" userId="S::urn:spo:anon#47e46a85d04db472c28c4aeb3bb64066e5c98df06a20401cfe8bdeac802351a8::" providerId="AD" clId="Web-{640C0C0F-CC60-43B7-9EA7-204785F2864C}" dt="2020-07-07T04:32:28.199" v="866" actId="20577"/>
-        <pc:sldMkLst>
-          <pc:docMk/>
-          <pc:sldMk cId="3318103689" sldId="284"/>
-        </pc:sldMkLst>
-        <pc:spChg chg="add mod">
-          <ac:chgData name="Guest User" userId="S::urn:spo:anon#47e46a85d04db472c28c4aeb3bb64066e5c98df06a20401cfe8bdeac802351a8::" providerId="AD" clId="Web-{640C0C0F-CC60-43B7-9EA7-204785F2864C}" dt="2020-07-07T04:32:28.199" v="866" actId="20577"/>
-          <ac:spMkLst>
-            <pc:docMk/>
-            <pc:sldMk cId="3318103689" sldId="284"/>
-            <ac:spMk id="4" creationId="{6AE71113-7603-4258-9A83-0BFAC09331E2}"/>
-          </ac:spMkLst>
-        </pc:spChg>
-        <pc:spChg chg="mod">
-          <ac:chgData name="Guest User" userId="S::urn:spo:anon#47e46a85d04db472c28c4aeb3bb64066e5c98df06a20401cfe8bdeac802351a8::" providerId="AD" clId="Web-{640C0C0F-CC60-43B7-9EA7-204785F2864C}" dt="2020-07-07T04:10:01.530" v="0" actId="14100"/>
-          <ac:spMkLst>
-            <pc:docMk/>
-            <pc:sldMk cId="3318103689" sldId="284"/>
-            <ac:spMk id="14" creationId="{B1FDEF3E-1872-41D3-A841-FBE14801F476}"/>
-          </ac:spMkLst>
-        </pc:spChg>
-      </pc:sldChg>
-      <pc:sldChg chg="addSp modSp">
-        <pc:chgData name="Guest User" userId="S::urn:spo:anon#47e46a85d04db472c28c4aeb3bb64066e5c98df06a20401cfe8bdeac802351a8::" providerId="AD" clId="Web-{640C0C0F-CC60-43B7-9EA7-204785F2864C}" dt="2020-07-07T04:55:22.651" v="1215" actId="20577"/>
-        <pc:sldMkLst>
-          <pc:docMk/>
-          <pc:sldMk cId="1940175811" sldId="285"/>
-        </pc:sldMkLst>
-        <pc:spChg chg="add mod">
-          <ac:chgData name="Guest User" userId="S::urn:spo:anon#47e46a85d04db472c28c4aeb3bb64066e5c98df06a20401cfe8bdeac802351a8::" providerId="AD" clId="Web-{640C0C0F-CC60-43B7-9EA7-204785F2864C}" dt="2020-07-07T04:55:22.651" v="1215" actId="20577"/>
-          <ac:spMkLst>
-            <pc:docMk/>
-            <pc:sldMk cId="1940175811" sldId="285"/>
-            <ac:spMk id="4" creationId="{537BD168-0E46-4D2A-9C66-EFB42E41BB07}"/>
-          </ac:spMkLst>
-        </pc:spChg>
-      </pc:sldChg>
-    </pc:docChg>
-  </pc:docChgLst>
-  <pc:docChgLst>
-    <pc:chgData name="Antonio Osamu Katagiri Tanaka" userId="2c28225e-d492-4964-8551-1b0a3c65dda0" providerId="ADAL" clId="{A1255C39-2EFB-4D15-B143-B65097792378}"/>
-    <pc:docChg chg="undo custSel addSld delSld modSld">
-      <pc:chgData name="Antonio Osamu Katagiri Tanaka" userId="2c28225e-d492-4964-8551-1b0a3c65dda0" providerId="ADAL" clId="{A1255C39-2EFB-4D15-B143-B65097792378}" dt="2019-03-29T13:16:25.522" v="350" actId="20577"/>
-      <pc:docMkLst>
-        <pc:docMk/>
-      </pc:docMkLst>
-      <pc:sldChg chg="modSp">
-        <pc:chgData name="Antonio Osamu Katagiri Tanaka" userId="2c28225e-d492-4964-8551-1b0a3c65dda0" providerId="ADAL" clId="{A1255C39-2EFB-4D15-B143-B65097792378}" dt="2019-03-28T22:22:21.819" v="38" actId="20577"/>
-        <pc:sldMkLst>
-          <pc:docMk/>
-          <pc:sldMk cId="3401248549" sldId="256"/>
-        </pc:sldMkLst>
-        <pc:spChg chg="mod">
-          <ac:chgData name="Antonio Osamu Katagiri Tanaka" userId="2c28225e-d492-4964-8551-1b0a3c65dda0" providerId="ADAL" clId="{A1255C39-2EFB-4D15-B143-B65097792378}" dt="2019-03-28T22:22:21.819" v="38" actId="20577"/>
-          <ac:spMkLst>
-            <pc:docMk/>
-            <pc:sldMk cId="3401248549" sldId="256"/>
-            <ac:spMk id="7" creationId="{8D0BEDFD-CE79-4A45-9ADE-72FBEA303FCC}"/>
-          </ac:spMkLst>
-        </pc:spChg>
-      </pc:sldChg>
-      <pc:sldChg chg="modSp addCm delCm">
-        <pc:chgData name="Antonio Osamu Katagiri Tanaka" userId="2c28225e-d492-4964-8551-1b0a3c65dda0" providerId="ADAL" clId="{A1255C39-2EFB-4D15-B143-B65097792378}" dt="2019-03-29T13:16:25.522" v="350" actId="20577"/>
-        <pc:sldMkLst>
-          <pc:docMk/>
-          <pc:sldMk cId="1105756717" sldId="257"/>
-        </pc:sldMkLst>
-        <pc:spChg chg="mod">
-          <ac:chgData name="Antonio Osamu Katagiri Tanaka" userId="2c28225e-d492-4964-8551-1b0a3c65dda0" providerId="ADAL" clId="{A1255C39-2EFB-4D15-B143-B65097792378}" dt="2019-03-28T22:24:17.071" v="98" actId="790"/>
-          <ac:spMkLst>
-            <pc:docMk/>
-            <pc:sldMk cId="1105756717" sldId="257"/>
-            <ac:spMk id="2" creationId="{6B4CD107-D7DB-4A9B-AA15-4038D49BB7C0}"/>
-          </ac:spMkLst>
-        </pc:spChg>
-        <pc:spChg chg="mod">
-          <ac:chgData name="Antonio Osamu Katagiri Tanaka" userId="2c28225e-d492-4964-8551-1b0a3c65dda0" providerId="ADAL" clId="{A1255C39-2EFB-4D15-B143-B65097792378}" dt="2019-03-29T13:16:25.522" v="350" actId="20577"/>
-          <ac:spMkLst>
-            <pc:docMk/>
-            <pc:sldMk cId="1105756717" sldId="257"/>
-            <ac:spMk id="3" creationId="{6E971A9A-8031-4781-96A0-B9A5656935B5}"/>
-          </ac:spMkLst>
-        </pc:spChg>
-      </pc:sldChg>
-      <pc:sldChg chg="addSp delSp modSp">
-        <pc:chgData name="Antonio Osamu Katagiri Tanaka" userId="2c28225e-d492-4964-8551-1b0a3c65dda0" providerId="ADAL" clId="{A1255C39-2EFB-4D15-B143-B65097792378}" dt="2019-03-28T23:56:37.673" v="212" actId="113"/>
-        <pc:sldMkLst>
-          <pc:docMk/>
-          <pc:sldMk cId="4056039362" sldId="260"/>
-        </pc:sldMkLst>
-        <pc:spChg chg="del">
-          <ac:chgData name="Antonio Osamu Katagiri Tanaka" userId="2c28225e-d492-4964-8551-1b0a3c65dda0" providerId="ADAL" clId="{A1255C39-2EFB-4D15-B143-B65097792378}" dt="2019-03-28T23:48:09.150" v="129" actId="478"/>
-          <ac:spMkLst>
-            <pc:docMk/>
-            <pc:sldMk cId="4056039362" sldId="260"/>
-            <ac:spMk id="2" creationId="{6B4CD107-D7DB-4A9B-AA15-4038D49BB7C0}"/>
-          </ac:spMkLst>
-        </pc:spChg>
-        <pc:spChg chg="del">
-          <ac:chgData name="Antonio Osamu Katagiri Tanaka" userId="2c28225e-d492-4964-8551-1b0a3c65dda0" providerId="ADAL" clId="{A1255C39-2EFB-4D15-B143-B65097792378}" dt="2019-03-28T23:48:09.150" v="129" actId="478"/>
-          <ac:spMkLst>
-            <pc:docMk/>
-            <pc:sldMk cId="4056039362" sldId="260"/>
-            <ac:spMk id="3" creationId="{6E971A9A-8031-4781-96A0-B9A5656935B5}"/>
-          </ac:spMkLst>
-        </pc:spChg>
-        <pc:spChg chg="add mod">
-          <ac:chgData name="Antonio Osamu Katagiri Tanaka" userId="2c28225e-d492-4964-8551-1b0a3c65dda0" providerId="ADAL" clId="{A1255C39-2EFB-4D15-B143-B65097792378}" dt="2019-03-28T23:50:57.963" v="160" actId="14100"/>
-          <ac:spMkLst>
-            <pc:docMk/>
-            <pc:sldMk cId="4056039362" sldId="260"/>
-            <ac:spMk id="6" creationId="{438892A2-F58C-479B-93B3-BDD2A80D348B}"/>
-          </ac:spMkLst>
-        </pc:spChg>
-        <pc:spChg chg="add del">
-          <ac:chgData name="Antonio Osamu Katagiri Tanaka" userId="2c28225e-d492-4964-8551-1b0a3c65dda0" providerId="ADAL" clId="{A1255C39-2EFB-4D15-B143-B65097792378}" dt="2019-03-28T23:48:28.310" v="146" actId="478"/>
-          <ac:spMkLst>
-            <pc:docMk/>
-            <pc:sldMk cId="4056039362" sldId="260"/>
-            <ac:spMk id="7" creationId="{EF6DB918-A567-432C-9553-B291EBCD9916}"/>
-          </ac:spMkLst>
-        </pc:spChg>
-        <pc:spChg chg="add del mod">
-          <ac:chgData name="Antonio Osamu Katagiri Tanaka" userId="2c28225e-d492-4964-8551-1b0a3c65dda0" providerId="ADAL" clId="{A1255C39-2EFB-4D15-B143-B65097792378}" dt="2019-03-28T23:48:31.374" v="147" actId="478"/>
-          <ac:spMkLst>
-            <pc:docMk/>
-            <pc:sldMk cId="4056039362" sldId="260"/>
-            <ac:spMk id="9" creationId="{1E2B6CCF-ADC6-4398-BBBE-8A3899B1F60D}"/>
-          </ac:spMkLst>
-        </pc:spChg>
-        <pc:spChg chg="add del mod">
-          <ac:chgData name="Antonio Osamu Katagiri Tanaka" userId="2c28225e-d492-4964-8551-1b0a3c65dda0" providerId="ADAL" clId="{A1255C39-2EFB-4D15-B143-B65097792378}" dt="2019-03-28T23:49:31.279" v="152" actId="478"/>
-          <ac:spMkLst>
-            <pc:docMk/>
-            <pc:sldMk cId="4056039362" sldId="260"/>
-            <ac:spMk id="10" creationId="{76E5AA51-769F-464D-B9B3-B06DC2DB3974}"/>
-          </ac:spMkLst>
-        </pc:spChg>
-        <pc:spChg chg="add del mod">
-          <ac:chgData name="Antonio Osamu Katagiri Tanaka" userId="2c28225e-d492-4964-8551-1b0a3c65dda0" providerId="ADAL" clId="{A1255C39-2EFB-4D15-B143-B65097792378}" dt="2019-03-28T23:49:33.812" v="153" actId="478"/>
-          <ac:spMkLst>
-            <pc:docMk/>
-            <pc:sldMk cId="4056039362" sldId="260"/>
-            <ac:spMk id="12" creationId="{687A944B-A58D-42D4-A5FB-9C5AEDA23012}"/>
-          </ac:spMkLst>
-        </pc:spChg>
-        <pc:spChg chg="add mod">
-          <ac:chgData name="Antonio Osamu Katagiri Tanaka" userId="2c28225e-d492-4964-8551-1b0a3c65dda0" providerId="ADAL" clId="{A1255C39-2EFB-4D15-B143-B65097792378}" dt="2019-03-28T23:56:37.673" v="212" actId="113"/>
-          <ac:spMkLst>
-            <pc:docMk/>
-            <pc:sldMk cId="4056039362" sldId="260"/>
-            <ac:spMk id="14" creationId="{B1FDEF3E-1872-41D3-A841-FBE14801F476}"/>
-          </ac:spMkLst>
-        </pc:spChg>
-        <pc:picChg chg="add del mod">
-          <ac:chgData name="Antonio Osamu Katagiri Tanaka" userId="2c28225e-d492-4964-8551-1b0a3c65dda0" providerId="ADAL" clId="{A1255C39-2EFB-4D15-B143-B65097792378}" dt="2019-03-28T23:50:01.886" v="156" actId="478"/>
-          <ac:picMkLst>
-            <pc:docMk/>
-            <pc:sldMk cId="4056039362" sldId="260"/>
-            <ac:picMk id="5" creationId="{977539DB-7CD6-458F-9C2E-830FC458ECDD}"/>
-          </ac:picMkLst>
-        </pc:picChg>
-        <pc:picChg chg="add mod">
-          <ac:chgData name="Antonio Osamu Katagiri Tanaka" userId="2c28225e-d492-4964-8551-1b0a3c65dda0" providerId="ADAL" clId="{A1255C39-2EFB-4D15-B143-B65097792378}" dt="2019-03-28T23:53:58.543" v="189" actId="1036"/>
-          <ac:picMkLst>
-            <pc:docMk/>
-            <pc:sldMk cId="4056039362" sldId="260"/>
-            <ac:picMk id="13" creationId="{8578D0BD-CD2C-44B1-976E-1029D186D2DF}"/>
-          </ac:picMkLst>
-        </pc:picChg>
-      </pc:sldChg>
-    </pc:docChg>
-  </pc:docChgLst>
-  <pc:docChgLst>
-    <pc:chgData name="Guest User" userId="S::urn:spo:anon#47e46a85d04db472c28c4aeb3bb64066e5c98df06a20401cfe8bdeac802351a8::" providerId="AD" clId="Web-{01F8087D-ABBD-2F19-C88E-4C4403FB6658}"/>
-    <pc:docChg chg="modSld">
-      <pc:chgData name="Guest User" userId="S::urn:spo:anon#47e46a85d04db472c28c4aeb3bb64066e5c98df06a20401cfe8bdeac802351a8::" providerId="AD" clId="Web-{01F8087D-ABBD-2F19-C88E-4C4403FB6658}" dt="2020-07-07T22:02:32.717" v="12" actId="14100"/>
-      <pc:docMkLst>
-        <pc:docMk/>
-      </pc:docMkLst>
-      <pc:sldChg chg="modSp">
-        <pc:chgData name="Guest User" userId="S::urn:spo:anon#47e46a85d04db472c28c4aeb3bb64066e5c98df06a20401cfe8bdeac802351a8::" providerId="AD" clId="Web-{01F8087D-ABBD-2F19-C88E-4C4403FB6658}" dt="2020-07-07T22:02:32.717" v="12" actId="14100"/>
-        <pc:sldMkLst>
-          <pc:docMk/>
-          <pc:sldMk cId="708711930" sldId="276"/>
-        </pc:sldMkLst>
-        <pc:spChg chg="mod">
-          <ac:chgData name="Guest User" userId="S::urn:spo:anon#47e46a85d04db472c28c4aeb3bb64066e5c98df06a20401cfe8bdeac802351a8::" providerId="AD" clId="Web-{01F8087D-ABBD-2F19-C88E-4C4403FB6658}" dt="2020-07-07T22:02:32.717" v="12" actId="14100"/>
-          <ac:spMkLst>
-            <pc:docMk/>
-            <pc:sldMk cId="708711930" sldId="276"/>
-            <ac:spMk id="7" creationId="{43F915F1-9C90-4B6E-AA0B-C9F4FCF704FA}"/>
-          </ac:spMkLst>
-        </pc:spChg>
-      </pc:sldChg>
-    </pc:docChg>
-  </pc:docChgLst>
-  <pc:docChgLst>
-    <pc:chgData name="Guest User" userId="S::urn:spo:anon#47e46a85d04db472c28c4aeb3bb64066e5c98df06a20401cfe8bdeac802351a8::" providerId="AD" clId="Web-{0C436939-5DEA-A61A-B6DA-B3EBA6433A08}"/>
-    <pc:docChg chg="modSld">
-      <pc:chgData name="Guest User" userId="S::urn:spo:anon#47e46a85d04db472c28c4aeb3bb64066e5c98df06a20401cfe8bdeac802351a8::" providerId="AD" clId="Web-{0C436939-5DEA-A61A-B6DA-B3EBA6433A08}" dt="2020-07-07T17:13:58.618" v="45" actId="20577"/>
-      <pc:docMkLst>
-        <pc:docMk/>
-      </pc:docMkLst>
-      <pc:sldChg chg="modSp">
-        <pc:chgData name="Guest User" userId="S::urn:spo:anon#47e46a85d04db472c28c4aeb3bb64066e5c98df06a20401cfe8bdeac802351a8::" providerId="AD" clId="Web-{0C436939-5DEA-A61A-B6DA-B3EBA6433A08}" dt="2020-07-07T17:13:58.618" v="44" actId="20577"/>
-        <pc:sldMkLst>
-          <pc:docMk/>
-          <pc:sldMk cId="708711930" sldId="276"/>
-        </pc:sldMkLst>
-        <pc:spChg chg="mod">
-          <ac:chgData name="Guest User" userId="S::urn:spo:anon#47e46a85d04db472c28c4aeb3bb64066e5c98df06a20401cfe8bdeac802351a8::" providerId="AD" clId="Web-{0C436939-5DEA-A61A-B6DA-B3EBA6433A08}" dt="2020-07-07T17:13:58.618" v="44" actId="20577"/>
-          <ac:spMkLst>
-            <pc:docMk/>
-            <pc:sldMk cId="708711930" sldId="276"/>
-            <ac:spMk id="7" creationId="{43F915F1-9C90-4B6E-AA0B-C9F4FCF704FA}"/>
-          </ac:spMkLst>
-        </pc:spChg>
-      </pc:sldChg>
-      <pc:sldChg chg="modSp">
-        <pc:chgData name="Guest User" userId="S::urn:spo:anon#47e46a85d04db472c28c4aeb3bb64066e5c98df06a20401cfe8bdeac802351a8::" providerId="AD" clId="Web-{0C436939-5DEA-A61A-B6DA-B3EBA6433A08}" dt="2020-07-07T17:02:58.810" v="20" actId="20577"/>
-        <pc:sldMkLst>
-          <pc:docMk/>
-          <pc:sldMk cId="3318103689" sldId="284"/>
-        </pc:sldMkLst>
-        <pc:spChg chg="mod">
-          <ac:chgData name="Guest User" userId="S::urn:spo:anon#47e46a85d04db472c28c4aeb3bb64066e5c98df06a20401cfe8bdeac802351a8::" providerId="AD" clId="Web-{0C436939-5DEA-A61A-B6DA-B3EBA6433A08}" dt="2020-07-07T17:02:58.810" v="20" actId="20577"/>
-          <ac:spMkLst>
-            <pc:docMk/>
-            <pc:sldMk cId="3318103689" sldId="284"/>
-            <ac:spMk id="4" creationId="{6AE71113-7603-4258-9A83-0BFAC09331E2}"/>
-          </ac:spMkLst>
-        </pc:spChg>
-      </pc:sldChg>
-    </pc:docChg>
-  </pc:docChgLst>
-  <pc:docChgLst>
-    <pc:chgData name="Antonio Osamu Katagiri Tanaka" userId="2c28225e-d492-4964-8551-1b0a3c65dda0" providerId="ADAL" clId="{C59DF1F7-432E-4893-B28C-5D3B004F8374}"/>
-    <pc:docChg chg="undo redo custSel addSld delSld modSld sldOrd delSection modSection">
-      <pc:chgData name="Antonio Osamu Katagiri Tanaka" userId="2c28225e-d492-4964-8551-1b0a3c65dda0" providerId="ADAL" clId="{C59DF1F7-432E-4893-B28C-5D3B004F8374}" dt="2019-03-31T14:59:20.878" v="389" actId="20577"/>
-      <pc:docMkLst>
-        <pc:docMk/>
-      </pc:docMkLst>
-      <pc:sldChg chg="modSp">
-        <pc:chgData name="Antonio Osamu Katagiri Tanaka" userId="2c28225e-d492-4964-8551-1b0a3c65dda0" providerId="ADAL" clId="{C59DF1F7-432E-4893-B28C-5D3B004F8374}" dt="2019-03-30T15:24:08.167" v="64" actId="1440"/>
-        <pc:sldMkLst>
-          <pc:docMk/>
-          <pc:sldMk cId="4056039362" sldId="260"/>
-        </pc:sldMkLst>
-        <pc:picChg chg="mod">
-          <ac:chgData name="Antonio Osamu Katagiri Tanaka" userId="2c28225e-d492-4964-8551-1b0a3c65dda0" providerId="ADAL" clId="{C59DF1F7-432E-4893-B28C-5D3B004F8374}" dt="2019-03-30T15:24:08.167" v="64" actId="1440"/>
-          <ac:picMkLst>
-            <pc:docMk/>
-            <pc:sldMk cId="4056039362" sldId="260"/>
-            <ac:picMk id="13" creationId="{8578D0BD-CD2C-44B1-976E-1029D186D2DF}"/>
-          </ac:picMkLst>
-        </pc:picChg>
-      </pc:sldChg>
-      <pc:sldChg chg="ord">
-        <pc:chgData name="Antonio Osamu Katagiri Tanaka" userId="2c28225e-d492-4964-8551-1b0a3c65dda0" providerId="ADAL" clId="{C59DF1F7-432E-4893-B28C-5D3B004F8374}" dt="2019-03-30T14:49:00.456" v="1"/>
-        <pc:sldMkLst>
-          <pc:docMk/>
-          <pc:sldMk cId="3604131991" sldId="263"/>
-        </pc:sldMkLst>
-      </pc:sldChg>
-      <pc:sldChg chg="addSp delSp modSp add">
-        <pc:chgData name="Antonio Osamu Katagiri Tanaka" userId="2c28225e-d492-4964-8551-1b0a3c65dda0" providerId="ADAL" clId="{C59DF1F7-432E-4893-B28C-5D3B004F8374}" dt="2019-03-30T15:01:17.755" v="32"/>
-        <pc:sldMkLst>
-          <pc:docMk/>
-          <pc:sldMk cId="4246728971" sldId="269"/>
-        </pc:sldMkLst>
-        <pc:spChg chg="add del mod">
-          <ac:chgData name="Antonio Osamu Katagiri Tanaka" userId="2c28225e-d492-4964-8551-1b0a3c65dda0" providerId="ADAL" clId="{C59DF1F7-432E-4893-B28C-5D3B004F8374}" dt="2019-03-30T14:52:53.260" v="6" actId="478"/>
-          <ac:spMkLst>
-            <pc:docMk/>
-            <pc:sldMk cId="4246728971" sldId="269"/>
-            <ac:spMk id="3" creationId="{BFCEFFC5-7335-4486-8818-2B397870E222}"/>
-          </ac:spMkLst>
-        </pc:spChg>
-        <pc:spChg chg="del">
-          <ac:chgData name="Antonio Osamu Katagiri Tanaka" userId="2c28225e-d492-4964-8551-1b0a3c65dda0" providerId="ADAL" clId="{C59DF1F7-432E-4893-B28C-5D3B004F8374}" dt="2019-03-30T14:52:51.721" v="5" actId="478"/>
-          <ac:spMkLst>
-            <pc:docMk/>
-            <pc:sldMk cId="4246728971" sldId="269"/>
-            <ac:spMk id="4" creationId="{F9ED8BE6-F7AC-4FD8-8FA8-8C683A7C2F62}"/>
-          </ac:spMkLst>
-        </pc:spChg>
-        <pc:spChg chg="del">
-          <ac:chgData name="Antonio Osamu Katagiri Tanaka" userId="2c28225e-d492-4964-8551-1b0a3c65dda0" providerId="ADAL" clId="{C59DF1F7-432E-4893-B28C-5D3B004F8374}" dt="2019-03-30T14:52:55.923" v="7" actId="478"/>
-          <ac:spMkLst>
-            <pc:docMk/>
-            <pc:sldMk cId="4246728971" sldId="269"/>
-            <ac:spMk id="6" creationId="{058630E6-31AF-4451-B084-C9809D0DA4E8}"/>
-          </ac:spMkLst>
-        </pc:spChg>
-        <pc:spChg chg="add del mod">
-          <ac:chgData name="Antonio Osamu Katagiri Tanaka" userId="2c28225e-d492-4964-8551-1b0a3c65dda0" providerId="ADAL" clId="{C59DF1F7-432E-4893-B28C-5D3B004F8374}" dt="2019-03-30T14:52:58.396" v="8" actId="478"/>
-          <ac:spMkLst>
-            <pc:docMk/>
-            <pc:sldMk cId="4246728971" sldId="269"/>
-            <ac:spMk id="7" creationId="{EFB1FD18-9FB8-4EC8-A186-B4E23A6745CA}"/>
-          </ac:spMkLst>
-        </pc:spChg>
-        <pc:spChg chg="add mod">
-          <ac:chgData name="Antonio Osamu Katagiri Tanaka" userId="2c28225e-d492-4964-8551-1b0a3c65dda0" providerId="ADAL" clId="{C59DF1F7-432E-4893-B28C-5D3B004F8374}" dt="2019-03-30T14:57:55.916" v="28" actId="403"/>
-          <ac:spMkLst>
-            <pc:docMk/>
-            <pc:sldMk cId="4246728971" sldId="269"/>
-            <ac:spMk id="9" creationId="{907DD878-B76C-4FC5-9BC3-86C7C3DB3BDA}"/>
-          </ac:spMkLst>
-        </pc:spChg>
-        <pc:picChg chg="add mod">
-          <ac:chgData name="Antonio Osamu Katagiri Tanaka" userId="2c28225e-d492-4964-8551-1b0a3c65dda0" providerId="ADAL" clId="{C59DF1F7-432E-4893-B28C-5D3B004F8374}" dt="2019-03-30T15:01:17.755" v="32"/>
-          <ac:picMkLst>
-            <pc:docMk/>
-            <pc:sldMk cId="4246728971" sldId="269"/>
-            <ac:picMk id="1026" creationId="{62C86081-2859-45C8-BAE6-D2CC488FFFF6}"/>
-          </ac:picMkLst>
-        </pc:picChg>
-      </pc:sldChg>
-    </pc:docChg>
-  </pc:docChgLst>
-  <pc:docChgLst>
-    <pc:chgData name="Guest User" userId="S::urn:spo:anon#47e46a85d04db472c28c4aeb3bb64066e5c98df06a20401cfe8bdeac802351a8::" providerId="AD" clId="Web-{5628C7C1-F47A-2936-E531-8186F3A2B7F1}"/>
-    <pc:docChg chg="modSld">
-      <pc:chgData name="Guest User" userId="S::urn:spo:anon#47e46a85d04db472c28c4aeb3bb64066e5c98df06a20401cfe8bdeac802351a8::" providerId="AD" clId="Web-{5628C7C1-F47A-2936-E531-8186F3A2B7F1}" dt="2020-07-07T16:15:36.059" v="9" actId="20577"/>
-      <pc:docMkLst>
-        <pc:docMk/>
-      </pc:docMkLst>
-      <pc:sldChg chg="modSp">
-        <pc:chgData name="Guest User" userId="S::urn:spo:anon#47e46a85d04db472c28c4aeb3bb64066e5c98df06a20401cfe8bdeac802351a8::" providerId="AD" clId="Web-{5628C7C1-F47A-2936-E531-8186F3A2B7F1}" dt="2020-07-07T16:15:36.059" v="8" actId="20577"/>
-        <pc:sldMkLst>
-          <pc:docMk/>
-          <pc:sldMk cId="3318103689" sldId="284"/>
-        </pc:sldMkLst>
-        <pc:spChg chg="mod">
-          <ac:chgData name="Guest User" userId="S::urn:spo:anon#47e46a85d04db472c28c4aeb3bb64066e5c98df06a20401cfe8bdeac802351a8::" providerId="AD" clId="Web-{5628C7C1-F47A-2936-E531-8186F3A2B7F1}" dt="2020-07-07T16:15:36.059" v="8" actId="20577"/>
-          <ac:spMkLst>
-            <pc:docMk/>
-            <pc:sldMk cId="3318103689" sldId="284"/>
-            <ac:spMk id="4" creationId="{6AE71113-7603-4258-9A83-0BFAC09331E2}"/>
-          </ac:spMkLst>
-        </pc:spChg>
-      </pc:sldChg>
-    </pc:docChg>
-  </pc:docChgLst>
   <pc:docChgLst>
     <pc:chgData name="Guest User" userId="S::urn:spo:anon#47e46a85d04db472c28c4aeb3bb64066e5c98df06a20401cfe8bdeac802351a8::" providerId="AD" clId="Web-{537A1ECF-6847-CC0B-8CD1-6EAC8C52B1E1}"/>
     <pc:docChg chg="modSld">
@@ -608,826 +205,6 @@
             <ac:spMk id="7" creationId="{43F915F1-9C90-4B6E-AA0B-C9F4FCF704FA}"/>
           </ac:spMkLst>
         </pc:spChg>
-      </pc:sldChg>
-    </pc:docChg>
-  </pc:docChgLst>
-  <pc:docChgLst>
-    <pc:chgData name="Antonio Osamu Katagiri Tanaka" userId="S::a01212611@itesm.mx::2c28225e-d492-4964-8551-1b0a3c65dda0" providerId="AD" clId="Web-{C87E4ABE-1CA8-E0E9-2EE9-4D7FAE3D67D2}"/>
-    <pc:docChg chg="delSld modSection">
-      <pc:chgData name="Antonio Osamu Katagiri Tanaka" userId="S::a01212611@itesm.mx::2c28225e-d492-4964-8551-1b0a3c65dda0" providerId="AD" clId="Web-{C87E4ABE-1CA8-E0E9-2EE9-4D7FAE3D67D2}" dt="2020-07-07T19:23:37.348" v="3"/>
-      <pc:docMkLst>
-        <pc:docMk/>
-      </pc:docMkLst>
-      <pc:sldChg chg="del">
-        <pc:chgData name="Antonio Osamu Katagiri Tanaka" userId="S::a01212611@itesm.mx::2c28225e-d492-4964-8551-1b0a3c65dda0" providerId="AD" clId="Web-{C87E4ABE-1CA8-E0E9-2EE9-4D7FAE3D67D2}" dt="2020-07-07T19:23:37.348" v="3"/>
-        <pc:sldMkLst>
-          <pc:docMk/>
-          <pc:sldMk cId="1105756717" sldId="257"/>
-        </pc:sldMkLst>
-      </pc:sldChg>
-      <pc:sldChg chg="del">
-        <pc:chgData name="Antonio Osamu Katagiri Tanaka" userId="S::a01212611@itesm.mx::2c28225e-d492-4964-8551-1b0a3c65dda0" providerId="AD" clId="Web-{C87E4ABE-1CA8-E0E9-2EE9-4D7FAE3D67D2}" dt="2020-07-07T19:23:32.458" v="0"/>
-        <pc:sldMkLst>
-          <pc:docMk/>
-          <pc:sldMk cId="2232161063" sldId="281"/>
-        </pc:sldMkLst>
-      </pc:sldChg>
-      <pc:sldChg chg="del">
-        <pc:chgData name="Antonio Osamu Katagiri Tanaka" userId="S::a01212611@itesm.mx::2c28225e-d492-4964-8551-1b0a3c65dda0" providerId="AD" clId="Web-{C87E4ABE-1CA8-E0E9-2EE9-4D7FAE3D67D2}" dt="2020-07-07T19:23:32.458" v="1"/>
-        <pc:sldMkLst>
-          <pc:docMk/>
-          <pc:sldMk cId="2428507866" sldId="283"/>
-        </pc:sldMkLst>
-      </pc:sldChg>
-      <pc:sldChg chg="del">
-        <pc:chgData name="Antonio Osamu Katagiri Tanaka" userId="S::a01212611@itesm.mx::2c28225e-d492-4964-8551-1b0a3c65dda0" providerId="AD" clId="Web-{C87E4ABE-1CA8-E0E9-2EE9-4D7FAE3D67D2}" dt="2020-07-07T19:23:32.458" v="2"/>
-        <pc:sldMkLst>
-          <pc:docMk/>
-          <pc:sldMk cId="3844643083" sldId="286"/>
-        </pc:sldMkLst>
-      </pc:sldChg>
-    </pc:docChg>
-  </pc:docChgLst>
-  <pc:docChgLst>
-    <pc:chgData name="Antonio Osamu Katagiri Tanaka" userId="2c28225e-d492-4964-8551-1b0a3c65dda0" providerId="ADAL" clId="{BA091A27-582A-4D6D-8346-D5CF8624059C}"/>
-    <pc:docChg chg="undo custSel addSld delSld modSld sldOrd">
-      <pc:chgData name="Antonio Osamu Katagiri Tanaka" userId="2c28225e-d492-4964-8551-1b0a3c65dda0" providerId="ADAL" clId="{BA091A27-582A-4D6D-8346-D5CF8624059C}" dt="2019-03-29T18:11:35.461" v="1535" actId="20577"/>
-      <pc:docMkLst>
-        <pc:docMk/>
-      </pc:docMkLst>
-      <pc:sldChg chg="modSp">
-        <pc:chgData name="Antonio Osamu Katagiri Tanaka" userId="2c28225e-d492-4964-8551-1b0a3c65dda0" providerId="ADAL" clId="{BA091A27-582A-4D6D-8346-D5CF8624059C}" dt="2019-03-29T17:31:38.150" v="1287" actId="20577"/>
-        <pc:sldMkLst>
-          <pc:docMk/>
-          <pc:sldMk cId="1105756717" sldId="257"/>
-        </pc:sldMkLst>
-        <pc:spChg chg="mod">
-          <ac:chgData name="Antonio Osamu Katagiri Tanaka" userId="2c28225e-d492-4964-8551-1b0a3c65dda0" providerId="ADAL" clId="{BA091A27-582A-4D6D-8346-D5CF8624059C}" dt="2019-03-29T17:31:38.150" v="1287" actId="20577"/>
-          <ac:spMkLst>
-            <pc:docMk/>
-            <pc:sldMk cId="1105756717" sldId="257"/>
-            <ac:spMk id="3" creationId="{6E971A9A-8031-4781-96A0-B9A5656935B5}"/>
-          </ac:spMkLst>
-        </pc:spChg>
-      </pc:sldChg>
-      <pc:sldChg chg="modSp add ord">
-        <pc:chgData name="Antonio Osamu Katagiri Tanaka" userId="2c28225e-d492-4964-8551-1b0a3c65dda0" providerId="ADAL" clId="{BA091A27-582A-4D6D-8346-D5CF8624059C}" dt="2019-03-29T17:30:36.770" v="1284"/>
-        <pc:sldMkLst>
-          <pc:docMk/>
-          <pc:sldMk cId="3604131991" sldId="263"/>
-        </pc:sldMkLst>
-        <pc:spChg chg="mod">
-          <ac:chgData name="Antonio Osamu Katagiri Tanaka" userId="2c28225e-d492-4964-8551-1b0a3c65dda0" providerId="ADAL" clId="{BA091A27-582A-4D6D-8346-D5CF8624059C}" dt="2019-03-29T15:52:32.017" v="518" actId="20577"/>
-          <ac:spMkLst>
-            <pc:docMk/>
-            <pc:sldMk cId="3604131991" sldId="263"/>
-            <ac:spMk id="4" creationId="{F9ED8BE6-F7AC-4FD8-8FA8-8C683A7C2F62}"/>
-          </ac:spMkLst>
-        </pc:spChg>
-        <pc:spChg chg="mod">
-          <ac:chgData name="Antonio Osamu Katagiri Tanaka" userId="2c28225e-d492-4964-8551-1b0a3c65dda0" providerId="ADAL" clId="{BA091A27-582A-4D6D-8346-D5CF8624059C}" dt="2019-03-29T15:53:27.381" v="528" actId="11"/>
-          <ac:spMkLst>
-            <pc:docMk/>
-            <pc:sldMk cId="3604131991" sldId="263"/>
-            <ac:spMk id="6" creationId="{058630E6-31AF-4451-B084-C9809D0DA4E8}"/>
-          </ac:spMkLst>
-        </pc:spChg>
-      </pc:sldChg>
-    </pc:docChg>
-  </pc:docChgLst>
-  <pc:docChgLst>
-    <pc:chgData name="Antonio Osamu Katagiri Tanaka" userId="2c28225e-d492-4964-8551-1b0a3c65dda0" providerId="ADAL" clId="{1E83AF17-B86E-4C19-9585-AD3B0B02D326}"/>
-    <pc:docChg chg="undo redo custSel addSld delSld modSld delSection modSection">
-      <pc:chgData name="Antonio Osamu Katagiri Tanaka" userId="2c28225e-d492-4964-8551-1b0a3c65dda0" providerId="ADAL" clId="{1E83AF17-B86E-4C19-9585-AD3B0B02D326}" dt="2020-07-07T15:59:50.875" v="891" actId="20577"/>
-      <pc:docMkLst>
-        <pc:docMk/>
-      </pc:docMkLst>
-      <pc:sldChg chg="modSp mod">
-        <pc:chgData name="Antonio Osamu Katagiri Tanaka" userId="2c28225e-d492-4964-8551-1b0a3c65dda0" providerId="ADAL" clId="{1E83AF17-B86E-4C19-9585-AD3B0B02D326}" dt="2020-07-07T04:14:24.790" v="356" actId="20577"/>
-        <pc:sldMkLst>
-          <pc:docMk/>
-          <pc:sldMk cId="3401248549" sldId="256"/>
-        </pc:sldMkLst>
-        <pc:spChg chg="mod">
-          <ac:chgData name="Antonio Osamu Katagiri Tanaka" userId="2c28225e-d492-4964-8551-1b0a3c65dda0" providerId="ADAL" clId="{1E83AF17-B86E-4C19-9585-AD3B0B02D326}" dt="2020-07-07T04:14:24.790" v="356" actId="20577"/>
-          <ac:spMkLst>
-            <pc:docMk/>
-            <pc:sldMk cId="3401248549" sldId="256"/>
-            <ac:spMk id="6" creationId="{3EB028BF-0783-48AF-AB96-57CC5B2CBEAF}"/>
-          </ac:spMkLst>
-        </pc:spChg>
-        <pc:spChg chg="mod">
-          <ac:chgData name="Antonio Osamu Katagiri Tanaka" userId="2c28225e-d492-4964-8551-1b0a3c65dda0" providerId="ADAL" clId="{1E83AF17-B86E-4C19-9585-AD3B0B02D326}" dt="2020-07-07T02:12:39.529" v="133" actId="27636"/>
-          <ac:spMkLst>
-            <pc:docMk/>
-            <pc:sldMk cId="3401248549" sldId="256"/>
-            <ac:spMk id="7" creationId="{8D0BEDFD-CE79-4A45-9ADE-72FBEA303FCC}"/>
-          </ac:spMkLst>
-        </pc:spChg>
-      </pc:sldChg>
-      <pc:sldChg chg="modTransition">
-        <pc:chgData name="Antonio Osamu Katagiri Tanaka" userId="2c28225e-d492-4964-8551-1b0a3c65dda0" providerId="ADAL" clId="{1E83AF17-B86E-4C19-9585-AD3B0B02D326}" dt="2020-07-07T02:05:54.457" v="0"/>
-        <pc:sldMkLst>
-          <pc:docMk/>
-          <pc:sldMk cId="1105756717" sldId="257"/>
-        </pc:sldMkLst>
-      </pc:sldChg>
-      <pc:sldChg chg="addSp delSp modSp del mod">
-        <pc:chgData name="Antonio Osamu Katagiri Tanaka" userId="2c28225e-d492-4964-8551-1b0a3c65dda0" providerId="ADAL" clId="{1E83AF17-B86E-4C19-9585-AD3B0B02D326}" dt="2020-07-07T15:43:22.883" v="806" actId="2696"/>
-        <pc:sldMkLst>
-          <pc:docMk/>
-          <pc:sldMk cId="4056039362" sldId="260"/>
-        </pc:sldMkLst>
-        <pc:spChg chg="add del mod">
-          <ac:chgData name="Antonio Osamu Katagiri Tanaka" userId="2c28225e-d492-4964-8551-1b0a3c65dda0" providerId="ADAL" clId="{1E83AF17-B86E-4C19-9585-AD3B0B02D326}" dt="2020-07-07T02:07:41.385" v="16" actId="478"/>
-          <ac:spMkLst>
-            <pc:docMk/>
-            <pc:sldMk cId="4056039362" sldId="260"/>
-            <ac:spMk id="5" creationId="{1E8A25B9-FF0A-4DAB-9332-167118CD1D85}"/>
-          </ac:spMkLst>
-        </pc:spChg>
-        <pc:spChg chg="del">
-          <ac:chgData name="Antonio Osamu Katagiri Tanaka" userId="2c28225e-d492-4964-8551-1b0a3c65dda0" providerId="ADAL" clId="{1E83AF17-B86E-4C19-9585-AD3B0B02D326}" dt="2020-07-07T02:07:38.087" v="15" actId="478"/>
-          <ac:spMkLst>
-            <pc:docMk/>
-            <pc:sldMk cId="4056039362" sldId="260"/>
-            <ac:spMk id="6" creationId="{438892A2-F58C-479B-93B3-BDD2A80D348B}"/>
-          </ac:spMkLst>
-        </pc:spChg>
-        <pc:spChg chg="del">
-          <ac:chgData name="Antonio Osamu Katagiri Tanaka" userId="2c28225e-d492-4964-8551-1b0a3c65dda0" providerId="ADAL" clId="{1E83AF17-B86E-4C19-9585-AD3B0B02D326}" dt="2020-07-07T02:07:45.322" v="17" actId="478"/>
-          <ac:spMkLst>
-            <pc:docMk/>
-            <pc:sldMk cId="4056039362" sldId="260"/>
-            <ac:spMk id="14" creationId="{B1FDEF3E-1872-41D3-A841-FBE14801F476}"/>
-          </ac:spMkLst>
-        </pc:spChg>
-        <pc:picChg chg="add del">
-          <ac:chgData name="Antonio Osamu Katagiri Tanaka" userId="2c28225e-d492-4964-8551-1b0a3c65dda0" providerId="ADAL" clId="{1E83AF17-B86E-4C19-9585-AD3B0B02D326}" dt="2020-07-07T02:07:19.278" v="11" actId="478"/>
-          <ac:picMkLst>
-            <pc:docMk/>
-            <pc:sldMk cId="4056039362" sldId="260"/>
-            <ac:picMk id="3" creationId="{46A42C4A-FE35-4032-8F0E-CA17A96C74A4}"/>
-          </ac:picMkLst>
-        </pc:picChg>
-        <pc:picChg chg="add del mod">
-          <ac:chgData name="Antonio Osamu Katagiri Tanaka" userId="2c28225e-d492-4964-8551-1b0a3c65dda0" providerId="ADAL" clId="{1E83AF17-B86E-4C19-9585-AD3B0B02D326}" dt="2020-07-07T04:08:26.832" v="333" actId="478"/>
-          <ac:picMkLst>
-            <pc:docMk/>
-            <pc:sldMk cId="4056039362" sldId="260"/>
-            <ac:picMk id="7" creationId="{AA3506BA-1F5D-4E41-BD57-F192AED14F01}"/>
-          </ac:picMkLst>
-        </pc:picChg>
-        <pc:picChg chg="add del mod">
-          <ac:chgData name="Antonio Osamu Katagiri Tanaka" userId="2c28225e-d492-4964-8551-1b0a3c65dda0" providerId="ADAL" clId="{1E83AF17-B86E-4C19-9585-AD3B0B02D326}" dt="2020-07-07T15:42:28.874" v="796" actId="21"/>
-          <ac:picMkLst>
-            <pc:docMk/>
-            <pc:sldMk cId="4056039362" sldId="260"/>
-            <ac:picMk id="8" creationId="{8BF7DE3A-48A8-41AA-B953-E3743C1289A6}"/>
-          </ac:picMkLst>
-        </pc:picChg>
-      </pc:sldChg>
-      <pc:sldChg chg="addSp delSp modSp mod modTransition">
-        <pc:chgData name="Antonio Osamu Katagiri Tanaka" userId="2c28225e-d492-4964-8551-1b0a3c65dda0" providerId="ADAL" clId="{1E83AF17-B86E-4C19-9585-AD3B0B02D326}" dt="2020-07-07T15:41:57.718" v="793"/>
-        <pc:sldMkLst>
-          <pc:docMk/>
-          <pc:sldMk cId="3604131991" sldId="263"/>
-        </pc:sldMkLst>
-        <pc:spChg chg="mod">
-          <ac:chgData name="Antonio Osamu Katagiri Tanaka" userId="2c28225e-d492-4964-8551-1b0a3c65dda0" providerId="ADAL" clId="{1E83AF17-B86E-4C19-9585-AD3B0B02D326}" dt="2020-07-07T15:39:31.274" v="776" actId="20577"/>
-          <ac:spMkLst>
-            <pc:docMk/>
-            <pc:sldMk cId="3604131991" sldId="263"/>
-            <ac:spMk id="4" creationId="{F9ED8BE6-F7AC-4FD8-8FA8-8C683A7C2F62}"/>
-          </ac:spMkLst>
-        </pc:spChg>
-        <pc:spChg chg="add del mod">
-          <ac:chgData name="Antonio Osamu Katagiri Tanaka" userId="2c28225e-d492-4964-8551-1b0a3c65dda0" providerId="ADAL" clId="{1E83AF17-B86E-4C19-9585-AD3B0B02D326}" dt="2020-07-07T15:39:50.804" v="780" actId="478"/>
-          <ac:spMkLst>
-            <pc:docMk/>
-            <pc:sldMk cId="3604131991" sldId="263"/>
-            <ac:spMk id="5" creationId="{620A8504-2AAE-455B-96C4-1DD983AAF26B}"/>
-          </ac:spMkLst>
-        </pc:spChg>
-        <pc:spChg chg="del mod">
-          <ac:chgData name="Antonio Osamu Katagiri Tanaka" userId="2c28225e-d492-4964-8551-1b0a3c65dda0" providerId="ADAL" clId="{1E83AF17-B86E-4C19-9585-AD3B0B02D326}" dt="2020-07-07T15:39:55.636" v="781" actId="478"/>
-          <ac:spMkLst>
-            <pc:docMk/>
-            <pc:sldMk cId="3604131991" sldId="263"/>
-            <ac:spMk id="6" creationId="{058630E6-31AF-4451-B084-C9809D0DA4E8}"/>
-          </ac:spMkLst>
-        </pc:spChg>
-        <pc:spChg chg="add mod">
-          <ac:chgData name="Antonio Osamu Katagiri Tanaka" userId="2c28225e-d492-4964-8551-1b0a3c65dda0" providerId="ADAL" clId="{1E83AF17-B86E-4C19-9585-AD3B0B02D326}" dt="2020-07-07T15:40:16.167" v="783" actId="1076"/>
-          <ac:spMkLst>
-            <pc:docMk/>
-            <pc:sldMk cId="3604131991" sldId="263"/>
-            <ac:spMk id="7" creationId="{DC16B005-1ADF-4E5C-8351-3B7EE2DC2CDF}"/>
-          </ac:spMkLst>
-        </pc:spChg>
-        <pc:spChg chg="add del mod">
-          <ac:chgData name="Antonio Osamu Katagiri Tanaka" userId="2c28225e-d492-4964-8551-1b0a3c65dda0" providerId="ADAL" clId="{1E83AF17-B86E-4C19-9585-AD3B0B02D326}" dt="2020-07-07T15:40:00.141" v="782" actId="478"/>
-          <ac:spMkLst>
-            <pc:docMk/>
-            <pc:sldMk cId="3604131991" sldId="263"/>
-            <ac:spMk id="10" creationId="{2BA90E01-9B9A-460E-8863-8D8DF79CE147}"/>
-          </ac:spMkLst>
-        </pc:spChg>
-        <pc:spChg chg="add mod">
-          <ac:chgData name="Antonio Osamu Katagiri Tanaka" userId="2c28225e-d492-4964-8551-1b0a3c65dda0" providerId="ADAL" clId="{1E83AF17-B86E-4C19-9585-AD3B0B02D326}" dt="2020-07-07T15:40:24.918" v="784"/>
-          <ac:spMkLst>
-            <pc:docMk/>
-            <pc:sldMk cId="3604131991" sldId="263"/>
-            <ac:spMk id="11" creationId="{6B52A53A-A0E7-4261-BB89-B91EF1D2795C}"/>
-          </ac:spMkLst>
-        </pc:spChg>
-        <pc:spChg chg="add mod">
-          <ac:chgData name="Antonio Osamu Katagiri Tanaka" userId="2c28225e-d492-4964-8551-1b0a3c65dda0" providerId="ADAL" clId="{1E83AF17-B86E-4C19-9585-AD3B0B02D326}" dt="2020-07-07T15:41:41.248" v="792"/>
-          <ac:spMkLst>
-            <pc:docMk/>
-            <pc:sldMk cId="3604131991" sldId="263"/>
-            <ac:spMk id="12" creationId="{F79CDD68-C513-49E6-9213-638F3FCF8BA3}"/>
-          </ac:spMkLst>
-        </pc:spChg>
-        <pc:picChg chg="add mod">
-          <ac:chgData name="Antonio Osamu Katagiri Tanaka" userId="2c28225e-d492-4964-8551-1b0a3c65dda0" providerId="ADAL" clId="{1E83AF17-B86E-4C19-9585-AD3B0B02D326}" dt="2020-07-07T15:40:45.237" v="788" actId="1076"/>
-          <ac:picMkLst>
-            <pc:docMk/>
-            <pc:sldMk cId="3604131991" sldId="263"/>
-            <ac:picMk id="8" creationId="{897E0D2F-37CF-46CC-A3C7-B6CBF966DCDD}"/>
-          </ac:picMkLst>
-        </pc:picChg>
-        <pc:picChg chg="add mod">
-          <ac:chgData name="Antonio Osamu Katagiri Tanaka" userId="2c28225e-d492-4964-8551-1b0a3c65dda0" providerId="ADAL" clId="{1E83AF17-B86E-4C19-9585-AD3B0B02D326}" dt="2020-07-07T15:40:39.959" v="786" actId="14100"/>
-          <ac:picMkLst>
-            <pc:docMk/>
-            <pc:sldMk cId="3604131991" sldId="263"/>
-            <ac:picMk id="9" creationId="{56C8B16B-D0BB-4084-AEEE-D8063A107B65}"/>
-          </ac:picMkLst>
-        </pc:picChg>
-      </pc:sldChg>
-      <pc:sldChg chg="modTransition">
-        <pc:chgData name="Antonio Osamu Katagiri Tanaka" userId="2c28225e-d492-4964-8551-1b0a3c65dda0" providerId="ADAL" clId="{1E83AF17-B86E-4C19-9585-AD3B0B02D326}" dt="2020-07-07T15:41:59.816" v="794"/>
-        <pc:sldMkLst>
-          <pc:docMk/>
-          <pc:sldMk cId="4246728971" sldId="269"/>
-        </pc:sldMkLst>
-      </pc:sldChg>
-      <pc:sldChg chg="modSp mod modTransition">
-        <pc:chgData name="Antonio Osamu Katagiri Tanaka" userId="2c28225e-d492-4964-8551-1b0a3c65dda0" providerId="ADAL" clId="{1E83AF17-B86E-4C19-9585-AD3B0B02D326}" dt="2020-07-07T15:38:55.540" v="773" actId="33524"/>
-        <pc:sldMkLst>
-          <pc:docMk/>
-          <pc:sldMk cId="708711930" sldId="276"/>
-        </pc:sldMkLst>
-        <pc:spChg chg="mod">
-          <ac:chgData name="Antonio Osamu Katagiri Tanaka" userId="2c28225e-d492-4964-8551-1b0a3c65dda0" providerId="ADAL" clId="{1E83AF17-B86E-4C19-9585-AD3B0B02D326}" dt="2020-07-07T15:38:55.540" v="773" actId="33524"/>
-          <ac:spMkLst>
-            <pc:docMk/>
-            <pc:sldMk cId="708711930" sldId="276"/>
-            <ac:spMk id="7" creationId="{43F915F1-9C90-4B6E-AA0B-C9F4FCF704FA}"/>
-          </ac:spMkLst>
-        </pc:spChg>
-      </pc:sldChg>
-      <pc:sldChg chg="modTransition">
-        <pc:chgData name="Antonio Osamu Katagiri Tanaka" userId="2c28225e-d492-4964-8551-1b0a3c65dda0" providerId="ADAL" clId="{1E83AF17-B86E-4C19-9585-AD3B0B02D326}" dt="2020-07-07T02:13:17.762" v="137"/>
-        <pc:sldMkLst>
-          <pc:docMk/>
-          <pc:sldMk cId="2232161063" sldId="281"/>
-        </pc:sldMkLst>
-      </pc:sldChg>
-      <pc:sldChg chg="addSp delSp modSp add mod">
-        <pc:chgData name="Antonio Osamu Katagiri Tanaka" userId="2c28225e-d492-4964-8551-1b0a3c65dda0" providerId="ADAL" clId="{1E83AF17-B86E-4C19-9585-AD3B0B02D326}" dt="2020-07-07T15:45:59.078" v="807" actId="1076"/>
-        <pc:sldMkLst>
-          <pc:docMk/>
-          <pc:sldMk cId="2400443886" sldId="282"/>
-        </pc:sldMkLst>
-        <pc:spChg chg="add mod">
-          <ac:chgData name="Antonio Osamu Katagiri Tanaka" userId="2c28225e-d492-4964-8551-1b0a3c65dda0" providerId="ADAL" clId="{1E83AF17-B86E-4C19-9585-AD3B0B02D326}" dt="2020-07-07T04:40:50.057" v="444" actId="1076"/>
-          <ac:spMkLst>
-            <pc:docMk/>
-            <pc:sldMk cId="2400443886" sldId="282"/>
-            <ac:spMk id="3" creationId="{55DCEE6A-554B-4669-B3C5-FCF378150DA8}"/>
-          </ac:spMkLst>
-        </pc:spChg>
-        <pc:spChg chg="mod">
-          <ac:chgData name="Antonio Osamu Katagiri Tanaka" userId="2c28225e-d492-4964-8551-1b0a3c65dda0" providerId="ADAL" clId="{1E83AF17-B86E-4C19-9585-AD3B0B02D326}" dt="2020-07-07T04:35:56.169" v="360" actId="6549"/>
-          <ac:spMkLst>
-            <pc:docMk/>
-            <pc:sldMk cId="2400443886" sldId="282"/>
-            <ac:spMk id="6" creationId="{438892A2-F58C-479B-93B3-BDD2A80D348B}"/>
-          </ac:spMkLst>
-        </pc:spChg>
-        <pc:spChg chg="mod">
-          <ac:chgData name="Antonio Osamu Katagiri Tanaka" userId="2c28225e-d492-4964-8551-1b0a3c65dda0" providerId="ADAL" clId="{1E83AF17-B86E-4C19-9585-AD3B0B02D326}" dt="2020-07-07T15:34:58.532" v="735" actId="1076"/>
-          <ac:spMkLst>
-            <pc:docMk/>
-            <pc:sldMk cId="2400443886" sldId="282"/>
-            <ac:spMk id="7" creationId="{60E157AC-7BB5-4366-9262-E2638604C140}"/>
-          </ac:spMkLst>
-        </pc:spChg>
-        <pc:spChg chg="add mod">
-          <ac:chgData name="Antonio Osamu Katagiri Tanaka" userId="2c28225e-d492-4964-8551-1b0a3c65dda0" providerId="ADAL" clId="{1E83AF17-B86E-4C19-9585-AD3B0B02D326}" dt="2020-07-07T15:45:59.078" v="807" actId="1076"/>
-          <ac:spMkLst>
-            <pc:docMk/>
-            <pc:sldMk cId="2400443886" sldId="282"/>
-            <ac:spMk id="8" creationId="{9B5CFC4D-3DDF-451F-A89A-41EAEE17AC8E}"/>
-          </ac:spMkLst>
-        </pc:spChg>
-        <pc:spChg chg="add mod">
-          <ac:chgData name="Antonio Osamu Katagiri Tanaka" userId="2c28225e-d492-4964-8551-1b0a3c65dda0" providerId="ADAL" clId="{1E83AF17-B86E-4C19-9585-AD3B0B02D326}" dt="2020-07-07T05:39:48.642" v="643" actId="14100"/>
-          <ac:spMkLst>
-            <pc:docMk/>
-            <pc:sldMk cId="2400443886" sldId="282"/>
-            <ac:spMk id="10" creationId="{25D08A44-BC2B-4725-BF0E-90D5A85596CE}"/>
-          </ac:spMkLst>
-        </pc:spChg>
-        <pc:spChg chg="add mod">
-          <ac:chgData name="Antonio Osamu Katagiri Tanaka" userId="2c28225e-d492-4964-8551-1b0a3c65dda0" providerId="ADAL" clId="{1E83AF17-B86E-4C19-9585-AD3B0B02D326}" dt="2020-07-07T04:45:58.589" v="474" actId="20577"/>
-          <ac:spMkLst>
-            <pc:docMk/>
-            <pc:sldMk cId="2400443886" sldId="282"/>
-            <ac:spMk id="11" creationId="{279EC777-F48A-4560-9C43-084ACC344457}"/>
-          </ac:spMkLst>
-        </pc:spChg>
-        <pc:spChg chg="add mod">
-          <ac:chgData name="Antonio Osamu Katagiri Tanaka" userId="2c28225e-d492-4964-8551-1b0a3c65dda0" providerId="ADAL" clId="{1E83AF17-B86E-4C19-9585-AD3B0B02D326}" dt="2020-07-07T04:46:43.612" v="478" actId="20577"/>
-          <ac:spMkLst>
-            <pc:docMk/>
-            <pc:sldMk cId="2400443886" sldId="282"/>
-            <ac:spMk id="12" creationId="{149A98A7-1DF0-46C5-9245-93FCDB191599}"/>
-          </ac:spMkLst>
-        </pc:spChg>
-        <pc:spChg chg="add mod">
-          <ac:chgData name="Antonio Osamu Katagiri Tanaka" userId="2c28225e-d492-4964-8551-1b0a3c65dda0" providerId="ADAL" clId="{1E83AF17-B86E-4C19-9585-AD3B0B02D326}" dt="2020-07-07T04:47:26.492" v="484" actId="20577"/>
-          <ac:spMkLst>
-            <pc:docMk/>
-            <pc:sldMk cId="2400443886" sldId="282"/>
-            <ac:spMk id="13" creationId="{F6C08AD8-8982-4743-9D00-28F7D846E9D8}"/>
-          </ac:spMkLst>
-        </pc:spChg>
-        <pc:spChg chg="del mod">
-          <ac:chgData name="Antonio Osamu Katagiri Tanaka" userId="2c28225e-d492-4964-8551-1b0a3c65dda0" providerId="ADAL" clId="{1E83AF17-B86E-4C19-9585-AD3B0B02D326}" dt="2020-07-07T04:09:39.271" v="353" actId="478"/>
-          <ac:spMkLst>
-            <pc:docMk/>
-            <pc:sldMk cId="2400443886" sldId="282"/>
-            <ac:spMk id="14" creationId="{B1FDEF3E-1872-41D3-A841-FBE14801F476}"/>
-          </ac:spMkLst>
-        </pc:spChg>
-        <pc:spChg chg="add mod">
-          <ac:chgData name="Antonio Osamu Katagiri Tanaka" userId="2c28225e-d492-4964-8551-1b0a3c65dda0" providerId="ADAL" clId="{1E83AF17-B86E-4C19-9585-AD3B0B02D326}" dt="2020-07-07T04:48:16.191" v="493" actId="20577"/>
-          <ac:spMkLst>
-            <pc:docMk/>
-            <pc:sldMk cId="2400443886" sldId="282"/>
-            <ac:spMk id="15" creationId="{C7B8277B-B298-4DF0-BF90-0B8DD13AAD82}"/>
-          </ac:spMkLst>
-        </pc:spChg>
-        <pc:spChg chg="add del mod">
-          <ac:chgData name="Antonio Osamu Katagiri Tanaka" userId="2c28225e-d492-4964-8551-1b0a3c65dda0" providerId="ADAL" clId="{1E83AF17-B86E-4C19-9585-AD3B0B02D326}" dt="2020-07-07T05:38:54.985" v="642" actId="478"/>
-          <ac:spMkLst>
-            <pc:docMk/>
-            <pc:sldMk cId="2400443886" sldId="282"/>
-            <ac:spMk id="16" creationId="{47578EC9-ECEB-4DF0-96E8-388F74EC0637}"/>
-          </ac:spMkLst>
-        </pc:spChg>
-        <pc:picChg chg="mod">
-          <ac:chgData name="Antonio Osamu Katagiri Tanaka" userId="2c28225e-d492-4964-8551-1b0a3c65dda0" providerId="ADAL" clId="{1E83AF17-B86E-4C19-9585-AD3B0B02D326}" dt="2020-07-07T15:34:58.532" v="735" actId="1076"/>
-          <ac:picMkLst>
-            <pc:docMk/>
-            <pc:sldMk cId="2400443886" sldId="282"/>
-            <ac:picMk id="4" creationId="{66DB106F-FD6A-4232-A7C5-5F3ABDED31F0}"/>
-          </ac:picMkLst>
-        </pc:picChg>
-        <pc:picChg chg="add mod">
-          <ac:chgData name="Antonio Osamu Katagiri Tanaka" userId="2c28225e-d492-4964-8551-1b0a3c65dda0" providerId="ADAL" clId="{1E83AF17-B86E-4C19-9585-AD3B0B02D326}" dt="2020-07-07T04:40:54.412" v="445" actId="1076"/>
-          <ac:picMkLst>
-            <pc:docMk/>
-            <pc:sldMk cId="2400443886" sldId="282"/>
-            <ac:picMk id="5" creationId="{D4225DBE-FAE4-486C-9C52-012B20AC80BA}"/>
-          </ac:picMkLst>
-        </pc:picChg>
-        <pc:picChg chg="del">
-          <ac:chgData name="Antonio Osamu Katagiri Tanaka" userId="2c28225e-d492-4964-8551-1b0a3c65dda0" providerId="ADAL" clId="{1E83AF17-B86E-4C19-9585-AD3B0B02D326}" dt="2020-07-07T02:07:50.290" v="18" actId="478"/>
-          <ac:picMkLst>
-            <pc:docMk/>
-            <pc:sldMk cId="2400443886" sldId="282"/>
-            <ac:picMk id="7" creationId="{AA3506BA-1F5D-4E41-BD57-F192AED14F01}"/>
-          </ac:picMkLst>
-        </pc:picChg>
-        <pc:picChg chg="add del mod">
-          <ac:chgData name="Antonio Osamu Katagiri Tanaka" userId="2c28225e-d492-4964-8551-1b0a3c65dda0" providerId="ADAL" clId="{1E83AF17-B86E-4C19-9585-AD3B0B02D326}" dt="2020-07-07T15:35:20.200" v="736" actId="21"/>
-          <ac:picMkLst>
-            <pc:docMk/>
-            <pc:sldMk cId="2400443886" sldId="282"/>
-            <ac:picMk id="9" creationId="{D04AC40E-013F-4E36-99D7-49687627795A}"/>
-          </ac:picMkLst>
-        </pc:picChg>
-      </pc:sldChg>
-      <pc:sldChg chg="addSp delSp modSp add del mod">
-        <pc:chgData name="Antonio Osamu Katagiri Tanaka" userId="2c28225e-d492-4964-8551-1b0a3c65dda0" providerId="ADAL" clId="{1E83AF17-B86E-4C19-9585-AD3B0B02D326}" dt="2020-07-07T02:07:23.148" v="13" actId="47"/>
-        <pc:sldMkLst>
-          <pc:docMk/>
-          <pc:sldMk cId="3461466976" sldId="282"/>
-        </pc:sldMkLst>
-        <pc:spChg chg="add del mod">
-          <ac:chgData name="Antonio Osamu Katagiri Tanaka" userId="2c28225e-d492-4964-8551-1b0a3c65dda0" providerId="ADAL" clId="{1E83AF17-B86E-4C19-9585-AD3B0B02D326}" dt="2020-07-07T02:06:20.446" v="5" actId="478"/>
-          <ac:spMkLst>
-            <pc:docMk/>
-            <pc:sldMk cId="3461466976" sldId="282"/>
-            <ac:spMk id="5" creationId="{C455B01F-C054-484D-AFFB-D9DD8F4382DE}"/>
-          </ac:spMkLst>
-        </pc:spChg>
-        <pc:spChg chg="del">
-          <ac:chgData name="Antonio Osamu Katagiri Tanaka" userId="2c28225e-d492-4964-8551-1b0a3c65dda0" providerId="ADAL" clId="{1E83AF17-B86E-4C19-9585-AD3B0B02D326}" dt="2020-07-07T02:06:17.552" v="4" actId="478"/>
-          <ac:spMkLst>
-            <pc:docMk/>
-            <pc:sldMk cId="3461466976" sldId="282"/>
-            <ac:spMk id="6" creationId="{438892A2-F58C-479B-93B3-BDD2A80D348B}"/>
-          </ac:spMkLst>
-        </pc:spChg>
-        <pc:spChg chg="del">
-          <ac:chgData name="Antonio Osamu Katagiri Tanaka" userId="2c28225e-d492-4964-8551-1b0a3c65dda0" providerId="ADAL" clId="{1E83AF17-B86E-4C19-9585-AD3B0B02D326}" dt="2020-07-07T02:06:17.552" v="4" actId="478"/>
-          <ac:spMkLst>
-            <pc:docMk/>
-            <pc:sldMk cId="3461466976" sldId="282"/>
-            <ac:spMk id="14" creationId="{B1FDEF3E-1872-41D3-A841-FBE14801F476}"/>
-          </ac:spMkLst>
-        </pc:spChg>
-        <pc:picChg chg="del mod">
-          <ac:chgData name="Antonio Osamu Katagiri Tanaka" userId="2c28225e-d492-4964-8551-1b0a3c65dda0" providerId="ADAL" clId="{1E83AF17-B86E-4C19-9585-AD3B0B02D326}" dt="2020-07-07T02:07:15.958" v="10" actId="21"/>
-          <ac:picMkLst>
-            <pc:docMk/>
-            <pc:sldMk cId="3461466976" sldId="282"/>
-            <ac:picMk id="3" creationId="{46A42C4A-FE35-4032-8F0E-CA17A96C74A4}"/>
-          </ac:picMkLst>
-        </pc:picChg>
-      </pc:sldChg>
-      <pc:sldChg chg="add modTransition">
-        <pc:chgData name="Antonio Osamu Katagiri Tanaka" userId="2c28225e-d492-4964-8551-1b0a3c65dda0" providerId="ADAL" clId="{1E83AF17-B86E-4C19-9585-AD3B0B02D326}" dt="2020-07-07T02:13:36.118" v="139"/>
-        <pc:sldMkLst>
-          <pc:docMk/>
-          <pc:sldMk cId="2428507866" sldId="283"/>
-        </pc:sldMkLst>
-      </pc:sldChg>
-      <pc:sldChg chg="addSp delSp modSp add mod">
-        <pc:chgData name="Antonio Osamu Katagiri Tanaka" userId="2c28225e-d492-4964-8551-1b0a3c65dda0" providerId="ADAL" clId="{1E83AF17-B86E-4C19-9585-AD3B0B02D326}" dt="2020-07-07T15:59:50.875" v="891" actId="20577"/>
-        <pc:sldMkLst>
-          <pc:docMk/>
-          <pc:sldMk cId="3318103689" sldId="284"/>
-        </pc:sldMkLst>
-        <pc:spChg chg="mod">
-          <ac:chgData name="Antonio Osamu Katagiri Tanaka" userId="2c28225e-d492-4964-8551-1b0a3c65dda0" providerId="ADAL" clId="{1E83AF17-B86E-4C19-9585-AD3B0B02D326}" dt="2020-07-07T04:15:16.742" v="357"/>
-          <ac:spMkLst>
-            <pc:docMk/>
-            <pc:sldMk cId="3318103689" sldId="284"/>
-            <ac:spMk id="3" creationId="{55DCEE6A-554B-4669-B3C5-FCF378150DA8}"/>
-          </ac:spMkLst>
-        </pc:spChg>
-        <pc:spChg chg="mod">
-          <ac:chgData name="Antonio Osamu Katagiri Tanaka" userId="2c28225e-d492-4964-8551-1b0a3c65dda0" providerId="ADAL" clId="{1E83AF17-B86E-4C19-9585-AD3B0B02D326}" dt="2020-07-07T15:59:50.875" v="891" actId="20577"/>
-          <ac:spMkLst>
-            <pc:docMk/>
-            <pc:sldMk cId="3318103689" sldId="284"/>
-            <ac:spMk id="4" creationId="{6AE71113-7603-4258-9A83-0BFAC09331E2}"/>
-          </ac:spMkLst>
-        </pc:spChg>
-        <pc:spChg chg="mod">
-          <ac:chgData name="Antonio Osamu Katagiri Tanaka" userId="2c28225e-d492-4964-8551-1b0a3c65dda0" providerId="ADAL" clId="{1E83AF17-B86E-4C19-9585-AD3B0B02D326}" dt="2020-07-07T03:48:05.156" v="250" actId="20577"/>
-          <ac:spMkLst>
-            <pc:docMk/>
-            <pc:sldMk cId="3318103689" sldId="284"/>
-            <ac:spMk id="6" creationId="{438892A2-F58C-479B-93B3-BDD2A80D348B}"/>
-          </ac:spMkLst>
-        </pc:spChg>
-        <pc:spChg chg="del">
-          <ac:chgData name="Antonio Osamu Katagiri Tanaka" userId="2c28225e-d492-4964-8551-1b0a3c65dda0" providerId="ADAL" clId="{1E83AF17-B86E-4C19-9585-AD3B0B02D326}" dt="2020-07-07T05:32:36.611" v="511" actId="478"/>
-          <ac:spMkLst>
-            <pc:docMk/>
-            <pc:sldMk cId="3318103689" sldId="284"/>
-            <ac:spMk id="14" creationId="{B1FDEF3E-1872-41D3-A841-FBE14801F476}"/>
-          </ac:spMkLst>
-        </pc:spChg>
-        <pc:picChg chg="add mod">
-          <ac:chgData name="Antonio Osamu Katagiri Tanaka" userId="2c28225e-d492-4964-8551-1b0a3c65dda0" providerId="ADAL" clId="{1E83AF17-B86E-4C19-9585-AD3B0B02D326}" dt="2020-07-07T15:43:03.275" v="804" actId="1076"/>
-          <ac:picMkLst>
-            <pc:docMk/>
-            <pc:sldMk cId="3318103689" sldId="284"/>
-            <ac:picMk id="7" creationId="{FFB13116-AB1C-49B0-90D5-1E3B9B5296BA}"/>
-          </ac:picMkLst>
-        </pc:picChg>
-      </pc:sldChg>
-      <pc:sldChg chg="addSp delSp modSp add mod">
-        <pc:chgData name="Antonio Osamu Katagiri Tanaka" userId="2c28225e-d492-4964-8551-1b0a3c65dda0" providerId="ADAL" clId="{1E83AF17-B86E-4C19-9585-AD3B0B02D326}" dt="2020-07-07T15:42:16.232" v="795" actId="1076"/>
-        <pc:sldMkLst>
-          <pc:docMk/>
-          <pc:sldMk cId="1940175811" sldId="285"/>
-        </pc:sldMkLst>
-        <pc:spChg chg="mod">
-          <ac:chgData name="Antonio Osamu Katagiri Tanaka" userId="2c28225e-d492-4964-8551-1b0a3c65dda0" providerId="ADAL" clId="{1E83AF17-B86E-4C19-9585-AD3B0B02D326}" dt="2020-07-07T04:15:24.781" v="358"/>
-          <ac:spMkLst>
-            <pc:docMk/>
-            <pc:sldMk cId="1940175811" sldId="285"/>
-            <ac:spMk id="3" creationId="{55DCEE6A-554B-4669-B3C5-FCF378150DA8}"/>
-          </ac:spMkLst>
-        </pc:spChg>
-        <pc:spChg chg="mod">
-          <ac:chgData name="Antonio Osamu Katagiri Tanaka" userId="2c28225e-d492-4964-8551-1b0a3c65dda0" providerId="ADAL" clId="{1E83AF17-B86E-4C19-9585-AD3B0B02D326}" dt="2020-07-07T15:37:09.775" v="761" actId="20577"/>
-          <ac:spMkLst>
-            <pc:docMk/>
-            <pc:sldMk cId="1940175811" sldId="285"/>
-            <ac:spMk id="4" creationId="{537BD168-0E46-4D2A-9C66-EFB42E41BB07}"/>
-          </ac:spMkLst>
-        </pc:spChg>
-        <pc:spChg chg="mod">
-          <ac:chgData name="Antonio Osamu Katagiri Tanaka" userId="2c28225e-d492-4964-8551-1b0a3c65dda0" providerId="ADAL" clId="{1E83AF17-B86E-4C19-9585-AD3B0B02D326}" dt="2020-07-07T03:48:38.586" v="290" actId="20577"/>
-          <ac:spMkLst>
-            <pc:docMk/>
-            <pc:sldMk cId="1940175811" sldId="285"/>
-            <ac:spMk id="6" creationId="{438892A2-F58C-479B-93B3-BDD2A80D348B}"/>
-          </ac:spMkLst>
-        </pc:spChg>
-        <pc:spChg chg="del">
-          <ac:chgData name="Antonio Osamu Katagiri Tanaka" userId="2c28225e-d492-4964-8551-1b0a3c65dda0" providerId="ADAL" clId="{1E83AF17-B86E-4C19-9585-AD3B0B02D326}" dt="2020-07-07T05:32:33.334" v="510" actId="478"/>
-          <ac:spMkLst>
-            <pc:docMk/>
-            <pc:sldMk cId="1940175811" sldId="285"/>
-            <ac:spMk id="14" creationId="{B1FDEF3E-1872-41D3-A841-FBE14801F476}"/>
-          </ac:spMkLst>
-        </pc:spChg>
-        <pc:picChg chg="add mod">
-          <ac:chgData name="Antonio Osamu Katagiri Tanaka" userId="2c28225e-d492-4964-8551-1b0a3c65dda0" providerId="ADAL" clId="{1E83AF17-B86E-4C19-9585-AD3B0B02D326}" dt="2020-07-07T15:42:16.232" v="795" actId="1076"/>
-          <ac:picMkLst>
-            <pc:docMk/>
-            <pc:sldMk cId="1940175811" sldId="285"/>
-            <ac:picMk id="7" creationId="{A8143575-7374-4A09-A08D-54305300D144}"/>
-          </ac:picMkLst>
-        </pc:picChg>
-      </pc:sldChg>
-      <pc:sldChg chg="add">
-        <pc:chgData name="Antonio Osamu Katagiri Tanaka" userId="2c28225e-d492-4964-8551-1b0a3c65dda0" providerId="ADAL" clId="{1E83AF17-B86E-4C19-9585-AD3B0B02D326}" dt="2020-07-07T15:39:15.958" v="774"/>
-        <pc:sldMkLst>
-          <pc:docMk/>
-          <pc:sldMk cId="3844643083" sldId="286"/>
-        </pc:sldMkLst>
-      </pc:sldChg>
-    </pc:docChg>
-  </pc:docChgLst>
-  <pc:docChgLst>
-    <pc:chgData name="Antonio Osamu Katagiri Tanaka" userId="2c28225e-d492-4964-8551-1b0a3c65dda0" providerId="ADAL" clId="{329B512D-3474-403B-B217-DE713D6D5C19}"/>
-    <pc:docChg chg="undo custSel addSld delSld modSld sldOrd modSection">
-      <pc:chgData name="Antonio Osamu Katagiri Tanaka" userId="2c28225e-d492-4964-8551-1b0a3c65dda0" providerId="ADAL" clId="{329B512D-3474-403B-B217-DE713D6D5C19}" dt="2019-04-04T15:50:31.505" v="1986" actId="20577"/>
-      <pc:docMkLst>
-        <pc:docMk/>
-      </pc:docMkLst>
-      <pc:sldChg chg="addSp">
-        <pc:chgData name="Antonio Osamu Katagiri Tanaka" userId="2c28225e-d492-4964-8551-1b0a3c65dda0" providerId="ADAL" clId="{329B512D-3474-403B-B217-DE713D6D5C19}" dt="2019-03-31T15:07:38.520" v="0" actId="9405"/>
-        <pc:sldMkLst>
-          <pc:docMk/>
-          <pc:sldMk cId="3401248549" sldId="256"/>
-        </pc:sldMkLst>
-        <pc:inkChg chg="add">
-          <ac:chgData name="Antonio Osamu Katagiri Tanaka" userId="2c28225e-d492-4964-8551-1b0a3c65dda0" providerId="ADAL" clId="{329B512D-3474-403B-B217-DE713D6D5C19}" dt="2019-03-31T15:07:38.520" v="0" actId="9405"/>
-          <ac:inkMkLst>
-            <pc:docMk/>
-            <pc:sldMk cId="3401248549" sldId="256"/>
-            <ac:inkMk id="2" creationId="{E00210A8-2E97-46D2-AE68-867D9198F33C}"/>
-          </ac:inkMkLst>
-        </pc:inkChg>
-      </pc:sldChg>
-      <pc:sldChg chg="modSp">
-        <pc:chgData name="Antonio Osamu Katagiri Tanaka" userId="2c28225e-d492-4964-8551-1b0a3c65dda0" providerId="ADAL" clId="{329B512D-3474-403B-B217-DE713D6D5C19}" dt="2019-04-04T15:50:31.505" v="1986" actId="20577"/>
-        <pc:sldMkLst>
-          <pc:docMk/>
-          <pc:sldMk cId="1105756717" sldId="257"/>
-        </pc:sldMkLst>
-        <pc:spChg chg="mod">
-          <ac:chgData name="Antonio Osamu Katagiri Tanaka" userId="2c28225e-d492-4964-8551-1b0a3c65dda0" providerId="ADAL" clId="{329B512D-3474-403B-B217-DE713D6D5C19}" dt="2019-04-04T15:50:31.505" v="1986" actId="20577"/>
-          <ac:spMkLst>
-            <pc:docMk/>
-            <pc:sldMk cId="1105756717" sldId="257"/>
-            <ac:spMk id="3" creationId="{6E971A9A-8031-4781-96A0-B9A5656935B5}"/>
-          </ac:spMkLst>
-        </pc:spChg>
-      </pc:sldChg>
-      <pc:sldChg chg="addSp delSp modSp">
-        <pc:chgData name="Antonio Osamu Katagiri Tanaka" userId="2c28225e-d492-4964-8551-1b0a3c65dda0" providerId="ADAL" clId="{329B512D-3474-403B-B217-DE713D6D5C19}" dt="2019-04-04T14:27:37.615" v="1984" actId="115"/>
-        <pc:sldMkLst>
-          <pc:docMk/>
-          <pc:sldMk cId="3604131991" sldId="263"/>
-        </pc:sldMkLst>
-        <pc:spChg chg="mod">
-          <ac:chgData name="Antonio Osamu Katagiri Tanaka" userId="2c28225e-d492-4964-8551-1b0a3c65dda0" providerId="ADAL" clId="{329B512D-3474-403B-B217-DE713D6D5C19}" dt="2019-04-04T14:27:37.615" v="1984" actId="115"/>
-          <ac:spMkLst>
-            <pc:docMk/>
-            <pc:sldMk cId="3604131991" sldId="263"/>
-            <ac:spMk id="6" creationId="{058630E6-31AF-4451-B084-C9809D0DA4E8}"/>
-          </ac:spMkLst>
-        </pc:spChg>
-        <pc:inkChg chg="add del">
-          <ac:chgData name="Antonio Osamu Katagiri Tanaka" userId="2c28225e-d492-4964-8551-1b0a3c65dda0" providerId="ADAL" clId="{329B512D-3474-403B-B217-DE713D6D5C19}" dt="2019-04-04T14:27:28.979" v="1982" actId="9405"/>
-          <ac:inkMkLst>
-            <pc:docMk/>
-            <pc:sldMk cId="3604131991" sldId="263"/>
-            <ac:inkMk id="2" creationId="{969D952D-714C-43B0-A513-C6B4AE47428D}"/>
-          </ac:inkMkLst>
-        </pc:inkChg>
-        <pc:inkChg chg="add del">
-          <ac:chgData name="Antonio Osamu Katagiri Tanaka" userId="2c28225e-d492-4964-8551-1b0a3c65dda0" providerId="ADAL" clId="{329B512D-3474-403B-B217-DE713D6D5C19}" dt="2019-04-04T14:27:28.045" v="1981" actId="9405"/>
-          <ac:inkMkLst>
-            <pc:docMk/>
-            <pc:sldMk cId="3604131991" sldId="263"/>
-            <ac:inkMk id="3" creationId="{FE05DE7C-4281-4120-83A0-C423CBD124A8}"/>
-          </ac:inkMkLst>
-        </pc:inkChg>
-        <pc:inkChg chg="add del">
-          <ac:chgData name="Antonio Osamu Katagiri Tanaka" userId="2c28225e-d492-4964-8551-1b0a3c65dda0" providerId="ADAL" clId="{329B512D-3474-403B-B217-DE713D6D5C19}" dt="2019-04-04T14:27:27.649" v="1980" actId="9405"/>
-          <ac:inkMkLst>
-            <pc:docMk/>
-            <pc:sldMk cId="3604131991" sldId="263"/>
-            <ac:inkMk id="5" creationId="{BB6A19F7-AA98-477A-A47F-B32552340760}"/>
-          </ac:inkMkLst>
-        </pc:inkChg>
-      </pc:sldChg>
-      <pc:sldChg chg="addSp delSp modSp add modNotesTx">
-        <pc:chgData name="Antonio Osamu Katagiri Tanaka" userId="2c28225e-d492-4964-8551-1b0a3c65dda0" providerId="ADAL" clId="{329B512D-3474-403B-B217-DE713D6D5C19}" dt="2019-04-04T13:21:57.223" v="1920" actId="20577"/>
-        <pc:sldMkLst>
-          <pc:docMk/>
-          <pc:sldMk cId="708711930" sldId="276"/>
-        </pc:sldMkLst>
-        <pc:spChg chg="mod">
-          <ac:chgData name="Antonio Osamu Katagiri Tanaka" userId="2c28225e-d492-4964-8551-1b0a3c65dda0" providerId="ADAL" clId="{329B512D-3474-403B-B217-DE713D6D5C19}" dt="2019-04-04T04:34:54.745" v="1145" actId="20577"/>
-          <ac:spMkLst>
-            <pc:docMk/>
-            <pc:sldMk cId="708711930" sldId="276"/>
-            <ac:spMk id="4" creationId="{F9ED8BE6-F7AC-4FD8-8FA8-8C683A7C2F62}"/>
-          </ac:spMkLst>
-        </pc:spChg>
-        <pc:spChg chg="add mod">
-          <ac:chgData name="Antonio Osamu Katagiri Tanaka" userId="2c28225e-d492-4964-8551-1b0a3c65dda0" providerId="ADAL" clId="{329B512D-3474-403B-B217-DE713D6D5C19}" dt="2019-04-04T13:21:57.223" v="1920" actId="20577"/>
-          <ac:spMkLst>
-            <pc:docMk/>
-            <pc:sldMk cId="708711930" sldId="276"/>
-            <ac:spMk id="7" creationId="{43F915F1-9C90-4B6E-AA0B-C9F4FCF704FA}"/>
-          </ac:spMkLst>
-        </pc:spChg>
-        <pc:picChg chg="add del mod">
-          <ac:chgData name="Antonio Osamu Katagiri Tanaka" userId="2c28225e-d492-4964-8551-1b0a3c65dda0" providerId="ADAL" clId="{329B512D-3474-403B-B217-DE713D6D5C19}" dt="2019-04-04T05:13:15.197" v="1321" actId="478"/>
-          <ac:picMkLst>
-            <pc:docMk/>
-            <pc:sldMk cId="708711930" sldId="276"/>
-            <ac:picMk id="5" creationId="{A98AA8FA-E2A8-490A-BE93-C2DB37F95CB5}"/>
-          </ac:picMkLst>
-        </pc:picChg>
-      </pc:sldChg>
-      <pc:sldChg chg="addSp delSp add">
-        <pc:chgData name="Antonio Osamu Katagiri Tanaka" userId="2c28225e-d492-4964-8551-1b0a3c65dda0" providerId="ADAL" clId="{329B512D-3474-403B-B217-DE713D6D5C19}" dt="2019-04-04T14:17:54.544" v="1976" actId="9405"/>
-        <pc:sldMkLst>
-          <pc:docMk/>
-          <pc:sldMk cId="2232161063" sldId="281"/>
-        </pc:sldMkLst>
-        <pc:spChg chg="del">
-          <ac:chgData name="Antonio Osamu Katagiri Tanaka" userId="2c28225e-d492-4964-8551-1b0a3c65dda0" providerId="ADAL" clId="{329B512D-3474-403B-B217-DE713D6D5C19}" dt="2019-04-04T14:16:15.620" v="1950" actId="478"/>
-          <ac:spMkLst>
-            <pc:docMk/>
-            <pc:sldMk cId="2232161063" sldId="281"/>
-            <ac:spMk id="2" creationId="{4C4F355D-C485-4947-B93D-D35B7AA9E70B}"/>
-          </ac:spMkLst>
-        </pc:spChg>
-        <pc:spChg chg="del">
-          <ac:chgData name="Antonio Osamu Katagiri Tanaka" userId="2c28225e-d492-4964-8551-1b0a3c65dda0" providerId="ADAL" clId="{329B512D-3474-403B-B217-DE713D6D5C19}" dt="2019-04-04T14:16:15.620" v="1950" actId="478"/>
-          <ac:spMkLst>
-            <pc:docMk/>
-            <pc:sldMk cId="2232161063" sldId="281"/>
-            <ac:spMk id="3" creationId="{CEFF394F-286F-4E9E-91A4-CDDC3F9A8031}"/>
-          </ac:spMkLst>
-        </pc:spChg>
-        <pc:inkChg chg="add del">
-          <ac:chgData name="Antonio Osamu Katagiri Tanaka" userId="2c28225e-d492-4964-8551-1b0a3c65dda0" providerId="ADAL" clId="{329B512D-3474-403B-B217-DE713D6D5C19}" dt="2019-04-04T14:16:38.510" v="1954" actId="9405"/>
-          <ac:inkMkLst>
-            <pc:docMk/>
-            <pc:sldMk cId="2232161063" sldId="281"/>
-            <ac:inkMk id="4" creationId="{F48662FE-D5D2-4B7F-8DA7-0CF64BB16546}"/>
-          </ac:inkMkLst>
-        </pc:inkChg>
-        <pc:inkChg chg="add del">
-          <ac:chgData name="Antonio Osamu Katagiri Tanaka" userId="2c28225e-d492-4964-8551-1b0a3c65dda0" providerId="ADAL" clId="{329B512D-3474-403B-B217-DE713D6D5C19}" dt="2019-04-04T14:16:38.154" v="1953" actId="9405"/>
-          <ac:inkMkLst>
-            <pc:docMk/>
-            <pc:sldMk cId="2232161063" sldId="281"/>
-            <ac:inkMk id="5" creationId="{4ABF39D1-C7B9-4BA2-B542-4048A038320F}"/>
-          </ac:inkMkLst>
-        </pc:inkChg>
-        <pc:inkChg chg="add del">
-          <ac:chgData name="Antonio Osamu Katagiri Tanaka" userId="2c28225e-d492-4964-8551-1b0a3c65dda0" providerId="ADAL" clId="{329B512D-3474-403B-B217-DE713D6D5C19}" dt="2019-04-04T14:16:47.175" v="1958" actId="9405"/>
-          <ac:inkMkLst>
-            <pc:docMk/>
-            <pc:sldMk cId="2232161063" sldId="281"/>
-            <ac:inkMk id="6" creationId="{5B1B56C8-70C9-4730-8643-79E88310667C}"/>
-          </ac:inkMkLst>
-        </pc:inkChg>
-        <pc:inkChg chg="add del">
-          <ac:chgData name="Antonio Osamu Katagiri Tanaka" userId="2c28225e-d492-4964-8551-1b0a3c65dda0" providerId="ADAL" clId="{329B512D-3474-403B-B217-DE713D6D5C19}" dt="2019-04-04T14:16:46.724" v="1957" actId="9405"/>
-          <ac:inkMkLst>
-            <pc:docMk/>
-            <pc:sldMk cId="2232161063" sldId="281"/>
-            <ac:inkMk id="7" creationId="{24C5F770-68B4-4D42-B489-41A511F861BD}"/>
-          </ac:inkMkLst>
-        </pc:inkChg>
-        <pc:inkChg chg="add del">
-          <ac:chgData name="Antonio Osamu Katagiri Tanaka" userId="2c28225e-d492-4964-8551-1b0a3c65dda0" providerId="ADAL" clId="{329B512D-3474-403B-B217-DE713D6D5C19}" dt="2019-04-04T14:17:20.271" v="1975" actId="9405"/>
-          <ac:inkMkLst>
-            <pc:docMk/>
-            <pc:sldMk cId="2232161063" sldId="281"/>
-            <ac:inkMk id="8" creationId="{39B76950-E0E3-487C-9E7C-22E8EC186848}"/>
-          </ac:inkMkLst>
-        </pc:inkChg>
-        <pc:inkChg chg="add del">
-          <ac:chgData name="Antonio Osamu Katagiri Tanaka" userId="2c28225e-d492-4964-8551-1b0a3c65dda0" providerId="ADAL" clId="{329B512D-3474-403B-B217-DE713D6D5C19}" dt="2019-04-04T14:17:20.012" v="1974" actId="9405"/>
-          <ac:inkMkLst>
-            <pc:docMk/>
-            <pc:sldMk cId="2232161063" sldId="281"/>
-            <ac:inkMk id="9" creationId="{3CEC4F54-38E1-4934-8B8C-FFE12692C698}"/>
-          </ac:inkMkLst>
-        </pc:inkChg>
-        <pc:inkChg chg="add del">
-          <ac:chgData name="Antonio Osamu Katagiri Tanaka" userId="2c28225e-d492-4964-8551-1b0a3c65dda0" providerId="ADAL" clId="{329B512D-3474-403B-B217-DE713D6D5C19}" dt="2019-04-04T14:17:09.245" v="1963"/>
-          <ac:inkMkLst>
-            <pc:docMk/>
-            <pc:sldMk cId="2232161063" sldId="281"/>
-            <ac:inkMk id="10" creationId="{0DBEE789-6623-4AB2-ADC5-98E430E1CBAF}"/>
-          </ac:inkMkLst>
-        </pc:inkChg>
-        <pc:inkChg chg="add del">
-          <ac:chgData name="Antonio Osamu Katagiri Tanaka" userId="2c28225e-d492-4964-8551-1b0a3c65dda0" providerId="ADAL" clId="{329B512D-3474-403B-B217-DE713D6D5C19}" dt="2019-04-04T14:17:19.713" v="1973" actId="9405"/>
-          <ac:inkMkLst>
-            <pc:docMk/>
-            <pc:sldMk cId="2232161063" sldId="281"/>
-            <ac:inkMk id="11" creationId="{DFC9F2CA-5285-4A5C-9F5B-2525D84FA85B}"/>
-          </ac:inkMkLst>
-        </pc:inkChg>
-        <pc:inkChg chg="add del">
-          <ac:chgData name="Antonio Osamu Katagiri Tanaka" userId="2c28225e-d492-4964-8551-1b0a3c65dda0" providerId="ADAL" clId="{329B512D-3474-403B-B217-DE713D6D5C19}" dt="2019-04-04T14:17:11.940" v="1965"/>
-          <ac:inkMkLst>
-            <pc:docMk/>
-            <pc:sldMk cId="2232161063" sldId="281"/>
-            <ac:inkMk id="12" creationId="{70729EB8-D999-44DE-BD4B-AC2656488D0D}"/>
-          </ac:inkMkLst>
-        </pc:inkChg>
-        <pc:inkChg chg="add del">
-          <ac:chgData name="Antonio Osamu Katagiri Tanaka" userId="2c28225e-d492-4964-8551-1b0a3c65dda0" providerId="ADAL" clId="{329B512D-3474-403B-B217-DE713D6D5C19}" dt="2019-04-04T14:17:19.448" v="1972" actId="9405"/>
-          <ac:inkMkLst>
-            <pc:docMk/>
-            <pc:sldMk cId="2232161063" sldId="281"/>
-            <ac:inkMk id="13" creationId="{B5E4568C-A122-4752-BFD4-D01AB9477A90}"/>
-          </ac:inkMkLst>
-        </pc:inkChg>
-        <pc:inkChg chg="add del">
-          <ac:chgData name="Antonio Osamu Katagiri Tanaka" userId="2c28225e-d492-4964-8551-1b0a3c65dda0" providerId="ADAL" clId="{329B512D-3474-403B-B217-DE713D6D5C19}" dt="2019-04-04T14:17:14.340" v="1967"/>
-          <ac:inkMkLst>
-            <pc:docMk/>
-            <pc:sldMk cId="2232161063" sldId="281"/>
-            <ac:inkMk id="14" creationId="{B7C371AD-F542-4243-992B-83DE8682F6E8}"/>
-          </ac:inkMkLst>
-        </pc:inkChg>
-        <pc:inkChg chg="add del">
-          <ac:chgData name="Antonio Osamu Katagiri Tanaka" userId="2c28225e-d492-4964-8551-1b0a3c65dda0" providerId="ADAL" clId="{329B512D-3474-403B-B217-DE713D6D5C19}" dt="2019-04-04T14:17:19.102" v="1971" actId="9405"/>
-          <ac:inkMkLst>
-            <pc:docMk/>
-            <pc:sldMk cId="2232161063" sldId="281"/>
-            <ac:inkMk id="15" creationId="{CFB02AAB-6668-48F3-B426-4D9D0CC71014}"/>
-          </ac:inkMkLst>
-        </pc:inkChg>
-        <pc:inkChg chg="add del">
-          <ac:chgData name="Antonio Osamu Katagiri Tanaka" userId="2c28225e-d492-4964-8551-1b0a3c65dda0" providerId="ADAL" clId="{329B512D-3474-403B-B217-DE713D6D5C19}" dt="2019-04-04T14:17:17.351" v="1969"/>
-          <ac:inkMkLst>
-            <pc:docMk/>
-            <pc:sldMk cId="2232161063" sldId="281"/>
-            <ac:inkMk id="16" creationId="{F958836C-F4E8-4AF9-BD66-055A4B6A0328}"/>
-          </ac:inkMkLst>
-        </pc:inkChg>
-        <pc:inkChg chg="add del">
-          <ac:chgData name="Antonio Osamu Katagiri Tanaka" userId="2c28225e-d492-4964-8551-1b0a3c65dda0" providerId="ADAL" clId="{329B512D-3474-403B-B217-DE713D6D5C19}" dt="2019-04-04T14:17:18.869" v="1970" actId="9405"/>
-          <ac:inkMkLst>
-            <pc:docMk/>
-            <pc:sldMk cId="2232161063" sldId="281"/>
-            <ac:inkMk id="17" creationId="{381EC61D-F6A6-4D31-8DC8-0FDB22BF7969}"/>
-          </ac:inkMkLst>
-        </pc:inkChg>
-        <pc:inkChg chg="add">
-          <ac:chgData name="Antonio Osamu Katagiri Tanaka" userId="2c28225e-d492-4964-8551-1b0a3c65dda0" providerId="ADAL" clId="{329B512D-3474-403B-B217-DE713D6D5C19}" dt="2019-04-04T14:17:17.351" v="1969"/>
-          <ac:inkMkLst>
-            <pc:docMk/>
-            <pc:sldMk cId="2232161063" sldId="281"/>
-            <ac:inkMk id="18" creationId="{A82FD42E-7762-4781-B54C-6FC99285B972}"/>
-          </ac:inkMkLst>
-        </pc:inkChg>
-        <pc:inkChg chg="add">
-          <ac:chgData name="Antonio Osamu Katagiri Tanaka" userId="2c28225e-d492-4964-8551-1b0a3c65dda0" providerId="ADAL" clId="{329B512D-3474-403B-B217-DE713D6D5C19}" dt="2019-04-04T14:17:54.544" v="1976" actId="9405"/>
-          <ac:inkMkLst>
-            <pc:docMk/>
-            <pc:sldMk cId="2232161063" sldId="281"/>
-            <ac:inkMk id="19" creationId="{BAA549A7-2830-4ED6-A802-0791908B8068}"/>
-          </ac:inkMkLst>
-        </pc:inkChg>
       </pc:sldChg>
     </pc:docChg>
   </pc:docChgLst>
@@ -1689,6 +466,1060 @@
     </pc:docChg>
   </pc:docChgLst>
   <pc:docChgLst>
+    <pc:chgData name="Antonio Osamu Katagiri Tanaka" userId="S::a01212611@itesm.mx::2c28225e-d492-4964-8551-1b0a3c65dda0" providerId="AD" clId="Web-{C87E4ABE-1CA8-E0E9-2EE9-4D7FAE3D67D2}"/>
+    <pc:docChg chg="delSld modSection">
+      <pc:chgData name="Antonio Osamu Katagiri Tanaka" userId="S::a01212611@itesm.mx::2c28225e-d492-4964-8551-1b0a3c65dda0" providerId="AD" clId="Web-{C87E4ABE-1CA8-E0E9-2EE9-4D7FAE3D67D2}" dt="2020-07-07T19:23:37.348" v="3"/>
+      <pc:docMkLst>
+        <pc:docMk/>
+      </pc:docMkLst>
+      <pc:sldChg chg="del">
+        <pc:chgData name="Antonio Osamu Katagiri Tanaka" userId="S::a01212611@itesm.mx::2c28225e-d492-4964-8551-1b0a3c65dda0" providerId="AD" clId="Web-{C87E4ABE-1CA8-E0E9-2EE9-4D7FAE3D67D2}" dt="2020-07-07T19:23:37.348" v="3"/>
+        <pc:sldMkLst>
+          <pc:docMk/>
+          <pc:sldMk cId="1105756717" sldId="257"/>
+        </pc:sldMkLst>
+      </pc:sldChg>
+      <pc:sldChg chg="del">
+        <pc:chgData name="Antonio Osamu Katagiri Tanaka" userId="S::a01212611@itesm.mx::2c28225e-d492-4964-8551-1b0a3c65dda0" providerId="AD" clId="Web-{C87E4ABE-1CA8-E0E9-2EE9-4D7FAE3D67D2}" dt="2020-07-07T19:23:32.458" v="0"/>
+        <pc:sldMkLst>
+          <pc:docMk/>
+          <pc:sldMk cId="2232161063" sldId="281"/>
+        </pc:sldMkLst>
+      </pc:sldChg>
+      <pc:sldChg chg="del">
+        <pc:chgData name="Antonio Osamu Katagiri Tanaka" userId="S::a01212611@itesm.mx::2c28225e-d492-4964-8551-1b0a3c65dda0" providerId="AD" clId="Web-{C87E4ABE-1CA8-E0E9-2EE9-4D7FAE3D67D2}" dt="2020-07-07T19:23:32.458" v="1"/>
+        <pc:sldMkLst>
+          <pc:docMk/>
+          <pc:sldMk cId="2428507866" sldId="283"/>
+        </pc:sldMkLst>
+      </pc:sldChg>
+      <pc:sldChg chg="del">
+        <pc:chgData name="Antonio Osamu Katagiri Tanaka" userId="S::a01212611@itesm.mx::2c28225e-d492-4964-8551-1b0a3c65dda0" providerId="AD" clId="Web-{C87E4ABE-1CA8-E0E9-2EE9-4D7FAE3D67D2}" dt="2020-07-07T19:23:32.458" v="2"/>
+        <pc:sldMkLst>
+          <pc:docMk/>
+          <pc:sldMk cId="3844643083" sldId="286"/>
+        </pc:sldMkLst>
+      </pc:sldChg>
+    </pc:docChg>
+  </pc:docChgLst>
+  <pc:docChgLst>
+    <pc:chgData name="Guest User" userId="S::urn:spo:anon#47e46a85d04db472c28c4aeb3bb64066e5c98df06a20401cfe8bdeac802351a8::" providerId="AD" clId="Web-{640C0C0F-CC60-43B7-9EA7-204785F2864C}"/>
+    <pc:docChg chg="modSld">
+      <pc:chgData name="Guest User" userId="S::urn:spo:anon#47e46a85d04db472c28c4aeb3bb64066e5c98df06a20401cfe8bdeac802351a8::" providerId="AD" clId="Web-{640C0C0F-CC60-43B7-9EA7-204785F2864C}" dt="2020-07-07T04:55:23.666" v="1217" actId="20577"/>
+      <pc:docMkLst>
+        <pc:docMk/>
+      </pc:docMkLst>
+      <pc:sldChg chg="modSp">
+        <pc:chgData name="Guest User" userId="S::urn:spo:anon#47e46a85d04db472c28c4aeb3bb64066e5c98df06a20401cfe8bdeac802351a8::" providerId="AD" clId="Web-{640C0C0F-CC60-43B7-9EA7-204785F2864C}" dt="2020-07-07T04:23:42.997" v="756" actId="20577"/>
+        <pc:sldMkLst>
+          <pc:docMk/>
+          <pc:sldMk cId="708711930" sldId="276"/>
+        </pc:sldMkLst>
+        <pc:spChg chg="mod">
+          <ac:chgData name="Guest User" userId="S::urn:spo:anon#47e46a85d04db472c28c4aeb3bb64066e5c98df06a20401cfe8bdeac802351a8::" providerId="AD" clId="Web-{640C0C0F-CC60-43B7-9EA7-204785F2864C}" dt="2020-07-07T04:23:42.997" v="756" actId="20577"/>
+          <ac:spMkLst>
+            <pc:docMk/>
+            <pc:sldMk cId="708711930" sldId="276"/>
+            <ac:spMk id="7" creationId="{43F915F1-9C90-4B6E-AA0B-C9F4FCF704FA}"/>
+          </ac:spMkLst>
+        </pc:spChg>
+      </pc:sldChg>
+      <pc:sldChg chg="addSp modSp">
+        <pc:chgData name="Guest User" userId="S::urn:spo:anon#47e46a85d04db472c28c4aeb3bb64066e5c98df06a20401cfe8bdeac802351a8::" providerId="AD" clId="Web-{640C0C0F-CC60-43B7-9EA7-204785F2864C}" dt="2020-07-07T04:42:32.109" v="1070" actId="20577"/>
+        <pc:sldMkLst>
+          <pc:docMk/>
+          <pc:sldMk cId="2400443886" sldId="282"/>
+        </pc:sldMkLst>
+        <pc:spChg chg="add mod">
+          <ac:chgData name="Guest User" userId="S::urn:spo:anon#47e46a85d04db472c28c4aeb3bb64066e5c98df06a20401cfe8bdeac802351a8::" providerId="AD" clId="Web-{640C0C0F-CC60-43B7-9EA7-204785F2864C}" dt="2020-07-07T04:38:55.909" v="991" actId="1076"/>
+          <ac:spMkLst>
+            <pc:docMk/>
+            <pc:sldMk cId="2400443886" sldId="282"/>
+            <ac:spMk id="7" creationId="{60E157AC-7BB5-4366-9262-E2638604C140}"/>
+          </ac:spMkLst>
+        </pc:spChg>
+        <pc:spChg chg="mod">
+          <ac:chgData name="Guest User" userId="S::urn:spo:anon#47e46a85d04db472c28c4aeb3bb64066e5c98df06a20401cfe8bdeac802351a8::" providerId="AD" clId="Web-{640C0C0F-CC60-43B7-9EA7-204785F2864C}" dt="2020-07-07T04:42:32.109" v="1070" actId="20577"/>
+          <ac:spMkLst>
+            <pc:docMk/>
+            <pc:sldMk cId="2400443886" sldId="282"/>
+            <ac:spMk id="8" creationId="{9B5CFC4D-3DDF-451F-A89A-41EAEE17AC8E}"/>
+          </ac:spMkLst>
+        </pc:spChg>
+        <pc:picChg chg="add mod">
+          <ac:chgData name="Guest User" userId="S::urn:spo:anon#47e46a85d04db472c28c4aeb3bb64066e5c98df06a20401cfe8bdeac802351a8::" providerId="AD" clId="Web-{640C0C0F-CC60-43B7-9EA7-204785F2864C}" dt="2020-07-07T04:37:54.984" v="873" actId="1076"/>
+          <ac:picMkLst>
+            <pc:docMk/>
+            <pc:sldMk cId="2400443886" sldId="282"/>
+            <ac:picMk id="4" creationId="{66DB106F-FD6A-4232-A7C5-5F3ABDED31F0}"/>
+          </ac:picMkLst>
+        </pc:picChg>
+      </pc:sldChg>
+      <pc:sldChg chg="addSp modSp">
+        <pc:chgData name="Guest User" userId="S::urn:spo:anon#47e46a85d04db472c28c4aeb3bb64066e5c98df06a20401cfe8bdeac802351a8::" providerId="AD" clId="Web-{640C0C0F-CC60-43B7-9EA7-204785F2864C}" dt="2020-07-07T04:32:28.199" v="866" actId="20577"/>
+        <pc:sldMkLst>
+          <pc:docMk/>
+          <pc:sldMk cId="3318103689" sldId="284"/>
+        </pc:sldMkLst>
+        <pc:spChg chg="add mod">
+          <ac:chgData name="Guest User" userId="S::urn:spo:anon#47e46a85d04db472c28c4aeb3bb64066e5c98df06a20401cfe8bdeac802351a8::" providerId="AD" clId="Web-{640C0C0F-CC60-43B7-9EA7-204785F2864C}" dt="2020-07-07T04:32:28.199" v="866" actId="20577"/>
+          <ac:spMkLst>
+            <pc:docMk/>
+            <pc:sldMk cId="3318103689" sldId="284"/>
+            <ac:spMk id="4" creationId="{6AE71113-7603-4258-9A83-0BFAC09331E2}"/>
+          </ac:spMkLst>
+        </pc:spChg>
+        <pc:spChg chg="mod">
+          <ac:chgData name="Guest User" userId="S::urn:spo:anon#47e46a85d04db472c28c4aeb3bb64066e5c98df06a20401cfe8bdeac802351a8::" providerId="AD" clId="Web-{640C0C0F-CC60-43B7-9EA7-204785F2864C}" dt="2020-07-07T04:10:01.530" v="0" actId="14100"/>
+          <ac:spMkLst>
+            <pc:docMk/>
+            <pc:sldMk cId="3318103689" sldId="284"/>
+            <ac:spMk id="14" creationId="{B1FDEF3E-1872-41D3-A841-FBE14801F476}"/>
+          </ac:spMkLst>
+        </pc:spChg>
+      </pc:sldChg>
+      <pc:sldChg chg="addSp modSp">
+        <pc:chgData name="Guest User" userId="S::urn:spo:anon#47e46a85d04db472c28c4aeb3bb64066e5c98df06a20401cfe8bdeac802351a8::" providerId="AD" clId="Web-{640C0C0F-CC60-43B7-9EA7-204785F2864C}" dt="2020-07-07T04:55:22.651" v="1215" actId="20577"/>
+        <pc:sldMkLst>
+          <pc:docMk/>
+          <pc:sldMk cId="1940175811" sldId="285"/>
+        </pc:sldMkLst>
+        <pc:spChg chg="add mod">
+          <ac:chgData name="Guest User" userId="S::urn:spo:anon#47e46a85d04db472c28c4aeb3bb64066e5c98df06a20401cfe8bdeac802351a8::" providerId="AD" clId="Web-{640C0C0F-CC60-43B7-9EA7-204785F2864C}" dt="2020-07-07T04:55:22.651" v="1215" actId="20577"/>
+          <ac:spMkLst>
+            <pc:docMk/>
+            <pc:sldMk cId="1940175811" sldId="285"/>
+            <ac:spMk id="4" creationId="{537BD168-0E46-4D2A-9C66-EFB42E41BB07}"/>
+          </ac:spMkLst>
+        </pc:spChg>
+      </pc:sldChg>
+    </pc:docChg>
+  </pc:docChgLst>
+  <pc:docChgLst>
+    <pc:chgData name="Guest User" userId="S::urn:spo:anon#47e46a85d04db472c28c4aeb3bb64066e5c98df06a20401cfe8bdeac802351a8::" providerId="AD" clId="Web-{01F8087D-ABBD-2F19-C88E-4C4403FB6658}"/>
+    <pc:docChg chg="modSld">
+      <pc:chgData name="Guest User" userId="S::urn:spo:anon#47e46a85d04db472c28c4aeb3bb64066e5c98df06a20401cfe8bdeac802351a8::" providerId="AD" clId="Web-{01F8087D-ABBD-2F19-C88E-4C4403FB6658}" dt="2020-07-07T22:02:32.717" v="12" actId="14100"/>
+      <pc:docMkLst>
+        <pc:docMk/>
+      </pc:docMkLst>
+      <pc:sldChg chg="modSp">
+        <pc:chgData name="Guest User" userId="S::urn:spo:anon#47e46a85d04db472c28c4aeb3bb64066e5c98df06a20401cfe8bdeac802351a8::" providerId="AD" clId="Web-{01F8087D-ABBD-2F19-C88E-4C4403FB6658}" dt="2020-07-07T22:02:32.717" v="12" actId="14100"/>
+        <pc:sldMkLst>
+          <pc:docMk/>
+          <pc:sldMk cId="708711930" sldId="276"/>
+        </pc:sldMkLst>
+        <pc:spChg chg="mod">
+          <ac:chgData name="Guest User" userId="S::urn:spo:anon#47e46a85d04db472c28c4aeb3bb64066e5c98df06a20401cfe8bdeac802351a8::" providerId="AD" clId="Web-{01F8087D-ABBD-2F19-C88E-4C4403FB6658}" dt="2020-07-07T22:02:32.717" v="12" actId="14100"/>
+          <ac:spMkLst>
+            <pc:docMk/>
+            <pc:sldMk cId="708711930" sldId="276"/>
+            <ac:spMk id="7" creationId="{43F915F1-9C90-4B6E-AA0B-C9F4FCF704FA}"/>
+          </ac:spMkLst>
+        </pc:spChg>
+      </pc:sldChg>
+    </pc:docChg>
+  </pc:docChgLst>
+  <pc:docChgLst>
+    <pc:chgData name="Guest User" userId="S::urn:spo:anon#47e46a85d04db472c28c4aeb3bb64066e5c98df06a20401cfe8bdeac802351a8::" providerId="AD" clId="Web-{0C436939-5DEA-A61A-B6DA-B3EBA6433A08}"/>
+    <pc:docChg chg="modSld">
+      <pc:chgData name="Guest User" userId="S::urn:spo:anon#47e46a85d04db472c28c4aeb3bb64066e5c98df06a20401cfe8bdeac802351a8::" providerId="AD" clId="Web-{0C436939-5DEA-A61A-B6DA-B3EBA6433A08}" dt="2020-07-07T17:13:58.618" v="45" actId="20577"/>
+      <pc:docMkLst>
+        <pc:docMk/>
+      </pc:docMkLst>
+      <pc:sldChg chg="modSp">
+        <pc:chgData name="Guest User" userId="S::urn:spo:anon#47e46a85d04db472c28c4aeb3bb64066e5c98df06a20401cfe8bdeac802351a8::" providerId="AD" clId="Web-{0C436939-5DEA-A61A-B6DA-B3EBA6433A08}" dt="2020-07-07T17:13:58.618" v="44" actId="20577"/>
+        <pc:sldMkLst>
+          <pc:docMk/>
+          <pc:sldMk cId="708711930" sldId="276"/>
+        </pc:sldMkLst>
+        <pc:spChg chg="mod">
+          <ac:chgData name="Guest User" userId="S::urn:spo:anon#47e46a85d04db472c28c4aeb3bb64066e5c98df06a20401cfe8bdeac802351a8::" providerId="AD" clId="Web-{0C436939-5DEA-A61A-B6DA-B3EBA6433A08}" dt="2020-07-07T17:13:58.618" v="44" actId="20577"/>
+          <ac:spMkLst>
+            <pc:docMk/>
+            <pc:sldMk cId="708711930" sldId="276"/>
+            <ac:spMk id="7" creationId="{43F915F1-9C90-4B6E-AA0B-C9F4FCF704FA}"/>
+          </ac:spMkLst>
+        </pc:spChg>
+      </pc:sldChg>
+      <pc:sldChg chg="modSp">
+        <pc:chgData name="Guest User" userId="S::urn:spo:anon#47e46a85d04db472c28c4aeb3bb64066e5c98df06a20401cfe8bdeac802351a8::" providerId="AD" clId="Web-{0C436939-5DEA-A61A-B6DA-B3EBA6433A08}" dt="2020-07-07T17:02:58.810" v="20" actId="20577"/>
+        <pc:sldMkLst>
+          <pc:docMk/>
+          <pc:sldMk cId="3318103689" sldId="284"/>
+        </pc:sldMkLst>
+        <pc:spChg chg="mod">
+          <ac:chgData name="Guest User" userId="S::urn:spo:anon#47e46a85d04db472c28c4aeb3bb64066e5c98df06a20401cfe8bdeac802351a8::" providerId="AD" clId="Web-{0C436939-5DEA-A61A-B6DA-B3EBA6433A08}" dt="2020-07-07T17:02:58.810" v="20" actId="20577"/>
+          <ac:spMkLst>
+            <pc:docMk/>
+            <pc:sldMk cId="3318103689" sldId="284"/>
+            <ac:spMk id="4" creationId="{6AE71113-7603-4258-9A83-0BFAC09331E2}"/>
+          </ac:spMkLst>
+        </pc:spChg>
+      </pc:sldChg>
+    </pc:docChg>
+  </pc:docChgLst>
+  <pc:docChgLst>
+    <pc:chgData name="Antonio Osamu Katagiri Tanaka" userId="2c28225e-d492-4964-8551-1b0a3c65dda0" providerId="ADAL" clId="{329B512D-3474-403B-B217-DE713D6D5C19}"/>
+    <pc:docChg chg="undo custSel addSld delSld modSld sldOrd modSection">
+      <pc:chgData name="Antonio Osamu Katagiri Tanaka" userId="2c28225e-d492-4964-8551-1b0a3c65dda0" providerId="ADAL" clId="{329B512D-3474-403B-B217-DE713D6D5C19}" dt="2019-04-04T15:50:31.505" v="1986" actId="20577"/>
+      <pc:docMkLst>
+        <pc:docMk/>
+      </pc:docMkLst>
+      <pc:sldChg chg="addSp">
+        <pc:chgData name="Antonio Osamu Katagiri Tanaka" userId="2c28225e-d492-4964-8551-1b0a3c65dda0" providerId="ADAL" clId="{329B512D-3474-403B-B217-DE713D6D5C19}" dt="2019-03-31T15:07:38.520" v="0" actId="9405"/>
+        <pc:sldMkLst>
+          <pc:docMk/>
+          <pc:sldMk cId="3401248549" sldId="256"/>
+        </pc:sldMkLst>
+        <pc:inkChg chg="add">
+          <ac:chgData name="Antonio Osamu Katagiri Tanaka" userId="2c28225e-d492-4964-8551-1b0a3c65dda0" providerId="ADAL" clId="{329B512D-3474-403B-B217-DE713D6D5C19}" dt="2019-03-31T15:07:38.520" v="0" actId="9405"/>
+          <ac:inkMkLst>
+            <pc:docMk/>
+            <pc:sldMk cId="3401248549" sldId="256"/>
+            <ac:inkMk id="2" creationId="{E00210A8-2E97-46D2-AE68-867D9198F33C}"/>
+          </ac:inkMkLst>
+        </pc:inkChg>
+      </pc:sldChg>
+      <pc:sldChg chg="modSp">
+        <pc:chgData name="Antonio Osamu Katagiri Tanaka" userId="2c28225e-d492-4964-8551-1b0a3c65dda0" providerId="ADAL" clId="{329B512D-3474-403B-B217-DE713D6D5C19}" dt="2019-04-04T15:50:31.505" v="1986" actId="20577"/>
+        <pc:sldMkLst>
+          <pc:docMk/>
+          <pc:sldMk cId="1105756717" sldId="257"/>
+        </pc:sldMkLst>
+        <pc:spChg chg="mod">
+          <ac:chgData name="Antonio Osamu Katagiri Tanaka" userId="2c28225e-d492-4964-8551-1b0a3c65dda0" providerId="ADAL" clId="{329B512D-3474-403B-B217-DE713D6D5C19}" dt="2019-04-04T15:50:31.505" v="1986" actId="20577"/>
+          <ac:spMkLst>
+            <pc:docMk/>
+            <pc:sldMk cId="1105756717" sldId="257"/>
+            <ac:spMk id="3" creationId="{6E971A9A-8031-4781-96A0-B9A5656935B5}"/>
+          </ac:spMkLst>
+        </pc:spChg>
+      </pc:sldChg>
+      <pc:sldChg chg="addSp delSp modSp">
+        <pc:chgData name="Antonio Osamu Katagiri Tanaka" userId="2c28225e-d492-4964-8551-1b0a3c65dda0" providerId="ADAL" clId="{329B512D-3474-403B-B217-DE713D6D5C19}" dt="2019-04-04T14:27:37.615" v="1984" actId="115"/>
+        <pc:sldMkLst>
+          <pc:docMk/>
+          <pc:sldMk cId="3604131991" sldId="263"/>
+        </pc:sldMkLst>
+        <pc:spChg chg="mod">
+          <ac:chgData name="Antonio Osamu Katagiri Tanaka" userId="2c28225e-d492-4964-8551-1b0a3c65dda0" providerId="ADAL" clId="{329B512D-3474-403B-B217-DE713D6D5C19}" dt="2019-04-04T14:27:37.615" v="1984" actId="115"/>
+          <ac:spMkLst>
+            <pc:docMk/>
+            <pc:sldMk cId="3604131991" sldId="263"/>
+            <ac:spMk id="6" creationId="{058630E6-31AF-4451-B084-C9809D0DA4E8}"/>
+          </ac:spMkLst>
+        </pc:spChg>
+        <pc:inkChg chg="add del">
+          <ac:chgData name="Antonio Osamu Katagiri Tanaka" userId="2c28225e-d492-4964-8551-1b0a3c65dda0" providerId="ADAL" clId="{329B512D-3474-403B-B217-DE713D6D5C19}" dt="2019-04-04T14:27:28.979" v="1982" actId="9405"/>
+          <ac:inkMkLst>
+            <pc:docMk/>
+            <pc:sldMk cId="3604131991" sldId="263"/>
+            <ac:inkMk id="2" creationId="{969D952D-714C-43B0-A513-C6B4AE47428D}"/>
+          </ac:inkMkLst>
+        </pc:inkChg>
+        <pc:inkChg chg="add del">
+          <ac:chgData name="Antonio Osamu Katagiri Tanaka" userId="2c28225e-d492-4964-8551-1b0a3c65dda0" providerId="ADAL" clId="{329B512D-3474-403B-B217-DE713D6D5C19}" dt="2019-04-04T14:27:28.045" v="1981" actId="9405"/>
+          <ac:inkMkLst>
+            <pc:docMk/>
+            <pc:sldMk cId="3604131991" sldId="263"/>
+            <ac:inkMk id="3" creationId="{FE05DE7C-4281-4120-83A0-C423CBD124A8}"/>
+          </ac:inkMkLst>
+        </pc:inkChg>
+        <pc:inkChg chg="add del">
+          <ac:chgData name="Antonio Osamu Katagiri Tanaka" userId="2c28225e-d492-4964-8551-1b0a3c65dda0" providerId="ADAL" clId="{329B512D-3474-403B-B217-DE713D6D5C19}" dt="2019-04-04T14:27:27.649" v="1980" actId="9405"/>
+          <ac:inkMkLst>
+            <pc:docMk/>
+            <pc:sldMk cId="3604131991" sldId="263"/>
+            <ac:inkMk id="5" creationId="{BB6A19F7-AA98-477A-A47F-B32552340760}"/>
+          </ac:inkMkLst>
+        </pc:inkChg>
+      </pc:sldChg>
+      <pc:sldChg chg="addSp delSp modSp add modNotesTx">
+        <pc:chgData name="Antonio Osamu Katagiri Tanaka" userId="2c28225e-d492-4964-8551-1b0a3c65dda0" providerId="ADAL" clId="{329B512D-3474-403B-B217-DE713D6D5C19}" dt="2019-04-04T13:21:57.223" v="1920" actId="20577"/>
+        <pc:sldMkLst>
+          <pc:docMk/>
+          <pc:sldMk cId="708711930" sldId="276"/>
+        </pc:sldMkLst>
+        <pc:spChg chg="mod">
+          <ac:chgData name="Antonio Osamu Katagiri Tanaka" userId="2c28225e-d492-4964-8551-1b0a3c65dda0" providerId="ADAL" clId="{329B512D-3474-403B-B217-DE713D6D5C19}" dt="2019-04-04T04:34:54.745" v="1145" actId="20577"/>
+          <ac:spMkLst>
+            <pc:docMk/>
+            <pc:sldMk cId="708711930" sldId="276"/>
+            <ac:spMk id="4" creationId="{F9ED8BE6-F7AC-4FD8-8FA8-8C683A7C2F62}"/>
+          </ac:spMkLst>
+        </pc:spChg>
+        <pc:spChg chg="add mod">
+          <ac:chgData name="Antonio Osamu Katagiri Tanaka" userId="2c28225e-d492-4964-8551-1b0a3c65dda0" providerId="ADAL" clId="{329B512D-3474-403B-B217-DE713D6D5C19}" dt="2019-04-04T13:21:57.223" v="1920" actId="20577"/>
+          <ac:spMkLst>
+            <pc:docMk/>
+            <pc:sldMk cId="708711930" sldId="276"/>
+            <ac:spMk id="7" creationId="{43F915F1-9C90-4B6E-AA0B-C9F4FCF704FA}"/>
+          </ac:spMkLst>
+        </pc:spChg>
+        <pc:picChg chg="add del mod">
+          <ac:chgData name="Antonio Osamu Katagiri Tanaka" userId="2c28225e-d492-4964-8551-1b0a3c65dda0" providerId="ADAL" clId="{329B512D-3474-403B-B217-DE713D6D5C19}" dt="2019-04-04T05:13:15.197" v="1321" actId="478"/>
+          <ac:picMkLst>
+            <pc:docMk/>
+            <pc:sldMk cId="708711930" sldId="276"/>
+            <ac:picMk id="5" creationId="{A98AA8FA-E2A8-490A-BE93-C2DB37F95CB5}"/>
+          </ac:picMkLst>
+        </pc:picChg>
+      </pc:sldChg>
+      <pc:sldChg chg="addSp delSp add">
+        <pc:chgData name="Antonio Osamu Katagiri Tanaka" userId="2c28225e-d492-4964-8551-1b0a3c65dda0" providerId="ADAL" clId="{329B512D-3474-403B-B217-DE713D6D5C19}" dt="2019-04-04T14:17:54.544" v="1976" actId="9405"/>
+        <pc:sldMkLst>
+          <pc:docMk/>
+          <pc:sldMk cId="2232161063" sldId="281"/>
+        </pc:sldMkLst>
+        <pc:spChg chg="del">
+          <ac:chgData name="Antonio Osamu Katagiri Tanaka" userId="2c28225e-d492-4964-8551-1b0a3c65dda0" providerId="ADAL" clId="{329B512D-3474-403B-B217-DE713D6D5C19}" dt="2019-04-04T14:16:15.620" v="1950" actId="478"/>
+          <ac:spMkLst>
+            <pc:docMk/>
+            <pc:sldMk cId="2232161063" sldId="281"/>
+            <ac:spMk id="2" creationId="{4C4F355D-C485-4947-B93D-D35B7AA9E70B}"/>
+          </ac:spMkLst>
+        </pc:spChg>
+        <pc:spChg chg="del">
+          <ac:chgData name="Antonio Osamu Katagiri Tanaka" userId="2c28225e-d492-4964-8551-1b0a3c65dda0" providerId="ADAL" clId="{329B512D-3474-403B-B217-DE713D6D5C19}" dt="2019-04-04T14:16:15.620" v="1950" actId="478"/>
+          <ac:spMkLst>
+            <pc:docMk/>
+            <pc:sldMk cId="2232161063" sldId="281"/>
+            <ac:spMk id="3" creationId="{CEFF394F-286F-4E9E-91A4-CDDC3F9A8031}"/>
+          </ac:spMkLst>
+        </pc:spChg>
+        <pc:inkChg chg="add del">
+          <ac:chgData name="Antonio Osamu Katagiri Tanaka" userId="2c28225e-d492-4964-8551-1b0a3c65dda0" providerId="ADAL" clId="{329B512D-3474-403B-B217-DE713D6D5C19}" dt="2019-04-04T14:16:38.510" v="1954" actId="9405"/>
+          <ac:inkMkLst>
+            <pc:docMk/>
+            <pc:sldMk cId="2232161063" sldId="281"/>
+            <ac:inkMk id="4" creationId="{F48662FE-D5D2-4B7F-8DA7-0CF64BB16546}"/>
+          </ac:inkMkLst>
+        </pc:inkChg>
+        <pc:inkChg chg="add del">
+          <ac:chgData name="Antonio Osamu Katagiri Tanaka" userId="2c28225e-d492-4964-8551-1b0a3c65dda0" providerId="ADAL" clId="{329B512D-3474-403B-B217-DE713D6D5C19}" dt="2019-04-04T14:16:38.154" v="1953" actId="9405"/>
+          <ac:inkMkLst>
+            <pc:docMk/>
+            <pc:sldMk cId="2232161063" sldId="281"/>
+            <ac:inkMk id="5" creationId="{4ABF39D1-C7B9-4BA2-B542-4048A038320F}"/>
+          </ac:inkMkLst>
+        </pc:inkChg>
+        <pc:inkChg chg="add del">
+          <ac:chgData name="Antonio Osamu Katagiri Tanaka" userId="2c28225e-d492-4964-8551-1b0a3c65dda0" providerId="ADAL" clId="{329B512D-3474-403B-B217-DE713D6D5C19}" dt="2019-04-04T14:16:47.175" v="1958" actId="9405"/>
+          <ac:inkMkLst>
+            <pc:docMk/>
+            <pc:sldMk cId="2232161063" sldId="281"/>
+            <ac:inkMk id="6" creationId="{5B1B56C8-70C9-4730-8643-79E88310667C}"/>
+          </ac:inkMkLst>
+        </pc:inkChg>
+        <pc:inkChg chg="add del">
+          <ac:chgData name="Antonio Osamu Katagiri Tanaka" userId="2c28225e-d492-4964-8551-1b0a3c65dda0" providerId="ADAL" clId="{329B512D-3474-403B-B217-DE713D6D5C19}" dt="2019-04-04T14:16:46.724" v="1957" actId="9405"/>
+          <ac:inkMkLst>
+            <pc:docMk/>
+            <pc:sldMk cId="2232161063" sldId="281"/>
+            <ac:inkMk id="7" creationId="{24C5F770-68B4-4D42-B489-41A511F861BD}"/>
+          </ac:inkMkLst>
+        </pc:inkChg>
+        <pc:inkChg chg="add del">
+          <ac:chgData name="Antonio Osamu Katagiri Tanaka" userId="2c28225e-d492-4964-8551-1b0a3c65dda0" providerId="ADAL" clId="{329B512D-3474-403B-B217-DE713D6D5C19}" dt="2019-04-04T14:17:20.271" v="1975" actId="9405"/>
+          <ac:inkMkLst>
+            <pc:docMk/>
+            <pc:sldMk cId="2232161063" sldId="281"/>
+            <ac:inkMk id="8" creationId="{39B76950-E0E3-487C-9E7C-22E8EC186848}"/>
+          </ac:inkMkLst>
+        </pc:inkChg>
+        <pc:inkChg chg="add del">
+          <ac:chgData name="Antonio Osamu Katagiri Tanaka" userId="2c28225e-d492-4964-8551-1b0a3c65dda0" providerId="ADAL" clId="{329B512D-3474-403B-B217-DE713D6D5C19}" dt="2019-04-04T14:17:20.012" v="1974" actId="9405"/>
+          <ac:inkMkLst>
+            <pc:docMk/>
+            <pc:sldMk cId="2232161063" sldId="281"/>
+            <ac:inkMk id="9" creationId="{3CEC4F54-38E1-4934-8B8C-FFE12692C698}"/>
+          </ac:inkMkLst>
+        </pc:inkChg>
+        <pc:inkChg chg="add del">
+          <ac:chgData name="Antonio Osamu Katagiri Tanaka" userId="2c28225e-d492-4964-8551-1b0a3c65dda0" providerId="ADAL" clId="{329B512D-3474-403B-B217-DE713D6D5C19}" dt="2019-04-04T14:17:09.245" v="1963"/>
+          <ac:inkMkLst>
+            <pc:docMk/>
+            <pc:sldMk cId="2232161063" sldId="281"/>
+            <ac:inkMk id="10" creationId="{0DBEE789-6623-4AB2-ADC5-98E430E1CBAF}"/>
+          </ac:inkMkLst>
+        </pc:inkChg>
+        <pc:inkChg chg="add del">
+          <ac:chgData name="Antonio Osamu Katagiri Tanaka" userId="2c28225e-d492-4964-8551-1b0a3c65dda0" providerId="ADAL" clId="{329B512D-3474-403B-B217-DE713D6D5C19}" dt="2019-04-04T14:17:19.713" v="1973" actId="9405"/>
+          <ac:inkMkLst>
+            <pc:docMk/>
+            <pc:sldMk cId="2232161063" sldId="281"/>
+            <ac:inkMk id="11" creationId="{DFC9F2CA-5285-4A5C-9F5B-2525D84FA85B}"/>
+          </ac:inkMkLst>
+        </pc:inkChg>
+        <pc:inkChg chg="add del">
+          <ac:chgData name="Antonio Osamu Katagiri Tanaka" userId="2c28225e-d492-4964-8551-1b0a3c65dda0" providerId="ADAL" clId="{329B512D-3474-403B-B217-DE713D6D5C19}" dt="2019-04-04T14:17:11.940" v="1965"/>
+          <ac:inkMkLst>
+            <pc:docMk/>
+            <pc:sldMk cId="2232161063" sldId="281"/>
+            <ac:inkMk id="12" creationId="{70729EB8-D999-44DE-BD4B-AC2656488D0D}"/>
+          </ac:inkMkLst>
+        </pc:inkChg>
+        <pc:inkChg chg="add del">
+          <ac:chgData name="Antonio Osamu Katagiri Tanaka" userId="2c28225e-d492-4964-8551-1b0a3c65dda0" providerId="ADAL" clId="{329B512D-3474-403B-B217-DE713D6D5C19}" dt="2019-04-04T14:17:19.448" v="1972" actId="9405"/>
+          <ac:inkMkLst>
+            <pc:docMk/>
+            <pc:sldMk cId="2232161063" sldId="281"/>
+            <ac:inkMk id="13" creationId="{B5E4568C-A122-4752-BFD4-D01AB9477A90}"/>
+          </ac:inkMkLst>
+        </pc:inkChg>
+        <pc:inkChg chg="add del">
+          <ac:chgData name="Antonio Osamu Katagiri Tanaka" userId="2c28225e-d492-4964-8551-1b0a3c65dda0" providerId="ADAL" clId="{329B512D-3474-403B-B217-DE713D6D5C19}" dt="2019-04-04T14:17:14.340" v="1967"/>
+          <ac:inkMkLst>
+            <pc:docMk/>
+            <pc:sldMk cId="2232161063" sldId="281"/>
+            <ac:inkMk id="14" creationId="{B7C371AD-F542-4243-992B-83DE8682F6E8}"/>
+          </ac:inkMkLst>
+        </pc:inkChg>
+        <pc:inkChg chg="add del">
+          <ac:chgData name="Antonio Osamu Katagiri Tanaka" userId="2c28225e-d492-4964-8551-1b0a3c65dda0" providerId="ADAL" clId="{329B512D-3474-403B-B217-DE713D6D5C19}" dt="2019-04-04T14:17:19.102" v="1971" actId="9405"/>
+          <ac:inkMkLst>
+            <pc:docMk/>
+            <pc:sldMk cId="2232161063" sldId="281"/>
+            <ac:inkMk id="15" creationId="{CFB02AAB-6668-48F3-B426-4D9D0CC71014}"/>
+          </ac:inkMkLst>
+        </pc:inkChg>
+        <pc:inkChg chg="add del">
+          <ac:chgData name="Antonio Osamu Katagiri Tanaka" userId="2c28225e-d492-4964-8551-1b0a3c65dda0" providerId="ADAL" clId="{329B512D-3474-403B-B217-DE713D6D5C19}" dt="2019-04-04T14:17:17.351" v="1969"/>
+          <ac:inkMkLst>
+            <pc:docMk/>
+            <pc:sldMk cId="2232161063" sldId="281"/>
+            <ac:inkMk id="16" creationId="{F958836C-F4E8-4AF9-BD66-055A4B6A0328}"/>
+          </ac:inkMkLst>
+        </pc:inkChg>
+        <pc:inkChg chg="add del">
+          <ac:chgData name="Antonio Osamu Katagiri Tanaka" userId="2c28225e-d492-4964-8551-1b0a3c65dda0" providerId="ADAL" clId="{329B512D-3474-403B-B217-DE713D6D5C19}" dt="2019-04-04T14:17:18.869" v="1970" actId="9405"/>
+          <ac:inkMkLst>
+            <pc:docMk/>
+            <pc:sldMk cId="2232161063" sldId="281"/>
+            <ac:inkMk id="17" creationId="{381EC61D-F6A6-4D31-8DC8-0FDB22BF7969}"/>
+          </ac:inkMkLst>
+        </pc:inkChg>
+        <pc:inkChg chg="add">
+          <ac:chgData name="Antonio Osamu Katagiri Tanaka" userId="2c28225e-d492-4964-8551-1b0a3c65dda0" providerId="ADAL" clId="{329B512D-3474-403B-B217-DE713D6D5C19}" dt="2019-04-04T14:17:17.351" v="1969"/>
+          <ac:inkMkLst>
+            <pc:docMk/>
+            <pc:sldMk cId="2232161063" sldId="281"/>
+            <ac:inkMk id="18" creationId="{A82FD42E-7762-4781-B54C-6FC99285B972}"/>
+          </ac:inkMkLst>
+        </pc:inkChg>
+        <pc:inkChg chg="add">
+          <ac:chgData name="Antonio Osamu Katagiri Tanaka" userId="2c28225e-d492-4964-8551-1b0a3c65dda0" providerId="ADAL" clId="{329B512D-3474-403B-B217-DE713D6D5C19}" dt="2019-04-04T14:17:54.544" v="1976" actId="9405"/>
+          <ac:inkMkLst>
+            <pc:docMk/>
+            <pc:sldMk cId="2232161063" sldId="281"/>
+            <ac:inkMk id="19" creationId="{BAA549A7-2830-4ED6-A802-0791908B8068}"/>
+          </ac:inkMkLst>
+        </pc:inkChg>
+      </pc:sldChg>
+    </pc:docChg>
+  </pc:docChgLst>
+  <pc:docChgLst>
+    <pc:chgData name="Antonio Osamu Katagiri Tanaka" userId="2c28225e-d492-4964-8551-1b0a3c65dda0" providerId="ADAL" clId="{C59DF1F7-432E-4893-B28C-5D3B004F8374}"/>
+    <pc:docChg chg="undo redo custSel addSld delSld modSld sldOrd delSection modSection">
+      <pc:chgData name="Antonio Osamu Katagiri Tanaka" userId="2c28225e-d492-4964-8551-1b0a3c65dda0" providerId="ADAL" clId="{C59DF1F7-432E-4893-B28C-5D3B004F8374}" dt="2019-03-31T14:59:20.878" v="389" actId="20577"/>
+      <pc:docMkLst>
+        <pc:docMk/>
+      </pc:docMkLst>
+      <pc:sldChg chg="modSp">
+        <pc:chgData name="Antonio Osamu Katagiri Tanaka" userId="2c28225e-d492-4964-8551-1b0a3c65dda0" providerId="ADAL" clId="{C59DF1F7-432E-4893-B28C-5D3B004F8374}" dt="2019-03-30T15:24:08.167" v="64" actId="1440"/>
+        <pc:sldMkLst>
+          <pc:docMk/>
+          <pc:sldMk cId="4056039362" sldId="260"/>
+        </pc:sldMkLst>
+        <pc:picChg chg="mod">
+          <ac:chgData name="Antonio Osamu Katagiri Tanaka" userId="2c28225e-d492-4964-8551-1b0a3c65dda0" providerId="ADAL" clId="{C59DF1F7-432E-4893-B28C-5D3B004F8374}" dt="2019-03-30T15:24:08.167" v="64" actId="1440"/>
+          <ac:picMkLst>
+            <pc:docMk/>
+            <pc:sldMk cId="4056039362" sldId="260"/>
+            <ac:picMk id="13" creationId="{8578D0BD-CD2C-44B1-976E-1029D186D2DF}"/>
+          </ac:picMkLst>
+        </pc:picChg>
+      </pc:sldChg>
+      <pc:sldChg chg="ord">
+        <pc:chgData name="Antonio Osamu Katagiri Tanaka" userId="2c28225e-d492-4964-8551-1b0a3c65dda0" providerId="ADAL" clId="{C59DF1F7-432E-4893-B28C-5D3B004F8374}" dt="2019-03-30T14:49:00.456" v="1"/>
+        <pc:sldMkLst>
+          <pc:docMk/>
+          <pc:sldMk cId="3604131991" sldId="263"/>
+        </pc:sldMkLst>
+      </pc:sldChg>
+      <pc:sldChg chg="addSp delSp modSp add">
+        <pc:chgData name="Antonio Osamu Katagiri Tanaka" userId="2c28225e-d492-4964-8551-1b0a3c65dda0" providerId="ADAL" clId="{C59DF1F7-432E-4893-B28C-5D3B004F8374}" dt="2019-03-30T15:01:17.755" v="32"/>
+        <pc:sldMkLst>
+          <pc:docMk/>
+          <pc:sldMk cId="4246728971" sldId="269"/>
+        </pc:sldMkLst>
+        <pc:spChg chg="add del mod">
+          <ac:chgData name="Antonio Osamu Katagiri Tanaka" userId="2c28225e-d492-4964-8551-1b0a3c65dda0" providerId="ADAL" clId="{C59DF1F7-432E-4893-B28C-5D3B004F8374}" dt="2019-03-30T14:52:53.260" v="6" actId="478"/>
+          <ac:spMkLst>
+            <pc:docMk/>
+            <pc:sldMk cId="4246728971" sldId="269"/>
+            <ac:spMk id="3" creationId="{BFCEFFC5-7335-4486-8818-2B397870E222}"/>
+          </ac:spMkLst>
+        </pc:spChg>
+        <pc:spChg chg="del">
+          <ac:chgData name="Antonio Osamu Katagiri Tanaka" userId="2c28225e-d492-4964-8551-1b0a3c65dda0" providerId="ADAL" clId="{C59DF1F7-432E-4893-B28C-5D3B004F8374}" dt="2019-03-30T14:52:51.721" v="5" actId="478"/>
+          <ac:spMkLst>
+            <pc:docMk/>
+            <pc:sldMk cId="4246728971" sldId="269"/>
+            <ac:spMk id="4" creationId="{F9ED8BE6-F7AC-4FD8-8FA8-8C683A7C2F62}"/>
+          </ac:spMkLst>
+        </pc:spChg>
+        <pc:spChg chg="del">
+          <ac:chgData name="Antonio Osamu Katagiri Tanaka" userId="2c28225e-d492-4964-8551-1b0a3c65dda0" providerId="ADAL" clId="{C59DF1F7-432E-4893-B28C-5D3B004F8374}" dt="2019-03-30T14:52:55.923" v="7" actId="478"/>
+          <ac:spMkLst>
+            <pc:docMk/>
+            <pc:sldMk cId="4246728971" sldId="269"/>
+            <ac:spMk id="6" creationId="{058630E6-31AF-4451-B084-C9809D0DA4E8}"/>
+          </ac:spMkLst>
+        </pc:spChg>
+        <pc:spChg chg="add del mod">
+          <ac:chgData name="Antonio Osamu Katagiri Tanaka" userId="2c28225e-d492-4964-8551-1b0a3c65dda0" providerId="ADAL" clId="{C59DF1F7-432E-4893-B28C-5D3B004F8374}" dt="2019-03-30T14:52:58.396" v="8" actId="478"/>
+          <ac:spMkLst>
+            <pc:docMk/>
+            <pc:sldMk cId="4246728971" sldId="269"/>
+            <ac:spMk id="7" creationId="{EFB1FD18-9FB8-4EC8-A186-B4E23A6745CA}"/>
+          </ac:spMkLst>
+        </pc:spChg>
+        <pc:spChg chg="add mod">
+          <ac:chgData name="Antonio Osamu Katagiri Tanaka" userId="2c28225e-d492-4964-8551-1b0a3c65dda0" providerId="ADAL" clId="{C59DF1F7-432E-4893-B28C-5D3B004F8374}" dt="2019-03-30T14:57:55.916" v="28" actId="403"/>
+          <ac:spMkLst>
+            <pc:docMk/>
+            <pc:sldMk cId="4246728971" sldId="269"/>
+            <ac:spMk id="9" creationId="{907DD878-B76C-4FC5-9BC3-86C7C3DB3BDA}"/>
+          </ac:spMkLst>
+        </pc:spChg>
+        <pc:picChg chg="add mod">
+          <ac:chgData name="Antonio Osamu Katagiri Tanaka" userId="2c28225e-d492-4964-8551-1b0a3c65dda0" providerId="ADAL" clId="{C59DF1F7-432E-4893-B28C-5D3B004F8374}" dt="2019-03-30T15:01:17.755" v="32"/>
+          <ac:picMkLst>
+            <pc:docMk/>
+            <pc:sldMk cId="4246728971" sldId="269"/>
+            <ac:picMk id="1026" creationId="{62C86081-2859-45C8-BAE6-D2CC488FFFF6}"/>
+          </ac:picMkLst>
+        </pc:picChg>
+      </pc:sldChg>
+    </pc:docChg>
+  </pc:docChgLst>
+  <pc:docChgLst>
+    <pc:chgData name="Antonio Osamu Katagiri Tanaka" userId="2c28225e-d492-4964-8551-1b0a3c65dda0" providerId="ADAL" clId="{1E83AF17-B86E-4C19-9585-AD3B0B02D326}"/>
+    <pc:docChg chg="undo redo custSel addSld delSld modSld delSection modSection">
+      <pc:chgData name="Antonio Osamu Katagiri Tanaka" userId="2c28225e-d492-4964-8551-1b0a3c65dda0" providerId="ADAL" clId="{1E83AF17-B86E-4C19-9585-AD3B0B02D326}" dt="2020-07-08T20:11:30.091" v="3313" actId="14100"/>
+      <pc:docMkLst>
+        <pc:docMk/>
+      </pc:docMkLst>
+      <pc:sldChg chg="modSp mod">
+        <pc:chgData name="Antonio Osamu Katagiri Tanaka" userId="2c28225e-d492-4964-8551-1b0a3c65dda0" providerId="ADAL" clId="{1E83AF17-B86E-4C19-9585-AD3B0B02D326}" dt="2020-07-07T04:14:24.790" v="356" actId="20577"/>
+        <pc:sldMkLst>
+          <pc:docMk/>
+          <pc:sldMk cId="3401248549" sldId="256"/>
+        </pc:sldMkLst>
+        <pc:spChg chg="mod">
+          <ac:chgData name="Antonio Osamu Katagiri Tanaka" userId="2c28225e-d492-4964-8551-1b0a3c65dda0" providerId="ADAL" clId="{1E83AF17-B86E-4C19-9585-AD3B0B02D326}" dt="2020-07-07T04:14:24.790" v="356" actId="20577"/>
+          <ac:spMkLst>
+            <pc:docMk/>
+            <pc:sldMk cId="3401248549" sldId="256"/>
+            <ac:spMk id="6" creationId="{3EB028BF-0783-48AF-AB96-57CC5B2CBEAF}"/>
+          </ac:spMkLst>
+        </pc:spChg>
+        <pc:spChg chg="mod">
+          <ac:chgData name="Antonio Osamu Katagiri Tanaka" userId="2c28225e-d492-4964-8551-1b0a3c65dda0" providerId="ADAL" clId="{1E83AF17-B86E-4C19-9585-AD3B0B02D326}" dt="2020-07-07T02:12:39.529" v="133" actId="27636"/>
+          <ac:spMkLst>
+            <pc:docMk/>
+            <pc:sldMk cId="3401248549" sldId="256"/>
+            <ac:spMk id="7" creationId="{8D0BEDFD-CE79-4A45-9ADE-72FBEA303FCC}"/>
+          </ac:spMkLst>
+        </pc:spChg>
+      </pc:sldChg>
+      <pc:sldChg chg="modTransition">
+        <pc:chgData name="Antonio Osamu Katagiri Tanaka" userId="2c28225e-d492-4964-8551-1b0a3c65dda0" providerId="ADAL" clId="{1E83AF17-B86E-4C19-9585-AD3B0B02D326}" dt="2020-07-07T02:05:54.457" v="0"/>
+        <pc:sldMkLst>
+          <pc:docMk/>
+          <pc:sldMk cId="1105756717" sldId="257"/>
+        </pc:sldMkLst>
+      </pc:sldChg>
+      <pc:sldChg chg="addSp delSp modSp del mod">
+        <pc:chgData name="Antonio Osamu Katagiri Tanaka" userId="2c28225e-d492-4964-8551-1b0a3c65dda0" providerId="ADAL" clId="{1E83AF17-B86E-4C19-9585-AD3B0B02D326}" dt="2020-07-07T15:43:22.883" v="806" actId="2696"/>
+        <pc:sldMkLst>
+          <pc:docMk/>
+          <pc:sldMk cId="4056039362" sldId="260"/>
+        </pc:sldMkLst>
+        <pc:spChg chg="add del mod">
+          <ac:chgData name="Antonio Osamu Katagiri Tanaka" userId="2c28225e-d492-4964-8551-1b0a3c65dda0" providerId="ADAL" clId="{1E83AF17-B86E-4C19-9585-AD3B0B02D326}" dt="2020-07-07T02:07:41.385" v="16" actId="478"/>
+          <ac:spMkLst>
+            <pc:docMk/>
+            <pc:sldMk cId="4056039362" sldId="260"/>
+            <ac:spMk id="5" creationId="{1E8A25B9-FF0A-4DAB-9332-167118CD1D85}"/>
+          </ac:spMkLst>
+        </pc:spChg>
+        <pc:spChg chg="del">
+          <ac:chgData name="Antonio Osamu Katagiri Tanaka" userId="2c28225e-d492-4964-8551-1b0a3c65dda0" providerId="ADAL" clId="{1E83AF17-B86E-4C19-9585-AD3B0B02D326}" dt="2020-07-07T02:07:38.087" v="15" actId="478"/>
+          <ac:spMkLst>
+            <pc:docMk/>
+            <pc:sldMk cId="4056039362" sldId="260"/>
+            <ac:spMk id="6" creationId="{438892A2-F58C-479B-93B3-BDD2A80D348B}"/>
+          </ac:spMkLst>
+        </pc:spChg>
+        <pc:spChg chg="del">
+          <ac:chgData name="Antonio Osamu Katagiri Tanaka" userId="2c28225e-d492-4964-8551-1b0a3c65dda0" providerId="ADAL" clId="{1E83AF17-B86E-4C19-9585-AD3B0B02D326}" dt="2020-07-07T02:07:45.322" v="17" actId="478"/>
+          <ac:spMkLst>
+            <pc:docMk/>
+            <pc:sldMk cId="4056039362" sldId="260"/>
+            <ac:spMk id="14" creationId="{B1FDEF3E-1872-41D3-A841-FBE14801F476}"/>
+          </ac:spMkLst>
+        </pc:spChg>
+        <pc:picChg chg="add del">
+          <ac:chgData name="Antonio Osamu Katagiri Tanaka" userId="2c28225e-d492-4964-8551-1b0a3c65dda0" providerId="ADAL" clId="{1E83AF17-B86E-4C19-9585-AD3B0B02D326}" dt="2020-07-07T02:07:19.278" v="11" actId="478"/>
+          <ac:picMkLst>
+            <pc:docMk/>
+            <pc:sldMk cId="4056039362" sldId="260"/>
+            <ac:picMk id="3" creationId="{46A42C4A-FE35-4032-8F0E-CA17A96C74A4}"/>
+          </ac:picMkLst>
+        </pc:picChg>
+        <pc:picChg chg="add del mod">
+          <ac:chgData name="Antonio Osamu Katagiri Tanaka" userId="2c28225e-d492-4964-8551-1b0a3c65dda0" providerId="ADAL" clId="{1E83AF17-B86E-4C19-9585-AD3B0B02D326}" dt="2020-07-07T04:08:26.832" v="333" actId="478"/>
+          <ac:picMkLst>
+            <pc:docMk/>
+            <pc:sldMk cId="4056039362" sldId="260"/>
+            <ac:picMk id="7" creationId="{AA3506BA-1F5D-4E41-BD57-F192AED14F01}"/>
+          </ac:picMkLst>
+        </pc:picChg>
+        <pc:picChg chg="add del mod">
+          <ac:chgData name="Antonio Osamu Katagiri Tanaka" userId="2c28225e-d492-4964-8551-1b0a3c65dda0" providerId="ADAL" clId="{1E83AF17-B86E-4C19-9585-AD3B0B02D326}" dt="2020-07-07T15:42:28.874" v="796" actId="21"/>
+          <ac:picMkLst>
+            <pc:docMk/>
+            <pc:sldMk cId="4056039362" sldId="260"/>
+            <ac:picMk id="8" creationId="{8BF7DE3A-48A8-41AA-B953-E3743C1289A6}"/>
+          </ac:picMkLst>
+        </pc:picChg>
+      </pc:sldChg>
+      <pc:sldChg chg="addSp delSp modSp mod modTransition">
+        <pc:chgData name="Antonio Osamu Katagiri Tanaka" userId="2c28225e-d492-4964-8551-1b0a3c65dda0" providerId="ADAL" clId="{1E83AF17-B86E-4C19-9585-AD3B0B02D326}" dt="2020-07-07T15:41:57.718" v="793"/>
+        <pc:sldMkLst>
+          <pc:docMk/>
+          <pc:sldMk cId="3604131991" sldId="263"/>
+        </pc:sldMkLst>
+        <pc:spChg chg="mod">
+          <ac:chgData name="Antonio Osamu Katagiri Tanaka" userId="2c28225e-d492-4964-8551-1b0a3c65dda0" providerId="ADAL" clId="{1E83AF17-B86E-4C19-9585-AD3B0B02D326}" dt="2020-07-07T15:39:31.274" v="776" actId="20577"/>
+          <ac:spMkLst>
+            <pc:docMk/>
+            <pc:sldMk cId="3604131991" sldId="263"/>
+            <ac:spMk id="4" creationId="{F9ED8BE6-F7AC-4FD8-8FA8-8C683A7C2F62}"/>
+          </ac:spMkLst>
+        </pc:spChg>
+        <pc:spChg chg="add del mod">
+          <ac:chgData name="Antonio Osamu Katagiri Tanaka" userId="2c28225e-d492-4964-8551-1b0a3c65dda0" providerId="ADAL" clId="{1E83AF17-B86E-4C19-9585-AD3B0B02D326}" dt="2020-07-07T15:39:50.804" v="780" actId="478"/>
+          <ac:spMkLst>
+            <pc:docMk/>
+            <pc:sldMk cId="3604131991" sldId="263"/>
+            <ac:spMk id="5" creationId="{620A8504-2AAE-455B-96C4-1DD983AAF26B}"/>
+          </ac:spMkLst>
+        </pc:spChg>
+        <pc:spChg chg="del mod">
+          <ac:chgData name="Antonio Osamu Katagiri Tanaka" userId="2c28225e-d492-4964-8551-1b0a3c65dda0" providerId="ADAL" clId="{1E83AF17-B86E-4C19-9585-AD3B0B02D326}" dt="2020-07-07T15:39:55.636" v="781" actId="478"/>
+          <ac:spMkLst>
+            <pc:docMk/>
+            <pc:sldMk cId="3604131991" sldId="263"/>
+            <ac:spMk id="6" creationId="{058630E6-31AF-4451-B084-C9809D0DA4E8}"/>
+          </ac:spMkLst>
+        </pc:spChg>
+        <pc:spChg chg="add mod">
+          <ac:chgData name="Antonio Osamu Katagiri Tanaka" userId="2c28225e-d492-4964-8551-1b0a3c65dda0" providerId="ADAL" clId="{1E83AF17-B86E-4C19-9585-AD3B0B02D326}" dt="2020-07-07T15:40:16.167" v="783" actId="1076"/>
+          <ac:spMkLst>
+            <pc:docMk/>
+            <pc:sldMk cId="3604131991" sldId="263"/>
+            <ac:spMk id="7" creationId="{DC16B005-1ADF-4E5C-8351-3B7EE2DC2CDF}"/>
+          </ac:spMkLst>
+        </pc:spChg>
+        <pc:spChg chg="add del mod">
+          <ac:chgData name="Antonio Osamu Katagiri Tanaka" userId="2c28225e-d492-4964-8551-1b0a3c65dda0" providerId="ADAL" clId="{1E83AF17-B86E-4C19-9585-AD3B0B02D326}" dt="2020-07-07T15:40:00.141" v="782" actId="478"/>
+          <ac:spMkLst>
+            <pc:docMk/>
+            <pc:sldMk cId="3604131991" sldId="263"/>
+            <ac:spMk id="10" creationId="{2BA90E01-9B9A-460E-8863-8D8DF79CE147}"/>
+          </ac:spMkLst>
+        </pc:spChg>
+        <pc:spChg chg="add mod">
+          <ac:chgData name="Antonio Osamu Katagiri Tanaka" userId="2c28225e-d492-4964-8551-1b0a3c65dda0" providerId="ADAL" clId="{1E83AF17-B86E-4C19-9585-AD3B0B02D326}" dt="2020-07-07T15:40:24.918" v="784"/>
+          <ac:spMkLst>
+            <pc:docMk/>
+            <pc:sldMk cId="3604131991" sldId="263"/>
+            <ac:spMk id="11" creationId="{6B52A53A-A0E7-4261-BB89-B91EF1D2795C}"/>
+          </ac:spMkLst>
+        </pc:spChg>
+        <pc:spChg chg="add mod">
+          <ac:chgData name="Antonio Osamu Katagiri Tanaka" userId="2c28225e-d492-4964-8551-1b0a3c65dda0" providerId="ADAL" clId="{1E83AF17-B86E-4C19-9585-AD3B0B02D326}" dt="2020-07-07T15:41:41.248" v="792"/>
+          <ac:spMkLst>
+            <pc:docMk/>
+            <pc:sldMk cId="3604131991" sldId="263"/>
+            <ac:spMk id="12" creationId="{F79CDD68-C513-49E6-9213-638F3FCF8BA3}"/>
+          </ac:spMkLst>
+        </pc:spChg>
+        <pc:picChg chg="add mod">
+          <ac:chgData name="Antonio Osamu Katagiri Tanaka" userId="2c28225e-d492-4964-8551-1b0a3c65dda0" providerId="ADAL" clId="{1E83AF17-B86E-4C19-9585-AD3B0B02D326}" dt="2020-07-07T15:40:45.237" v="788" actId="1076"/>
+          <ac:picMkLst>
+            <pc:docMk/>
+            <pc:sldMk cId="3604131991" sldId="263"/>
+            <ac:picMk id="8" creationId="{897E0D2F-37CF-46CC-A3C7-B6CBF966DCDD}"/>
+          </ac:picMkLst>
+        </pc:picChg>
+        <pc:picChg chg="add mod">
+          <ac:chgData name="Antonio Osamu Katagiri Tanaka" userId="2c28225e-d492-4964-8551-1b0a3c65dda0" providerId="ADAL" clId="{1E83AF17-B86E-4C19-9585-AD3B0B02D326}" dt="2020-07-07T15:40:39.959" v="786" actId="14100"/>
+          <ac:picMkLst>
+            <pc:docMk/>
+            <pc:sldMk cId="3604131991" sldId="263"/>
+            <ac:picMk id="9" creationId="{56C8B16B-D0BB-4084-AEEE-D8063A107B65}"/>
+          </ac:picMkLst>
+        </pc:picChg>
+      </pc:sldChg>
+      <pc:sldChg chg="modTransition">
+        <pc:chgData name="Antonio Osamu Katagiri Tanaka" userId="2c28225e-d492-4964-8551-1b0a3c65dda0" providerId="ADAL" clId="{1E83AF17-B86E-4C19-9585-AD3B0B02D326}" dt="2020-07-07T15:41:59.816" v="794"/>
+        <pc:sldMkLst>
+          <pc:docMk/>
+          <pc:sldMk cId="4246728971" sldId="269"/>
+        </pc:sldMkLst>
+      </pc:sldChg>
+      <pc:sldChg chg="modSp mod modTransition">
+        <pc:chgData name="Antonio Osamu Katagiri Tanaka" userId="2c28225e-d492-4964-8551-1b0a3c65dda0" providerId="ADAL" clId="{1E83AF17-B86E-4C19-9585-AD3B0B02D326}" dt="2020-07-07T15:38:55.540" v="773" actId="33524"/>
+        <pc:sldMkLst>
+          <pc:docMk/>
+          <pc:sldMk cId="708711930" sldId="276"/>
+        </pc:sldMkLst>
+        <pc:spChg chg="mod">
+          <ac:chgData name="Antonio Osamu Katagiri Tanaka" userId="2c28225e-d492-4964-8551-1b0a3c65dda0" providerId="ADAL" clId="{1E83AF17-B86E-4C19-9585-AD3B0B02D326}" dt="2020-07-07T15:38:55.540" v="773" actId="33524"/>
+          <ac:spMkLst>
+            <pc:docMk/>
+            <pc:sldMk cId="708711930" sldId="276"/>
+            <ac:spMk id="7" creationId="{43F915F1-9C90-4B6E-AA0B-C9F4FCF704FA}"/>
+          </ac:spMkLst>
+        </pc:spChg>
+      </pc:sldChg>
+      <pc:sldChg chg="modTransition">
+        <pc:chgData name="Antonio Osamu Katagiri Tanaka" userId="2c28225e-d492-4964-8551-1b0a3c65dda0" providerId="ADAL" clId="{1E83AF17-B86E-4C19-9585-AD3B0B02D326}" dt="2020-07-07T02:13:17.762" v="137"/>
+        <pc:sldMkLst>
+          <pc:docMk/>
+          <pc:sldMk cId="2232161063" sldId="281"/>
+        </pc:sldMkLst>
+      </pc:sldChg>
+      <pc:sldChg chg="addSp delSp modSp add mod">
+        <pc:chgData name="Antonio Osamu Katagiri Tanaka" userId="2c28225e-d492-4964-8551-1b0a3c65dda0" providerId="ADAL" clId="{1E83AF17-B86E-4C19-9585-AD3B0B02D326}" dt="2020-07-07T15:45:59.078" v="807" actId="1076"/>
+        <pc:sldMkLst>
+          <pc:docMk/>
+          <pc:sldMk cId="2400443886" sldId="282"/>
+        </pc:sldMkLst>
+        <pc:spChg chg="add mod">
+          <ac:chgData name="Antonio Osamu Katagiri Tanaka" userId="2c28225e-d492-4964-8551-1b0a3c65dda0" providerId="ADAL" clId="{1E83AF17-B86E-4C19-9585-AD3B0B02D326}" dt="2020-07-07T04:40:50.057" v="444" actId="1076"/>
+          <ac:spMkLst>
+            <pc:docMk/>
+            <pc:sldMk cId="2400443886" sldId="282"/>
+            <ac:spMk id="3" creationId="{55DCEE6A-554B-4669-B3C5-FCF378150DA8}"/>
+          </ac:spMkLst>
+        </pc:spChg>
+        <pc:spChg chg="mod">
+          <ac:chgData name="Antonio Osamu Katagiri Tanaka" userId="2c28225e-d492-4964-8551-1b0a3c65dda0" providerId="ADAL" clId="{1E83AF17-B86E-4C19-9585-AD3B0B02D326}" dt="2020-07-07T04:35:56.169" v="360" actId="6549"/>
+          <ac:spMkLst>
+            <pc:docMk/>
+            <pc:sldMk cId="2400443886" sldId="282"/>
+            <ac:spMk id="6" creationId="{438892A2-F58C-479B-93B3-BDD2A80D348B}"/>
+          </ac:spMkLst>
+        </pc:spChg>
+        <pc:spChg chg="mod">
+          <ac:chgData name="Antonio Osamu Katagiri Tanaka" userId="2c28225e-d492-4964-8551-1b0a3c65dda0" providerId="ADAL" clId="{1E83AF17-B86E-4C19-9585-AD3B0B02D326}" dt="2020-07-07T15:34:58.532" v="735" actId="1076"/>
+          <ac:spMkLst>
+            <pc:docMk/>
+            <pc:sldMk cId="2400443886" sldId="282"/>
+            <ac:spMk id="7" creationId="{60E157AC-7BB5-4366-9262-E2638604C140}"/>
+          </ac:spMkLst>
+        </pc:spChg>
+        <pc:spChg chg="add mod">
+          <ac:chgData name="Antonio Osamu Katagiri Tanaka" userId="2c28225e-d492-4964-8551-1b0a3c65dda0" providerId="ADAL" clId="{1E83AF17-B86E-4C19-9585-AD3B0B02D326}" dt="2020-07-07T15:45:59.078" v="807" actId="1076"/>
+          <ac:spMkLst>
+            <pc:docMk/>
+            <pc:sldMk cId="2400443886" sldId="282"/>
+            <ac:spMk id="8" creationId="{9B5CFC4D-3DDF-451F-A89A-41EAEE17AC8E}"/>
+          </ac:spMkLst>
+        </pc:spChg>
+        <pc:spChg chg="add mod">
+          <ac:chgData name="Antonio Osamu Katagiri Tanaka" userId="2c28225e-d492-4964-8551-1b0a3c65dda0" providerId="ADAL" clId="{1E83AF17-B86E-4C19-9585-AD3B0B02D326}" dt="2020-07-07T05:39:48.642" v="643" actId="14100"/>
+          <ac:spMkLst>
+            <pc:docMk/>
+            <pc:sldMk cId="2400443886" sldId="282"/>
+            <ac:spMk id="10" creationId="{25D08A44-BC2B-4725-BF0E-90D5A85596CE}"/>
+          </ac:spMkLst>
+        </pc:spChg>
+        <pc:spChg chg="add mod">
+          <ac:chgData name="Antonio Osamu Katagiri Tanaka" userId="2c28225e-d492-4964-8551-1b0a3c65dda0" providerId="ADAL" clId="{1E83AF17-B86E-4C19-9585-AD3B0B02D326}" dt="2020-07-07T04:45:58.589" v="474" actId="20577"/>
+          <ac:spMkLst>
+            <pc:docMk/>
+            <pc:sldMk cId="2400443886" sldId="282"/>
+            <ac:spMk id="11" creationId="{279EC777-F48A-4560-9C43-084ACC344457}"/>
+          </ac:spMkLst>
+        </pc:spChg>
+        <pc:spChg chg="add mod">
+          <ac:chgData name="Antonio Osamu Katagiri Tanaka" userId="2c28225e-d492-4964-8551-1b0a3c65dda0" providerId="ADAL" clId="{1E83AF17-B86E-4C19-9585-AD3B0B02D326}" dt="2020-07-07T04:46:43.612" v="478" actId="20577"/>
+          <ac:spMkLst>
+            <pc:docMk/>
+            <pc:sldMk cId="2400443886" sldId="282"/>
+            <ac:spMk id="12" creationId="{149A98A7-1DF0-46C5-9245-93FCDB191599}"/>
+          </ac:spMkLst>
+        </pc:spChg>
+        <pc:spChg chg="add mod">
+          <ac:chgData name="Antonio Osamu Katagiri Tanaka" userId="2c28225e-d492-4964-8551-1b0a3c65dda0" providerId="ADAL" clId="{1E83AF17-B86E-4C19-9585-AD3B0B02D326}" dt="2020-07-07T04:47:26.492" v="484" actId="20577"/>
+          <ac:spMkLst>
+            <pc:docMk/>
+            <pc:sldMk cId="2400443886" sldId="282"/>
+            <ac:spMk id="13" creationId="{F6C08AD8-8982-4743-9D00-28F7D846E9D8}"/>
+          </ac:spMkLst>
+        </pc:spChg>
+        <pc:spChg chg="del mod">
+          <ac:chgData name="Antonio Osamu Katagiri Tanaka" userId="2c28225e-d492-4964-8551-1b0a3c65dda0" providerId="ADAL" clId="{1E83AF17-B86E-4C19-9585-AD3B0B02D326}" dt="2020-07-07T04:09:39.271" v="353" actId="478"/>
+          <ac:spMkLst>
+            <pc:docMk/>
+            <pc:sldMk cId="2400443886" sldId="282"/>
+            <ac:spMk id="14" creationId="{B1FDEF3E-1872-41D3-A841-FBE14801F476}"/>
+          </ac:spMkLst>
+        </pc:spChg>
+        <pc:spChg chg="add mod">
+          <ac:chgData name="Antonio Osamu Katagiri Tanaka" userId="2c28225e-d492-4964-8551-1b0a3c65dda0" providerId="ADAL" clId="{1E83AF17-B86E-4C19-9585-AD3B0B02D326}" dt="2020-07-07T04:48:16.191" v="493" actId="20577"/>
+          <ac:spMkLst>
+            <pc:docMk/>
+            <pc:sldMk cId="2400443886" sldId="282"/>
+            <ac:spMk id="15" creationId="{C7B8277B-B298-4DF0-BF90-0B8DD13AAD82}"/>
+          </ac:spMkLst>
+        </pc:spChg>
+        <pc:spChg chg="add del mod">
+          <ac:chgData name="Antonio Osamu Katagiri Tanaka" userId="2c28225e-d492-4964-8551-1b0a3c65dda0" providerId="ADAL" clId="{1E83AF17-B86E-4C19-9585-AD3B0B02D326}" dt="2020-07-07T05:38:54.985" v="642" actId="478"/>
+          <ac:spMkLst>
+            <pc:docMk/>
+            <pc:sldMk cId="2400443886" sldId="282"/>
+            <ac:spMk id="16" creationId="{47578EC9-ECEB-4DF0-96E8-388F74EC0637}"/>
+          </ac:spMkLst>
+        </pc:spChg>
+        <pc:picChg chg="mod">
+          <ac:chgData name="Antonio Osamu Katagiri Tanaka" userId="2c28225e-d492-4964-8551-1b0a3c65dda0" providerId="ADAL" clId="{1E83AF17-B86E-4C19-9585-AD3B0B02D326}" dt="2020-07-07T15:34:58.532" v="735" actId="1076"/>
+          <ac:picMkLst>
+            <pc:docMk/>
+            <pc:sldMk cId="2400443886" sldId="282"/>
+            <ac:picMk id="4" creationId="{66DB106F-FD6A-4232-A7C5-5F3ABDED31F0}"/>
+          </ac:picMkLst>
+        </pc:picChg>
+        <pc:picChg chg="add mod">
+          <ac:chgData name="Antonio Osamu Katagiri Tanaka" userId="2c28225e-d492-4964-8551-1b0a3c65dda0" providerId="ADAL" clId="{1E83AF17-B86E-4C19-9585-AD3B0B02D326}" dt="2020-07-07T04:40:54.412" v="445" actId="1076"/>
+          <ac:picMkLst>
+            <pc:docMk/>
+            <pc:sldMk cId="2400443886" sldId="282"/>
+            <ac:picMk id="5" creationId="{D4225DBE-FAE4-486C-9C52-012B20AC80BA}"/>
+          </ac:picMkLst>
+        </pc:picChg>
+        <pc:picChg chg="del">
+          <ac:chgData name="Antonio Osamu Katagiri Tanaka" userId="2c28225e-d492-4964-8551-1b0a3c65dda0" providerId="ADAL" clId="{1E83AF17-B86E-4C19-9585-AD3B0B02D326}" dt="2020-07-07T02:07:50.290" v="18" actId="478"/>
+          <ac:picMkLst>
+            <pc:docMk/>
+            <pc:sldMk cId="2400443886" sldId="282"/>
+            <ac:picMk id="7" creationId="{AA3506BA-1F5D-4E41-BD57-F192AED14F01}"/>
+          </ac:picMkLst>
+        </pc:picChg>
+        <pc:picChg chg="add del mod">
+          <ac:chgData name="Antonio Osamu Katagiri Tanaka" userId="2c28225e-d492-4964-8551-1b0a3c65dda0" providerId="ADAL" clId="{1E83AF17-B86E-4C19-9585-AD3B0B02D326}" dt="2020-07-07T15:35:20.200" v="736" actId="21"/>
+          <ac:picMkLst>
+            <pc:docMk/>
+            <pc:sldMk cId="2400443886" sldId="282"/>
+            <ac:picMk id="9" creationId="{D04AC40E-013F-4E36-99D7-49687627795A}"/>
+          </ac:picMkLst>
+        </pc:picChg>
+      </pc:sldChg>
+      <pc:sldChg chg="addSp delSp modSp add del mod">
+        <pc:chgData name="Antonio Osamu Katagiri Tanaka" userId="2c28225e-d492-4964-8551-1b0a3c65dda0" providerId="ADAL" clId="{1E83AF17-B86E-4C19-9585-AD3B0B02D326}" dt="2020-07-07T02:07:23.148" v="13" actId="47"/>
+        <pc:sldMkLst>
+          <pc:docMk/>
+          <pc:sldMk cId="3461466976" sldId="282"/>
+        </pc:sldMkLst>
+        <pc:spChg chg="add del mod">
+          <ac:chgData name="Antonio Osamu Katagiri Tanaka" userId="2c28225e-d492-4964-8551-1b0a3c65dda0" providerId="ADAL" clId="{1E83AF17-B86E-4C19-9585-AD3B0B02D326}" dt="2020-07-07T02:06:20.446" v="5" actId="478"/>
+          <ac:spMkLst>
+            <pc:docMk/>
+            <pc:sldMk cId="3461466976" sldId="282"/>
+            <ac:spMk id="5" creationId="{C455B01F-C054-484D-AFFB-D9DD8F4382DE}"/>
+          </ac:spMkLst>
+        </pc:spChg>
+        <pc:spChg chg="del">
+          <ac:chgData name="Antonio Osamu Katagiri Tanaka" userId="2c28225e-d492-4964-8551-1b0a3c65dda0" providerId="ADAL" clId="{1E83AF17-B86E-4C19-9585-AD3B0B02D326}" dt="2020-07-07T02:06:17.552" v="4" actId="478"/>
+          <ac:spMkLst>
+            <pc:docMk/>
+            <pc:sldMk cId="3461466976" sldId="282"/>
+            <ac:spMk id="6" creationId="{438892A2-F58C-479B-93B3-BDD2A80D348B}"/>
+          </ac:spMkLst>
+        </pc:spChg>
+        <pc:spChg chg="del">
+          <ac:chgData name="Antonio Osamu Katagiri Tanaka" userId="2c28225e-d492-4964-8551-1b0a3c65dda0" providerId="ADAL" clId="{1E83AF17-B86E-4C19-9585-AD3B0B02D326}" dt="2020-07-07T02:06:17.552" v="4" actId="478"/>
+          <ac:spMkLst>
+            <pc:docMk/>
+            <pc:sldMk cId="3461466976" sldId="282"/>
+            <ac:spMk id="14" creationId="{B1FDEF3E-1872-41D3-A841-FBE14801F476}"/>
+          </ac:spMkLst>
+        </pc:spChg>
+        <pc:picChg chg="del mod">
+          <ac:chgData name="Antonio Osamu Katagiri Tanaka" userId="2c28225e-d492-4964-8551-1b0a3c65dda0" providerId="ADAL" clId="{1E83AF17-B86E-4C19-9585-AD3B0B02D326}" dt="2020-07-07T02:07:15.958" v="10" actId="21"/>
+          <ac:picMkLst>
+            <pc:docMk/>
+            <pc:sldMk cId="3461466976" sldId="282"/>
+            <ac:picMk id="3" creationId="{46A42C4A-FE35-4032-8F0E-CA17A96C74A4}"/>
+          </ac:picMkLst>
+        </pc:picChg>
+      </pc:sldChg>
+      <pc:sldChg chg="add modTransition">
+        <pc:chgData name="Antonio Osamu Katagiri Tanaka" userId="2c28225e-d492-4964-8551-1b0a3c65dda0" providerId="ADAL" clId="{1E83AF17-B86E-4C19-9585-AD3B0B02D326}" dt="2020-07-07T02:13:36.118" v="139"/>
+        <pc:sldMkLst>
+          <pc:docMk/>
+          <pc:sldMk cId="2428507866" sldId="283"/>
+        </pc:sldMkLst>
+      </pc:sldChg>
+      <pc:sldChg chg="addSp delSp modSp add mod">
+        <pc:chgData name="Antonio Osamu Katagiri Tanaka" userId="2c28225e-d492-4964-8551-1b0a3c65dda0" providerId="ADAL" clId="{1E83AF17-B86E-4C19-9585-AD3B0B02D326}" dt="2020-07-07T15:59:50.875" v="891" actId="20577"/>
+        <pc:sldMkLst>
+          <pc:docMk/>
+          <pc:sldMk cId="3318103689" sldId="284"/>
+        </pc:sldMkLst>
+        <pc:spChg chg="mod">
+          <ac:chgData name="Antonio Osamu Katagiri Tanaka" userId="2c28225e-d492-4964-8551-1b0a3c65dda0" providerId="ADAL" clId="{1E83AF17-B86E-4C19-9585-AD3B0B02D326}" dt="2020-07-07T04:15:16.742" v="357"/>
+          <ac:spMkLst>
+            <pc:docMk/>
+            <pc:sldMk cId="3318103689" sldId="284"/>
+            <ac:spMk id="3" creationId="{55DCEE6A-554B-4669-B3C5-FCF378150DA8}"/>
+          </ac:spMkLst>
+        </pc:spChg>
+        <pc:spChg chg="mod">
+          <ac:chgData name="Antonio Osamu Katagiri Tanaka" userId="2c28225e-d492-4964-8551-1b0a3c65dda0" providerId="ADAL" clId="{1E83AF17-B86E-4C19-9585-AD3B0B02D326}" dt="2020-07-07T15:59:50.875" v="891" actId="20577"/>
+          <ac:spMkLst>
+            <pc:docMk/>
+            <pc:sldMk cId="3318103689" sldId="284"/>
+            <ac:spMk id="4" creationId="{6AE71113-7603-4258-9A83-0BFAC09331E2}"/>
+          </ac:spMkLst>
+        </pc:spChg>
+        <pc:spChg chg="mod">
+          <ac:chgData name="Antonio Osamu Katagiri Tanaka" userId="2c28225e-d492-4964-8551-1b0a3c65dda0" providerId="ADAL" clId="{1E83AF17-B86E-4C19-9585-AD3B0B02D326}" dt="2020-07-07T03:48:05.156" v="250" actId="20577"/>
+          <ac:spMkLst>
+            <pc:docMk/>
+            <pc:sldMk cId="3318103689" sldId="284"/>
+            <ac:spMk id="6" creationId="{438892A2-F58C-479B-93B3-BDD2A80D348B}"/>
+          </ac:spMkLst>
+        </pc:spChg>
+        <pc:spChg chg="del">
+          <ac:chgData name="Antonio Osamu Katagiri Tanaka" userId="2c28225e-d492-4964-8551-1b0a3c65dda0" providerId="ADAL" clId="{1E83AF17-B86E-4C19-9585-AD3B0B02D326}" dt="2020-07-07T05:32:36.611" v="511" actId="478"/>
+          <ac:spMkLst>
+            <pc:docMk/>
+            <pc:sldMk cId="3318103689" sldId="284"/>
+            <ac:spMk id="14" creationId="{B1FDEF3E-1872-41D3-A841-FBE14801F476}"/>
+          </ac:spMkLst>
+        </pc:spChg>
+        <pc:picChg chg="add mod">
+          <ac:chgData name="Antonio Osamu Katagiri Tanaka" userId="2c28225e-d492-4964-8551-1b0a3c65dda0" providerId="ADAL" clId="{1E83AF17-B86E-4C19-9585-AD3B0B02D326}" dt="2020-07-07T15:43:03.275" v="804" actId="1076"/>
+          <ac:picMkLst>
+            <pc:docMk/>
+            <pc:sldMk cId="3318103689" sldId="284"/>
+            <ac:picMk id="7" creationId="{FFB13116-AB1C-49B0-90D5-1E3B9B5296BA}"/>
+          </ac:picMkLst>
+        </pc:picChg>
+      </pc:sldChg>
+      <pc:sldChg chg="addSp delSp modSp add mod">
+        <pc:chgData name="Antonio Osamu Katagiri Tanaka" userId="2c28225e-d492-4964-8551-1b0a3c65dda0" providerId="ADAL" clId="{1E83AF17-B86E-4C19-9585-AD3B0B02D326}" dt="2020-07-07T15:42:16.232" v="795" actId="1076"/>
+        <pc:sldMkLst>
+          <pc:docMk/>
+          <pc:sldMk cId="1940175811" sldId="285"/>
+        </pc:sldMkLst>
+        <pc:spChg chg="mod">
+          <ac:chgData name="Antonio Osamu Katagiri Tanaka" userId="2c28225e-d492-4964-8551-1b0a3c65dda0" providerId="ADAL" clId="{1E83AF17-B86E-4C19-9585-AD3B0B02D326}" dt="2020-07-07T04:15:24.781" v="358"/>
+          <ac:spMkLst>
+            <pc:docMk/>
+            <pc:sldMk cId="1940175811" sldId="285"/>
+            <ac:spMk id="3" creationId="{55DCEE6A-554B-4669-B3C5-FCF378150DA8}"/>
+          </ac:spMkLst>
+        </pc:spChg>
+        <pc:spChg chg="mod">
+          <ac:chgData name="Antonio Osamu Katagiri Tanaka" userId="2c28225e-d492-4964-8551-1b0a3c65dda0" providerId="ADAL" clId="{1E83AF17-B86E-4C19-9585-AD3B0B02D326}" dt="2020-07-07T15:37:09.775" v="761" actId="20577"/>
+          <ac:spMkLst>
+            <pc:docMk/>
+            <pc:sldMk cId="1940175811" sldId="285"/>
+            <ac:spMk id="4" creationId="{537BD168-0E46-4D2A-9C66-EFB42E41BB07}"/>
+          </ac:spMkLst>
+        </pc:spChg>
+        <pc:spChg chg="mod">
+          <ac:chgData name="Antonio Osamu Katagiri Tanaka" userId="2c28225e-d492-4964-8551-1b0a3c65dda0" providerId="ADAL" clId="{1E83AF17-B86E-4C19-9585-AD3B0B02D326}" dt="2020-07-07T03:48:38.586" v="290" actId="20577"/>
+          <ac:spMkLst>
+            <pc:docMk/>
+            <pc:sldMk cId="1940175811" sldId="285"/>
+            <ac:spMk id="6" creationId="{438892A2-F58C-479B-93B3-BDD2A80D348B}"/>
+          </ac:spMkLst>
+        </pc:spChg>
+        <pc:spChg chg="del">
+          <ac:chgData name="Antonio Osamu Katagiri Tanaka" userId="2c28225e-d492-4964-8551-1b0a3c65dda0" providerId="ADAL" clId="{1E83AF17-B86E-4C19-9585-AD3B0B02D326}" dt="2020-07-07T05:32:33.334" v="510" actId="478"/>
+          <ac:spMkLst>
+            <pc:docMk/>
+            <pc:sldMk cId="1940175811" sldId="285"/>
+            <ac:spMk id="14" creationId="{B1FDEF3E-1872-41D3-A841-FBE14801F476}"/>
+          </ac:spMkLst>
+        </pc:spChg>
+        <pc:picChg chg="add mod">
+          <ac:chgData name="Antonio Osamu Katagiri Tanaka" userId="2c28225e-d492-4964-8551-1b0a3c65dda0" providerId="ADAL" clId="{1E83AF17-B86E-4C19-9585-AD3B0B02D326}" dt="2020-07-07T15:42:16.232" v="795" actId="1076"/>
+          <ac:picMkLst>
+            <pc:docMk/>
+            <pc:sldMk cId="1940175811" sldId="285"/>
+            <ac:picMk id="7" creationId="{A8143575-7374-4A09-A08D-54305300D144}"/>
+          </ac:picMkLst>
+        </pc:picChg>
+      </pc:sldChg>
+      <pc:sldChg chg="addSp delSp modSp add mod">
+        <pc:chgData name="Antonio Osamu Katagiri Tanaka" userId="2c28225e-d492-4964-8551-1b0a3c65dda0" providerId="ADAL" clId="{1E83AF17-B86E-4C19-9585-AD3B0B02D326}" dt="2020-07-08T20:11:30.091" v="3313" actId="14100"/>
+        <pc:sldMkLst>
+          <pc:docMk/>
+          <pc:sldMk cId="916262437" sldId="286"/>
+        </pc:sldMkLst>
+        <pc:spChg chg="mod">
+          <ac:chgData name="Antonio Osamu Katagiri Tanaka" userId="2c28225e-d492-4964-8551-1b0a3c65dda0" providerId="ADAL" clId="{1E83AF17-B86E-4C19-9585-AD3B0B02D326}" dt="2020-07-08T19:28:07.849" v="908" actId="20577"/>
+          <ac:spMkLst>
+            <pc:docMk/>
+            <pc:sldMk cId="916262437" sldId="286"/>
+            <ac:spMk id="4" creationId="{F9ED8BE6-F7AC-4FD8-8FA8-8C683A7C2F62}"/>
+          </ac:spMkLst>
+        </pc:spChg>
+        <pc:spChg chg="add del mod">
+          <ac:chgData name="Antonio Osamu Katagiri Tanaka" userId="2c28225e-d492-4964-8551-1b0a3c65dda0" providerId="ADAL" clId="{1E83AF17-B86E-4C19-9585-AD3B0B02D326}" dt="2020-07-08T19:29:45.900" v="940" actId="478"/>
+          <ac:spMkLst>
+            <pc:docMk/>
+            <pc:sldMk cId="916262437" sldId="286"/>
+            <ac:spMk id="5" creationId="{EA208F2B-7BAE-4D85-BC6C-C2D5D6C777FC}"/>
+          </ac:spMkLst>
+        </pc:spChg>
+        <pc:spChg chg="del mod">
+          <ac:chgData name="Antonio Osamu Katagiri Tanaka" userId="2c28225e-d492-4964-8551-1b0a3c65dda0" providerId="ADAL" clId="{1E83AF17-B86E-4C19-9585-AD3B0B02D326}" dt="2020-07-08T19:29:41.279" v="939" actId="478"/>
+          <ac:spMkLst>
+            <pc:docMk/>
+            <pc:sldMk cId="916262437" sldId="286"/>
+            <ac:spMk id="6" creationId="{058630E6-31AF-4451-B084-C9809D0DA4E8}"/>
+          </ac:spMkLst>
+        </pc:spChg>
+        <pc:spChg chg="mod">
+          <ac:chgData name="Antonio Osamu Katagiri Tanaka" userId="2c28225e-d492-4964-8551-1b0a3c65dda0" providerId="ADAL" clId="{1E83AF17-B86E-4C19-9585-AD3B0B02D326}" dt="2020-07-08T20:11:30.091" v="3313" actId="14100"/>
+          <ac:spMkLst>
+            <pc:docMk/>
+            <pc:sldMk cId="916262437" sldId="286"/>
+            <ac:spMk id="7" creationId="{43F915F1-9C90-4B6E-AA0B-C9F4FCF704FA}"/>
+          </ac:spMkLst>
+        </pc:spChg>
+      </pc:sldChg>
+      <pc:sldChg chg="add">
+        <pc:chgData name="Antonio Osamu Katagiri Tanaka" userId="2c28225e-d492-4964-8551-1b0a3c65dda0" providerId="ADAL" clId="{1E83AF17-B86E-4C19-9585-AD3B0B02D326}" dt="2020-07-07T15:39:15.958" v="774"/>
+        <pc:sldMkLst>
+          <pc:docMk/>
+          <pc:sldMk cId="3844643083" sldId="286"/>
+        </pc:sldMkLst>
+      </pc:sldChg>
+    </pc:docChg>
+  </pc:docChgLst>
+  <pc:docChgLst>
     <pc:chgData name="Antonio Osamu Katagiri Tanaka" userId="2c28225e-d492-4964-8551-1b0a3c65dda0" providerId="ADAL" clId="{D962D6D7-454A-41C7-98A7-DA876A9E1509}"/>
     <pc:docChg chg="undo custSel modSld modMainMaster">
       <pc:chgData name="Antonio Osamu Katagiri Tanaka" userId="2c28225e-d492-4964-8551-1b0a3c65dda0" providerId="ADAL" clId="{D962D6D7-454A-41C7-98A7-DA876A9E1509}" dt="2020-05-07T16:59:39.076" v="294" actId="113"/>
@@ -2148,6 +1979,211 @@
           </pc:spChg>
         </pc:sldLayoutChg>
       </pc:sldMasterChg>
+    </pc:docChg>
+  </pc:docChgLst>
+  <pc:docChgLst>
+    <pc:chgData name="Antonio Osamu Katagiri Tanaka" userId="2c28225e-d492-4964-8551-1b0a3c65dda0" providerId="ADAL" clId="{BA091A27-582A-4D6D-8346-D5CF8624059C}"/>
+    <pc:docChg chg="undo custSel addSld delSld modSld sldOrd">
+      <pc:chgData name="Antonio Osamu Katagiri Tanaka" userId="2c28225e-d492-4964-8551-1b0a3c65dda0" providerId="ADAL" clId="{BA091A27-582A-4D6D-8346-D5CF8624059C}" dt="2019-03-29T18:11:35.461" v="1535" actId="20577"/>
+      <pc:docMkLst>
+        <pc:docMk/>
+      </pc:docMkLst>
+      <pc:sldChg chg="modSp">
+        <pc:chgData name="Antonio Osamu Katagiri Tanaka" userId="2c28225e-d492-4964-8551-1b0a3c65dda0" providerId="ADAL" clId="{BA091A27-582A-4D6D-8346-D5CF8624059C}" dt="2019-03-29T17:31:38.150" v="1287" actId="20577"/>
+        <pc:sldMkLst>
+          <pc:docMk/>
+          <pc:sldMk cId="1105756717" sldId="257"/>
+        </pc:sldMkLst>
+        <pc:spChg chg="mod">
+          <ac:chgData name="Antonio Osamu Katagiri Tanaka" userId="2c28225e-d492-4964-8551-1b0a3c65dda0" providerId="ADAL" clId="{BA091A27-582A-4D6D-8346-D5CF8624059C}" dt="2019-03-29T17:31:38.150" v="1287" actId="20577"/>
+          <ac:spMkLst>
+            <pc:docMk/>
+            <pc:sldMk cId="1105756717" sldId="257"/>
+            <ac:spMk id="3" creationId="{6E971A9A-8031-4781-96A0-B9A5656935B5}"/>
+          </ac:spMkLst>
+        </pc:spChg>
+      </pc:sldChg>
+      <pc:sldChg chg="modSp add ord">
+        <pc:chgData name="Antonio Osamu Katagiri Tanaka" userId="2c28225e-d492-4964-8551-1b0a3c65dda0" providerId="ADAL" clId="{BA091A27-582A-4D6D-8346-D5CF8624059C}" dt="2019-03-29T17:30:36.770" v="1284"/>
+        <pc:sldMkLst>
+          <pc:docMk/>
+          <pc:sldMk cId="3604131991" sldId="263"/>
+        </pc:sldMkLst>
+        <pc:spChg chg="mod">
+          <ac:chgData name="Antonio Osamu Katagiri Tanaka" userId="2c28225e-d492-4964-8551-1b0a3c65dda0" providerId="ADAL" clId="{BA091A27-582A-4D6D-8346-D5CF8624059C}" dt="2019-03-29T15:52:32.017" v="518" actId="20577"/>
+          <ac:spMkLst>
+            <pc:docMk/>
+            <pc:sldMk cId="3604131991" sldId="263"/>
+            <ac:spMk id="4" creationId="{F9ED8BE6-F7AC-4FD8-8FA8-8C683A7C2F62}"/>
+          </ac:spMkLst>
+        </pc:spChg>
+        <pc:spChg chg="mod">
+          <ac:chgData name="Antonio Osamu Katagiri Tanaka" userId="2c28225e-d492-4964-8551-1b0a3c65dda0" providerId="ADAL" clId="{BA091A27-582A-4D6D-8346-D5CF8624059C}" dt="2019-03-29T15:53:27.381" v="528" actId="11"/>
+          <ac:spMkLst>
+            <pc:docMk/>
+            <pc:sldMk cId="3604131991" sldId="263"/>
+            <ac:spMk id="6" creationId="{058630E6-31AF-4451-B084-C9809D0DA4E8}"/>
+          </ac:spMkLst>
+        </pc:spChg>
+      </pc:sldChg>
+    </pc:docChg>
+  </pc:docChgLst>
+  <pc:docChgLst>
+    <pc:chgData name="Antonio Osamu Katagiri Tanaka" userId="2c28225e-d492-4964-8551-1b0a3c65dda0" providerId="ADAL" clId="{A1255C39-2EFB-4D15-B143-B65097792378}"/>
+    <pc:docChg chg="undo custSel addSld delSld modSld">
+      <pc:chgData name="Antonio Osamu Katagiri Tanaka" userId="2c28225e-d492-4964-8551-1b0a3c65dda0" providerId="ADAL" clId="{A1255C39-2EFB-4D15-B143-B65097792378}" dt="2019-03-29T13:16:25.522" v="350" actId="20577"/>
+      <pc:docMkLst>
+        <pc:docMk/>
+      </pc:docMkLst>
+      <pc:sldChg chg="modSp">
+        <pc:chgData name="Antonio Osamu Katagiri Tanaka" userId="2c28225e-d492-4964-8551-1b0a3c65dda0" providerId="ADAL" clId="{A1255C39-2EFB-4D15-B143-B65097792378}" dt="2019-03-28T22:22:21.819" v="38" actId="20577"/>
+        <pc:sldMkLst>
+          <pc:docMk/>
+          <pc:sldMk cId="3401248549" sldId="256"/>
+        </pc:sldMkLst>
+        <pc:spChg chg="mod">
+          <ac:chgData name="Antonio Osamu Katagiri Tanaka" userId="2c28225e-d492-4964-8551-1b0a3c65dda0" providerId="ADAL" clId="{A1255C39-2EFB-4D15-B143-B65097792378}" dt="2019-03-28T22:22:21.819" v="38" actId="20577"/>
+          <ac:spMkLst>
+            <pc:docMk/>
+            <pc:sldMk cId="3401248549" sldId="256"/>
+            <ac:spMk id="7" creationId="{8D0BEDFD-CE79-4A45-9ADE-72FBEA303FCC}"/>
+          </ac:spMkLst>
+        </pc:spChg>
+      </pc:sldChg>
+      <pc:sldChg chg="modSp addCm delCm">
+        <pc:chgData name="Antonio Osamu Katagiri Tanaka" userId="2c28225e-d492-4964-8551-1b0a3c65dda0" providerId="ADAL" clId="{A1255C39-2EFB-4D15-B143-B65097792378}" dt="2019-03-29T13:16:25.522" v="350" actId="20577"/>
+        <pc:sldMkLst>
+          <pc:docMk/>
+          <pc:sldMk cId="1105756717" sldId="257"/>
+        </pc:sldMkLst>
+        <pc:spChg chg="mod">
+          <ac:chgData name="Antonio Osamu Katagiri Tanaka" userId="2c28225e-d492-4964-8551-1b0a3c65dda0" providerId="ADAL" clId="{A1255C39-2EFB-4D15-B143-B65097792378}" dt="2019-03-28T22:24:17.071" v="98" actId="790"/>
+          <ac:spMkLst>
+            <pc:docMk/>
+            <pc:sldMk cId="1105756717" sldId="257"/>
+            <ac:spMk id="2" creationId="{6B4CD107-D7DB-4A9B-AA15-4038D49BB7C0}"/>
+          </ac:spMkLst>
+        </pc:spChg>
+        <pc:spChg chg="mod">
+          <ac:chgData name="Antonio Osamu Katagiri Tanaka" userId="2c28225e-d492-4964-8551-1b0a3c65dda0" providerId="ADAL" clId="{A1255C39-2EFB-4D15-B143-B65097792378}" dt="2019-03-29T13:16:25.522" v="350" actId="20577"/>
+          <ac:spMkLst>
+            <pc:docMk/>
+            <pc:sldMk cId="1105756717" sldId="257"/>
+            <ac:spMk id="3" creationId="{6E971A9A-8031-4781-96A0-B9A5656935B5}"/>
+          </ac:spMkLst>
+        </pc:spChg>
+      </pc:sldChg>
+      <pc:sldChg chg="addSp delSp modSp">
+        <pc:chgData name="Antonio Osamu Katagiri Tanaka" userId="2c28225e-d492-4964-8551-1b0a3c65dda0" providerId="ADAL" clId="{A1255C39-2EFB-4D15-B143-B65097792378}" dt="2019-03-28T23:56:37.673" v="212" actId="113"/>
+        <pc:sldMkLst>
+          <pc:docMk/>
+          <pc:sldMk cId="4056039362" sldId="260"/>
+        </pc:sldMkLst>
+        <pc:spChg chg="del">
+          <ac:chgData name="Antonio Osamu Katagiri Tanaka" userId="2c28225e-d492-4964-8551-1b0a3c65dda0" providerId="ADAL" clId="{A1255C39-2EFB-4D15-B143-B65097792378}" dt="2019-03-28T23:48:09.150" v="129" actId="478"/>
+          <ac:spMkLst>
+            <pc:docMk/>
+            <pc:sldMk cId="4056039362" sldId="260"/>
+            <ac:spMk id="2" creationId="{6B4CD107-D7DB-4A9B-AA15-4038D49BB7C0}"/>
+          </ac:spMkLst>
+        </pc:spChg>
+        <pc:spChg chg="del">
+          <ac:chgData name="Antonio Osamu Katagiri Tanaka" userId="2c28225e-d492-4964-8551-1b0a3c65dda0" providerId="ADAL" clId="{A1255C39-2EFB-4D15-B143-B65097792378}" dt="2019-03-28T23:48:09.150" v="129" actId="478"/>
+          <ac:spMkLst>
+            <pc:docMk/>
+            <pc:sldMk cId="4056039362" sldId="260"/>
+            <ac:spMk id="3" creationId="{6E971A9A-8031-4781-96A0-B9A5656935B5}"/>
+          </ac:spMkLst>
+        </pc:spChg>
+        <pc:spChg chg="add mod">
+          <ac:chgData name="Antonio Osamu Katagiri Tanaka" userId="2c28225e-d492-4964-8551-1b0a3c65dda0" providerId="ADAL" clId="{A1255C39-2EFB-4D15-B143-B65097792378}" dt="2019-03-28T23:50:57.963" v="160" actId="14100"/>
+          <ac:spMkLst>
+            <pc:docMk/>
+            <pc:sldMk cId="4056039362" sldId="260"/>
+            <ac:spMk id="6" creationId="{438892A2-F58C-479B-93B3-BDD2A80D348B}"/>
+          </ac:spMkLst>
+        </pc:spChg>
+        <pc:spChg chg="add del">
+          <ac:chgData name="Antonio Osamu Katagiri Tanaka" userId="2c28225e-d492-4964-8551-1b0a3c65dda0" providerId="ADAL" clId="{A1255C39-2EFB-4D15-B143-B65097792378}" dt="2019-03-28T23:48:28.310" v="146" actId="478"/>
+          <ac:spMkLst>
+            <pc:docMk/>
+            <pc:sldMk cId="4056039362" sldId="260"/>
+            <ac:spMk id="7" creationId="{EF6DB918-A567-432C-9553-B291EBCD9916}"/>
+          </ac:spMkLst>
+        </pc:spChg>
+        <pc:spChg chg="add del mod">
+          <ac:chgData name="Antonio Osamu Katagiri Tanaka" userId="2c28225e-d492-4964-8551-1b0a3c65dda0" providerId="ADAL" clId="{A1255C39-2EFB-4D15-B143-B65097792378}" dt="2019-03-28T23:48:31.374" v="147" actId="478"/>
+          <ac:spMkLst>
+            <pc:docMk/>
+            <pc:sldMk cId="4056039362" sldId="260"/>
+            <ac:spMk id="9" creationId="{1E2B6CCF-ADC6-4398-BBBE-8A3899B1F60D}"/>
+          </ac:spMkLst>
+        </pc:spChg>
+        <pc:spChg chg="add del mod">
+          <ac:chgData name="Antonio Osamu Katagiri Tanaka" userId="2c28225e-d492-4964-8551-1b0a3c65dda0" providerId="ADAL" clId="{A1255C39-2EFB-4D15-B143-B65097792378}" dt="2019-03-28T23:49:31.279" v="152" actId="478"/>
+          <ac:spMkLst>
+            <pc:docMk/>
+            <pc:sldMk cId="4056039362" sldId="260"/>
+            <ac:spMk id="10" creationId="{76E5AA51-769F-464D-B9B3-B06DC2DB3974}"/>
+          </ac:spMkLst>
+        </pc:spChg>
+        <pc:spChg chg="add del mod">
+          <ac:chgData name="Antonio Osamu Katagiri Tanaka" userId="2c28225e-d492-4964-8551-1b0a3c65dda0" providerId="ADAL" clId="{A1255C39-2EFB-4D15-B143-B65097792378}" dt="2019-03-28T23:49:33.812" v="153" actId="478"/>
+          <ac:spMkLst>
+            <pc:docMk/>
+            <pc:sldMk cId="4056039362" sldId="260"/>
+            <ac:spMk id="12" creationId="{687A944B-A58D-42D4-A5FB-9C5AEDA23012}"/>
+          </ac:spMkLst>
+        </pc:spChg>
+        <pc:spChg chg="add mod">
+          <ac:chgData name="Antonio Osamu Katagiri Tanaka" userId="2c28225e-d492-4964-8551-1b0a3c65dda0" providerId="ADAL" clId="{A1255C39-2EFB-4D15-B143-B65097792378}" dt="2019-03-28T23:56:37.673" v="212" actId="113"/>
+          <ac:spMkLst>
+            <pc:docMk/>
+            <pc:sldMk cId="4056039362" sldId="260"/>
+            <ac:spMk id="14" creationId="{B1FDEF3E-1872-41D3-A841-FBE14801F476}"/>
+          </ac:spMkLst>
+        </pc:spChg>
+        <pc:picChg chg="add del mod">
+          <ac:chgData name="Antonio Osamu Katagiri Tanaka" userId="2c28225e-d492-4964-8551-1b0a3c65dda0" providerId="ADAL" clId="{A1255C39-2EFB-4D15-B143-B65097792378}" dt="2019-03-28T23:50:01.886" v="156" actId="478"/>
+          <ac:picMkLst>
+            <pc:docMk/>
+            <pc:sldMk cId="4056039362" sldId="260"/>
+            <ac:picMk id="5" creationId="{977539DB-7CD6-458F-9C2E-830FC458ECDD}"/>
+          </ac:picMkLst>
+        </pc:picChg>
+        <pc:picChg chg="add mod">
+          <ac:chgData name="Antonio Osamu Katagiri Tanaka" userId="2c28225e-d492-4964-8551-1b0a3c65dda0" providerId="ADAL" clId="{A1255C39-2EFB-4D15-B143-B65097792378}" dt="2019-03-28T23:53:58.543" v="189" actId="1036"/>
+          <ac:picMkLst>
+            <pc:docMk/>
+            <pc:sldMk cId="4056039362" sldId="260"/>
+            <ac:picMk id="13" creationId="{8578D0BD-CD2C-44B1-976E-1029D186D2DF}"/>
+          </ac:picMkLst>
+        </pc:picChg>
+      </pc:sldChg>
+    </pc:docChg>
+  </pc:docChgLst>
+  <pc:docChgLst>
+    <pc:chgData name="Guest User" userId="S::urn:spo:anon#47e46a85d04db472c28c4aeb3bb64066e5c98df06a20401cfe8bdeac802351a8::" providerId="AD" clId="Web-{5628C7C1-F47A-2936-E531-8186F3A2B7F1}"/>
+    <pc:docChg chg="modSld">
+      <pc:chgData name="Guest User" userId="S::urn:spo:anon#47e46a85d04db472c28c4aeb3bb64066e5c98df06a20401cfe8bdeac802351a8::" providerId="AD" clId="Web-{5628C7C1-F47A-2936-E531-8186F3A2B7F1}" dt="2020-07-07T16:15:36.059" v="9" actId="20577"/>
+      <pc:docMkLst>
+        <pc:docMk/>
+      </pc:docMkLst>
+      <pc:sldChg chg="modSp">
+        <pc:chgData name="Guest User" userId="S::urn:spo:anon#47e46a85d04db472c28c4aeb3bb64066e5c98df06a20401cfe8bdeac802351a8::" providerId="AD" clId="Web-{5628C7C1-F47A-2936-E531-8186F3A2B7F1}" dt="2020-07-07T16:15:36.059" v="8" actId="20577"/>
+        <pc:sldMkLst>
+          <pc:docMk/>
+          <pc:sldMk cId="3318103689" sldId="284"/>
+        </pc:sldMkLst>
+        <pc:spChg chg="mod">
+          <ac:chgData name="Guest User" userId="S::urn:spo:anon#47e46a85d04db472c28c4aeb3bb64066e5c98df06a20401cfe8bdeac802351a8::" providerId="AD" clId="Web-{5628C7C1-F47A-2936-E531-8186F3A2B7F1}" dt="2020-07-07T16:15:36.059" v="8" actId="20577"/>
+          <ac:spMkLst>
+            <pc:docMk/>
+            <pc:sldMk cId="3318103689" sldId="284"/>
+            <ac:spMk id="4" creationId="{6AE71113-7603-4258-9A83-0BFAC09331E2}"/>
+          </ac:spMkLst>
+        </pc:spChg>
+      </pc:sldChg>
     </pc:docChg>
   </pc:docChgLst>
 </pc:chgInfo>
@@ -2266,7 +2302,7 @@
           <a:p>
             <a:fld id="{1B402B64-CAC4-4D07-834F-F232921309C8}" type="datetimeFigureOut">
               <a:rPr lang="en-GB" smtClean="0"/>
-              <a:t>07/07/2020</a:t>
+              <a:t>08/07/2020</a:t>
             </a:fld>
             <a:endParaRPr lang="en-GB"/>
           </a:p>
@@ -2625,6 +2661,97 @@
 </p:notes>
 </file>
 
+<file path=ppt/notesSlides/notesSlide2.xml><?xml version="1.0" encoding="utf-8"?>
+<p:notes xmlns:a="http://schemas.openxmlformats.org/drawingml/2006/main" xmlns:r="http://schemas.openxmlformats.org/officeDocument/2006/relationships" xmlns:p="http://schemas.openxmlformats.org/presentationml/2006/main">
+  <p:cSld>
+    <p:spTree>
+      <p:nvGrpSpPr>
+        <p:cNvPr id="1" name=""/>
+        <p:cNvGrpSpPr/>
+        <p:nvPr/>
+      </p:nvGrpSpPr>
+      <p:grpSpPr>
+        <a:xfrm>
+          <a:off x="0" y="0"/>
+          <a:ext cx="0" cy="0"/>
+          <a:chOff x="0" y="0"/>
+          <a:chExt cx="0" cy="0"/>
+        </a:xfrm>
+      </p:grpSpPr>
+      <p:sp>
+        <p:nvSpPr>
+          <p:cNvPr id="2" name="Slide Image Placeholder 1"/>
+          <p:cNvSpPr>
+            <a:spLocks noGrp="1" noRot="1" noChangeAspect="1"/>
+          </p:cNvSpPr>
+          <p:nvPr>
+            <p:ph type="sldImg"/>
+          </p:nvPr>
+        </p:nvSpPr>
+        <p:spPr/>
+      </p:sp>
+      <p:sp>
+        <p:nvSpPr>
+          <p:cNvPr id="3" name="Notes Placeholder 2"/>
+          <p:cNvSpPr>
+            <a:spLocks noGrp="1"/>
+          </p:cNvSpPr>
+          <p:nvPr>
+            <p:ph type="body" idx="1"/>
+          </p:nvPr>
+        </p:nvSpPr>
+        <p:spPr/>
+        <p:txBody>
+          <a:bodyPr/>
+          <a:lstStyle/>
+          <a:p>
+            <a:endParaRPr lang="en-GB">
+              <a:solidFill>
+                <a:schemeClr val="bg1">
+                  <a:lumMod val="95000"/>
+                </a:schemeClr>
+              </a:solidFill>
+              <a:latin typeface="Arial Nova Light" panose="020B0304020202020204" pitchFamily="34" charset="0"/>
+            </a:endParaRPr>
+          </a:p>
+        </p:txBody>
+      </p:sp>
+      <p:sp>
+        <p:nvSpPr>
+          <p:cNvPr id="4" name="Slide Number Placeholder 3"/>
+          <p:cNvSpPr>
+            <a:spLocks noGrp="1"/>
+          </p:cNvSpPr>
+          <p:nvPr>
+            <p:ph type="sldNum" sz="quarter" idx="5"/>
+          </p:nvPr>
+        </p:nvSpPr>
+        <p:spPr/>
+        <p:txBody>
+          <a:bodyPr/>
+          <a:lstStyle/>
+          <a:p>
+            <a:fld id="{B3A8F86A-A3D1-4706-9131-90E1724D7948}" type="slidenum">
+              <a:rPr lang="en-GB" smtClean="0"/>
+              <a:t>6</a:t>
+            </a:fld>
+            <a:endParaRPr lang="en-GB"/>
+          </a:p>
+        </p:txBody>
+      </p:sp>
+    </p:spTree>
+    <p:extLst>
+      <p:ext uri="{BB962C8B-B14F-4D97-AF65-F5344CB8AC3E}">
+        <p14:creationId xmlns:p14="http://schemas.microsoft.com/office/powerpoint/2010/main" val="3392671739"/>
+      </p:ext>
+    </p:extLst>
+  </p:cSld>
+  <p:clrMapOvr>
+    <a:masterClrMapping/>
+  </p:clrMapOvr>
+</p:notes>
+</file>
+
 <file path=ppt/slideLayouts/slideLayout1.xml><?xml version="1.0" encoding="utf-8"?>
 <p:sldLayout xmlns:a="http://schemas.openxmlformats.org/drawingml/2006/main" xmlns:r="http://schemas.openxmlformats.org/officeDocument/2006/relationships" xmlns:p="http://schemas.openxmlformats.org/presentationml/2006/main" type="title" preserve="1">
   <p:cSld name="Title Slide">
@@ -2779,7 +2906,7 @@
           <a:p>
             <a:fld id="{90731ABD-EBC2-433F-B58F-CADA0E63E927}" type="datetime1">
               <a:rPr lang="en-GB" smtClean="0"/>
-              <a:t>07/07/2020</a:t>
+              <a:t>08/07/2020</a:t>
             </a:fld>
             <a:endParaRPr lang="en-GB"/>
           </a:p>
@@ -2989,7 +3116,7 @@
           <a:p>
             <a:fld id="{BB6521CB-2C73-41D6-A5E0-A3CBE094B6E1}" type="datetime1">
               <a:rPr lang="en-GB" smtClean="0"/>
-              <a:t>07/07/2020</a:t>
+              <a:t>08/07/2020</a:t>
             </a:fld>
             <a:endParaRPr lang="en-GB"/>
           </a:p>
@@ -3199,7 +3326,7 @@
           <a:p>
             <a:fld id="{319A7181-5B74-44BF-AD18-F5DE3421F803}" type="datetime1">
               <a:rPr lang="en-GB" smtClean="0"/>
-              <a:t>07/07/2020</a:t>
+              <a:t>08/07/2020</a:t>
             </a:fld>
             <a:endParaRPr lang="en-GB"/>
           </a:p>
@@ -3404,7 +3531,7 @@
           <a:p>
             <a:fld id="{D0C410B8-84C1-4E9C-B4AB-BBB25FED2D2D}" type="datetime1">
               <a:rPr lang="en-GB" smtClean="0"/>
-              <a:t>07/07/2020</a:t>
+              <a:t>08/07/2020</a:t>
             </a:fld>
             <a:endParaRPr lang="en-GB"/>
           </a:p>
@@ -3690,7 +3817,7 @@
           <a:p>
             <a:fld id="{296A06AC-1C6A-47B9-BCE2-5F048AA16EE3}" type="datetime1">
               <a:rPr lang="en-GB" smtClean="0"/>
-              <a:t>07/07/2020</a:t>
+              <a:t>08/07/2020</a:t>
             </a:fld>
             <a:endParaRPr lang="en-GB"/>
           </a:p>
@@ -3958,7 +4085,7 @@
           <a:p>
             <a:fld id="{D6753E84-0301-4FFC-872F-2643339CA3A4}" type="datetime1">
               <a:rPr lang="en-GB" smtClean="0"/>
-              <a:t>07/07/2020</a:t>
+              <a:t>08/07/2020</a:t>
             </a:fld>
             <a:endParaRPr lang="en-GB"/>
           </a:p>
@@ -4373,7 +4500,7 @@
           <a:p>
             <a:fld id="{937A7960-54CC-42D4-BCDB-E08C43EF06AF}" type="datetime1">
               <a:rPr lang="en-GB" smtClean="0"/>
-              <a:t>07/07/2020</a:t>
+              <a:t>08/07/2020</a:t>
             </a:fld>
             <a:endParaRPr lang="en-GB"/>
           </a:p>
@@ -4515,7 +4642,7 @@
           <a:p>
             <a:fld id="{DC4D10A3-8637-4790-B12B-8FD8E1420A99}" type="datetime1">
               <a:rPr lang="en-GB" smtClean="0"/>
-              <a:t>07/07/2020</a:t>
+              <a:t>08/07/2020</a:t>
             </a:fld>
             <a:endParaRPr lang="en-GB"/>
           </a:p>
@@ -4628,7 +4755,7 @@
           <a:p>
             <a:fld id="{F7CC06EA-8135-4DC5-BA0A-28CCC05DEFA0}" type="datetime1">
               <a:rPr lang="en-GB" smtClean="0"/>
-              <a:t>07/07/2020</a:t>
+              <a:t>08/07/2020</a:t>
             </a:fld>
             <a:endParaRPr lang="en-GB"/>
           </a:p>
@@ -4941,7 +5068,7 @@
           <a:p>
             <a:fld id="{BFB38DAA-A929-4F83-90EF-F41A94A7AEBF}" type="datetime1">
               <a:rPr lang="en-GB" smtClean="0"/>
-              <a:t>07/07/2020</a:t>
+              <a:t>08/07/2020</a:t>
             </a:fld>
             <a:endParaRPr lang="en-GB"/>
           </a:p>
@@ -5230,7 +5357,7 @@
           <a:p>
             <a:fld id="{A5C3BC09-303C-492E-88C1-49700F40A5AD}" type="datetime1">
               <a:rPr lang="en-GB" smtClean="0"/>
-              <a:t>07/07/2020</a:t>
+              <a:t>08/07/2020</a:t>
             </a:fld>
             <a:endParaRPr lang="en-GB"/>
           </a:p>
@@ -5483,7 +5610,7 @@
           <a:p>
             <a:fld id="{81F60144-7850-46D0-A9C3-9B5CC4C07D04}" type="datetime1">
               <a:rPr lang="en-GB" smtClean="0"/>
-              <a:t>07/07/2020</a:t>
+              <a:t>08/07/2020</a:t>
             </a:fld>
             <a:endParaRPr lang="en-GB"/>
           </a:p>
@@ -6766,7 +6893,7 @@
           <a:lstStyle/>
           <a:p>
             <a:r>
-              <a:rPr lang="en-US">
+              <a:rPr lang="en-US" dirty="0">
                 <a:solidFill>
                   <a:schemeClr val="bg1"/>
                 </a:solidFill>
@@ -6774,7 +6901,7 @@
               <a:t>Results obtained from creep and compressive tests reveal that the alginate component of Gel-</a:t>
             </a:r>
             <a:r>
-              <a:rPr lang="en-US" err="1">
+              <a:rPr lang="en-US" dirty="0" err="1">
                 <a:solidFill>
                   <a:schemeClr val="bg1"/>
                 </a:solidFill>
@@ -6782,7 +6909,7 @@
               <a:t>Alg</a:t>
             </a:r>
             <a:r>
-              <a:rPr lang="en-US">
+              <a:rPr lang="en-US" dirty="0">
                 <a:solidFill>
                   <a:schemeClr val="bg1"/>
                 </a:solidFill>
@@ -6791,7 +6918,7 @@
             </a:r>
           </a:p>
           <a:p>
-            <a:endParaRPr lang="en-US">
+            <a:endParaRPr lang="en-US" dirty="0">
               <a:solidFill>
                 <a:schemeClr val="bg1"/>
               </a:solidFill>
@@ -6800,7 +6927,7 @@
           </a:p>
           <a:p>
             <a:r>
-              <a:rPr lang="en-US">
+              <a:rPr lang="en-US" dirty="0">
                 <a:solidFill>
                   <a:schemeClr val="bg1"/>
                 </a:solidFill>
@@ -6811,7 +6938,7 @@
             </a:r>
           </a:p>
           <a:p>
-            <a:endParaRPr lang="en-US">
+            <a:endParaRPr lang="en-US" dirty="0">
               <a:solidFill>
                 <a:schemeClr val="bg1"/>
               </a:solidFill>
@@ -6820,7 +6947,7 @@
           </a:p>
           <a:p>
             <a:r>
-              <a:rPr lang="en-US">
+              <a:rPr lang="en-US" dirty="0">
                 <a:solidFill>
                   <a:schemeClr val="bg1"/>
                 </a:solidFill>
@@ -6830,36 +6957,16 @@
               <a:t>Ions (CaCl2) solution was used to ionically crosslink the alginate component of the UV-crosslinked composite affecting insignificantly its mechanical properties. </a:t>
             </a:r>
             <a:r>
-              <a:rPr lang="en-GB">
+              <a:rPr lang="en-GB" dirty="0">
                 <a:solidFill>
                   <a:schemeClr val="bg1"/>
                 </a:solidFill>
                 <a:ea typeface="+mn-lt"/>
                 <a:cs typeface="+mn-lt"/>
               </a:rPr>
-              <a:t>Alginate acts as the dynamic modifiable element controlled by ionic non-covalent bonding in the presence of calcium divalent ions, while </a:t>
-            </a:r>
-            <a:r>
-              <a:rPr lang="en-GB" err="1">
-                <a:solidFill>
-                  <a:schemeClr val="bg1"/>
-                </a:solidFill>
-                <a:ea typeface="+mn-lt"/>
-                <a:cs typeface="+mn-lt"/>
-              </a:rPr>
-              <a:t>GelMA</a:t>
-            </a:r>
-            <a:r>
-              <a:rPr lang="en-GB">
-                <a:solidFill>
-                  <a:schemeClr val="bg1"/>
-                </a:solidFill>
-                <a:ea typeface="+mn-lt"/>
-                <a:cs typeface="+mn-lt"/>
-              </a:rPr>
-              <a:t> acts as a stable structural element.</a:t>
-            </a:r>
-            <a:endParaRPr lang="en-US">
+              <a:t>Alginate acts as the dynamic modifiable element controlled by ionic non-covalent bonding in the presence of calcium divalent ions, while GelMA acts as a stable structural element.</a:t>
+            </a:r>
+            <a:endParaRPr lang="en-US" dirty="0">
               <a:solidFill>
                 <a:schemeClr val="bg1"/>
               </a:solidFill>
@@ -6868,7 +6975,7 @@
             </a:endParaRPr>
           </a:p>
           <a:p>
-            <a:endParaRPr lang="en-US">
+            <a:endParaRPr lang="en-US" dirty="0">
               <a:solidFill>
                 <a:schemeClr val="bg1"/>
               </a:solidFill>
@@ -6877,7 +6984,7 @@
           </a:p>
           <a:p>
             <a:r>
-              <a:rPr lang="en-US">
+              <a:rPr lang="en-US" dirty="0">
                 <a:solidFill>
                   <a:schemeClr val="bg1"/>
                 </a:solidFill>
@@ -6887,7 +6994,7 @@
               <a:t>In Gel-</a:t>
             </a:r>
             <a:r>
-              <a:rPr lang="en-US" err="1">
+              <a:rPr lang="en-US" dirty="0" err="1">
                 <a:solidFill>
                   <a:schemeClr val="bg1"/>
                 </a:solidFill>
@@ -6897,7 +7004,7 @@
               <a:t>Alg</a:t>
             </a:r>
             <a:r>
-              <a:rPr lang="en-US">
+              <a:rPr lang="en-US" dirty="0">
                 <a:solidFill>
                   <a:schemeClr val="bg1"/>
                 </a:solidFill>
@@ -6906,7 +7013,7 @@
               </a:rPr>
               <a:t>, the re-crosslinked states exhibit similar viscoelastic properties to the crosslinked state, confirming that</a:t>
             </a:r>
-            <a:endParaRPr lang="en-US">
+            <a:endParaRPr lang="en-US" dirty="0">
               <a:solidFill>
                 <a:schemeClr val="bg1"/>
               </a:solidFill>
@@ -6915,7 +7022,7 @@
           </a:p>
           <a:p>
             <a:r>
-              <a:rPr lang="en-US">
+              <a:rPr lang="en-US" dirty="0">
                 <a:solidFill>
                   <a:schemeClr val="bg1"/>
                 </a:solidFill>
@@ -6924,7 +7031,7 @@
               </a:rPr>
               <a:t>crosslinking is reversible and this process is capable of dynamically controlling the elastic recovery</a:t>
             </a:r>
-            <a:endParaRPr lang="en-US">
+            <a:endParaRPr lang="en-US" dirty="0">
               <a:solidFill>
                 <a:schemeClr val="bg1"/>
               </a:solidFill>
@@ -7349,34 +7456,14 @@
           <a:lstStyle/>
           <a:p>
             <a:r>
-              <a:rPr lang="en-GB">
+              <a:rPr lang="en-GB" dirty="0">
                 <a:solidFill>
                   <a:schemeClr val="bg1"/>
                 </a:solidFill>
                 <a:ea typeface="+mn-lt"/>
                 <a:cs typeface="+mn-lt"/>
               </a:rPr>
-              <a:t>Addition of alginate within </a:t>
-            </a:r>
-            <a:r>
-              <a:rPr lang="en-GB" err="1">
-                <a:solidFill>
-                  <a:schemeClr val="bg1"/>
-                </a:solidFill>
-                <a:ea typeface="+mn-lt"/>
-                <a:cs typeface="+mn-lt"/>
-              </a:rPr>
-              <a:t>GelMA</a:t>
-            </a:r>
-            <a:r>
-              <a:rPr lang="en-GB">
-                <a:solidFill>
-                  <a:schemeClr val="bg1"/>
-                </a:solidFill>
-                <a:ea typeface="+mn-lt"/>
-                <a:cs typeface="+mn-lt"/>
-              </a:rPr>
-              <a:t> exhibits varying degrees of viscoelasticity depending upon the amount of alginate in the composite. The increases in elasticity of the solution is caused by the creation of calcium ions (as ionic crosslinking takes place).</a:t>
+              <a:t>Addition of alginate within GelMA exhibits varying degrees of viscoelasticity depending upon the amount of alginate in the composite. The increases in elasticity of the solution is caused by the creation of calcium ions (as ionic crosslinking takes place).</a:t>
             </a:r>
           </a:p>
         </p:txBody>
@@ -8106,7 +8193,7 @@
           </a:lstStyle>
           <a:p>
             <a:r>
-              <a:rPr lang="en-GB" dirty="0">
+              <a:rPr lang="en-GB">
                 <a:solidFill>
                   <a:schemeClr val="bg1"/>
                 </a:solidFill>
@@ -8116,7 +8203,7 @@
               <a:t>Literature demonstrates that Gel-</a:t>
             </a:r>
             <a:r>
-              <a:rPr lang="en-GB" dirty="0" err="1">
+              <a:rPr lang="en-GB" err="1">
                 <a:solidFill>
                   <a:schemeClr val="bg1"/>
                 </a:solidFill>
@@ -8126,17 +8213,37 @@
               <a:t>Alg</a:t>
             </a:r>
             <a:r>
-              <a:rPr lang="en-GB" dirty="0">
+              <a:rPr lang="en-GB">
                 <a:solidFill>
                   <a:schemeClr val="bg1"/>
                 </a:solidFill>
                 <a:ea typeface="+mn-lt"/>
                 <a:cs typeface="+mn-lt"/>
               </a:rPr>
-              <a:t> obtained its viscoelastic strain and elastic recovery properties and can be potentially used to design </a:t>
-            </a:r>
-            <a:r>
-              <a:rPr lang="en-US" dirty="0">
+              <a:t> obtained its viscoelastic strain and elastic recovery properties and can be potentially used</a:t>
+            </a:r>
+            <a:r>
+              <a:rPr lang="en-GB" dirty="0">
+                <a:solidFill>
+                  <a:schemeClr val="bg1"/>
+                </a:solidFill>
+                <a:ea typeface="+mn-lt"/>
+                <a:cs typeface="+mn-lt"/>
+              </a:rPr>
+              <a:t> </a:t>
+            </a:r>
+            <a:r>
+              <a:rPr lang="en-GB">
+                <a:solidFill>
+                  <a:schemeClr val="bg1"/>
+                </a:solidFill>
+                <a:ea typeface="+mn-lt"/>
+                <a:cs typeface="+mn-lt"/>
+              </a:rPr>
+              <a:t>to design </a:t>
+            </a:r>
+            <a:r>
+              <a:rPr lang="en-US">
                 <a:solidFill>
                   <a:schemeClr val="bg1"/>
                 </a:solidFill>
@@ -8146,7 +8253,7 @@
               <a:t>extracellular matrix </a:t>
             </a:r>
             <a:r>
-              <a:rPr lang="en-GB" dirty="0">
+              <a:rPr lang="en-GB">
                 <a:solidFill>
                   <a:schemeClr val="bg1"/>
                 </a:solidFill>
@@ -8155,7 +8262,7 @@
               </a:rPr>
               <a:t> mimicking hydrogels.</a:t>
             </a:r>
-            <a:endParaRPr lang="en-GB" dirty="0">
+            <a:endParaRPr lang="en-GB">
               <a:solidFill>
                 <a:schemeClr val="bg1"/>
               </a:solidFill>
@@ -8248,100 +8355,429 @@
       </p:grpSpPr>
       <p:sp>
         <p:nvSpPr>
-          <p:cNvPr id="3" name="AutoShape 2" descr="Q &amp; A">
-            <a:extLst>
-              <a:ext uri="{FF2B5EF4-FFF2-40B4-BE49-F238E27FC236}">
-                <a16:creationId xmlns:a16="http://schemas.microsoft.com/office/drawing/2014/main" id="{2D3FFEBE-5388-4A46-A0AF-9ADC5456286E}"/>
+          <p:cNvPr id="4" name="Title 1">
+            <a:extLst>
+              <a:ext uri="{FF2B5EF4-FFF2-40B4-BE49-F238E27FC236}">
+                <a16:creationId xmlns:a16="http://schemas.microsoft.com/office/drawing/2014/main" id="{F9ED8BE6-F7AC-4FD8-8FA8-8C683A7C2F62}"/>
               </a:ext>
             </a:extLst>
           </p:cNvPr>
           <p:cNvSpPr>
-            <a:spLocks noChangeAspect="1" noChangeArrowheads="1"/>
+            <a:spLocks noGrp="1"/>
+          </p:cNvSpPr>
+          <p:nvPr>
+            <p:ph type="title"/>
+          </p:nvPr>
+        </p:nvSpPr>
+        <p:spPr>
+          <a:xfrm>
+            <a:off x="949040" y="365125"/>
+            <a:ext cx="11242960" cy="1325563"/>
+          </a:xfrm>
+        </p:spPr>
+        <p:txBody>
+          <a:bodyPr/>
+          <a:lstStyle/>
+          <a:p>
+            <a:r>
+              <a:rPr lang="en-GB" dirty="0">
+                <a:solidFill>
+                  <a:schemeClr val="bg1">
+                    <a:lumMod val="95000"/>
+                  </a:schemeClr>
+                </a:solidFill>
+                <a:latin typeface="Arial Nova Light" panose="020B0304020202020204" pitchFamily="34" charset="0"/>
+              </a:rPr>
+              <a:t>Class Discussion:</a:t>
+            </a:r>
+            <a:endParaRPr lang="en-GB" b="1" dirty="0">
+              <a:solidFill>
+                <a:schemeClr val="tx2">
+                  <a:lumMod val="75000"/>
+                </a:schemeClr>
+              </a:solidFill>
+              <a:latin typeface="Arial Nova Light" panose="020B0304020202020204" pitchFamily="34" charset="0"/>
+            </a:endParaRPr>
+          </a:p>
+        </p:txBody>
+      </p:sp>
+      <p:sp>
+        <p:nvSpPr>
+          <p:cNvPr id="7" name="Content Placeholder 2">
+            <a:extLst>
+              <a:ext uri="{FF2B5EF4-FFF2-40B4-BE49-F238E27FC236}">
+                <a16:creationId xmlns:a16="http://schemas.microsoft.com/office/drawing/2014/main" id="{43F915F1-9C90-4B6E-AA0B-C9F4FCF704FA}"/>
+              </a:ext>
+            </a:extLst>
+          </p:cNvPr>
+          <p:cNvSpPr txBox="1">
+            <a:spLocks/>
           </p:cNvSpPr>
           <p:nvPr/>
         </p:nvSpPr>
-        <p:spPr bwMode="auto">
+        <p:spPr>
           <a:xfrm>
-            <a:off x="5943600" y="3276600"/>
-            <a:ext cx="304800" cy="304800"/>
+            <a:off x="963555" y="1690688"/>
+            <a:ext cx="11228445" cy="5167312"/>
           </a:xfrm>
           <a:prstGeom prst="rect">
             <a:avLst/>
           </a:prstGeom>
-          <a:noFill/>
-          <a:extLst>
-            <a:ext uri="{909E8E84-426E-40DD-AFC4-6F175D3DCCD1}">
-              <a14:hiddenFill xmlns:a14="http://schemas.microsoft.com/office/drawing/2010/main">
-                <a:solidFill>
-                  <a:srgbClr val="FFFFFF"/>
-                </a:solidFill>
-              </a14:hiddenFill>
-            </a:ext>
-          </a:extLst>
         </p:spPr>
         <p:txBody>
-          <a:bodyPr vert="horz" wrap="square" lIns="91440" tIns="45720" rIns="91440" bIns="45720" numCol="1" anchor="t" anchorCtr="0" compatLnSpc="1">
-            <a:prstTxWarp prst="textNoShape">
-              <a:avLst/>
-            </a:prstTxWarp>
+          <a:bodyPr vert="horz" lIns="91440" tIns="45720" rIns="91440" bIns="45720" rtlCol="0" anchor="t">
+            <a:normAutofit fontScale="70000" lnSpcReduction="20000"/>
           </a:bodyPr>
-          <a:lstStyle/>
-          <a:p>
-            <a:endParaRPr lang="en-GB"/>
-          </a:p>
-        </p:txBody>
-      </p:sp>
-      <p:pic>
-        <p:nvPicPr>
-          <p:cNvPr id="1030" name="Picture 6">
-            <a:extLst>
-              <a:ext uri="{FF2B5EF4-FFF2-40B4-BE49-F238E27FC236}">
-                <a16:creationId xmlns:a16="http://schemas.microsoft.com/office/drawing/2014/main" id="{DF3B20E7-DFB7-496B-A1B1-F29CEEFDF57F}"/>
-              </a:ext>
-            </a:extLst>
-          </p:cNvPr>
-          <p:cNvPicPr>
-            <a:picLocks noChangeAspect="1" noChangeArrowheads="1"/>
-          </p:cNvPicPr>
-          <p:nvPr/>
-        </p:nvPicPr>
-        <p:blipFill rotWithShape="1">
-          <a:blip r:embed="rId2">
-            <a:extLst>
-              <a:ext uri="{28A0092B-C50C-407E-A947-70E740481C1C}">
-                <a14:useLocalDpi xmlns:a14="http://schemas.microsoft.com/office/drawing/2010/main" val="0"/>
-              </a:ext>
-            </a:extLst>
-          </a:blip>
-          <a:srcRect b="6853"/>
-          <a:stretch/>
-        </p:blipFill>
-        <p:spPr bwMode="auto">
-          <a:xfrm>
-            <a:off x="3794845" y="1519571"/>
-            <a:ext cx="5538936" cy="3745834"/>
-          </a:xfrm>
-          <a:prstGeom prst="rect">
-            <a:avLst/>
-          </a:prstGeom>
-          <a:noFill/>
-          <a:extLst>
-            <a:ext uri="{909E8E84-426E-40DD-AFC4-6F175D3DCCD1}">
-              <a14:hiddenFill xmlns:a14="http://schemas.microsoft.com/office/drawing/2010/main">
-                <a:solidFill>
-                  <a:srgbClr val="FFFFFF"/>
-                </a:solidFill>
-              </a14:hiddenFill>
-            </a:ext>
-          </a:extLst>
-        </p:spPr>
-      </p:pic>
+          <a:lstStyle>
+            <a:lvl1pPr marL="228600" indent="-228600" algn="l" defTabSz="914400" rtl="0" eaLnBrk="1" latinLnBrk="0" hangingPunct="1">
+              <a:lnSpc>
+                <a:spcPct val="90000"/>
+              </a:lnSpc>
+              <a:spcBef>
+                <a:spcPts val="1000"/>
+              </a:spcBef>
+              <a:buFont typeface="Arial" panose="020B0604020202020204" pitchFamily="34" charset="0"/>
+              <a:buChar char="•"/>
+              <a:defRPr sz="2800" kern="1200">
+                <a:solidFill>
+                  <a:schemeClr val="tx1"/>
+                </a:solidFill>
+                <a:latin typeface="+mn-lt"/>
+                <a:ea typeface="+mn-ea"/>
+                <a:cs typeface="+mn-cs"/>
+              </a:defRPr>
+            </a:lvl1pPr>
+            <a:lvl2pPr marL="685800" indent="-228600" algn="l" defTabSz="914400" rtl="0" eaLnBrk="1" latinLnBrk="0" hangingPunct="1">
+              <a:lnSpc>
+                <a:spcPct val="90000"/>
+              </a:lnSpc>
+              <a:spcBef>
+                <a:spcPts val="500"/>
+              </a:spcBef>
+              <a:buFont typeface="Arial" panose="020B0604020202020204" pitchFamily="34" charset="0"/>
+              <a:buChar char="•"/>
+              <a:defRPr sz="2400" kern="1200">
+                <a:solidFill>
+                  <a:schemeClr val="tx1"/>
+                </a:solidFill>
+                <a:latin typeface="+mn-lt"/>
+                <a:ea typeface="+mn-ea"/>
+                <a:cs typeface="+mn-cs"/>
+              </a:defRPr>
+            </a:lvl2pPr>
+            <a:lvl3pPr marL="1143000" indent="-228600" algn="l" defTabSz="914400" rtl="0" eaLnBrk="1" latinLnBrk="0" hangingPunct="1">
+              <a:lnSpc>
+                <a:spcPct val="90000"/>
+              </a:lnSpc>
+              <a:spcBef>
+                <a:spcPts val="500"/>
+              </a:spcBef>
+              <a:buFont typeface="Arial" panose="020B0604020202020204" pitchFamily="34" charset="0"/>
+              <a:buChar char="•"/>
+              <a:defRPr sz="2000" kern="1200">
+                <a:solidFill>
+                  <a:schemeClr val="tx1"/>
+                </a:solidFill>
+                <a:latin typeface="+mn-lt"/>
+                <a:ea typeface="+mn-ea"/>
+                <a:cs typeface="+mn-cs"/>
+              </a:defRPr>
+            </a:lvl3pPr>
+            <a:lvl4pPr marL="1600200" indent="-228600" algn="l" defTabSz="914400" rtl="0" eaLnBrk="1" latinLnBrk="0" hangingPunct="1">
+              <a:lnSpc>
+                <a:spcPct val="90000"/>
+              </a:lnSpc>
+              <a:spcBef>
+                <a:spcPts val="500"/>
+              </a:spcBef>
+              <a:buFont typeface="Arial" panose="020B0604020202020204" pitchFamily="34" charset="0"/>
+              <a:buChar char="•"/>
+              <a:defRPr sz="1800" kern="1200">
+                <a:solidFill>
+                  <a:schemeClr val="tx1"/>
+                </a:solidFill>
+                <a:latin typeface="+mn-lt"/>
+                <a:ea typeface="+mn-ea"/>
+                <a:cs typeface="+mn-cs"/>
+              </a:defRPr>
+            </a:lvl4pPr>
+            <a:lvl5pPr marL="2057400" indent="-228600" algn="l" defTabSz="914400" rtl="0" eaLnBrk="1" latinLnBrk="0" hangingPunct="1">
+              <a:lnSpc>
+                <a:spcPct val="90000"/>
+              </a:lnSpc>
+              <a:spcBef>
+                <a:spcPts val="500"/>
+              </a:spcBef>
+              <a:buFont typeface="Arial" panose="020B0604020202020204" pitchFamily="34" charset="0"/>
+              <a:buChar char="•"/>
+              <a:defRPr sz="1800" kern="1200">
+                <a:solidFill>
+                  <a:schemeClr val="tx1"/>
+                </a:solidFill>
+                <a:latin typeface="+mn-lt"/>
+                <a:ea typeface="+mn-ea"/>
+                <a:cs typeface="+mn-cs"/>
+              </a:defRPr>
+            </a:lvl5pPr>
+            <a:lvl6pPr marL="2514600" indent="-228600" algn="l" defTabSz="914400" rtl="0" eaLnBrk="1" latinLnBrk="0" hangingPunct="1">
+              <a:lnSpc>
+                <a:spcPct val="90000"/>
+              </a:lnSpc>
+              <a:spcBef>
+                <a:spcPts val="500"/>
+              </a:spcBef>
+              <a:buFont typeface="Arial" panose="020B0604020202020204" pitchFamily="34" charset="0"/>
+              <a:buChar char="•"/>
+              <a:defRPr sz="1800" kern="1200">
+                <a:solidFill>
+                  <a:schemeClr val="tx1"/>
+                </a:solidFill>
+                <a:latin typeface="+mn-lt"/>
+                <a:ea typeface="+mn-ea"/>
+                <a:cs typeface="+mn-cs"/>
+              </a:defRPr>
+            </a:lvl6pPr>
+            <a:lvl7pPr marL="2971800" indent="-228600" algn="l" defTabSz="914400" rtl="0" eaLnBrk="1" latinLnBrk="0" hangingPunct="1">
+              <a:lnSpc>
+                <a:spcPct val="90000"/>
+              </a:lnSpc>
+              <a:spcBef>
+                <a:spcPts val="500"/>
+              </a:spcBef>
+              <a:buFont typeface="Arial" panose="020B0604020202020204" pitchFamily="34" charset="0"/>
+              <a:buChar char="•"/>
+              <a:defRPr sz="1800" kern="1200">
+                <a:solidFill>
+                  <a:schemeClr val="tx1"/>
+                </a:solidFill>
+                <a:latin typeface="+mn-lt"/>
+                <a:ea typeface="+mn-ea"/>
+                <a:cs typeface="+mn-cs"/>
+              </a:defRPr>
+            </a:lvl7pPr>
+            <a:lvl8pPr marL="3429000" indent="-228600" algn="l" defTabSz="914400" rtl="0" eaLnBrk="1" latinLnBrk="0" hangingPunct="1">
+              <a:lnSpc>
+                <a:spcPct val="90000"/>
+              </a:lnSpc>
+              <a:spcBef>
+                <a:spcPts val="500"/>
+              </a:spcBef>
+              <a:buFont typeface="Arial" panose="020B0604020202020204" pitchFamily="34" charset="0"/>
+              <a:buChar char="•"/>
+              <a:defRPr sz="1800" kern="1200">
+                <a:solidFill>
+                  <a:schemeClr val="tx1"/>
+                </a:solidFill>
+                <a:latin typeface="+mn-lt"/>
+                <a:ea typeface="+mn-ea"/>
+                <a:cs typeface="+mn-cs"/>
+              </a:defRPr>
+            </a:lvl8pPr>
+            <a:lvl9pPr marL="3886200" indent="-228600" algn="l" defTabSz="914400" rtl="0" eaLnBrk="1" latinLnBrk="0" hangingPunct="1">
+              <a:lnSpc>
+                <a:spcPct val="90000"/>
+              </a:lnSpc>
+              <a:spcBef>
+                <a:spcPts val="500"/>
+              </a:spcBef>
+              <a:buFont typeface="Arial" panose="020B0604020202020204" pitchFamily="34" charset="0"/>
+              <a:buChar char="•"/>
+              <a:defRPr sz="1800" kern="1200">
+                <a:solidFill>
+                  <a:schemeClr val="tx1"/>
+                </a:solidFill>
+                <a:latin typeface="+mn-lt"/>
+                <a:ea typeface="+mn-ea"/>
+                <a:cs typeface="+mn-cs"/>
+              </a:defRPr>
+            </a:lvl9pPr>
+          </a:lstStyle>
+          <a:p>
+            <a:pPr marL="0" indent="0">
+              <a:buNone/>
+            </a:pPr>
+            <a:r>
+              <a:rPr lang="en-GB" sz="2400" dirty="0">
+                <a:solidFill>
+                  <a:schemeClr val="bg1">
+                    <a:lumMod val="95000"/>
+                  </a:schemeClr>
+                </a:solidFill>
+                <a:latin typeface="Arial Nova Light" panose="020B0304020202020204" pitchFamily="34" charset="0"/>
+                <a:cs typeface="Calibri"/>
+              </a:rPr>
+              <a:t>In this case the carboxylic acid (carbon, double bond, oxygen) opens the possibility of having a salt like sodium in the GelMA and the alginic acid.</a:t>
+            </a:r>
+          </a:p>
+          <a:p>
+            <a:pPr marL="0" indent="0">
+              <a:buNone/>
+            </a:pPr>
+            <a:endParaRPr lang="en-GB" sz="2400" dirty="0">
+              <a:solidFill>
+                <a:schemeClr val="bg1">
+                  <a:lumMod val="95000"/>
+                </a:schemeClr>
+              </a:solidFill>
+              <a:latin typeface="Arial Nova Light" panose="020B0304020202020204" pitchFamily="34" charset="0"/>
+              <a:cs typeface="Calibri"/>
+            </a:endParaRPr>
+          </a:p>
+          <a:p>
+            <a:pPr marL="0" indent="0">
+              <a:buNone/>
+            </a:pPr>
+            <a:r>
+              <a:rPr lang="en-GB" sz="2400" dirty="0">
+                <a:solidFill>
+                  <a:schemeClr val="bg1">
+                    <a:lumMod val="95000"/>
+                  </a:schemeClr>
+                </a:solidFill>
+                <a:latin typeface="Arial Nova Light" panose="020B0304020202020204" pitchFamily="34" charset="0"/>
+                <a:cs typeface="Calibri"/>
+              </a:rPr>
+              <a:t>If the sodium hydroxide in the GelMA comes in contact with alginic acid, a salt will be produced. Then the sodium salt dissolves in the water. Meaning that the carboxylic acid becomes negatively charged.</a:t>
+            </a:r>
+          </a:p>
+          <a:p>
+            <a:pPr marL="0" indent="0">
+              <a:buNone/>
+            </a:pPr>
+            <a:endParaRPr lang="en-GB" sz="2400" dirty="0">
+              <a:solidFill>
+                <a:schemeClr val="bg1">
+                  <a:lumMod val="95000"/>
+                </a:schemeClr>
+              </a:solidFill>
+              <a:latin typeface="Arial Nova Light" panose="020B0304020202020204" pitchFamily="34" charset="0"/>
+              <a:cs typeface="Calibri"/>
+            </a:endParaRPr>
+          </a:p>
+          <a:p>
+            <a:pPr marL="0" indent="0">
+              <a:buNone/>
+            </a:pPr>
+            <a:r>
+              <a:rPr lang="en-GB" sz="2400" dirty="0">
+                <a:solidFill>
+                  <a:schemeClr val="bg1">
+                    <a:lumMod val="95000"/>
+                  </a:schemeClr>
+                </a:solidFill>
+                <a:latin typeface="Arial Nova Light" panose="020B0304020202020204" pitchFamily="34" charset="0"/>
+                <a:cs typeface="Calibri"/>
+              </a:rPr>
+              <a:t>Regarding the presence of NH2 in GelMA, the NH2 part becomes positively charged with the addition of acid. Therefore the NH2 part is linked to the carboxylic acid part in the alginic acid. Moreover, the hydrogen in the alginic acid (within the red circle) is partially negative due to the dissociation of electrons with the oxygen atom.</a:t>
+            </a:r>
+          </a:p>
+          <a:p>
+            <a:pPr marL="0" indent="0">
+              <a:buNone/>
+            </a:pPr>
+            <a:endParaRPr lang="en-GB" sz="2400" dirty="0">
+              <a:solidFill>
+                <a:schemeClr val="bg1">
+                  <a:lumMod val="95000"/>
+                </a:schemeClr>
+              </a:solidFill>
+              <a:latin typeface="Arial Nova Light" panose="020B0304020202020204" pitchFamily="34" charset="0"/>
+              <a:cs typeface="Calibri"/>
+            </a:endParaRPr>
+          </a:p>
+          <a:p>
+            <a:pPr marL="0" indent="0">
+              <a:buNone/>
+            </a:pPr>
+            <a:r>
+              <a:rPr lang="en-GB" sz="2400" dirty="0">
+                <a:solidFill>
+                  <a:schemeClr val="bg1">
+                    <a:lumMod val="95000"/>
+                  </a:schemeClr>
+                </a:solidFill>
+                <a:latin typeface="Arial Nova Light" panose="020B0304020202020204" pitchFamily="34" charset="0"/>
+                <a:cs typeface="Calibri"/>
+              </a:rPr>
+              <a:t>Furthermore, calcium ions have the ability to connect because they have “double positive” ions, so one of them can connect with the OH of the alginic acid, and the other to the O- (within the red circle) of GelMA.</a:t>
+            </a:r>
+          </a:p>
+          <a:p>
+            <a:pPr marL="0" indent="0">
+              <a:buNone/>
+            </a:pPr>
+            <a:endParaRPr lang="en-GB" sz="2400" dirty="0">
+              <a:solidFill>
+                <a:schemeClr val="bg1">
+                  <a:lumMod val="95000"/>
+                </a:schemeClr>
+              </a:solidFill>
+              <a:latin typeface="Arial Nova Light" panose="020B0304020202020204" pitchFamily="34" charset="0"/>
+              <a:cs typeface="Calibri"/>
+            </a:endParaRPr>
+          </a:p>
+          <a:p>
+            <a:pPr marL="0" indent="0">
+              <a:buNone/>
+            </a:pPr>
+            <a:r>
+              <a:rPr lang="en-GB" sz="2400" dirty="0">
+                <a:solidFill>
+                  <a:schemeClr val="bg1">
+                    <a:lumMod val="95000"/>
+                  </a:schemeClr>
+                </a:solidFill>
+                <a:latin typeface="Arial Nova Light" panose="020B0304020202020204" pitchFamily="34" charset="0"/>
+                <a:cs typeface="Calibri"/>
+              </a:rPr>
+              <a:t>These crosslink ionic bonds can be amended by the addition of water, changing the stiffness of the material. (whereas covalent crosslinking cannot be amended to change the stiffness). Since, sodium is more soluble than calcium in water, the addition of sodium will displace the calcium and the material becomes malleable. On the other hand, the addition of calcium will contribute to the stiffness of the material since it is prone to precipitate.</a:t>
+            </a:r>
+          </a:p>
+          <a:p>
+            <a:pPr marL="0" indent="0">
+              <a:buNone/>
+            </a:pPr>
+            <a:endParaRPr lang="en-GB" sz="2400" dirty="0">
+              <a:solidFill>
+                <a:schemeClr val="bg1">
+                  <a:lumMod val="95000"/>
+                </a:schemeClr>
+              </a:solidFill>
+              <a:latin typeface="Arial Nova Light" panose="020B0304020202020204" pitchFamily="34" charset="0"/>
+              <a:cs typeface="Calibri"/>
+            </a:endParaRPr>
+          </a:p>
+          <a:p>
+            <a:pPr marL="0" indent="0">
+              <a:buNone/>
+            </a:pPr>
+            <a:r>
+              <a:rPr lang="en-GB" sz="2400" dirty="0">
+                <a:solidFill>
+                  <a:schemeClr val="bg1">
+                    <a:lumMod val="95000"/>
+                  </a:schemeClr>
+                </a:solidFill>
+                <a:latin typeface="Arial Nova Light" panose="020B0304020202020204" pitchFamily="34" charset="0"/>
+                <a:cs typeface="Calibri"/>
+              </a:rPr>
+              <a:t>If electricity is applied to this material, the chains will align. This alignment shrink or to expand the material (also changing the stiffness) in such a way that the material can simulate muscles.</a:t>
+            </a:r>
+            <a:endParaRPr lang="en-GB" sz="2400" dirty="0">
+              <a:solidFill>
+                <a:schemeClr val="bg1"/>
+              </a:solidFill>
+              <a:cs typeface="Calibri"/>
+            </a:endParaRPr>
+          </a:p>
+        </p:txBody>
+      </p:sp>
       <p:sp>
         <p:nvSpPr>
           <p:cNvPr id="2" name="Slide Number Placeholder 1">
             <a:extLst>
               <a:ext uri="{FF2B5EF4-FFF2-40B4-BE49-F238E27FC236}">
-                <a16:creationId xmlns:a16="http://schemas.microsoft.com/office/drawing/2014/main" id="{6DDF4E12-8FF6-4ADC-8AF4-F321F8D632CD}"/>
+                <a16:creationId xmlns:a16="http://schemas.microsoft.com/office/drawing/2014/main" id="{4819A467-EB4B-46FB-BBC1-89E7ED6000E2}"/>
               </a:ext>
             </a:extLst>
           </p:cNvPr>
@@ -8361,14 +8797,14 @@
               <a:rPr lang="en-GB" smtClean="0"/>
               <a:t>6</a:t>
             </a:fld>
-            <a:endParaRPr lang="en-GB"/>
+            <a:endParaRPr lang="en-GB" dirty="0"/>
           </a:p>
         </p:txBody>
       </p:sp>
     </p:spTree>
     <p:extLst>
       <p:ext uri="{BB962C8B-B14F-4D97-AF65-F5344CB8AC3E}">
-        <p14:creationId xmlns:p14="http://schemas.microsoft.com/office/powerpoint/2010/main" val="4246728971"/>
+        <p14:creationId xmlns:p14="http://schemas.microsoft.com/office/powerpoint/2010/main" val="916262437"/>
       </p:ext>
     </p:extLst>
   </p:cSld>
@@ -8397,6 +8833,155 @@
       </p:grpSpPr>
       <p:sp>
         <p:nvSpPr>
+          <p:cNvPr id="3" name="AutoShape 2" descr="Q &amp; A">
+            <a:extLst>
+              <a:ext uri="{FF2B5EF4-FFF2-40B4-BE49-F238E27FC236}">
+                <a16:creationId xmlns:a16="http://schemas.microsoft.com/office/drawing/2014/main" id="{2D3FFEBE-5388-4A46-A0AF-9ADC5456286E}"/>
+              </a:ext>
+            </a:extLst>
+          </p:cNvPr>
+          <p:cNvSpPr>
+            <a:spLocks noChangeAspect="1" noChangeArrowheads="1"/>
+          </p:cNvSpPr>
+          <p:nvPr/>
+        </p:nvSpPr>
+        <p:spPr bwMode="auto">
+          <a:xfrm>
+            <a:off x="5943600" y="3276600"/>
+            <a:ext cx="304800" cy="304800"/>
+          </a:xfrm>
+          <a:prstGeom prst="rect">
+            <a:avLst/>
+          </a:prstGeom>
+          <a:noFill/>
+          <a:extLst>
+            <a:ext uri="{909E8E84-426E-40DD-AFC4-6F175D3DCCD1}">
+              <a14:hiddenFill xmlns:a14="http://schemas.microsoft.com/office/drawing/2010/main">
+                <a:solidFill>
+                  <a:srgbClr val="FFFFFF"/>
+                </a:solidFill>
+              </a14:hiddenFill>
+            </a:ext>
+          </a:extLst>
+        </p:spPr>
+        <p:txBody>
+          <a:bodyPr vert="horz" wrap="square" lIns="91440" tIns="45720" rIns="91440" bIns="45720" numCol="1" anchor="t" anchorCtr="0" compatLnSpc="1">
+            <a:prstTxWarp prst="textNoShape">
+              <a:avLst/>
+            </a:prstTxWarp>
+          </a:bodyPr>
+          <a:lstStyle/>
+          <a:p>
+            <a:endParaRPr lang="en-GB"/>
+          </a:p>
+        </p:txBody>
+      </p:sp>
+      <p:pic>
+        <p:nvPicPr>
+          <p:cNvPr id="1030" name="Picture 6">
+            <a:extLst>
+              <a:ext uri="{FF2B5EF4-FFF2-40B4-BE49-F238E27FC236}">
+                <a16:creationId xmlns:a16="http://schemas.microsoft.com/office/drawing/2014/main" id="{DF3B20E7-DFB7-496B-A1B1-F29CEEFDF57F}"/>
+              </a:ext>
+            </a:extLst>
+          </p:cNvPr>
+          <p:cNvPicPr>
+            <a:picLocks noChangeAspect="1" noChangeArrowheads="1"/>
+          </p:cNvPicPr>
+          <p:nvPr/>
+        </p:nvPicPr>
+        <p:blipFill rotWithShape="1">
+          <a:blip r:embed="rId2">
+            <a:extLst>
+              <a:ext uri="{28A0092B-C50C-407E-A947-70E740481C1C}">
+                <a14:useLocalDpi xmlns:a14="http://schemas.microsoft.com/office/drawing/2010/main" val="0"/>
+              </a:ext>
+            </a:extLst>
+          </a:blip>
+          <a:srcRect b="6853"/>
+          <a:stretch/>
+        </p:blipFill>
+        <p:spPr bwMode="auto">
+          <a:xfrm>
+            <a:off x="3794845" y="1519571"/>
+            <a:ext cx="5538936" cy="3745834"/>
+          </a:xfrm>
+          <a:prstGeom prst="rect">
+            <a:avLst/>
+          </a:prstGeom>
+          <a:noFill/>
+          <a:extLst>
+            <a:ext uri="{909E8E84-426E-40DD-AFC4-6F175D3DCCD1}">
+              <a14:hiddenFill xmlns:a14="http://schemas.microsoft.com/office/drawing/2010/main">
+                <a:solidFill>
+                  <a:srgbClr val="FFFFFF"/>
+                </a:solidFill>
+              </a14:hiddenFill>
+            </a:ext>
+          </a:extLst>
+        </p:spPr>
+      </p:pic>
+      <p:sp>
+        <p:nvSpPr>
+          <p:cNvPr id="2" name="Slide Number Placeholder 1">
+            <a:extLst>
+              <a:ext uri="{FF2B5EF4-FFF2-40B4-BE49-F238E27FC236}">
+                <a16:creationId xmlns:a16="http://schemas.microsoft.com/office/drawing/2014/main" id="{6DDF4E12-8FF6-4ADC-8AF4-F321F8D632CD}"/>
+              </a:ext>
+            </a:extLst>
+          </p:cNvPr>
+          <p:cNvSpPr>
+            <a:spLocks noGrp="1"/>
+          </p:cNvSpPr>
+          <p:nvPr>
+            <p:ph type="sldNum" sz="quarter" idx="12"/>
+          </p:nvPr>
+        </p:nvSpPr>
+        <p:spPr/>
+        <p:txBody>
+          <a:bodyPr/>
+          <a:lstStyle/>
+          <a:p>
+            <a:fld id="{44F922D5-DBBB-4193-BE70-B740CC9842E5}" type="slidenum">
+              <a:rPr lang="en-GB" smtClean="0"/>
+              <a:t>7</a:t>
+            </a:fld>
+            <a:endParaRPr lang="en-GB"/>
+          </a:p>
+        </p:txBody>
+      </p:sp>
+    </p:spTree>
+    <p:extLst>
+      <p:ext uri="{BB962C8B-B14F-4D97-AF65-F5344CB8AC3E}">
+        <p14:creationId xmlns:p14="http://schemas.microsoft.com/office/powerpoint/2010/main" val="4246728971"/>
+      </p:ext>
+    </p:extLst>
+  </p:cSld>
+  <p:clrMapOvr>
+    <a:masterClrMapping/>
+  </p:clrMapOvr>
+</p:sld>
+</file>
+
+<file path=ppt/slides/slide8.xml><?xml version="1.0" encoding="utf-8"?>
+<p:sld xmlns:a="http://schemas.openxmlformats.org/drawingml/2006/main" xmlns:r="http://schemas.openxmlformats.org/officeDocument/2006/relationships" xmlns:p="http://schemas.openxmlformats.org/presentationml/2006/main">
+  <p:cSld>
+    <p:spTree>
+      <p:nvGrpSpPr>
+        <p:cNvPr id="1" name=""/>
+        <p:cNvGrpSpPr/>
+        <p:nvPr/>
+      </p:nvGrpSpPr>
+      <p:grpSpPr>
+        <a:xfrm>
+          <a:off x="0" y="0"/>
+          <a:ext cx="0" cy="0"/>
+          <a:chOff x="0" y="0"/>
+          <a:chExt cx="0" cy="0"/>
+        </a:xfrm>
+      </p:grpSpPr>
+      <p:sp>
+        <p:nvSpPr>
           <p:cNvPr id="4" name="Title 1">
             <a:extLst>
               <a:ext uri="{FF2B5EF4-FFF2-40B4-BE49-F238E27FC236}">
@@ -8458,7 +9043,7 @@
           <a:p>
             <a:fld id="{44F922D5-DBBB-4193-BE70-B740CC9842E5}" type="slidenum">
               <a:rPr lang="en-GB" smtClean="0"/>
-              <a:t>7</a:t>
+              <a:t>8</a:t>
             </a:fld>
             <a:endParaRPr lang="en-GB"/>
           </a:p>
